--- a/git및github첫걸음.pptx
+++ b/git및github첫걸음.pptx
@@ -5,7 +5,7 @@
     <p:sldMasterId id="2147483660" r:id="rId1"/>
   </p:sldMasterIdLst>
   <p:notesMasterIdLst>
-    <p:notesMasterId r:id="rId25"/>
+    <p:notesMasterId r:id="rId31"/>
   </p:notesMasterIdLst>
   <p:sldIdLst>
     <p:sldId id="256" r:id="rId2"/>
@@ -25,12 +25,18 @@
     <p:sldId id="280" r:id="rId16"/>
     <p:sldId id="281" r:id="rId17"/>
     <p:sldId id="282" r:id="rId18"/>
-    <p:sldId id="262" r:id="rId19"/>
-    <p:sldId id="275" r:id="rId20"/>
-    <p:sldId id="258" r:id="rId21"/>
-    <p:sldId id="259" r:id="rId22"/>
-    <p:sldId id="261" r:id="rId23"/>
-    <p:sldId id="260" r:id="rId24"/>
+    <p:sldId id="275" r:id="rId19"/>
+    <p:sldId id="258" r:id="rId20"/>
+    <p:sldId id="261" r:id="rId21"/>
+    <p:sldId id="283" r:id="rId22"/>
+    <p:sldId id="284" r:id="rId23"/>
+    <p:sldId id="285" r:id="rId24"/>
+    <p:sldId id="286" r:id="rId25"/>
+    <p:sldId id="287" r:id="rId26"/>
+    <p:sldId id="288" r:id="rId27"/>
+    <p:sldId id="289" r:id="rId28"/>
+    <p:sldId id="290" r:id="rId29"/>
+    <p:sldId id="259" r:id="rId30"/>
   </p:sldIdLst>
   <p:sldSz cx="9144000" cy="6858000" type="screen4x3"/>
   <p:notesSz cx="6858000" cy="9144000"/>
@@ -541,46 +547,7 @@
           <a:bodyPr/>
           <a:lstStyle/>
           <a:p>
-            <a:r>
-              <a:rPr lang="ko-KR" altLang="en-US" dirty="0"/>
-              <a:t>대부분의 작업은 로컬에서 벌어지므로 로컬</a:t>
-            </a:r>
-            <a:r>
-              <a:rPr lang="en-US" altLang="ko-KR" dirty="0"/>
-              <a:t>repo</a:t>
-            </a:r>
-            <a:r>
-              <a:rPr lang="ko-KR" altLang="en-US" dirty="0"/>
-              <a:t>를 다루는 능력이 매우 중요하다</a:t>
-            </a:r>
-            <a:r>
-              <a:rPr lang="en-US" altLang="ko-KR" dirty="0"/>
-              <a:t>.</a:t>
-            </a:r>
-          </a:p>
-          <a:p>
-            <a:r>
-              <a:rPr lang="ko-KR" altLang="en-US" dirty="0"/>
-              <a:t>로컬에서 한 것을 원격에서는 취합 </a:t>
-            </a:r>
-            <a:r>
-              <a:rPr lang="ko-KR" altLang="en-US" dirty="0" err="1"/>
-              <a:t>결합등을</a:t>
-            </a:r>
-            <a:r>
-              <a:rPr lang="ko-KR" altLang="en-US" dirty="0"/>
-              <a:t> 하기 때문에 로컬에서 작업이 매우 중요</a:t>
-            </a:r>
-            <a:r>
-              <a:rPr lang="en-US" altLang="ko-KR" dirty="0"/>
-              <a:t>.</a:t>
-            </a:r>
-          </a:p>
-          <a:p>
-            <a:r>
-              <a:rPr lang="ko-KR" altLang="en-US" dirty="0"/>
-              <a:t>원격은 협업 공간</a:t>
-            </a:r>
+            <a:endParaRPr lang="ko-KR" altLang="en-US" dirty="0"/>
           </a:p>
         </p:txBody>
       </p:sp>
@@ -591,7 +558,7 @@
             <a:spLocks noGrp="1"/>
           </p:cNvSpPr>
           <p:nvPr>
-            <p:ph type="sldNum" sz="quarter" idx="5"/>
+            <p:ph type="sldNum" sz="quarter" idx="10"/>
           </p:nvPr>
         </p:nvSpPr>
         <p:spPr/>
@@ -601,7 +568,7 @@
           <a:p>
             <a:fld id="{625D4AC4-540A-4436-887D-BF6A8FCF1275}" type="slidenum">
               <a:rPr lang="ko-KR" altLang="en-US" smtClean="0"/>
-              <a:t>3</a:t>
+              <a:t>1</a:t>
             </a:fld>
             <a:endParaRPr lang="ko-KR" altLang="en-US"/>
           </a:p>
@@ -610,7 +577,7 @@
     </p:spTree>
     <p:extLst>
       <p:ext uri="{BB962C8B-B14F-4D97-AF65-F5344CB8AC3E}">
-        <p14:creationId xmlns:p14="http://schemas.microsoft.com/office/powerpoint/2010/main" val="3346170035"/>
+        <p14:creationId xmlns:p14="http://schemas.microsoft.com/office/powerpoint/2010/main" val="3058849245"/>
       </p:ext>
     </p:extLst>
   </p:cSld>
@@ -664,18 +631,7 @@
           <a:bodyPr/>
           <a:lstStyle/>
           <a:p>
-            <a:r>
-              <a:rPr lang="ko-KR" altLang="en-US" dirty="0"/>
-              <a:t> 실습준비 완료됨</a:t>
-            </a:r>
-            <a:r>
-              <a:rPr lang="en-US" altLang="ko-KR" dirty="0"/>
-              <a:t>. </a:t>
-            </a:r>
-            <a:r>
-              <a:rPr lang="ko-KR" altLang="en-US" dirty="0"/>
-              <a:t>이제 부터 명령어 실습</a:t>
-            </a:r>
+            <a:endParaRPr lang="ko-KR" altLang="en-US" dirty="0"/>
           </a:p>
         </p:txBody>
       </p:sp>
@@ -696,7 +652,7 @@
           <a:p>
             <a:fld id="{625D4AC4-540A-4436-887D-BF6A8FCF1275}" type="slidenum">
               <a:rPr lang="ko-KR" altLang="en-US" smtClean="0"/>
-              <a:t>12</a:t>
+              <a:t>11</a:t>
             </a:fld>
             <a:endParaRPr lang="ko-KR" altLang="en-US"/>
           </a:p>
@@ -705,7 +661,7 @@
     </p:spTree>
     <p:extLst>
       <p:ext uri="{BB962C8B-B14F-4D97-AF65-F5344CB8AC3E}">
-        <p14:creationId xmlns:p14="http://schemas.microsoft.com/office/powerpoint/2010/main" val="2522652626"/>
+        <p14:creationId xmlns:p14="http://schemas.microsoft.com/office/powerpoint/2010/main" val="1195814994"/>
       </p:ext>
     </p:extLst>
   </p:cSld>
@@ -771,95 +727,6 @@
               <a:rPr lang="ko-KR" altLang="en-US" dirty="0"/>
               <a:t>이제 부터 명령어 실습</a:t>
             </a:r>
-            <a:endParaRPr lang="en-US" altLang="ko-KR" dirty="0"/>
-          </a:p>
-          <a:p>
-            <a:r>
-              <a:rPr lang="en-US" altLang="ko-KR" dirty="0"/>
-              <a:t>Notepad</a:t>
-            </a:r>
-            <a:r>
-              <a:rPr lang="ko-KR" altLang="en-US" dirty="0"/>
-              <a:t>가 안 먹음</a:t>
-            </a:r>
-            <a:r>
-              <a:rPr lang="en-US" altLang="ko-KR" dirty="0"/>
-              <a:t>. </a:t>
-            </a:r>
-          </a:p>
-          <a:p>
-            <a:r>
-              <a:rPr lang="en-US" altLang="ko-KR" dirty="0"/>
-              <a:t>Config </a:t>
-            </a:r>
-            <a:r>
-              <a:rPr lang="ko-KR" altLang="en-US" dirty="0"/>
-              <a:t>파일 순서 </a:t>
-            </a:r>
-            <a:r>
-              <a:rPr lang="en-US" altLang="ko-KR" dirty="0"/>
-              <a:t>: </a:t>
-            </a:r>
-            <a:r>
-              <a:rPr lang="ko-KR" altLang="en-US" dirty="0"/>
-              <a:t>겹치는 명령은 가까운 </a:t>
-            </a:r>
-            <a:r>
-              <a:rPr lang="en-US" altLang="ko-KR" dirty="0"/>
-              <a:t>config</a:t>
-            </a:r>
-            <a:r>
-              <a:rPr lang="ko-KR" altLang="en-US" dirty="0"/>
-              <a:t>부터 선택  </a:t>
-            </a:r>
-            <a:r>
-              <a:rPr lang="en-US" altLang="ko-KR" dirty="0"/>
-              <a:t>.git/config, c:/user/user/.gitconfig, </a:t>
-            </a:r>
-            <a:r>
-              <a:rPr lang="fr-FR" altLang="ko-KR" b="0" i="0" dirty="0">
-                <a:solidFill>
-                  <a:srgbClr val="C9D1D9"/>
-                </a:solidFill>
-                <a:effectLst/>
-                <a:latin typeface="SFMono-Regular"/>
-              </a:rPr>
-              <a:t>C:\Program Files\Git\</a:t>
-            </a:r>
-            <a:r>
-              <a:rPr lang="fr-FR" altLang="ko-KR" b="0" i="0" dirty="0" err="1">
-                <a:solidFill>
-                  <a:srgbClr val="C9D1D9"/>
-                </a:solidFill>
-                <a:effectLst/>
-                <a:latin typeface="SFMono-Regular"/>
-              </a:rPr>
-              <a:t>etc</a:t>
-            </a:r>
-            <a:r>
-              <a:rPr lang="fr-FR" altLang="ko-KR" b="0" i="0" dirty="0">
-                <a:solidFill>
-                  <a:srgbClr val="C9D1D9"/>
-                </a:solidFill>
-                <a:effectLst/>
-                <a:latin typeface="SFMono-Regular"/>
-              </a:rPr>
-              <a:t>\</a:t>
-            </a:r>
-            <a:r>
-              <a:rPr lang="fr-FR" altLang="ko-KR" b="0" i="0" dirty="0" err="1">
-                <a:solidFill>
-                  <a:srgbClr val="C9D1D9"/>
-                </a:solidFill>
-                <a:effectLst/>
-                <a:latin typeface="SFMono-Regular"/>
-              </a:rPr>
-              <a:t>gitconfig</a:t>
-            </a:r>
-            <a:endParaRPr lang="en-US" altLang="ko-KR" dirty="0"/>
-          </a:p>
-          <a:p>
-            <a:endParaRPr lang="ko-KR" altLang="en-US" dirty="0"/>
           </a:p>
         </p:txBody>
       </p:sp>
@@ -880,7 +747,7 @@
           <a:p>
             <a:fld id="{625D4AC4-540A-4436-887D-BF6A8FCF1275}" type="slidenum">
               <a:rPr lang="ko-KR" altLang="en-US" smtClean="0"/>
-              <a:t>13</a:t>
+              <a:t>12</a:t>
             </a:fld>
             <a:endParaRPr lang="ko-KR" altLang="en-US"/>
           </a:p>
@@ -889,7 +756,7 @@
     </p:spTree>
     <p:extLst>
       <p:ext uri="{BB962C8B-B14F-4D97-AF65-F5344CB8AC3E}">
-        <p14:creationId xmlns:p14="http://schemas.microsoft.com/office/powerpoint/2010/main" val="1961671646"/>
+        <p14:creationId xmlns:p14="http://schemas.microsoft.com/office/powerpoint/2010/main" val="2522652626"/>
       </p:ext>
     </p:extLst>
   </p:cSld>
@@ -945,24 +812,105 @@
           <a:p>
             <a:r>
               <a:rPr lang="ko-KR" altLang="en-US" dirty="0"/>
-              <a:t>한번 </a:t>
-            </a:r>
-            <a:r>
-              <a:rPr lang="en-US" altLang="ko-KR" dirty="0"/>
-              <a:t>commit</a:t>
+              <a:t> 실습준비 완료됨</a:t>
+            </a:r>
+            <a:r>
+              <a:rPr lang="en-US" altLang="ko-KR" dirty="0"/>
+              <a:t>. </a:t>
             </a:r>
             <a:r>
               <a:rPr lang="ko-KR" altLang="en-US" dirty="0"/>
-              <a:t>했으면 그 상태로 계속 있게 됨</a:t>
+              <a:t>이제 부터 명령어 실습</a:t>
+            </a:r>
+            <a:endParaRPr lang="en-US" altLang="ko-KR" dirty="0"/>
+          </a:p>
+          <a:p>
+            <a:r>
+              <a:rPr lang="en-US" altLang="ko-KR" dirty="0"/>
+              <a:t>Notepad</a:t>
+            </a:r>
+            <a:r>
+              <a:rPr lang="ko-KR" altLang="en-US" dirty="0"/>
+              <a:t>가 안 먹음</a:t>
             </a:r>
             <a:r>
               <a:rPr lang="en-US" altLang="ko-KR" dirty="0"/>
               <a:t>. </a:t>
             </a:r>
+          </a:p>
+          <a:p>
+            <a:r>
+              <a:rPr lang="en-US" altLang="ko-KR" dirty="0"/>
+              <a:t>Config </a:t>
+            </a:r>
             <a:r>
               <a:rPr lang="ko-KR" altLang="en-US" dirty="0"/>
-              <a:t>스냅샷 사진 조작 안됨</a:t>
-            </a:r>
+              <a:t>파일 순서 </a:t>
+            </a:r>
+            <a:r>
+              <a:rPr lang="en-US" altLang="ko-KR" dirty="0"/>
+              <a:t>: </a:t>
+            </a:r>
+            <a:r>
+              <a:rPr lang="ko-KR" altLang="en-US" dirty="0"/>
+              <a:t>겹치는 명령은 가까운 </a:t>
+            </a:r>
+            <a:r>
+              <a:rPr lang="en-US" altLang="ko-KR" dirty="0"/>
+              <a:t>config</a:t>
+            </a:r>
+            <a:r>
+              <a:rPr lang="ko-KR" altLang="en-US" dirty="0"/>
+              <a:t>부터 선택  </a:t>
+            </a:r>
+            <a:r>
+              <a:rPr lang="en-US" altLang="ko-KR" dirty="0"/>
+              <a:t>.git/config, c:/user/user/.gitconfig, </a:t>
+            </a:r>
+            <a:r>
+              <a:rPr lang="fr-FR" altLang="ko-KR" b="0" i="0" dirty="0">
+                <a:solidFill>
+                  <a:srgbClr val="C9D1D9"/>
+                </a:solidFill>
+                <a:effectLst/>
+                <a:latin typeface="SFMono-Regular"/>
+              </a:rPr>
+              <a:t>C:\Program Files\Git\</a:t>
+            </a:r>
+            <a:r>
+              <a:rPr lang="fr-FR" altLang="ko-KR" b="0" i="0" dirty="0" err="1">
+                <a:solidFill>
+                  <a:srgbClr val="C9D1D9"/>
+                </a:solidFill>
+                <a:effectLst/>
+                <a:latin typeface="SFMono-Regular"/>
+              </a:rPr>
+              <a:t>etc</a:t>
+            </a:r>
+            <a:r>
+              <a:rPr lang="fr-FR" altLang="ko-KR" b="0" i="0" dirty="0">
+                <a:solidFill>
+                  <a:srgbClr val="C9D1D9"/>
+                </a:solidFill>
+                <a:effectLst/>
+                <a:latin typeface="SFMono-Regular"/>
+              </a:rPr>
+              <a:t>\</a:t>
+            </a:r>
+            <a:r>
+              <a:rPr lang="fr-FR" altLang="ko-KR" b="0" i="0" dirty="0" err="1">
+                <a:solidFill>
+                  <a:srgbClr val="C9D1D9"/>
+                </a:solidFill>
+                <a:effectLst/>
+                <a:latin typeface="SFMono-Regular"/>
+              </a:rPr>
+              <a:t>gitconfig</a:t>
+            </a:r>
+            <a:endParaRPr lang="en-US" altLang="ko-KR" dirty="0"/>
+          </a:p>
+          <a:p>
+            <a:endParaRPr lang="ko-KR" altLang="en-US" dirty="0"/>
           </a:p>
         </p:txBody>
       </p:sp>
@@ -983,7 +931,7 @@
           <a:p>
             <a:fld id="{625D4AC4-540A-4436-887D-BF6A8FCF1275}" type="slidenum">
               <a:rPr lang="ko-KR" altLang="en-US" smtClean="0"/>
-              <a:t>14</a:t>
+              <a:t>13</a:t>
             </a:fld>
             <a:endParaRPr lang="ko-KR" altLang="en-US"/>
           </a:p>
@@ -992,7 +940,7 @@
     </p:spTree>
     <p:extLst>
       <p:ext uri="{BB962C8B-B14F-4D97-AF65-F5344CB8AC3E}">
-        <p14:creationId xmlns:p14="http://schemas.microsoft.com/office/powerpoint/2010/main" val="3237969767"/>
+        <p14:creationId xmlns:p14="http://schemas.microsoft.com/office/powerpoint/2010/main" val="1961671646"/>
       </p:ext>
     </p:extLst>
   </p:cSld>
@@ -1047,55 +995,24 @@
           <a:lstStyle/>
           <a:p>
             <a:r>
-              <a:rPr lang="en-US" altLang="ko-KR" dirty="0"/>
-              <a:t>Commitment : </a:t>
-            </a:r>
-            <a:r>
               <a:rPr lang="ko-KR" altLang="en-US" dirty="0"/>
-              <a:t>약속</a:t>
-            </a:r>
-            <a:r>
-              <a:rPr lang="en-US" altLang="ko-KR" dirty="0"/>
-              <a:t>, </a:t>
+              <a:t>한번 </a:t>
+            </a:r>
+            <a:r>
+              <a:rPr lang="en-US" altLang="ko-KR" dirty="0"/>
+              <a:t>commit</a:t>
             </a:r>
             <a:r>
               <a:rPr lang="ko-KR" altLang="en-US" dirty="0"/>
-              <a:t>헌신</a:t>
-            </a:r>
-            <a:r>
-              <a:rPr lang="en-US" altLang="ko-KR" dirty="0"/>
-              <a:t>, commit</a:t>
+              <a:t>했으면 그 상태로 계속 있게 됨</a:t>
+            </a:r>
+            <a:r>
+              <a:rPr lang="en-US" altLang="ko-KR" dirty="0"/>
+              <a:t>. </a:t>
             </a:r>
             <a:r>
               <a:rPr lang="ko-KR" altLang="en-US" dirty="0"/>
-              <a:t> </a:t>
-            </a:r>
-            <a:r>
-              <a:rPr lang="en-US" altLang="ko-KR" dirty="0" err="1"/>
-              <a:t>suicied</a:t>
-            </a:r>
-            <a:r>
-              <a:rPr lang="ko-KR" altLang="en-US" dirty="0"/>
-              <a:t> </a:t>
-            </a:r>
-            <a:r>
-              <a:rPr lang="en-US" altLang="ko-KR" dirty="0"/>
-              <a:t>:</a:t>
-            </a:r>
-            <a:r>
-              <a:rPr lang="ko-KR" altLang="en-US" dirty="0"/>
-              <a:t> 자살하다 등</a:t>
-            </a:r>
-            <a:endParaRPr lang="en-US" altLang="ko-KR" dirty="0"/>
-          </a:p>
-          <a:p>
-            <a:r>
-              <a:rPr lang="en-US" altLang="ko-KR" dirty="0"/>
-              <a:t>Committed : </a:t>
-            </a:r>
-            <a:r>
-              <a:rPr lang="ko-KR" altLang="en-US" dirty="0"/>
-              <a:t>헌신적인</a:t>
+              <a:t>스냅샷 사진 조작 안됨</a:t>
             </a:r>
           </a:p>
         </p:txBody>
@@ -1117,7 +1034,7 @@
           <a:p>
             <a:fld id="{625D4AC4-540A-4436-887D-BF6A8FCF1275}" type="slidenum">
               <a:rPr lang="ko-KR" altLang="en-US" smtClean="0"/>
-              <a:t>15</a:t>
+              <a:t>14</a:t>
             </a:fld>
             <a:endParaRPr lang="ko-KR" altLang="en-US"/>
           </a:p>
@@ -1126,7 +1043,7 @@
     </p:spTree>
     <p:extLst>
       <p:ext uri="{BB962C8B-B14F-4D97-AF65-F5344CB8AC3E}">
-        <p14:creationId xmlns:p14="http://schemas.microsoft.com/office/powerpoint/2010/main" val="648769536"/>
+        <p14:creationId xmlns:p14="http://schemas.microsoft.com/office/powerpoint/2010/main" val="3237969767"/>
       </p:ext>
     </p:extLst>
   </p:cSld>
@@ -1180,7 +1097,57 @@
           <a:bodyPr/>
           <a:lstStyle/>
           <a:p>
-            <a:endParaRPr lang="ko-KR" altLang="en-US" dirty="0"/>
+            <a:r>
+              <a:rPr lang="en-US" altLang="ko-KR" dirty="0"/>
+              <a:t>Commitment : </a:t>
+            </a:r>
+            <a:r>
+              <a:rPr lang="ko-KR" altLang="en-US" dirty="0"/>
+              <a:t>약속</a:t>
+            </a:r>
+            <a:r>
+              <a:rPr lang="en-US" altLang="ko-KR" dirty="0"/>
+              <a:t>, </a:t>
+            </a:r>
+            <a:r>
+              <a:rPr lang="ko-KR" altLang="en-US" dirty="0"/>
+              <a:t>헌신</a:t>
+            </a:r>
+            <a:r>
+              <a:rPr lang="en-US" altLang="ko-KR" dirty="0"/>
+              <a:t>, commit</a:t>
+            </a:r>
+            <a:r>
+              <a:rPr lang="ko-KR" altLang="en-US" dirty="0"/>
+              <a:t> </a:t>
+            </a:r>
+            <a:r>
+              <a:rPr lang="en-US" altLang="ko-KR" dirty="0" err="1"/>
+              <a:t>suicied</a:t>
+            </a:r>
+            <a:r>
+              <a:rPr lang="ko-KR" altLang="en-US" dirty="0"/>
+              <a:t> </a:t>
+            </a:r>
+            <a:r>
+              <a:rPr lang="en-US" altLang="ko-KR" dirty="0"/>
+              <a:t>:</a:t>
+            </a:r>
+            <a:r>
+              <a:rPr lang="ko-KR" altLang="en-US" dirty="0"/>
+              <a:t> 자살하다 등</a:t>
+            </a:r>
+            <a:endParaRPr lang="en-US" altLang="ko-KR" dirty="0"/>
+          </a:p>
+          <a:p>
+            <a:r>
+              <a:rPr lang="en-US" altLang="ko-KR" dirty="0"/>
+              <a:t>Committed : </a:t>
+            </a:r>
+            <a:r>
+              <a:rPr lang="ko-KR" altLang="en-US" dirty="0"/>
+              <a:t>헌신적인</a:t>
+            </a:r>
           </a:p>
         </p:txBody>
       </p:sp>
@@ -1201,7 +1168,7 @@
           <a:p>
             <a:fld id="{625D4AC4-540A-4436-887D-BF6A8FCF1275}" type="slidenum">
               <a:rPr lang="ko-KR" altLang="en-US" smtClean="0"/>
-              <a:t>16</a:t>
+              <a:t>15</a:t>
             </a:fld>
             <a:endParaRPr lang="ko-KR" altLang="en-US"/>
           </a:p>
@@ -1210,7 +1177,7 @@
     </p:spTree>
     <p:extLst>
       <p:ext uri="{BB962C8B-B14F-4D97-AF65-F5344CB8AC3E}">
-        <p14:creationId xmlns:p14="http://schemas.microsoft.com/office/powerpoint/2010/main" val="1149966425"/>
+        <p14:creationId xmlns:p14="http://schemas.microsoft.com/office/powerpoint/2010/main" val="648769536"/>
       </p:ext>
     </p:extLst>
   </p:cSld>
@@ -1285,7 +1252,7 @@
           <a:p>
             <a:fld id="{625D4AC4-540A-4436-887D-BF6A8FCF1275}" type="slidenum">
               <a:rPr lang="ko-KR" altLang="en-US" smtClean="0"/>
-              <a:t>17</a:t>
+              <a:t>16</a:t>
             </a:fld>
             <a:endParaRPr lang="ko-KR" altLang="en-US"/>
           </a:p>
@@ -1294,7 +1261,7 @@
     </p:spTree>
     <p:extLst>
       <p:ext uri="{BB962C8B-B14F-4D97-AF65-F5344CB8AC3E}">
-        <p14:creationId xmlns:p14="http://schemas.microsoft.com/office/powerpoint/2010/main" val="338757471"/>
+        <p14:creationId xmlns:p14="http://schemas.microsoft.com/office/powerpoint/2010/main" val="1149966425"/>
       </p:ext>
     </p:extLst>
   </p:cSld>
@@ -1348,35 +1315,6 @@
           <a:bodyPr/>
           <a:lstStyle/>
           <a:p>
-            <a:r>
-              <a:rPr lang="ko-KR" altLang="en-US" dirty="0"/>
-              <a:t> 실습준비 완료됨</a:t>
-            </a:r>
-            <a:r>
-              <a:rPr lang="en-US" altLang="ko-KR" dirty="0"/>
-              <a:t>. </a:t>
-            </a:r>
-            <a:r>
-              <a:rPr lang="ko-KR" altLang="en-US" dirty="0"/>
-              <a:t>이제 부터 명령어 실습</a:t>
-            </a:r>
-            <a:endParaRPr lang="en-US" altLang="ko-KR" dirty="0"/>
-          </a:p>
-          <a:p>
-            <a:r>
-              <a:rPr lang="en-US" altLang="ko-KR" dirty="0"/>
-              <a:t>Notepad</a:t>
-            </a:r>
-            <a:r>
-              <a:rPr lang="ko-KR" altLang="en-US" dirty="0"/>
-              <a:t>가 안 먹음</a:t>
-            </a:r>
-            <a:r>
-              <a:rPr lang="en-US" altLang="ko-KR" dirty="0"/>
-              <a:t>. </a:t>
-            </a:r>
-          </a:p>
-          <a:p>
             <a:endParaRPr lang="ko-KR" altLang="en-US" dirty="0"/>
           </a:p>
         </p:txBody>
@@ -1398,7 +1336,120 @@
           <a:p>
             <a:fld id="{625D4AC4-540A-4436-887D-BF6A8FCF1275}" type="slidenum">
               <a:rPr lang="ko-KR" altLang="en-US" smtClean="0"/>
-              <a:t>19</a:t>
+              <a:t>17</a:t>
+            </a:fld>
+            <a:endParaRPr lang="ko-KR" altLang="en-US"/>
+          </a:p>
+        </p:txBody>
+      </p:sp>
+    </p:spTree>
+    <p:extLst>
+      <p:ext uri="{BB962C8B-B14F-4D97-AF65-F5344CB8AC3E}">
+        <p14:creationId xmlns:p14="http://schemas.microsoft.com/office/powerpoint/2010/main" val="338757471"/>
+      </p:ext>
+    </p:extLst>
+  </p:cSld>
+  <p:clrMapOvr>
+    <a:masterClrMapping/>
+  </p:clrMapOvr>
+</p:notes>
+</file>
+
+<file path=ppt/notesSlides/notesSlide17.xml><?xml version="1.0" encoding="utf-8"?>
+<p:notes xmlns:a="http://schemas.openxmlformats.org/drawingml/2006/main" xmlns:r="http://schemas.openxmlformats.org/officeDocument/2006/relationships" xmlns:p="http://schemas.openxmlformats.org/presentationml/2006/main">
+  <p:cSld>
+    <p:spTree>
+      <p:nvGrpSpPr>
+        <p:cNvPr id="1" name=""/>
+        <p:cNvGrpSpPr/>
+        <p:nvPr/>
+      </p:nvGrpSpPr>
+      <p:grpSpPr>
+        <a:xfrm>
+          <a:off x="0" y="0"/>
+          <a:ext cx="0" cy="0"/>
+          <a:chOff x="0" y="0"/>
+          <a:chExt cx="0" cy="0"/>
+        </a:xfrm>
+      </p:grpSpPr>
+      <p:sp>
+        <p:nvSpPr>
+          <p:cNvPr id="2" name="슬라이드 이미지 개체 틀 1"/>
+          <p:cNvSpPr>
+            <a:spLocks noGrp="1" noRot="1" noChangeAspect="1"/>
+          </p:cNvSpPr>
+          <p:nvPr>
+            <p:ph type="sldImg"/>
+          </p:nvPr>
+        </p:nvSpPr>
+        <p:spPr/>
+      </p:sp>
+      <p:sp>
+        <p:nvSpPr>
+          <p:cNvPr id="3" name="슬라이드 노트 개체 틀 2"/>
+          <p:cNvSpPr>
+            <a:spLocks noGrp="1"/>
+          </p:cNvSpPr>
+          <p:nvPr>
+            <p:ph type="body" idx="1"/>
+          </p:nvPr>
+        </p:nvSpPr>
+        <p:spPr/>
+        <p:txBody>
+          <a:bodyPr/>
+          <a:lstStyle/>
+          <a:p>
+            <a:r>
+              <a:rPr lang="ko-KR" altLang="en-US" dirty="0"/>
+              <a:t> 실습준비 완료됨</a:t>
+            </a:r>
+            <a:r>
+              <a:rPr lang="en-US" altLang="ko-KR" dirty="0"/>
+              <a:t>. </a:t>
+            </a:r>
+            <a:r>
+              <a:rPr lang="ko-KR" altLang="en-US" dirty="0"/>
+              <a:t>이제 부터 명령어 실습</a:t>
+            </a:r>
+            <a:endParaRPr lang="en-US" altLang="ko-KR" dirty="0"/>
+          </a:p>
+          <a:p>
+            <a:r>
+              <a:rPr lang="en-US" altLang="ko-KR" dirty="0"/>
+              <a:t>Notepad</a:t>
+            </a:r>
+            <a:r>
+              <a:rPr lang="ko-KR" altLang="en-US" dirty="0"/>
+              <a:t>가 안 먹음</a:t>
+            </a:r>
+            <a:r>
+              <a:rPr lang="en-US" altLang="ko-KR" dirty="0"/>
+              <a:t>. </a:t>
+            </a:r>
+          </a:p>
+          <a:p>
+            <a:endParaRPr lang="ko-KR" altLang="en-US" dirty="0"/>
+          </a:p>
+        </p:txBody>
+      </p:sp>
+      <p:sp>
+        <p:nvSpPr>
+          <p:cNvPr id="4" name="슬라이드 번호 개체 틀 3"/>
+          <p:cNvSpPr>
+            <a:spLocks noGrp="1"/>
+          </p:cNvSpPr>
+          <p:nvPr>
+            <p:ph type="sldNum" sz="quarter" idx="5"/>
+          </p:nvPr>
+        </p:nvSpPr>
+        <p:spPr/>
+        <p:txBody>
+          <a:bodyPr/>
+          <a:lstStyle/>
+          <a:p>
+            <a:fld id="{625D4AC4-540A-4436-887D-BF6A8FCF1275}" type="slidenum">
+              <a:rPr lang="ko-KR" altLang="en-US" smtClean="0"/>
+              <a:t>18</a:t>
             </a:fld>
             <a:endParaRPr lang="ko-KR" altLang="en-US"/>
           </a:p>
@@ -1408,6 +1459,178 @@
     <p:extLst>
       <p:ext uri="{BB962C8B-B14F-4D97-AF65-F5344CB8AC3E}">
         <p14:creationId xmlns:p14="http://schemas.microsoft.com/office/powerpoint/2010/main" val="1884137968"/>
+      </p:ext>
+    </p:extLst>
+  </p:cSld>
+  <p:clrMapOvr>
+    <a:masterClrMapping/>
+  </p:clrMapOvr>
+</p:notes>
+</file>
+
+<file path=ppt/notesSlides/notesSlide18.xml><?xml version="1.0" encoding="utf-8"?>
+<p:notes xmlns:a="http://schemas.openxmlformats.org/drawingml/2006/main" xmlns:r="http://schemas.openxmlformats.org/officeDocument/2006/relationships" xmlns:p="http://schemas.openxmlformats.org/presentationml/2006/main">
+  <p:cSld>
+    <p:spTree>
+      <p:nvGrpSpPr>
+        <p:cNvPr id="1" name=""/>
+        <p:cNvGrpSpPr/>
+        <p:nvPr/>
+      </p:nvGrpSpPr>
+      <p:grpSpPr>
+        <a:xfrm>
+          <a:off x="0" y="0"/>
+          <a:ext cx="0" cy="0"/>
+          <a:chOff x="0" y="0"/>
+          <a:chExt cx="0" cy="0"/>
+        </a:xfrm>
+      </p:grpSpPr>
+      <p:sp>
+        <p:nvSpPr>
+          <p:cNvPr id="2" name="슬라이드 이미지 개체 틀 1"/>
+          <p:cNvSpPr>
+            <a:spLocks noGrp="1" noRot="1" noChangeAspect="1"/>
+          </p:cNvSpPr>
+          <p:nvPr>
+            <p:ph type="sldImg"/>
+          </p:nvPr>
+        </p:nvSpPr>
+        <p:spPr/>
+      </p:sp>
+      <p:sp>
+        <p:nvSpPr>
+          <p:cNvPr id="3" name="슬라이드 노트 개체 틀 2"/>
+          <p:cNvSpPr>
+            <a:spLocks noGrp="1"/>
+          </p:cNvSpPr>
+          <p:nvPr>
+            <p:ph type="body" idx="1"/>
+          </p:nvPr>
+        </p:nvSpPr>
+        <p:spPr/>
+        <p:txBody>
+          <a:bodyPr/>
+          <a:lstStyle/>
+          <a:p>
+            <a:endParaRPr lang="ko-KR" altLang="en-US" dirty="0"/>
+          </a:p>
+        </p:txBody>
+      </p:sp>
+      <p:sp>
+        <p:nvSpPr>
+          <p:cNvPr id="4" name="슬라이드 번호 개체 틀 3"/>
+          <p:cNvSpPr>
+            <a:spLocks noGrp="1"/>
+          </p:cNvSpPr>
+          <p:nvPr>
+            <p:ph type="sldNum" sz="quarter" idx="10"/>
+          </p:nvPr>
+        </p:nvSpPr>
+        <p:spPr/>
+        <p:txBody>
+          <a:bodyPr/>
+          <a:lstStyle/>
+          <a:p>
+            <a:fld id="{625D4AC4-540A-4436-887D-BF6A8FCF1275}" type="slidenum">
+              <a:rPr lang="ko-KR" altLang="en-US" smtClean="0"/>
+              <a:t>23</a:t>
+            </a:fld>
+            <a:endParaRPr lang="ko-KR" altLang="en-US"/>
+          </a:p>
+        </p:txBody>
+      </p:sp>
+    </p:spTree>
+    <p:extLst>
+      <p:ext uri="{BB962C8B-B14F-4D97-AF65-F5344CB8AC3E}">
+        <p14:creationId xmlns:p14="http://schemas.microsoft.com/office/powerpoint/2010/main" val="1224689362"/>
+      </p:ext>
+    </p:extLst>
+  </p:cSld>
+  <p:clrMapOvr>
+    <a:masterClrMapping/>
+  </p:clrMapOvr>
+</p:notes>
+</file>
+
+<file path=ppt/notesSlides/notesSlide19.xml><?xml version="1.0" encoding="utf-8"?>
+<p:notes xmlns:a="http://schemas.openxmlformats.org/drawingml/2006/main" xmlns:r="http://schemas.openxmlformats.org/officeDocument/2006/relationships" xmlns:p="http://schemas.openxmlformats.org/presentationml/2006/main">
+  <p:cSld>
+    <p:spTree>
+      <p:nvGrpSpPr>
+        <p:cNvPr id="1" name=""/>
+        <p:cNvGrpSpPr/>
+        <p:nvPr/>
+      </p:nvGrpSpPr>
+      <p:grpSpPr>
+        <a:xfrm>
+          <a:off x="0" y="0"/>
+          <a:ext cx="0" cy="0"/>
+          <a:chOff x="0" y="0"/>
+          <a:chExt cx="0" cy="0"/>
+        </a:xfrm>
+      </p:grpSpPr>
+      <p:sp>
+        <p:nvSpPr>
+          <p:cNvPr id="2" name="슬라이드 이미지 개체 틀 1"/>
+          <p:cNvSpPr>
+            <a:spLocks noGrp="1" noRot="1" noChangeAspect="1"/>
+          </p:cNvSpPr>
+          <p:nvPr>
+            <p:ph type="sldImg"/>
+          </p:nvPr>
+        </p:nvSpPr>
+        <p:spPr/>
+      </p:sp>
+      <p:sp>
+        <p:nvSpPr>
+          <p:cNvPr id="3" name="슬라이드 노트 개체 틀 2"/>
+          <p:cNvSpPr>
+            <a:spLocks noGrp="1"/>
+          </p:cNvSpPr>
+          <p:nvPr>
+            <p:ph type="body" idx="1"/>
+          </p:nvPr>
+        </p:nvSpPr>
+        <p:spPr/>
+        <p:txBody>
+          <a:bodyPr/>
+          <a:lstStyle/>
+          <a:p>
+            <a:r>
+              <a:rPr lang="ko-KR" altLang="en-US" dirty="0" smtClean="0"/>
+              <a:t>집에서 작업하고 회사에서 작업하는 과정</a:t>
+            </a:r>
+            <a:endParaRPr lang="ko-KR" altLang="en-US" dirty="0"/>
+          </a:p>
+        </p:txBody>
+      </p:sp>
+      <p:sp>
+        <p:nvSpPr>
+          <p:cNvPr id="4" name="슬라이드 번호 개체 틀 3"/>
+          <p:cNvSpPr>
+            <a:spLocks noGrp="1"/>
+          </p:cNvSpPr>
+          <p:nvPr>
+            <p:ph type="sldNum" sz="quarter" idx="10"/>
+          </p:nvPr>
+        </p:nvSpPr>
+        <p:spPr/>
+        <p:txBody>
+          <a:bodyPr/>
+          <a:lstStyle/>
+          <a:p>
+            <a:fld id="{625D4AC4-540A-4436-887D-BF6A8FCF1275}" type="slidenum">
+              <a:rPr lang="ko-KR" altLang="en-US" smtClean="0"/>
+              <a:t>24</a:t>
+            </a:fld>
+            <a:endParaRPr lang="ko-KR" altLang="en-US"/>
+          </a:p>
+        </p:txBody>
+      </p:sp>
+    </p:spTree>
+    <p:extLst>
+      <p:ext uri="{BB962C8B-B14F-4D97-AF65-F5344CB8AC3E}">
+        <p14:creationId xmlns:p14="http://schemas.microsoft.com/office/powerpoint/2010/main" val="1255604218"/>
       </p:ext>
     </p:extLst>
   </p:cSld>
@@ -1463,45 +1686,44 @@
           <a:p>
             <a:r>
               <a:rPr lang="ko-KR" altLang="en-US" dirty="0"/>
-              <a:t>다운로드하는데 </a:t>
-            </a:r>
-            <a:r>
-              <a:rPr lang="en-US" altLang="ko-KR" dirty="0"/>
-              <a:t>2</a:t>
+              <a:t>대부분의 작업은 로컬에서 벌어지므로 로컬</a:t>
+            </a:r>
+            <a:r>
+              <a:rPr lang="en-US" altLang="ko-KR" dirty="0"/>
+              <a:t>repo</a:t>
             </a:r>
             <a:r>
               <a:rPr lang="ko-KR" altLang="en-US" dirty="0"/>
-              <a:t>부 정도 소요</a:t>
-            </a:r>
-            <a:r>
-              <a:rPr lang="en-US" altLang="ko-KR" dirty="0"/>
-              <a:t>. </a:t>
-            </a:r>
+              <a:t>를 다루는 능력이 매우 중요하다</a:t>
+            </a:r>
+            <a:r>
+              <a:rPr lang="en-US" altLang="ko-KR" dirty="0"/>
+              <a:t>.</a:t>
+            </a:r>
+          </a:p>
+          <a:p>
             <a:r>
               <a:rPr lang="ko-KR" altLang="en-US" dirty="0"/>
-              <a:t>여기를 직접 클릭해도 다운로드됨</a:t>
-            </a:r>
-            <a:r>
-              <a:rPr lang="en-US" altLang="ko-KR" dirty="0"/>
-              <a:t>. (</a:t>
+              <a:t>로컬에서 한 것을 원격에서는 취합 </a:t>
+            </a:r>
+            <a:r>
+              <a:rPr lang="ko-KR" altLang="en-US" dirty="0" err="1"/>
+              <a:t>결합등을</a:t>
             </a:r>
             <a:r>
               <a:rPr lang="ko-KR" altLang="en-US" dirty="0"/>
-              <a:t>다운로드 </a:t>
-            </a:r>
-            <a:r>
-              <a:rPr lang="en-US" altLang="ko-KR" dirty="0"/>
-              <a:t>directory</a:t>
-            </a:r>
+              <a:t> 하기 때문에 로컬에서 작업이 매우 중요</a:t>
+            </a:r>
+            <a:r>
+              <a:rPr lang="en-US" altLang="ko-KR" dirty="0"/>
+              <a:t>.</a:t>
+            </a:r>
+          </a:p>
+          <a:p>
             <a:r>
               <a:rPr lang="ko-KR" altLang="en-US" dirty="0"/>
-              <a:t>에</a:t>
-            </a:r>
-            <a:r>
-              <a:rPr lang="en-US" altLang="ko-KR" dirty="0"/>
-              <a:t>)</a:t>
-            </a:r>
-            <a:endParaRPr lang="ko-KR" altLang="en-US" dirty="0"/>
+              <a:t>원격은 협업 공간</a:t>
+            </a:r>
           </a:p>
         </p:txBody>
       </p:sp>
@@ -1522,7 +1744,7 @@
           <a:p>
             <a:fld id="{625D4AC4-540A-4436-887D-BF6A8FCF1275}" type="slidenum">
               <a:rPr lang="ko-KR" altLang="en-US" smtClean="0"/>
-              <a:t>4</a:t>
+              <a:t>3</a:t>
             </a:fld>
             <a:endParaRPr lang="ko-KR" altLang="en-US"/>
           </a:p>
@@ -1531,7 +1753,451 @@
     </p:spTree>
     <p:extLst>
       <p:ext uri="{BB962C8B-B14F-4D97-AF65-F5344CB8AC3E}">
-        <p14:creationId xmlns:p14="http://schemas.microsoft.com/office/powerpoint/2010/main" val="1986082297"/>
+        <p14:creationId xmlns:p14="http://schemas.microsoft.com/office/powerpoint/2010/main" val="3346170035"/>
+      </p:ext>
+    </p:extLst>
+  </p:cSld>
+  <p:clrMapOvr>
+    <a:masterClrMapping/>
+  </p:clrMapOvr>
+</p:notes>
+</file>
+
+<file path=ppt/notesSlides/notesSlide20.xml><?xml version="1.0" encoding="utf-8"?>
+<p:notes xmlns:a="http://schemas.openxmlformats.org/drawingml/2006/main" xmlns:r="http://schemas.openxmlformats.org/officeDocument/2006/relationships" xmlns:p="http://schemas.openxmlformats.org/presentationml/2006/main">
+  <p:cSld>
+    <p:spTree>
+      <p:nvGrpSpPr>
+        <p:cNvPr id="1" name=""/>
+        <p:cNvGrpSpPr/>
+        <p:nvPr/>
+      </p:nvGrpSpPr>
+      <p:grpSpPr>
+        <a:xfrm>
+          <a:off x="0" y="0"/>
+          <a:ext cx="0" cy="0"/>
+          <a:chOff x="0" y="0"/>
+          <a:chExt cx="0" cy="0"/>
+        </a:xfrm>
+      </p:grpSpPr>
+      <p:sp>
+        <p:nvSpPr>
+          <p:cNvPr id="2" name="슬라이드 이미지 개체 틀 1"/>
+          <p:cNvSpPr>
+            <a:spLocks noGrp="1" noRot="1" noChangeAspect="1"/>
+          </p:cNvSpPr>
+          <p:nvPr>
+            <p:ph type="sldImg"/>
+          </p:nvPr>
+        </p:nvSpPr>
+        <p:spPr/>
+      </p:sp>
+      <p:sp>
+        <p:nvSpPr>
+          <p:cNvPr id="3" name="슬라이드 노트 개체 틀 2"/>
+          <p:cNvSpPr>
+            <a:spLocks noGrp="1"/>
+          </p:cNvSpPr>
+          <p:nvPr>
+            <p:ph type="body" idx="1"/>
+          </p:nvPr>
+        </p:nvSpPr>
+        <p:spPr/>
+        <p:txBody>
+          <a:bodyPr/>
+          <a:lstStyle/>
+          <a:p>
+            <a:endParaRPr lang="ko-KR" altLang="en-US" dirty="0"/>
+          </a:p>
+        </p:txBody>
+      </p:sp>
+      <p:sp>
+        <p:nvSpPr>
+          <p:cNvPr id="4" name="슬라이드 번호 개체 틀 3"/>
+          <p:cNvSpPr>
+            <a:spLocks noGrp="1"/>
+          </p:cNvSpPr>
+          <p:nvPr>
+            <p:ph type="sldNum" sz="quarter" idx="10"/>
+          </p:nvPr>
+        </p:nvSpPr>
+        <p:spPr/>
+        <p:txBody>
+          <a:bodyPr/>
+          <a:lstStyle/>
+          <a:p>
+            <a:fld id="{625D4AC4-540A-4436-887D-BF6A8FCF1275}" type="slidenum">
+              <a:rPr lang="ko-KR" altLang="en-US" smtClean="0"/>
+              <a:t>25</a:t>
+            </a:fld>
+            <a:endParaRPr lang="ko-KR" altLang="en-US"/>
+          </a:p>
+        </p:txBody>
+      </p:sp>
+    </p:spTree>
+    <p:extLst>
+      <p:ext uri="{BB962C8B-B14F-4D97-AF65-F5344CB8AC3E}">
+        <p14:creationId xmlns:p14="http://schemas.microsoft.com/office/powerpoint/2010/main" val="2608813270"/>
+      </p:ext>
+    </p:extLst>
+  </p:cSld>
+  <p:clrMapOvr>
+    <a:masterClrMapping/>
+  </p:clrMapOvr>
+</p:notes>
+</file>
+
+<file path=ppt/notesSlides/notesSlide21.xml><?xml version="1.0" encoding="utf-8"?>
+<p:notes xmlns:a="http://schemas.openxmlformats.org/drawingml/2006/main" xmlns:r="http://schemas.openxmlformats.org/officeDocument/2006/relationships" xmlns:p="http://schemas.openxmlformats.org/presentationml/2006/main">
+  <p:cSld>
+    <p:spTree>
+      <p:nvGrpSpPr>
+        <p:cNvPr id="1" name=""/>
+        <p:cNvGrpSpPr/>
+        <p:nvPr/>
+      </p:nvGrpSpPr>
+      <p:grpSpPr>
+        <a:xfrm>
+          <a:off x="0" y="0"/>
+          <a:ext cx="0" cy="0"/>
+          <a:chOff x="0" y="0"/>
+          <a:chExt cx="0" cy="0"/>
+        </a:xfrm>
+      </p:grpSpPr>
+      <p:sp>
+        <p:nvSpPr>
+          <p:cNvPr id="2" name="슬라이드 이미지 개체 틀 1"/>
+          <p:cNvSpPr>
+            <a:spLocks noGrp="1" noRot="1" noChangeAspect="1"/>
+          </p:cNvSpPr>
+          <p:nvPr>
+            <p:ph type="sldImg"/>
+          </p:nvPr>
+        </p:nvSpPr>
+        <p:spPr/>
+      </p:sp>
+      <p:sp>
+        <p:nvSpPr>
+          <p:cNvPr id="3" name="슬라이드 노트 개체 틀 2"/>
+          <p:cNvSpPr>
+            <a:spLocks noGrp="1"/>
+          </p:cNvSpPr>
+          <p:nvPr>
+            <p:ph type="body" idx="1"/>
+          </p:nvPr>
+        </p:nvSpPr>
+        <p:spPr/>
+        <p:txBody>
+          <a:bodyPr/>
+          <a:lstStyle/>
+          <a:p>
+            <a:endParaRPr lang="ko-KR" altLang="en-US" dirty="0"/>
+          </a:p>
+        </p:txBody>
+      </p:sp>
+      <p:sp>
+        <p:nvSpPr>
+          <p:cNvPr id="4" name="슬라이드 번호 개체 틀 3"/>
+          <p:cNvSpPr>
+            <a:spLocks noGrp="1"/>
+          </p:cNvSpPr>
+          <p:nvPr>
+            <p:ph type="sldNum" sz="quarter" idx="10"/>
+          </p:nvPr>
+        </p:nvSpPr>
+        <p:spPr/>
+        <p:txBody>
+          <a:bodyPr/>
+          <a:lstStyle/>
+          <a:p>
+            <a:fld id="{625D4AC4-540A-4436-887D-BF6A8FCF1275}" type="slidenum">
+              <a:rPr lang="ko-KR" altLang="en-US" smtClean="0"/>
+              <a:t>26</a:t>
+            </a:fld>
+            <a:endParaRPr lang="ko-KR" altLang="en-US"/>
+          </a:p>
+        </p:txBody>
+      </p:sp>
+    </p:spTree>
+    <p:extLst>
+      <p:ext uri="{BB962C8B-B14F-4D97-AF65-F5344CB8AC3E}">
+        <p14:creationId xmlns:p14="http://schemas.microsoft.com/office/powerpoint/2010/main" val="3410003356"/>
+      </p:ext>
+    </p:extLst>
+  </p:cSld>
+  <p:clrMapOvr>
+    <a:masterClrMapping/>
+  </p:clrMapOvr>
+</p:notes>
+</file>
+
+<file path=ppt/notesSlides/notesSlide22.xml><?xml version="1.0" encoding="utf-8"?>
+<p:notes xmlns:a="http://schemas.openxmlformats.org/drawingml/2006/main" xmlns:r="http://schemas.openxmlformats.org/officeDocument/2006/relationships" xmlns:p="http://schemas.openxmlformats.org/presentationml/2006/main">
+  <p:cSld>
+    <p:spTree>
+      <p:nvGrpSpPr>
+        <p:cNvPr id="1" name=""/>
+        <p:cNvGrpSpPr/>
+        <p:nvPr/>
+      </p:nvGrpSpPr>
+      <p:grpSpPr>
+        <a:xfrm>
+          <a:off x="0" y="0"/>
+          <a:ext cx="0" cy="0"/>
+          <a:chOff x="0" y="0"/>
+          <a:chExt cx="0" cy="0"/>
+        </a:xfrm>
+      </p:grpSpPr>
+      <p:sp>
+        <p:nvSpPr>
+          <p:cNvPr id="2" name="슬라이드 이미지 개체 틀 1"/>
+          <p:cNvSpPr>
+            <a:spLocks noGrp="1" noRot="1" noChangeAspect="1"/>
+          </p:cNvSpPr>
+          <p:nvPr>
+            <p:ph type="sldImg"/>
+          </p:nvPr>
+        </p:nvSpPr>
+        <p:spPr/>
+      </p:sp>
+      <p:sp>
+        <p:nvSpPr>
+          <p:cNvPr id="3" name="슬라이드 노트 개체 틀 2"/>
+          <p:cNvSpPr>
+            <a:spLocks noGrp="1"/>
+          </p:cNvSpPr>
+          <p:nvPr>
+            <p:ph type="body" idx="1"/>
+          </p:nvPr>
+        </p:nvSpPr>
+        <p:spPr/>
+        <p:txBody>
+          <a:bodyPr/>
+          <a:lstStyle/>
+          <a:p>
+            <a:endParaRPr lang="ko-KR" altLang="en-US" dirty="0"/>
+          </a:p>
+        </p:txBody>
+      </p:sp>
+      <p:sp>
+        <p:nvSpPr>
+          <p:cNvPr id="4" name="슬라이드 번호 개체 틀 3"/>
+          <p:cNvSpPr>
+            <a:spLocks noGrp="1"/>
+          </p:cNvSpPr>
+          <p:nvPr>
+            <p:ph type="sldNum" sz="quarter" idx="10"/>
+          </p:nvPr>
+        </p:nvSpPr>
+        <p:spPr/>
+        <p:txBody>
+          <a:bodyPr/>
+          <a:lstStyle/>
+          <a:p>
+            <a:fld id="{625D4AC4-540A-4436-887D-BF6A8FCF1275}" type="slidenum">
+              <a:rPr lang="ko-KR" altLang="en-US" smtClean="0"/>
+              <a:t>27</a:t>
+            </a:fld>
+            <a:endParaRPr lang="ko-KR" altLang="en-US"/>
+          </a:p>
+        </p:txBody>
+      </p:sp>
+    </p:spTree>
+    <p:extLst>
+      <p:ext uri="{BB962C8B-B14F-4D97-AF65-F5344CB8AC3E}">
+        <p14:creationId xmlns:p14="http://schemas.microsoft.com/office/powerpoint/2010/main" val="4210790931"/>
+      </p:ext>
+    </p:extLst>
+  </p:cSld>
+  <p:clrMapOvr>
+    <a:masterClrMapping/>
+  </p:clrMapOvr>
+</p:notes>
+</file>
+
+<file path=ppt/notesSlides/notesSlide23.xml><?xml version="1.0" encoding="utf-8"?>
+<p:notes xmlns:a="http://schemas.openxmlformats.org/drawingml/2006/main" xmlns:r="http://schemas.openxmlformats.org/officeDocument/2006/relationships" xmlns:p="http://schemas.openxmlformats.org/presentationml/2006/main">
+  <p:cSld>
+    <p:spTree>
+      <p:nvGrpSpPr>
+        <p:cNvPr id="1" name=""/>
+        <p:cNvGrpSpPr/>
+        <p:nvPr/>
+      </p:nvGrpSpPr>
+      <p:grpSpPr>
+        <a:xfrm>
+          <a:off x="0" y="0"/>
+          <a:ext cx="0" cy="0"/>
+          <a:chOff x="0" y="0"/>
+          <a:chExt cx="0" cy="0"/>
+        </a:xfrm>
+      </p:grpSpPr>
+      <p:sp>
+        <p:nvSpPr>
+          <p:cNvPr id="2" name="슬라이드 이미지 개체 틀 1"/>
+          <p:cNvSpPr>
+            <a:spLocks noGrp="1" noRot="1" noChangeAspect="1"/>
+          </p:cNvSpPr>
+          <p:nvPr>
+            <p:ph type="sldImg"/>
+          </p:nvPr>
+        </p:nvSpPr>
+        <p:spPr/>
+      </p:sp>
+      <p:sp>
+        <p:nvSpPr>
+          <p:cNvPr id="3" name="슬라이드 노트 개체 틀 2"/>
+          <p:cNvSpPr>
+            <a:spLocks noGrp="1"/>
+          </p:cNvSpPr>
+          <p:nvPr>
+            <p:ph type="body" idx="1"/>
+          </p:nvPr>
+        </p:nvSpPr>
+        <p:spPr/>
+        <p:txBody>
+          <a:bodyPr/>
+          <a:lstStyle/>
+          <a:p>
+            <a:r>
+              <a:rPr lang="en-US" altLang="ko-KR" dirty="0" smtClean="0"/>
+              <a:t>.</a:t>
+            </a:r>
+            <a:r>
+              <a:rPr lang="en-US" altLang="ko-KR" dirty="0" err="1" smtClean="0"/>
+              <a:t>git</a:t>
+            </a:r>
+            <a:r>
+              <a:rPr lang="en-US" altLang="ko-KR" dirty="0" smtClean="0"/>
+              <a:t>/FETCH_HEAD</a:t>
+            </a:r>
+            <a:r>
+              <a:rPr lang="ko-KR" altLang="en-US" baseline="0" dirty="0" smtClean="0"/>
+              <a:t>파일의 내용을 </a:t>
+            </a:r>
+            <a:r>
+              <a:rPr lang="en-US" altLang="ko-KR" baseline="0" dirty="0" smtClean="0"/>
+              <a:t>merge</a:t>
+            </a:r>
+            <a:r>
+              <a:rPr lang="ko-KR" altLang="en-US" baseline="0" dirty="0" smtClean="0"/>
+              <a:t>하면 꼭 같은 결과</a:t>
+            </a:r>
+            <a:r>
+              <a:rPr lang="en-US" altLang="ko-KR" baseline="0" dirty="0" smtClean="0"/>
+              <a:t>.</a:t>
+            </a:r>
+          </a:p>
+          <a:p>
+            <a:r>
+              <a:rPr lang="en-US" altLang="ko-KR" dirty="0" err="1" smtClean="0"/>
+              <a:t>Git</a:t>
+            </a:r>
+            <a:r>
+              <a:rPr lang="en-US" altLang="ko-KR" dirty="0" smtClean="0"/>
+              <a:t> </a:t>
+            </a:r>
+            <a:r>
+              <a:rPr lang="en-US" altLang="ko-KR" dirty="0" err="1" smtClean="0"/>
+              <a:t>getch</a:t>
+            </a:r>
+            <a:r>
+              <a:rPr lang="en-US" altLang="ko-KR" dirty="0" smtClean="0"/>
+              <a:t>, </a:t>
+            </a:r>
+            <a:r>
+              <a:rPr lang="en-US" altLang="ko-KR" dirty="0" err="1" smtClean="0"/>
+              <a:t>git</a:t>
+            </a:r>
+            <a:r>
+              <a:rPr lang="en-US" altLang="ko-KR" dirty="0" smtClean="0"/>
+              <a:t> merge FETCH_HEAD == </a:t>
+            </a:r>
+            <a:r>
+              <a:rPr lang="en-US" altLang="ko-KR" dirty="0" err="1" smtClean="0"/>
+              <a:t>git</a:t>
+            </a:r>
+            <a:r>
+              <a:rPr lang="en-US" altLang="ko-KR" baseline="0" dirty="0" smtClean="0"/>
+              <a:t> pull</a:t>
+            </a:r>
+          </a:p>
+          <a:p>
+            <a:r>
+              <a:rPr lang="en-US" altLang="ko-KR" baseline="0" dirty="0" smtClean="0"/>
+              <a:t>Fetch</a:t>
+            </a:r>
+            <a:r>
+              <a:rPr lang="ko-KR" altLang="en-US" baseline="0" dirty="0" smtClean="0"/>
+              <a:t>는 </a:t>
+            </a:r>
+            <a:r>
+              <a:rPr lang="en-US" altLang="ko-KR" baseline="0" dirty="0" smtClean="0"/>
+              <a:t>Remote </a:t>
+            </a:r>
+            <a:r>
+              <a:rPr lang="en-US" altLang="ko-KR" baseline="0" dirty="0" err="1" smtClean="0"/>
+              <a:t>branc</a:t>
+            </a:r>
+            <a:r>
+              <a:rPr lang="ko-KR" altLang="en-US" baseline="0" dirty="0" smtClean="0"/>
+              <a:t>만 가져오는 것임</a:t>
+            </a:r>
+            <a:r>
+              <a:rPr lang="en-US" altLang="ko-KR" baseline="0" dirty="0" smtClean="0"/>
+              <a:t>. </a:t>
+            </a:r>
+            <a:r>
+              <a:rPr lang="ko-KR" altLang="en-US" baseline="0" dirty="0" smtClean="0"/>
+              <a:t>먼저 확인 </a:t>
+            </a:r>
+            <a:r>
+              <a:rPr lang="ko-KR" altLang="en-US" baseline="0" smtClean="0"/>
+              <a:t>검토과정을 거치게 되므로 </a:t>
+            </a:r>
+            <a:r>
+              <a:rPr lang="ko-KR" altLang="en-US" baseline="0" dirty="0" smtClean="0"/>
+              <a:t>신중하게 할 </a:t>
+            </a:r>
+            <a:r>
+              <a:rPr lang="ko-KR" altLang="en-US" baseline="0" dirty="0" err="1" smtClean="0"/>
+              <a:t>수있음</a:t>
+            </a:r>
+            <a:r>
+              <a:rPr lang="en-US" altLang="ko-KR" baseline="0" dirty="0" smtClean="0"/>
+              <a:t>.</a:t>
+            </a:r>
+            <a:endParaRPr lang="ko-KR" altLang="en-US" dirty="0"/>
+          </a:p>
+        </p:txBody>
+      </p:sp>
+      <p:sp>
+        <p:nvSpPr>
+          <p:cNvPr id="4" name="슬라이드 번호 개체 틀 3"/>
+          <p:cNvSpPr>
+            <a:spLocks noGrp="1"/>
+          </p:cNvSpPr>
+          <p:nvPr>
+            <p:ph type="sldNum" sz="quarter" idx="10"/>
+          </p:nvPr>
+        </p:nvSpPr>
+        <p:spPr/>
+        <p:txBody>
+          <a:bodyPr/>
+          <a:lstStyle/>
+          <a:p>
+            <a:fld id="{625D4AC4-540A-4436-887D-BF6A8FCF1275}" type="slidenum">
+              <a:rPr lang="ko-KR" altLang="en-US" smtClean="0"/>
+              <a:t>28</a:t>
+            </a:fld>
+            <a:endParaRPr lang="ko-KR" altLang="en-US"/>
+          </a:p>
+        </p:txBody>
+      </p:sp>
+    </p:spTree>
+    <p:extLst>
+      <p:ext uri="{BB962C8B-B14F-4D97-AF65-F5344CB8AC3E}">
+        <p14:creationId xmlns:p14="http://schemas.microsoft.com/office/powerpoint/2010/main" val="1354663592"/>
       </p:ext>
     </p:extLst>
   </p:cSld>
@@ -1587,8 +2253,45 @@
           <a:p>
             <a:r>
               <a:rPr lang="ko-KR" altLang="en-US" dirty="0"/>
-              <a:t>컴퓨터사양 확인 방법 필요하면 추가</a:t>
-            </a:r>
+              <a:t>다운로드하는데 </a:t>
+            </a:r>
+            <a:r>
+              <a:rPr lang="en-US" altLang="ko-KR" dirty="0"/>
+              <a:t>2</a:t>
+            </a:r>
+            <a:r>
+              <a:rPr lang="ko-KR" altLang="en-US" dirty="0"/>
+              <a:t>부 정도 소요</a:t>
+            </a:r>
+            <a:r>
+              <a:rPr lang="en-US" altLang="ko-KR" dirty="0"/>
+              <a:t>. </a:t>
+            </a:r>
+            <a:r>
+              <a:rPr lang="ko-KR" altLang="en-US" dirty="0"/>
+              <a:t>여기를 직접 클릭해도 다운로드됨</a:t>
+            </a:r>
+            <a:r>
+              <a:rPr lang="en-US" altLang="ko-KR" dirty="0"/>
+              <a:t>. (</a:t>
+            </a:r>
+            <a:r>
+              <a:rPr lang="ko-KR" altLang="en-US" dirty="0"/>
+              <a:t>다운로드 </a:t>
+            </a:r>
+            <a:r>
+              <a:rPr lang="en-US" altLang="ko-KR" dirty="0"/>
+              <a:t>directory</a:t>
+            </a:r>
+            <a:r>
+              <a:rPr lang="ko-KR" altLang="en-US" dirty="0"/>
+              <a:t>에</a:t>
+            </a:r>
+            <a:r>
+              <a:rPr lang="en-US" altLang="ko-KR" dirty="0"/>
+              <a:t>)</a:t>
+            </a:r>
+            <a:endParaRPr lang="ko-KR" altLang="en-US" dirty="0"/>
           </a:p>
         </p:txBody>
       </p:sp>
@@ -1609,7 +2312,7 @@
           <a:p>
             <a:fld id="{625D4AC4-540A-4436-887D-BF6A8FCF1275}" type="slidenum">
               <a:rPr lang="ko-KR" altLang="en-US" smtClean="0"/>
-              <a:t>5</a:t>
+              <a:t>4</a:t>
             </a:fld>
             <a:endParaRPr lang="ko-KR" altLang="en-US"/>
           </a:p>
@@ -1618,7 +2321,7 @@
     </p:spTree>
     <p:extLst>
       <p:ext uri="{BB962C8B-B14F-4D97-AF65-F5344CB8AC3E}">
-        <p14:creationId xmlns:p14="http://schemas.microsoft.com/office/powerpoint/2010/main" val="820784898"/>
+        <p14:creationId xmlns:p14="http://schemas.microsoft.com/office/powerpoint/2010/main" val="1986082297"/>
       </p:ext>
     </p:extLst>
   </p:cSld>
@@ -1673,12 +2376,8 @@
           <a:lstStyle/>
           <a:p>
             <a:r>
-              <a:rPr lang="en-US" altLang="ko-KR" dirty="0"/>
-              <a:t>Notepad</a:t>
-            </a:r>
-            <a:r>
               <a:rPr lang="ko-KR" altLang="en-US" dirty="0"/>
-              <a:t> 선정</a:t>
+              <a:t>컴퓨터사양 확인 방법 필요하면 추가</a:t>
             </a:r>
           </a:p>
         </p:txBody>
@@ -1700,7 +2399,7 @@
           <a:p>
             <a:fld id="{625D4AC4-540A-4436-887D-BF6A8FCF1275}" type="slidenum">
               <a:rPr lang="ko-KR" altLang="en-US" smtClean="0"/>
-              <a:t>6</a:t>
+              <a:t>5</a:t>
             </a:fld>
             <a:endParaRPr lang="ko-KR" altLang="en-US"/>
           </a:p>
@@ -1709,7 +2408,7 @@
     </p:spTree>
     <p:extLst>
       <p:ext uri="{BB962C8B-B14F-4D97-AF65-F5344CB8AC3E}">
-        <p14:creationId xmlns:p14="http://schemas.microsoft.com/office/powerpoint/2010/main" val="2299276955"/>
+        <p14:creationId xmlns:p14="http://schemas.microsoft.com/office/powerpoint/2010/main" val="820784898"/>
       </p:ext>
     </p:extLst>
   </p:cSld>
@@ -1763,7 +2462,14 @@
           <a:bodyPr/>
           <a:lstStyle/>
           <a:p>
-            <a:endParaRPr lang="ko-KR" altLang="en-US" dirty="0"/>
+            <a:r>
+              <a:rPr lang="en-US" altLang="ko-KR" dirty="0"/>
+              <a:t>Notepad</a:t>
+            </a:r>
+            <a:r>
+              <a:rPr lang="ko-KR" altLang="en-US" dirty="0"/>
+              <a:t> 선정</a:t>
+            </a:r>
           </a:p>
         </p:txBody>
       </p:sp>
@@ -1784,7 +2490,7 @@
           <a:p>
             <a:fld id="{625D4AC4-540A-4436-887D-BF6A8FCF1275}" type="slidenum">
               <a:rPr lang="ko-KR" altLang="en-US" smtClean="0"/>
-              <a:t>7</a:t>
+              <a:t>6</a:t>
             </a:fld>
             <a:endParaRPr lang="ko-KR" altLang="en-US"/>
           </a:p>
@@ -1793,7 +2499,7 @@
     </p:spTree>
     <p:extLst>
       <p:ext uri="{BB962C8B-B14F-4D97-AF65-F5344CB8AC3E}">
-        <p14:creationId xmlns:p14="http://schemas.microsoft.com/office/powerpoint/2010/main" val="3798020440"/>
+        <p14:creationId xmlns:p14="http://schemas.microsoft.com/office/powerpoint/2010/main" val="2299276955"/>
       </p:ext>
     </p:extLst>
   </p:cSld>
@@ -1847,10 +2553,7 @@
           <a:bodyPr/>
           <a:lstStyle/>
           <a:p>
-            <a:r>
-              <a:rPr lang="ko-KR" altLang="en-US" dirty="0"/>
-              <a:t>마지막 화면 </a:t>
-            </a:r>
+            <a:endParaRPr lang="ko-KR" altLang="en-US" dirty="0"/>
           </a:p>
         </p:txBody>
       </p:sp>
@@ -1871,7 +2574,7 @@
           <a:p>
             <a:fld id="{625D4AC4-540A-4436-887D-BF6A8FCF1275}" type="slidenum">
               <a:rPr lang="ko-KR" altLang="en-US" smtClean="0"/>
-              <a:t>8</a:t>
+              <a:t>7</a:t>
             </a:fld>
             <a:endParaRPr lang="ko-KR" altLang="en-US"/>
           </a:p>
@@ -1880,7 +2583,7 @@
     </p:spTree>
     <p:extLst>
       <p:ext uri="{BB962C8B-B14F-4D97-AF65-F5344CB8AC3E}">
-        <p14:creationId xmlns:p14="http://schemas.microsoft.com/office/powerpoint/2010/main" val="1742004936"/>
+        <p14:creationId xmlns:p14="http://schemas.microsoft.com/office/powerpoint/2010/main" val="3798020440"/>
       </p:ext>
     </p:extLst>
   </p:cSld>
@@ -1935,40 +2638,9 @@
           <a:lstStyle/>
           <a:p>
             <a:r>
-              <a:rPr lang="en-US" altLang="ko-KR" dirty="0"/>
-              <a:t>MINGW64 </a:t>
-            </a:r>
-            <a:r>
               <a:rPr lang="ko-KR" altLang="en-US" dirty="0"/>
-              <a:t>간단 설명</a:t>
-            </a:r>
-            <a:r>
-              <a:rPr lang="en-US" altLang="ko-KR" dirty="0"/>
-              <a:t>, </a:t>
-            </a:r>
-          </a:p>
-          <a:p>
-            <a:r>
-              <a:rPr lang="en-US" altLang="ko-KR" dirty="0" err="1"/>
-              <a:t>Pwd</a:t>
-            </a:r>
-            <a:r>
-              <a:rPr lang="ko-KR" altLang="en-US" dirty="0"/>
-              <a:t>로 현재 </a:t>
-            </a:r>
-            <a:r>
-              <a:rPr lang="en-US" altLang="ko-KR" dirty="0"/>
-              <a:t>directory </a:t>
-            </a:r>
-            <a:r>
-              <a:rPr lang="ko-KR" altLang="en-US" dirty="0"/>
-              <a:t>확인 </a:t>
-            </a:r>
-            <a:r>
-              <a:rPr lang="en-US" altLang="ko-KR" dirty="0"/>
-              <a:t>= ~</a:t>
-            </a:r>
-            <a:endParaRPr lang="ko-KR" altLang="en-US" dirty="0"/>
+              <a:t>마지막 화면 </a:t>
+            </a:r>
           </a:p>
         </p:txBody>
       </p:sp>
@@ -1989,7 +2661,7 @@
           <a:p>
             <a:fld id="{625D4AC4-540A-4436-887D-BF6A8FCF1275}" type="slidenum">
               <a:rPr lang="ko-KR" altLang="en-US" smtClean="0"/>
-              <a:t>9</a:t>
+              <a:t>8</a:t>
             </a:fld>
             <a:endParaRPr lang="ko-KR" altLang="en-US"/>
           </a:p>
@@ -1998,7 +2670,7 @@
     </p:spTree>
     <p:extLst>
       <p:ext uri="{BB962C8B-B14F-4D97-AF65-F5344CB8AC3E}">
-        <p14:creationId xmlns:p14="http://schemas.microsoft.com/office/powerpoint/2010/main" val="460557606"/>
+        <p14:creationId xmlns:p14="http://schemas.microsoft.com/office/powerpoint/2010/main" val="1742004936"/>
       </p:ext>
     </p:extLst>
   </p:cSld>
@@ -2052,6 +2724,40 @@
           <a:bodyPr/>
           <a:lstStyle/>
           <a:p>
+            <a:r>
+              <a:rPr lang="en-US" altLang="ko-KR" dirty="0"/>
+              <a:t>MINGW64 </a:t>
+            </a:r>
+            <a:r>
+              <a:rPr lang="ko-KR" altLang="en-US" dirty="0"/>
+              <a:t>간단 설명</a:t>
+            </a:r>
+            <a:r>
+              <a:rPr lang="en-US" altLang="ko-KR" dirty="0"/>
+              <a:t>, </a:t>
+            </a:r>
+          </a:p>
+          <a:p>
+            <a:r>
+              <a:rPr lang="en-US" altLang="ko-KR" dirty="0" err="1"/>
+              <a:t>Pwd</a:t>
+            </a:r>
+            <a:r>
+              <a:rPr lang="ko-KR" altLang="en-US" dirty="0"/>
+              <a:t>로 현재 </a:t>
+            </a:r>
+            <a:r>
+              <a:rPr lang="en-US" altLang="ko-KR" dirty="0"/>
+              <a:t>directory </a:t>
+            </a:r>
+            <a:r>
+              <a:rPr lang="ko-KR" altLang="en-US" dirty="0"/>
+              <a:t>확인 </a:t>
+            </a:r>
+            <a:r>
+              <a:rPr lang="en-US" altLang="ko-KR" dirty="0"/>
+              <a:t>= ~</a:t>
+            </a:r>
             <a:endParaRPr lang="ko-KR" altLang="en-US" dirty="0"/>
           </a:p>
         </p:txBody>
@@ -2073,7 +2779,7 @@
           <a:p>
             <a:fld id="{625D4AC4-540A-4436-887D-BF6A8FCF1275}" type="slidenum">
               <a:rPr lang="ko-KR" altLang="en-US" smtClean="0"/>
-              <a:t>10</a:t>
+              <a:t>9</a:t>
             </a:fld>
             <a:endParaRPr lang="ko-KR" altLang="en-US"/>
           </a:p>
@@ -2082,7 +2788,7 @@
     </p:spTree>
     <p:extLst>
       <p:ext uri="{BB962C8B-B14F-4D97-AF65-F5344CB8AC3E}">
-        <p14:creationId xmlns:p14="http://schemas.microsoft.com/office/powerpoint/2010/main" val="3121892718"/>
+        <p14:creationId xmlns:p14="http://schemas.microsoft.com/office/powerpoint/2010/main" val="460557606"/>
       </p:ext>
     </p:extLst>
   </p:cSld>
@@ -2157,7 +2863,7 @@
           <a:p>
             <a:fld id="{625D4AC4-540A-4436-887D-BF6A8FCF1275}" type="slidenum">
               <a:rPr lang="ko-KR" altLang="en-US" smtClean="0"/>
-              <a:t>11</a:t>
+              <a:t>10</a:t>
             </a:fld>
             <a:endParaRPr lang="ko-KR" altLang="en-US"/>
           </a:p>
@@ -2166,7 +2872,7 @@
     </p:spTree>
     <p:extLst>
       <p:ext uri="{BB962C8B-B14F-4D97-AF65-F5344CB8AC3E}">
-        <p14:creationId xmlns:p14="http://schemas.microsoft.com/office/powerpoint/2010/main" val="1195814994"/>
+        <p14:creationId xmlns:p14="http://schemas.microsoft.com/office/powerpoint/2010/main" val="3121892718"/>
       </p:ext>
     </p:extLst>
   </p:cSld>
@@ -3363,7 +4069,7 @@
           <p:nvPr/>
         </p:nvPicPr>
         <p:blipFill>
-          <a:blip r:embed="rId2"/>
+          <a:blip r:embed="rId3"/>
           <a:stretch>
             <a:fillRect/>
           </a:stretch>
@@ -6303,10 +7009,16 @@
           <a:p>
             <a:pPr algn="ctr"/>
             <a:r>
+              <a:rPr lang="ko-KR" altLang="en-US" sz="1400" dirty="0" smtClean="0">
+                <a:latin typeface="+mn-ea"/>
+              </a:rPr>
+              <a:t>지역저장소에 </a:t>
+            </a:r>
+            <a:r>
               <a:rPr lang="ko-KR" altLang="en-US" sz="1400" dirty="0">
                 <a:latin typeface="+mn-ea"/>
               </a:rPr>
-              <a:t>로컬저장소에 저장됨</a:t>
+              <a:t>저장됨</a:t>
             </a:r>
             <a:endParaRPr lang="en-US" altLang="ko-KR" sz="1400" dirty="0">
               <a:latin typeface="+mn-ea"/>
@@ -8180,26 +8892,21 @@
           <a:p>
             <a:r>
               <a:rPr lang="en-US" altLang="ko-KR" dirty="0"/>
-              <a:t>Git </a:t>
+              <a:t>Git Bash</a:t>
             </a:r>
             <a:r>
               <a:rPr lang="ko-KR" altLang="en-US" dirty="0"/>
-              <a:t>이란</a:t>
-            </a:r>
-            <a:r>
-              <a:rPr lang="en-US" altLang="ko-KR" dirty="0"/>
-              <a:t>?</a:t>
-            </a:r>
-            <a:endParaRPr lang="ko-KR" altLang="en-US" dirty="0"/>
+              <a:t> 동작</a:t>
+            </a:r>
           </a:p>
         </p:txBody>
       </p:sp>
       <p:sp>
         <p:nvSpPr>
-          <p:cNvPr id="6" name="내용 개체 틀 4">
+          <p:cNvPr id="5" name="내용 개체 틀 4">
             <a:extLst>
               <a:ext uri="{FF2B5EF4-FFF2-40B4-BE49-F238E27FC236}">
-                <a16:creationId xmlns:a16="http://schemas.microsoft.com/office/drawing/2014/main" id="{1C65A554-0F65-475C-A385-1A8EE3A8DFC7}"/>
+                <a16:creationId xmlns:a16="http://schemas.microsoft.com/office/drawing/2014/main" id="{FDF69C25-9F43-470B-8A20-AEDC0F371CCD}"/>
               </a:ext>
             </a:extLst>
           </p:cNvPr>
@@ -8212,13 +8919,13 @@
         </p:nvSpPr>
         <p:spPr>
           <a:xfrm>
-            <a:off x="250825" y="1000222"/>
-            <a:ext cx="8641655" cy="2987316"/>
+            <a:off x="250825" y="1000221"/>
+            <a:ext cx="8641655" cy="3699369"/>
           </a:xfrm>
         </p:spPr>
         <p:txBody>
-          <a:bodyPr>
-            <a:normAutofit fontScale="77500" lnSpcReduction="20000"/>
+          <a:bodyPr vert="horz" lIns="91440" tIns="45720" rIns="91440" bIns="45720" rtlCol="0">
+            <a:noAutofit/>
           </a:bodyPr>
           <a:lstStyle/>
           <a:p>
@@ -8226,256 +8933,362 @@
               <a:spcBef>
                 <a:spcPct val="0"/>
               </a:spcBef>
+            </a:pPr>
+            <a:r>
+              <a:rPr lang="en-US" altLang="ko-KR" dirty="0"/>
+              <a:t>Git Bash </a:t>
+            </a:r>
+            <a:r>
+              <a:rPr lang="ko-KR" altLang="en-US" dirty="0"/>
+              <a:t>동작하기</a:t>
+            </a:r>
+          </a:p>
+          <a:p>
+            <a:pPr lvl="1">
+              <a:spcBef>
+                <a:spcPts val="0"/>
+              </a:spcBef>
+              <a:spcAft>
+                <a:spcPts val="0"/>
+              </a:spcAft>
               <a:buClr>
                 <a:schemeClr val="tx1">
-                  <a:lumMod val="65000"/>
-                  <a:lumOff val="35000"/>
+                  <a:lumMod val="50000"/>
+                  <a:lumOff val="50000"/>
                 </a:schemeClr>
               </a:buClr>
             </a:pPr>
             <a:r>
               <a:rPr lang="ko-KR" altLang="en-US" dirty="0"/>
-              <a:t>깃의 간단한 설명</a:t>
+              <a:t>파일 만들기</a:t>
             </a:r>
             <a:endParaRPr lang="en-US" altLang="ko-KR" dirty="0"/>
           </a:p>
           <a:p>
-            <a:pPr marL="0" indent="0">
-              <a:spcBef>
-                <a:spcPct val="0"/>
-              </a:spcBef>
+            <a:pPr lvl="1">
+              <a:spcBef>
+                <a:spcPts val="0"/>
+              </a:spcBef>
+              <a:spcAft>
+                <a:spcPts val="0"/>
+              </a:spcAft>
               <a:buClr>
                 <a:schemeClr val="tx1">
-                  <a:lumMod val="65000"/>
-                  <a:lumOff val="35000"/>
+                  <a:lumMod val="50000"/>
+                  <a:lumOff val="50000"/>
                 </a:schemeClr>
               </a:buClr>
-              <a:buNone/>
             </a:pPr>
             <a:r>
               <a:rPr lang="en-US" altLang="ko-KR" dirty="0"/>
-              <a:t>    </a:t>
-            </a:r>
+              <a:t>    ☞ </a:t>
+            </a:r>
+          </a:p>
+          <a:p>
+            <a:pPr lvl="1">
+              <a:spcBef>
+                <a:spcPts val="0"/>
+              </a:spcBef>
+              <a:spcAft>
+                <a:spcPts val="0"/>
+              </a:spcAft>
+              <a:buClr>
+                <a:schemeClr val="tx1">
+                  <a:lumMod val="50000"/>
+                  <a:lumOff val="50000"/>
+                </a:schemeClr>
+              </a:buClr>
+            </a:pPr>
+            <a:r>
+              <a:rPr lang="en-US" altLang="ko-KR" dirty="0"/>
+              <a:t>   </a:t>
+            </a:r>
+          </a:p>
+          <a:p>
+            <a:pPr lvl="1">
+              <a:spcBef>
+                <a:spcPts val="0"/>
+              </a:spcBef>
+              <a:spcAft>
+                <a:spcPts val="0"/>
+              </a:spcAft>
+              <a:buClr>
+                <a:schemeClr val="tx1">
+                  <a:lumMod val="50000"/>
+                  <a:lumOff val="50000"/>
+                </a:schemeClr>
+              </a:buClr>
+            </a:pPr>
             <a:r>
               <a:rPr lang="ko-KR" altLang="en-US" dirty="0"/>
-              <a:t>깃과 </a:t>
-            </a:r>
-            <a:r>
-              <a:rPr lang="ko-KR" altLang="en-US" dirty="0" err="1"/>
-              <a:t>깃허브관계</a:t>
+              <a:t>처음 </a:t>
+            </a:r>
+            <a:r>
+              <a:rPr lang="en-US" altLang="ko-KR" dirty="0"/>
+              <a:t>commit</a:t>
+            </a:r>
+            <a:r>
+              <a:rPr lang="ko-KR" altLang="en-US" dirty="0"/>
+              <a:t>하기</a:t>
             </a:r>
             <a:endParaRPr lang="en-US" altLang="ko-KR" dirty="0"/>
           </a:p>
           <a:p>
-            <a:pPr>
-              <a:spcBef>
-                <a:spcPct val="0"/>
-              </a:spcBef>
+            <a:pPr lvl="1">
+              <a:spcBef>
+                <a:spcPts val="0"/>
+              </a:spcBef>
+              <a:spcAft>
+                <a:spcPts val="0"/>
+              </a:spcAft>
               <a:buClr>
                 <a:schemeClr val="tx1">
-                  <a:lumMod val="65000"/>
-                  <a:lumOff val="35000"/>
+                  <a:lumMod val="50000"/>
+                  <a:lumOff val="50000"/>
                 </a:schemeClr>
               </a:buClr>
             </a:pPr>
             <a:r>
+              <a:rPr lang="en-US" altLang="ko-KR" dirty="0"/>
+              <a:t>    ☞ git commit –a</a:t>
+            </a:r>
+          </a:p>
+          <a:p>
+            <a:pPr lvl="1">
+              <a:spcBef>
+                <a:spcPts val="0"/>
+              </a:spcBef>
+              <a:spcAft>
+                <a:spcPts val="0"/>
+              </a:spcAft>
+              <a:buClr>
+                <a:schemeClr val="tx1">
+                  <a:lumMod val="50000"/>
+                  <a:lumOff val="50000"/>
+                </a:schemeClr>
+              </a:buClr>
+            </a:pPr>
+            <a:r>
+              <a:rPr lang="en-US" altLang="ko-KR" dirty="0"/>
+              <a:t>     # </a:t>
+            </a:r>
+            <a:r>
               <a:rPr lang="ko-KR" altLang="en-US" dirty="0"/>
-              <a:t>깃 설치</a:t>
+              <a:t>기본 </a:t>
+            </a:r>
+            <a:r>
+              <a:rPr lang="en-US" altLang="ko-KR" dirty="0"/>
+              <a:t>editor</a:t>
+            </a:r>
+            <a:r>
+              <a:rPr lang="ko-KR" altLang="en-US" dirty="0"/>
+              <a:t>가 동작이 하지 않으면 아래 명령을 수행하고 다시 수행</a:t>
             </a:r>
             <a:endParaRPr lang="en-US" altLang="ko-KR" dirty="0"/>
           </a:p>
           <a:p>
-            <a:pPr marL="0" indent="0">
-              <a:spcBef>
-                <a:spcPct val="0"/>
-              </a:spcBef>
+            <a:pPr lvl="1">
+              <a:spcBef>
+                <a:spcPts val="0"/>
+              </a:spcBef>
+              <a:spcAft>
+                <a:spcPts val="0"/>
+              </a:spcAft>
               <a:buClr>
                 <a:schemeClr val="tx1">
-                  <a:lumMod val="65000"/>
-                  <a:lumOff val="35000"/>
+                  <a:lumMod val="50000"/>
+                  <a:lumOff val="50000"/>
                 </a:schemeClr>
               </a:buClr>
-              <a:buNone/>
             </a:pPr>
             <a:r>
               <a:rPr lang="en-US" altLang="ko-KR" dirty="0"/>
-              <a:t>   config</a:t>
+              <a:t>       ∙</a:t>
+            </a:r>
+          </a:p>
+          <a:p>
+            <a:pPr lvl="1">
+              <a:spcBef>
+                <a:spcPts val="0"/>
+              </a:spcBef>
+              <a:spcAft>
+                <a:spcPts val="0"/>
+              </a:spcAft>
+              <a:buClr>
+                <a:schemeClr val="tx1">
+                  <a:lumMod val="50000"/>
+                  <a:lumOff val="50000"/>
+                </a:schemeClr>
+              </a:buClr>
+            </a:pPr>
+            <a:r>
+              <a:rPr lang="en-US" altLang="ko-KR" dirty="0"/>
+              <a:t>     ∙ </a:t>
             </a:r>
             <a:r>
               <a:rPr lang="ko-KR" altLang="en-US" dirty="0"/>
-              <a:t> 설치</a:t>
-            </a:r>
-            <a:r>
-              <a:rPr lang="en-US" altLang="ko-KR" dirty="0"/>
-              <a:t>. Editor </a:t>
-            </a:r>
+              <a:t>여기에 메모장 모양 확인 삽입</a:t>
+            </a:r>
+            <a:r>
+              <a:rPr lang="en-US" altLang="ko-KR" dirty="0"/>
+              <a:t>       </a:t>
+            </a:r>
+          </a:p>
+          <a:p>
+            <a:pPr lvl="1">
+              <a:spcBef>
+                <a:spcPts val="0"/>
+              </a:spcBef>
+              <a:spcAft>
+                <a:spcPts val="0"/>
+              </a:spcAft>
+              <a:buClr>
+                <a:schemeClr val="tx1">
+                  <a:lumMod val="50000"/>
+                  <a:lumOff val="50000"/>
+                </a:schemeClr>
+              </a:buClr>
+            </a:pPr>
+            <a:r>
+              <a:rPr lang="en-US" altLang="ko-KR" dirty="0"/>
+              <a:t>      </a:t>
+            </a:r>
+          </a:p>
+          <a:p>
+            <a:pPr lvl="1">
+              <a:spcBef>
+                <a:spcPts val="0"/>
+              </a:spcBef>
+              <a:spcAft>
+                <a:spcPts val="0"/>
+              </a:spcAft>
+              <a:buClr>
+                <a:schemeClr val="tx1">
+                  <a:lumMod val="50000"/>
+                  <a:lumOff val="50000"/>
+                </a:schemeClr>
+              </a:buClr>
+            </a:pPr>
             <a:r>
               <a:rPr lang="ko-KR" altLang="en-US" dirty="0"/>
-              <a:t>등</a:t>
+              <a:t>파일 만들기</a:t>
             </a:r>
             <a:endParaRPr lang="en-US" altLang="ko-KR" dirty="0"/>
           </a:p>
           <a:p>
-            <a:pPr marL="0" indent="0">
-              <a:spcBef>
-                <a:spcPct val="0"/>
-              </a:spcBef>
+            <a:pPr lvl="1">
+              <a:spcBef>
+                <a:spcPts val="0"/>
+              </a:spcBef>
+              <a:spcAft>
+                <a:spcPts val="0"/>
+              </a:spcAft>
               <a:buClr>
                 <a:schemeClr val="tx1">
-                  <a:lumMod val="65000"/>
-                  <a:lumOff val="35000"/>
+                  <a:lumMod val="50000"/>
+                  <a:lumOff val="50000"/>
                 </a:schemeClr>
               </a:buClr>
-              <a:buNone/>
             </a:pPr>
             <a:r>
               <a:rPr lang="en-US" altLang="ko-KR" dirty="0"/>
-              <a:t>   ..git </a:t>
-            </a:r>
-            <a:r>
-              <a:rPr lang="ko-KR" altLang="en-US" dirty="0"/>
-              <a:t>설명 </a:t>
-            </a:r>
-            <a:r>
-              <a:rPr lang="en-US" altLang="ko-KR" dirty="0"/>
-              <a:t>. </a:t>
-            </a:r>
-            <a:r>
-              <a:rPr lang="en-US" altLang="ko-KR" dirty="0" err="1"/>
-              <a:t>Gitignore</a:t>
-            </a:r>
-            <a:r>
-              <a:rPr lang="en-US" altLang="ko-KR" dirty="0"/>
-              <a:t> </a:t>
-            </a:r>
-            <a:r>
-              <a:rPr lang="ko-KR" altLang="en-US" dirty="0"/>
-              <a:t>등</a:t>
-            </a:r>
-            <a:endParaRPr lang="en-US" altLang="ko-KR" dirty="0"/>
-          </a:p>
-          <a:p>
-            <a:pPr marL="0" indent="0">
-              <a:spcBef>
-                <a:spcPct val="0"/>
-              </a:spcBef>
+              <a:t>    ∙ sample.txt</a:t>
+            </a:r>
+          </a:p>
+          <a:p>
+            <a:pPr lvl="1">
+              <a:spcBef>
+                <a:spcPts val="0"/>
+              </a:spcBef>
+              <a:spcAft>
+                <a:spcPts val="0"/>
+              </a:spcAft>
               <a:buClr>
                 <a:schemeClr val="tx1">
-                  <a:lumMod val="65000"/>
-                  <a:lumOff val="35000"/>
-                </a:schemeClr>
-              </a:buClr>
-              <a:buNone/>
-            </a:pPr>
-            <a:r>
-              <a:rPr lang="en-US" altLang="ko-KR" dirty="0"/>
-              <a:t>   </a:t>
-            </a:r>
-            <a:r>
-              <a:rPr lang="ko-KR" altLang="en-US" dirty="0" err="1"/>
-              <a:t>그림등</a:t>
-            </a:r>
-            <a:r>
-              <a:rPr lang="ko-KR" altLang="en-US" dirty="0"/>
-              <a:t> 이용</a:t>
-            </a:r>
-            <a:endParaRPr lang="en-US" altLang="ko-KR" dirty="0"/>
-          </a:p>
-          <a:p>
-            <a:pPr marL="0" indent="0">
-              <a:spcBef>
-                <a:spcPct val="0"/>
-              </a:spcBef>
-              <a:buClr>
-                <a:schemeClr val="tx1">
-                  <a:lumMod val="65000"/>
-                  <a:lumOff val="35000"/>
-                </a:schemeClr>
-              </a:buClr>
-              <a:buNone/>
-            </a:pPr>
-            <a:r>
-              <a:rPr lang="en-US" altLang="ko-KR" dirty="0"/>
-              <a:t>Bash</a:t>
-            </a:r>
-            <a:r>
-              <a:rPr lang="ko-KR" altLang="en-US" dirty="0"/>
-              <a:t> 사용법 설명</a:t>
-            </a:r>
-            <a:endParaRPr lang="en-US" altLang="ko-KR" dirty="0"/>
-          </a:p>
-          <a:p>
-            <a:pPr>
-              <a:spcBef>
-                <a:spcPct val="0"/>
-              </a:spcBef>
-              <a:buClr>
-                <a:schemeClr val="tx1">
-                  <a:lumMod val="65000"/>
-                  <a:lumOff val="35000"/>
-                </a:schemeClr>
-              </a:buClr>
-            </a:pPr>
-            <a:r>
-              <a:rPr lang="ko-KR" altLang="en-US" dirty="0"/>
-              <a:t>각종 주요 명령</a:t>
-            </a:r>
-            <a:endParaRPr lang="en-US" altLang="ko-KR" dirty="0"/>
-          </a:p>
-          <a:p>
-            <a:pPr marL="0" indent="0">
-              <a:spcBef>
-                <a:spcPct val="0"/>
-              </a:spcBef>
-              <a:buClr>
-                <a:schemeClr val="tx1">
-                  <a:lumMod val="65000"/>
-                  <a:lumOff val="35000"/>
-                </a:schemeClr>
-              </a:buClr>
-              <a:buNone/>
-            </a:pPr>
-            <a:r>
-              <a:rPr lang="en-US" altLang="ko-KR" dirty="0"/>
-              <a:t>   </a:t>
-            </a:r>
-            <a:r>
-              <a:rPr lang="ko-KR" altLang="en-US" dirty="0"/>
-              <a:t>메모장 사용 </a:t>
-            </a:r>
-            <a:r>
-              <a:rPr lang="en-US" altLang="ko-KR" dirty="0"/>
-              <a:t>.txt</a:t>
-            </a:r>
-            <a:r>
-              <a:rPr lang="ko-KR" altLang="en-US" dirty="0"/>
-              <a:t> 리눅스와 혼동되지 않도록</a:t>
-            </a:r>
-            <a:r>
-              <a:rPr lang="en-US" altLang="ko-KR" dirty="0"/>
-              <a:t>.</a:t>
-            </a:r>
-          </a:p>
-          <a:p>
-            <a:pPr>
-              <a:spcBef>
-                <a:spcPct val="0"/>
-              </a:spcBef>
-              <a:buClr>
-                <a:schemeClr val="tx1">
-                  <a:lumMod val="65000"/>
-                  <a:lumOff val="35000"/>
+                  <a:lumMod val="50000"/>
+                  <a:lumOff val="50000"/>
                 </a:schemeClr>
               </a:buClr>
             </a:pPr>
             <a:endParaRPr lang="en-US" altLang="ko-KR" dirty="0"/>
+          </a:p>
+          <a:p>
+            <a:pPr lvl="1">
+              <a:spcBef>
+                <a:spcPts val="0"/>
+              </a:spcBef>
+              <a:spcAft>
+                <a:spcPts val="0"/>
+              </a:spcAft>
+              <a:buClr>
+                <a:schemeClr val="tx1">
+                  <a:lumMod val="50000"/>
+                  <a:lumOff val="50000"/>
+                </a:schemeClr>
+              </a:buClr>
+            </a:pPr>
+            <a:endParaRPr lang="en-US" altLang="ko-KR" dirty="0"/>
+          </a:p>
+          <a:p>
+            <a:pPr lvl="1">
+              <a:spcBef>
+                <a:spcPts val="0"/>
+              </a:spcBef>
+              <a:spcAft>
+                <a:spcPts val="0"/>
+              </a:spcAft>
+              <a:buClr>
+                <a:schemeClr val="tx1">
+                  <a:lumMod val="50000"/>
+                  <a:lumOff val="50000"/>
+                </a:schemeClr>
+              </a:buClr>
+            </a:pPr>
+            <a:endParaRPr lang="en-US" altLang="ko-KR" dirty="0"/>
+          </a:p>
+          <a:p>
+            <a:pPr lvl="1">
+              <a:spcBef>
+                <a:spcPts val="0"/>
+              </a:spcBef>
+              <a:spcAft>
+                <a:spcPts val="0"/>
+              </a:spcAft>
+              <a:buClr>
+                <a:schemeClr val="tx1">
+                  <a:lumMod val="50000"/>
+                  <a:lumOff val="50000"/>
+                </a:schemeClr>
+              </a:buClr>
+            </a:pPr>
+            <a:r>
+              <a:rPr lang="en-US" altLang="ko-KR" dirty="0"/>
+              <a:t> </a:t>
+            </a:r>
+          </a:p>
+          <a:p>
+            <a:pPr lvl="1">
+              <a:spcBef>
+                <a:spcPts val="0"/>
+              </a:spcBef>
+              <a:spcAft>
+                <a:spcPts val="0"/>
+              </a:spcAft>
+              <a:buClr>
+                <a:schemeClr val="tx1">
+                  <a:lumMod val="50000"/>
+                  <a:lumOff val="50000"/>
+                </a:schemeClr>
+              </a:buClr>
+            </a:pPr>
+            <a:endParaRPr lang="ko-KR" altLang="en-US" dirty="0"/>
           </a:p>
         </p:txBody>
       </p:sp>
     </p:spTree>
     <p:extLst>
       <p:ext uri="{BB962C8B-B14F-4D97-AF65-F5344CB8AC3E}">
-        <p14:creationId xmlns:p14="http://schemas.microsoft.com/office/powerpoint/2010/main" val="387475888"/>
+        <p14:creationId xmlns:p14="http://schemas.microsoft.com/office/powerpoint/2010/main" val="38958567"/>
       </p:ext>
     </p:extLst>
   </p:cSld>
@@ -8524,459 +9337,47 @@
           <a:lstStyle/>
           <a:p>
             <a:r>
-              <a:rPr lang="en-US" altLang="ko-KR" dirty="0"/>
-              <a:t>Git Bash</a:t>
-            </a:r>
-            <a:r>
-              <a:rPr lang="ko-KR" altLang="en-US" dirty="0"/>
-              <a:t> 동작</a:t>
-            </a:r>
+              <a:rPr lang="ko-KR" altLang="en-US" dirty="0" smtClean="0"/>
+              <a:t>복습</a:t>
+            </a:r>
+            <a:endParaRPr lang="ko-KR" altLang="en-US" dirty="0"/>
           </a:p>
         </p:txBody>
       </p:sp>
-      <p:sp>
-        <p:nvSpPr>
-          <p:cNvPr id="5" name="내용 개체 틀 4">
+      <p:pic>
+        <p:nvPicPr>
+          <p:cNvPr id="3" name="그림 2">
             <a:extLst>
               <a:ext uri="{FF2B5EF4-FFF2-40B4-BE49-F238E27FC236}">
-                <a16:creationId xmlns:a16="http://schemas.microsoft.com/office/drawing/2014/main" id="{FDF69C25-9F43-470B-8A20-AEDC0F371CCD}"/>
+                <a16:creationId xmlns:a16="http://schemas.microsoft.com/office/drawing/2014/main" id="{081AFC1A-AA20-4AA5-812B-B5483AD4CC5E}"/>
               </a:ext>
             </a:extLst>
           </p:cNvPr>
-          <p:cNvSpPr>
-            <a:spLocks noGrp="1"/>
-          </p:cNvSpPr>
-          <p:nvPr>
-            <p:ph idx="1"/>
-          </p:nvPr>
-        </p:nvSpPr>
+          <p:cNvPicPr>
+            <a:picLocks noChangeAspect="1"/>
+          </p:cNvPicPr>
+          <p:nvPr/>
+        </p:nvPicPr>
+        <p:blipFill>
+          <a:blip r:embed="rId2"/>
+          <a:stretch>
+            <a:fillRect/>
+          </a:stretch>
+        </p:blipFill>
         <p:spPr>
           <a:xfrm>
-            <a:off x="250825" y="1000221"/>
-            <a:ext cx="8641655" cy="3699369"/>
+            <a:off x="735589" y="1465118"/>
+            <a:ext cx="4638675" cy="2971800"/>
           </a:xfrm>
+          <a:prstGeom prst="rect">
+            <a:avLst/>
+          </a:prstGeom>
         </p:spPr>
-        <p:txBody>
-          <a:bodyPr>
-            <a:noAutofit/>
-          </a:bodyPr>
-          <a:lstStyle/>
-          <a:p>
-            <a:pPr>
-              <a:spcBef>
-                <a:spcPct val="0"/>
-              </a:spcBef>
-              <a:buClr>
-                <a:schemeClr val="tx1">
-                  <a:lumMod val="65000"/>
-                  <a:lumOff val="35000"/>
-                </a:schemeClr>
-              </a:buClr>
-            </a:pPr>
-            <a:r>
-              <a:rPr lang="en-US" altLang="ko-KR" dirty="0"/>
-              <a:t>Git Bash </a:t>
-            </a:r>
-            <a:r>
-              <a:rPr lang="ko-KR" altLang="en-US" dirty="0"/>
-              <a:t>동작하기</a:t>
-            </a:r>
-          </a:p>
-          <a:p>
-            <a:pPr lvl="1">
-              <a:spcBef>
-                <a:spcPts val="0"/>
-              </a:spcBef>
-              <a:spcAft>
-                <a:spcPts val="0"/>
-              </a:spcAft>
-              <a:buClr>
-                <a:schemeClr val="tx1">
-                  <a:lumMod val="50000"/>
-                  <a:lumOff val="50000"/>
-                </a:schemeClr>
-              </a:buClr>
-            </a:pPr>
-            <a:r>
-              <a:rPr lang="ko-KR" altLang="en-US" dirty="0"/>
-              <a:t>파일 만들기</a:t>
-            </a:r>
-            <a:endParaRPr lang="en-US" altLang="ko-KR" dirty="0"/>
-          </a:p>
-          <a:p>
-            <a:pPr marL="266700" lvl="1" indent="0">
-              <a:spcBef>
-                <a:spcPts val="0"/>
-              </a:spcBef>
-              <a:spcAft>
-                <a:spcPts val="0"/>
-              </a:spcAft>
-              <a:buClr>
-                <a:schemeClr val="tx1">
-                  <a:lumMod val="50000"/>
-                  <a:lumOff val="50000"/>
-                </a:schemeClr>
-              </a:buClr>
-              <a:buNone/>
-            </a:pPr>
-            <a:r>
-              <a:rPr lang="en-US" altLang="ko-KR" dirty="0"/>
-              <a:t>    </a:t>
-            </a:r>
-            <a:r>
-              <a:rPr lang="en-US" altLang="ko-KR" dirty="0">
-                <a:latin typeface="+mn-ea"/>
-              </a:rPr>
-              <a:t>☞ </a:t>
-            </a:r>
-            <a:endParaRPr lang="en-US" altLang="ko-KR" dirty="0"/>
-          </a:p>
-          <a:p>
-            <a:pPr marL="266700" lvl="1" indent="0">
-              <a:spcBef>
-                <a:spcPts val="0"/>
-              </a:spcBef>
-              <a:spcAft>
-                <a:spcPts val="0"/>
-              </a:spcAft>
-              <a:buClr>
-                <a:schemeClr val="tx1">
-                  <a:lumMod val="50000"/>
-                  <a:lumOff val="50000"/>
-                </a:schemeClr>
-              </a:buClr>
-              <a:buNone/>
-            </a:pPr>
-            <a:r>
-              <a:rPr lang="en-US" altLang="ko-KR" dirty="0"/>
-              <a:t>   </a:t>
-            </a:r>
-          </a:p>
-          <a:p>
-            <a:pPr lvl="1">
-              <a:spcBef>
-                <a:spcPts val="0"/>
-              </a:spcBef>
-              <a:spcAft>
-                <a:spcPts val="0"/>
-              </a:spcAft>
-              <a:buClr>
-                <a:schemeClr val="tx1">
-                  <a:lumMod val="50000"/>
-                  <a:lumOff val="50000"/>
-                </a:schemeClr>
-              </a:buClr>
-            </a:pPr>
-            <a:r>
-              <a:rPr lang="ko-KR" altLang="en-US" dirty="0"/>
-              <a:t>처음 </a:t>
-            </a:r>
-            <a:r>
-              <a:rPr lang="en-US" altLang="ko-KR" dirty="0"/>
-              <a:t>commit</a:t>
-            </a:r>
-            <a:r>
-              <a:rPr lang="ko-KR" altLang="en-US" dirty="0"/>
-              <a:t>하기</a:t>
-            </a:r>
-            <a:endParaRPr lang="en-US" altLang="ko-KR" dirty="0"/>
-          </a:p>
-          <a:p>
-            <a:pPr marL="266700" lvl="1" indent="0">
-              <a:spcBef>
-                <a:spcPts val="0"/>
-              </a:spcBef>
-              <a:spcAft>
-                <a:spcPts val="0"/>
-              </a:spcAft>
-              <a:buClr>
-                <a:schemeClr val="tx1">
-                  <a:lumMod val="50000"/>
-                  <a:lumOff val="50000"/>
-                </a:schemeClr>
-              </a:buClr>
-              <a:buNone/>
-            </a:pPr>
-            <a:r>
-              <a:rPr lang="en-US" altLang="ko-KR" dirty="0"/>
-              <a:t>    </a:t>
-            </a:r>
-            <a:r>
-              <a:rPr lang="en-US" altLang="ko-KR" dirty="0">
-                <a:latin typeface="+mn-ea"/>
-              </a:rPr>
-              <a:t>☞ git commit –a</a:t>
-            </a:r>
-          </a:p>
-          <a:p>
-            <a:pPr marL="266700" lvl="1" indent="0">
-              <a:spcBef>
-                <a:spcPts val="0"/>
-              </a:spcBef>
-              <a:spcAft>
-                <a:spcPts val="0"/>
-              </a:spcAft>
-              <a:buClr>
-                <a:schemeClr val="tx1">
-                  <a:lumMod val="50000"/>
-                  <a:lumOff val="50000"/>
-                </a:schemeClr>
-              </a:buClr>
-              <a:buNone/>
-            </a:pPr>
-            <a:r>
-              <a:rPr lang="en-US" altLang="ko-KR" dirty="0">
-                <a:latin typeface="+mn-ea"/>
-              </a:rPr>
-              <a:t>     # </a:t>
-            </a:r>
-            <a:r>
-              <a:rPr lang="ko-KR" altLang="en-US" dirty="0">
-                <a:latin typeface="+mn-ea"/>
-              </a:rPr>
-              <a:t>기본 </a:t>
-            </a:r>
-            <a:r>
-              <a:rPr lang="en-US" altLang="ko-KR" dirty="0">
-                <a:latin typeface="+mn-ea"/>
-              </a:rPr>
-              <a:t>editor</a:t>
-            </a:r>
-            <a:r>
-              <a:rPr lang="ko-KR" altLang="en-US" dirty="0">
-                <a:latin typeface="+mn-ea"/>
-              </a:rPr>
-              <a:t>가 동작이 하지 않으면 아래 명령을 수행하고 다시 수행</a:t>
-            </a:r>
-            <a:endParaRPr lang="en-US" altLang="ko-KR" dirty="0">
-              <a:latin typeface="+mn-ea"/>
-            </a:endParaRPr>
-          </a:p>
-          <a:p>
-            <a:pPr marL="266700" lvl="1" indent="0">
-              <a:spcBef>
-                <a:spcPts val="0"/>
-              </a:spcBef>
-              <a:spcAft>
-                <a:spcPts val="0"/>
-              </a:spcAft>
-              <a:buClr>
-                <a:schemeClr val="tx1">
-                  <a:lumMod val="50000"/>
-                  <a:lumOff val="50000"/>
-                </a:schemeClr>
-              </a:buClr>
-              <a:buNone/>
-            </a:pPr>
-            <a:r>
-              <a:rPr lang="en-US" altLang="ko-KR" dirty="0">
-                <a:latin typeface="+mn-ea"/>
-              </a:rPr>
-              <a:t>       ∙</a:t>
-            </a:r>
-          </a:p>
-          <a:p>
-            <a:pPr marL="266700" lvl="1" indent="0">
-              <a:spcBef>
-                <a:spcPts val="0"/>
-              </a:spcBef>
-              <a:spcAft>
-                <a:spcPts val="0"/>
-              </a:spcAft>
-              <a:buClr>
-                <a:schemeClr val="tx1">
-                  <a:lumMod val="50000"/>
-                  <a:lumOff val="50000"/>
-                </a:schemeClr>
-              </a:buClr>
-              <a:buNone/>
-            </a:pPr>
-            <a:r>
-              <a:rPr lang="en-US" altLang="ko-KR" dirty="0">
-                <a:latin typeface="+mn-ea"/>
-              </a:rPr>
-              <a:t>     ∙ </a:t>
-            </a:r>
-            <a:r>
-              <a:rPr lang="ko-KR" altLang="en-US" dirty="0">
-                <a:latin typeface="+mn-ea"/>
-              </a:rPr>
-              <a:t>여기에 메모장 모양 확인 삽입</a:t>
-            </a:r>
-            <a:r>
-              <a:rPr lang="en-US" altLang="ko-KR" dirty="0">
-                <a:latin typeface="+mn-ea"/>
-              </a:rPr>
-              <a:t>       </a:t>
-            </a:r>
-          </a:p>
-          <a:p>
-            <a:pPr marL="266700" lvl="1" indent="0">
-              <a:spcBef>
-                <a:spcPts val="0"/>
-              </a:spcBef>
-              <a:spcAft>
-                <a:spcPts val="0"/>
-              </a:spcAft>
-              <a:buClr>
-                <a:schemeClr val="tx1">
-                  <a:lumMod val="50000"/>
-                  <a:lumOff val="50000"/>
-                </a:schemeClr>
-              </a:buClr>
-              <a:buNone/>
-            </a:pPr>
-            <a:r>
-              <a:rPr lang="en-US" altLang="ko-KR" dirty="0">
-                <a:latin typeface="+mn-ea"/>
-              </a:rPr>
-              <a:t>      </a:t>
-            </a:r>
-          </a:p>
-          <a:p>
-            <a:pPr lvl="1">
-              <a:spcBef>
-                <a:spcPts val="0"/>
-              </a:spcBef>
-              <a:spcAft>
-                <a:spcPts val="0"/>
-              </a:spcAft>
-              <a:buClr>
-                <a:schemeClr val="tx1">
-                  <a:lumMod val="50000"/>
-                  <a:lumOff val="50000"/>
-                </a:schemeClr>
-              </a:buClr>
-            </a:pPr>
-            <a:r>
-              <a:rPr lang="ko-KR" altLang="en-US" dirty="0"/>
-              <a:t>파일 만들기</a:t>
-            </a:r>
-            <a:endParaRPr lang="en-US" altLang="ko-KR" dirty="0"/>
-          </a:p>
-          <a:p>
-            <a:pPr marL="266700" lvl="1" indent="0">
-              <a:spcBef>
-                <a:spcPts val="0"/>
-              </a:spcBef>
-              <a:spcAft>
-                <a:spcPts val="0"/>
-              </a:spcAft>
-              <a:buClr>
-                <a:schemeClr val="tx1">
-                  <a:lumMod val="50000"/>
-                  <a:lumOff val="50000"/>
-                </a:schemeClr>
-              </a:buClr>
-              <a:buNone/>
-            </a:pPr>
-            <a:r>
-              <a:rPr lang="en-US" altLang="ko-KR" dirty="0"/>
-              <a:t>   </a:t>
-            </a:r>
-            <a:r>
-              <a:rPr lang="en-US" altLang="ko-KR" dirty="0">
-                <a:latin typeface="+mn-ea"/>
-              </a:rPr>
-              <a:t> ∙ sample.txt</a:t>
-            </a:r>
-            <a:endParaRPr lang="en-US" altLang="ko-KR" dirty="0"/>
-          </a:p>
-          <a:p>
-            <a:pPr lvl="1">
-              <a:spcBef>
-                <a:spcPts val="0"/>
-              </a:spcBef>
-              <a:spcAft>
-                <a:spcPts val="0"/>
-              </a:spcAft>
-              <a:buClr>
-                <a:schemeClr val="tx1">
-                  <a:lumMod val="50000"/>
-                  <a:lumOff val="50000"/>
-                </a:schemeClr>
-              </a:buClr>
-            </a:pPr>
-            <a:endParaRPr lang="en-US" altLang="ko-KR" dirty="0"/>
-          </a:p>
-          <a:p>
-            <a:pPr lvl="1">
-              <a:spcBef>
-                <a:spcPts val="0"/>
-              </a:spcBef>
-              <a:spcAft>
-                <a:spcPts val="0"/>
-              </a:spcAft>
-              <a:buClr>
-                <a:schemeClr val="tx1">
-                  <a:lumMod val="50000"/>
-                  <a:lumOff val="50000"/>
-                </a:schemeClr>
-              </a:buClr>
-            </a:pPr>
-            <a:endParaRPr lang="en-US" altLang="ko-KR" dirty="0"/>
-          </a:p>
-          <a:p>
-            <a:pPr lvl="1">
-              <a:spcBef>
-                <a:spcPts val="0"/>
-              </a:spcBef>
-              <a:spcAft>
-                <a:spcPts val="0"/>
-              </a:spcAft>
-              <a:buClr>
-                <a:schemeClr val="tx1">
-                  <a:lumMod val="50000"/>
-                  <a:lumOff val="50000"/>
-                </a:schemeClr>
-              </a:buClr>
-            </a:pPr>
-            <a:endParaRPr lang="en-US" altLang="ko-KR" dirty="0"/>
-          </a:p>
-          <a:p>
-            <a:pPr lvl="1">
-              <a:spcBef>
-                <a:spcPts val="0"/>
-              </a:spcBef>
-              <a:spcAft>
-                <a:spcPts val="0"/>
-              </a:spcAft>
-              <a:buClr>
-                <a:schemeClr val="tx1">
-                  <a:lumMod val="50000"/>
-                  <a:lumOff val="50000"/>
-                </a:schemeClr>
-              </a:buClr>
-            </a:pPr>
-            <a:r>
-              <a:rPr lang="en-US" altLang="ko-KR" dirty="0"/>
-              <a:t> </a:t>
-            </a:r>
-          </a:p>
-          <a:p>
-            <a:pPr marL="266700" lvl="1" indent="0">
-              <a:spcBef>
-                <a:spcPts val="0"/>
-              </a:spcBef>
-              <a:spcAft>
-                <a:spcPts val="0"/>
-              </a:spcAft>
-              <a:buClr>
-                <a:schemeClr val="tx1">
-                  <a:lumMod val="50000"/>
-                  <a:lumOff val="50000"/>
-                </a:schemeClr>
-              </a:buClr>
-              <a:buNone/>
-            </a:pPr>
-            <a:endParaRPr lang="ko-KR" altLang="en-US" dirty="0"/>
-          </a:p>
-        </p:txBody>
-      </p:sp>
+      </p:pic>
     </p:spTree>
     <p:extLst>
       <p:ext uri="{BB962C8B-B14F-4D97-AF65-F5344CB8AC3E}">
-        <p14:creationId xmlns:p14="http://schemas.microsoft.com/office/powerpoint/2010/main" val="38958567"/>
+        <p14:creationId xmlns:p14="http://schemas.microsoft.com/office/powerpoint/2010/main" val="3138347914"/>
       </p:ext>
     </p:extLst>
   </p:cSld>
@@ -9692,16 +10093,20 @@
           <a:bodyPr/>
           <a:lstStyle/>
           <a:p>
-            <a:endParaRPr lang="ko-KR" altLang="en-US"/>
+            <a:r>
+              <a:rPr lang="en-US" altLang="ko-KR" dirty="0" err="1" smtClean="0"/>
+              <a:t>Githosting</a:t>
+            </a:r>
+            <a:endParaRPr lang="ko-KR" altLang="en-US" dirty="0"/>
           </a:p>
         </p:txBody>
       </p:sp>
       <p:sp>
         <p:nvSpPr>
-          <p:cNvPr id="5" name="내용 개체 틀 4">
+          <p:cNvPr id="6" name="내용 개체 틀 2">
             <a:extLst>
               <a:ext uri="{FF2B5EF4-FFF2-40B4-BE49-F238E27FC236}">
-                <a16:creationId xmlns:a16="http://schemas.microsoft.com/office/drawing/2014/main" id="{FDF69C25-9F43-470B-8A20-AEDC0F371CCD}"/>
+                <a16:creationId xmlns:a16="http://schemas.microsoft.com/office/drawing/2014/main" id="{A44AC902-3746-40D6-9827-94B46EEDDC67}"/>
               </a:ext>
             </a:extLst>
           </p:cNvPr>
@@ -9714,12 +10119,12 @@
         </p:nvSpPr>
         <p:spPr>
           <a:xfrm>
-            <a:off x="250825" y="1000222"/>
-            <a:ext cx="8641655" cy="1526162"/>
+            <a:off x="341787" y="1120545"/>
+            <a:ext cx="8642350" cy="1655763"/>
           </a:xfrm>
         </p:spPr>
         <p:txBody>
-          <a:bodyPr tIns="0" bIns="0">
+          <a:bodyPr vert="horz" lIns="91440" tIns="45720" rIns="91440" bIns="45720" rtlCol="0">
             <a:noAutofit/>
           </a:bodyPr>
           <a:lstStyle/>
@@ -9728,21 +10133,29 @@
               <a:spcBef>
                 <a:spcPct val="0"/>
               </a:spcBef>
-              <a:buClr>
-                <a:schemeClr val="tx1">
-                  <a:lumMod val="65000"/>
-                  <a:lumOff val="35000"/>
-                </a:schemeClr>
-              </a:buClr>
             </a:pPr>
             <a:r>
+              <a:rPr lang="en-US" altLang="ko-KR" dirty="0" err="1"/>
+              <a:t>Git</a:t>
+            </a:r>
+            <a:r>
+              <a:rPr lang="en-US" altLang="ko-KR" dirty="0"/>
+              <a:t> hosting </a:t>
+            </a:r>
+            <a:r>
               <a:rPr lang="ko-KR" altLang="en-US" dirty="0"/>
-              <a:t>프로젝트 만들기</a:t>
+              <a:t>설명</a:t>
             </a:r>
             <a:endParaRPr lang="en-US" altLang="ko-KR" dirty="0"/>
           </a:p>
           <a:p>
             <a:pPr lvl="1">
+              <a:spcBef>
+                <a:spcPts val="0"/>
+              </a:spcBef>
+              <a:spcAft>
+                <a:spcPts val="0"/>
+              </a:spcAft>
               <a:buClr>
                 <a:schemeClr val="tx1">
                   <a:lumMod val="50000"/>
@@ -9751,322 +10164,39 @@
               </a:buClr>
             </a:pPr>
             <a:r>
+              <a:rPr lang="en-US" altLang="ko-KR" dirty="0"/>
+              <a:t> </a:t>
+            </a:r>
+            <a:r>
+              <a:rPr lang="en-US" altLang="ko-KR" dirty="0" err="1"/>
+              <a:t>github</a:t>
+            </a:r>
+            <a:r>
+              <a:rPr lang="en-US" altLang="ko-KR" dirty="0"/>
+              <a:t>, </a:t>
+            </a:r>
+            <a:r>
+              <a:rPr lang="en-US" altLang="ko-KR" dirty="0" err="1"/>
+              <a:t>gitlab</a:t>
+            </a:r>
+            <a:r>
+              <a:rPr lang="en-US" altLang="ko-KR" dirty="0"/>
+              <a:t> </a:t>
+            </a:r>
+            <a:r>
               <a:rPr lang="ko-KR" altLang="en-US" dirty="0"/>
-              <a:t>화면 왼쪽 상단에서 </a:t>
-            </a:r>
-            <a:r>
-              <a:rPr lang="en-US" altLang="ko-KR" dirty="0"/>
-              <a:t>[Projects] – [Start new project] </a:t>
-            </a:r>
-            <a:r>
-              <a:rPr lang="ko-KR" altLang="en-US" dirty="0"/>
-              <a:t>클릭</a:t>
-            </a:r>
+              <a:t>등</a:t>
+            </a:r>
+            <a:endParaRPr lang="en-US" altLang="ko-KR" dirty="0"/>
           </a:p>
           <a:p>
             <a:pPr lvl="1">
-              <a:buClr>
-                <a:schemeClr val="tx1">
-                  <a:lumMod val="65000"/>
-                  <a:lumOff val="35000"/>
-                </a:schemeClr>
-              </a:buClr>
-            </a:pPr>
-            <a:r>
-              <a:rPr lang="ko-KR" altLang="en-US" dirty="0">
-                <a:solidFill>
-                  <a:srgbClr val="0000FF"/>
-                </a:solidFill>
-              </a:rPr>
-              <a:t>프로젝트</a:t>
-            </a:r>
-            <a:r>
-              <a:rPr lang="ko-KR" altLang="en-US" dirty="0"/>
-              <a:t> 이름 입력</a:t>
-            </a:r>
-            <a:r>
-              <a:rPr lang="en-US" altLang="ko-KR" dirty="0"/>
-              <a:t>: </a:t>
-            </a:r>
-            <a:r>
-              <a:rPr lang="ko-KR" altLang="en-US" dirty="0"/>
-              <a:t>여기서는 “</a:t>
-            </a:r>
-            <a:r>
-              <a:rPr lang="en-US" altLang="ko-KR" dirty="0" err="1"/>
-              <a:t>HelloPurr</a:t>
-            </a:r>
-            <a:r>
-              <a:rPr lang="en-US" altLang="ko-KR" dirty="0"/>
-              <a:t>”</a:t>
-            </a:r>
-            <a:r>
-              <a:rPr lang="ko-KR" altLang="en-US" dirty="0"/>
-              <a:t>라 입력 </a:t>
-            </a:r>
-            <a:r>
-              <a:rPr lang="en-US" altLang="ko-KR" dirty="0"/>
-              <a:t>(</a:t>
-            </a:r>
-            <a:r>
-              <a:rPr lang="ko-KR" altLang="en-US" dirty="0"/>
-              <a:t>사이에</a:t>
-            </a:r>
-            <a:r>
-              <a:rPr lang="en-US" altLang="ko-KR" dirty="0"/>
-              <a:t> </a:t>
-            </a:r>
-            <a:r>
-              <a:rPr lang="ko-KR" altLang="en-US" dirty="0"/>
-              <a:t>공백 허용 안 됨</a:t>
-            </a:r>
-            <a:r>
-              <a:rPr lang="en-US" altLang="ko-KR" dirty="0"/>
-              <a:t>)</a:t>
-            </a:r>
-            <a:endParaRPr lang="ko-KR" altLang="en-US" dirty="0"/>
-          </a:p>
-          <a:p>
-            <a:endParaRPr lang="ko-KR" altLang="en-US" dirty="0"/>
-          </a:p>
-        </p:txBody>
-      </p:sp>
-      <p:sp>
-        <p:nvSpPr>
-          <p:cNvPr id="6" name="내용 개체 틀 4">
-            <a:extLst>
-              <a:ext uri="{FF2B5EF4-FFF2-40B4-BE49-F238E27FC236}">
-                <a16:creationId xmlns:a16="http://schemas.microsoft.com/office/drawing/2014/main" id="{59FE1F7F-BB82-4587-A86F-471C542D6EA7}"/>
-              </a:ext>
-            </a:extLst>
-          </p:cNvPr>
-          <p:cNvSpPr txBox="1">
-            <a:spLocks/>
-          </p:cNvSpPr>
-          <p:nvPr/>
-        </p:nvSpPr>
-        <p:spPr>
-          <a:xfrm>
-            <a:off x="250825" y="4506993"/>
-            <a:ext cx="8641655" cy="1526162"/>
-          </a:xfrm>
-          <a:prstGeom prst="rect">
-            <a:avLst/>
-          </a:prstGeom>
-        </p:spPr>
-        <p:txBody>
-          <a:bodyPr vert="horz" lIns="91440" tIns="0" rIns="91440" bIns="0" rtlCol="0">
-            <a:noAutofit/>
-          </a:bodyPr>
-          <a:lstStyle>
-            <a:lvl1pPr marL="266700" indent="-266700" algn="l" defTabSz="914400" rtl="0" eaLnBrk="1" latinLnBrk="1" hangingPunct="1">
-              <a:lnSpc>
-                <a:spcPct val="150000"/>
-              </a:lnSpc>
-              <a:spcBef>
-                <a:spcPts val="0"/>
-              </a:spcBef>
-              <a:buClr>
-                <a:schemeClr val="accent4"/>
-              </a:buClr>
-              <a:buFont typeface="Wingdings" pitchFamily="2" charset="2"/>
-              <a:buChar char="n"/>
-              <a:defRPr sz="2000" b="1" kern="1200">
-                <a:solidFill>
-                  <a:schemeClr val="tx1"/>
-                </a:solidFill>
-                <a:latin typeface="+mn-ea"/>
-                <a:ea typeface="+mn-ea"/>
-                <a:cs typeface="+mn-cs"/>
-              </a:defRPr>
-            </a:lvl1pPr>
-            <a:lvl2pPr marL="447675" indent="-180975" algn="l" defTabSz="914400" rtl="0" eaLnBrk="1" latinLnBrk="1" hangingPunct="1">
-              <a:lnSpc>
-                <a:spcPct val="150000"/>
-              </a:lnSpc>
-              <a:spcBef>
-                <a:spcPts val="500"/>
+              <a:spcBef>
+                <a:spcPts val="0"/>
               </a:spcBef>
               <a:spcAft>
-                <a:spcPts val="400"/>
+                <a:spcPts val="0"/>
               </a:spcAft>
-              <a:buClr>
-                <a:schemeClr val="accent4"/>
-              </a:buClr>
-              <a:buFont typeface="Wingdings" pitchFamily="2" charset="2"/>
-              <a:buChar char="§"/>
-              <a:defRPr sz="1600" kern="1200">
-                <a:solidFill>
-                  <a:schemeClr val="tx1"/>
-                </a:solidFill>
-                <a:latin typeface="+mn-lt"/>
-                <a:ea typeface="+mn-ea"/>
-                <a:cs typeface="+mn-cs"/>
-              </a:defRPr>
-            </a:lvl2pPr>
-            <a:lvl3pPr marL="628650" indent="-180975" algn="l" defTabSz="914400" rtl="0" eaLnBrk="1" latinLnBrk="1" hangingPunct="1">
-              <a:lnSpc>
-                <a:spcPct val="150000"/>
-              </a:lnSpc>
-              <a:spcBef>
-                <a:spcPts val="500"/>
-              </a:spcBef>
-              <a:spcAft>
-                <a:spcPts val="300"/>
-              </a:spcAft>
-              <a:buClr>
-                <a:schemeClr val="accent4"/>
-              </a:buClr>
-              <a:buFont typeface="Arial" panose="020B0604020202020204" pitchFamily="34" charset="0"/>
-              <a:buChar char="•"/>
-              <a:defRPr sz="1400" kern="1200">
-                <a:solidFill>
-                  <a:schemeClr val="tx1"/>
-                </a:solidFill>
-                <a:latin typeface="+mn-lt"/>
-                <a:ea typeface="+mn-ea"/>
-                <a:cs typeface="+mn-cs"/>
-              </a:defRPr>
-            </a:lvl3pPr>
-            <a:lvl4pPr marL="809625" indent="-180975" algn="l" defTabSz="914400" rtl="0" eaLnBrk="1" latinLnBrk="1" hangingPunct="1">
-              <a:lnSpc>
-                <a:spcPct val="150000"/>
-              </a:lnSpc>
-              <a:spcBef>
-                <a:spcPts val="500"/>
-              </a:spcBef>
-              <a:spcAft>
-                <a:spcPts val="300"/>
-              </a:spcAft>
-              <a:buClr>
-                <a:schemeClr val="accent4"/>
-              </a:buClr>
-              <a:buSzPct val="96000"/>
-              <a:buFont typeface="Arial" panose="020B0604020202020204" pitchFamily="34" charset="0"/>
-              <a:buChar char="•"/>
-              <a:defRPr sz="1200" kern="1200">
-                <a:solidFill>
-                  <a:schemeClr val="tx1"/>
-                </a:solidFill>
-                <a:latin typeface="+mn-lt"/>
-                <a:ea typeface="+mn-ea"/>
-                <a:cs typeface="+mn-cs"/>
-              </a:defRPr>
-            </a:lvl4pPr>
-            <a:lvl5pPr marL="990600" indent="-180975" algn="l" defTabSz="914400" rtl="0" eaLnBrk="1" latinLnBrk="1" hangingPunct="1">
-              <a:lnSpc>
-                <a:spcPct val="150000"/>
-              </a:lnSpc>
-              <a:spcBef>
-                <a:spcPts val="500"/>
-              </a:spcBef>
-              <a:buClr>
-                <a:schemeClr val="accent4"/>
-              </a:buClr>
-              <a:buFont typeface="Arial" panose="020B0604020202020204" pitchFamily="34" charset="0"/>
-              <a:buChar char="•"/>
-              <a:defRPr sz="1000" kern="1200">
-                <a:solidFill>
-                  <a:schemeClr val="tx1"/>
-                </a:solidFill>
-                <a:latin typeface="+mn-lt"/>
-                <a:ea typeface="+mn-ea"/>
-                <a:cs typeface="+mn-cs"/>
-              </a:defRPr>
-            </a:lvl5pPr>
-            <a:lvl6pPr marL="2514600" indent="-228600" algn="l" defTabSz="914400" rtl="0" eaLnBrk="1" latinLnBrk="1" hangingPunct="1">
-              <a:lnSpc>
-                <a:spcPct val="90000"/>
-              </a:lnSpc>
-              <a:spcBef>
-                <a:spcPts val="500"/>
-              </a:spcBef>
-              <a:buFont typeface="Arial" panose="020B0604020202020204" pitchFamily="34" charset="0"/>
-              <a:buChar char="•"/>
-              <a:defRPr sz="1800" kern="1200">
-                <a:solidFill>
-                  <a:schemeClr val="tx1"/>
-                </a:solidFill>
-                <a:latin typeface="+mn-lt"/>
-                <a:ea typeface="+mn-ea"/>
-                <a:cs typeface="+mn-cs"/>
-              </a:defRPr>
-            </a:lvl6pPr>
-            <a:lvl7pPr marL="2971800" indent="-228600" algn="l" defTabSz="914400" rtl="0" eaLnBrk="1" latinLnBrk="1" hangingPunct="1">
-              <a:lnSpc>
-                <a:spcPct val="90000"/>
-              </a:lnSpc>
-              <a:spcBef>
-                <a:spcPts val="500"/>
-              </a:spcBef>
-              <a:buFont typeface="Arial" panose="020B0604020202020204" pitchFamily="34" charset="0"/>
-              <a:buChar char="•"/>
-              <a:defRPr sz="1800" kern="1200">
-                <a:solidFill>
-                  <a:schemeClr val="tx1"/>
-                </a:solidFill>
-                <a:latin typeface="+mn-lt"/>
-                <a:ea typeface="+mn-ea"/>
-                <a:cs typeface="+mn-cs"/>
-              </a:defRPr>
-            </a:lvl7pPr>
-            <a:lvl8pPr marL="3429000" indent="-228600" algn="l" defTabSz="914400" rtl="0" eaLnBrk="1" latinLnBrk="1" hangingPunct="1">
-              <a:lnSpc>
-                <a:spcPct val="90000"/>
-              </a:lnSpc>
-              <a:spcBef>
-                <a:spcPts val="500"/>
-              </a:spcBef>
-              <a:buFont typeface="Arial" panose="020B0604020202020204" pitchFamily="34" charset="0"/>
-              <a:buChar char="•"/>
-              <a:defRPr sz="1800" kern="1200">
-                <a:solidFill>
-                  <a:schemeClr val="tx1"/>
-                </a:solidFill>
-                <a:latin typeface="+mn-lt"/>
-                <a:ea typeface="+mn-ea"/>
-                <a:cs typeface="+mn-cs"/>
-              </a:defRPr>
-            </a:lvl8pPr>
-            <a:lvl9pPr marL="3886200" indent="-228600" algn="l" defTabSz="914400" rtl="0" eaLnBrk="1" latinLnBrk="1" hangingPunct="1">
-              <a:lnSpc>
-                <a:spcPct val="90000"/>
-              </a:lnSpc>
-              <a:spcBef>
-                <a:spcPts val="500"/>
-              </a:spcBef>
-              <a:buFont typeface="Arial" panose="020B0604020202020204" pitchFamily="34" charset="0"/>
-              <a:buChar char="•"/>
-              <a:defRPr sz="1800" kern="1200">
-                <a:solidFill>
-                  <a:schemeClr val="tx1"/>
-                </a:solidFill>
-                <a:latin typeface="+mn-lt"/>
-                <a:ea typeface="+mn-ea"/>
-                <a:cs typeface="+mn-cs"/>
-              </a:defRPr>
-            </a:lvl9pPr>
-          </a:lstStyle>
-          <a:p>
-            <a:pPr>
-              <a:spcBef>
-                <a:spcPct val="0"/>
-              </a:spcBef>
-              <a:buClr>
-                <a:schemeClr val="tx1">
-                  <a:lumMod val="65000"/>
-                  <a:lumOff val="35000"/>
-                </a:schemeClr>
-              </a:buClr>
-            </a:pPr>
-            <a:r>
-              <a:rPr lang="ko-KR" altLang="en-US"/>
-              <a:t>프로젝트 만들기</a:t>
-            </a:r>
-            <a:endParaRPr lang="en-US" altLang="ko-KR"/>
-          </a:p>
-          <a:p>
-            <a:pPr lvl="1">
               <a:buClr>
                 <a:schemeClr val="tx1">
                   <a:lumMod val="50000"/>
@@ -10075,116 +10205,45 @@
               </a:buClr>
             </a:pPr>
             <a:r>
-              <a:rPr lang="ko-KR" altLang="en-US"/>
-              <a:t>화면 왼쪽 상단에서 </a:t>
-            </a:r>
-            <a:r>
-              <a:rPr lang="en-US" altLang="ko-KR"/>
-              <a:t>[Projects] – [Start new project] </a:t>
-            </a:r>
-            <a:r>
-              <a:rPr lang="ko-KR" altLang="en-US"/>
-              <a:t>클릭</a:t>
-            </a:r>
-          </a:p>
-          <a:p>
-            <a:pPr lvl="1">
-              <a:buClr>
-                <a:schemeClr val="tx1">
-                  <a:lumMod val="65000"/>
-                  <a:lumOff val="35000"/>
-                </a:schemeClr>
-              </a:buClr>
-            </a:pPr>
-            <a:r>
-              <a:rPr lang="ko-KR" altLang="en-US">
-                <a:solidFill>
-                  <a:srgbClr val="0000FF"/>
-                </a:solidFill>
-              </a:rPr>
-              <a:t>프로젝트</a:t>
-            </a:r>
-            <a:r>
-              <a:rPr lang="ko-KR" altLang="en-US"/>
-              <a:t> 이름 입력</a:t>
-            </a:r>
-            <a:r>
-              <a:rPr lang="en-US" altLang="ko-KR"/>
-              <a:t>: </a:t>
-            </a:r>
-            <a:r>
-              <a:rPr lang="ko-KR" altLang="en-US"/>
-              <a:t>여기서는 “</a:t>
-            </a:r>
-            <a:r>
-              <a:rPr lang="en-US" altLang="ko-KR"/>
-              <a:t>HelloPurr”</a:t>
-            </a:r>
-            <a:r>
-              <a:rPr lang="ko-KR" altLang="en-US"/>
-              <a:t>라 입력 </a:t>
-            </a:r>
-            <a:r>
-              <a:rPr lang="en-US" altLang="ko-KR"/>
-              <a:t>(</a:t>
-            </a:r>
-            <a:r>
-              <a:rPr lang="ko-KR" altLang="en-US"/>
-              <a:t>사이에</a:t>
-            </a:r>
-            <a:r>
-              <a:rPr lang="en-US" altLang="ko-KR"/>
+              <a:rPr lang="en-US" altLang="ko-KR" dirty="0" err="1"/>
+              <a:t>Git</a:t>
+            </a:r>
+            <a:r>
+              <a:rPr lang="en-US" altLang="ko-KR" dirty="0"/>
               <a:t> </a:t>
             </a:r>
             <a:r>
-              <a:rPr lang="ko-KR" altLang="en-US"/>
-              <a:t>공백 허용 안 됨</a:t>
-            </a:r>
-            <a:r>
-              <a:rPr lang="en-US" altLang="ko-KR"/>
-              <a:t>)</a:t>
-            </a:r>
-            <a:endParaRPr lang="ko-KR" altLang="en-US"/>
-          </a:p>
-          <a:p>
+              <a:rPr lang="en-US" altLang="ko-KR" dirty="0" err="1"/>
+              <a:t>hostinf</a:t>
+            </a:r>
+            <a:r>
+              <a:rPr lang="en-US" altLang="ko-KR" dirty="0"/>
+              <a:t> </a:t>
+            </a:r>
+            <a:r>
+              <a:rPr lang="en-US" altLang="ko-KR" dirty="0" err="1"/>
+              <a:t>git</a:t>
+            </a:r>
+            <a:r>
+              <a:rPr lang="en-US" altLang="ko-KR" dirty="0"/>
+              <a:t> </a:t>
+            </a:r>
+            <a:r>
+              <a:rPr lang="en-US" altLang="ko-KR" dirty="0" err="1"/>
+              <a:t>scm</a:t>
+            </a:r>
+            <a:r>
+              <a:rPr lang="en-US" altLang="ko-KR" dirty="0"/>
+              <a:t> search</a:t>
+            </a:r>
             <a:endParaRPr lang="ko-KR" altLang="en-US" dirty="0"/>
           </a:p>
         </p:txBody>
       </p:sp>
-      <p:pic>
-        <p:nvPicPr>
-          <p:cNvPr id="3" name="그림 2">
-            <a:extLst>
-              <a:ext uri="{FF2B5EF4-FFF2-40B4-BE49-F238E27FC236}">
-                <a16:creationId xmlns:a16="http://schemas.microsoft.com/office/drawing/2014/main" id="{081AFC1A-AA20-4AA5-812B-B5483AD4CC5E}"/>
-              </a:ext>
-            </a:extLst>
-          </p:cNvPr>
-          <p:cNvPicPr>
-            <a:picLocks noChangeAspect="1"/>
-          </p:cNvPicPr>
-          <p:nvPr/>
-        </p:nvPicPr>
-        <p:blipFill>
-          <a:blip r:embed="rId2"/>
-          <a:stretch>
-            <a:fillRect/>
-          </a:stretch>
-        </p:blipFill>
-        <p:spPr>
-          <a:xfrm>
-            <a:off x="2252662" y="1943100"/>
-            <a:ext cx="4638675" cy="2971800"/>
-          </a:xfrm>
-          <a:prstGeom prst="rect">
-            <a:avLst/>
-          </a:prstGeom>
-        </p:spPr>
-      </p:pic>
     </p:spTree>
     <p:extLst>
       <p:ext uri="{BB962C8B-B14F-4D97-AF65-F5344CB8AC3E}">
-        <p14:creationId xmlns:p14="http://schemas.microsoft.com/office/powerpoint/2010/main" val="3138347914"/>
+        <p14:creationId xmlns:p14="http://schemas.microsoft.com/office/powerpoint/2010/main" val="2400733370"/>
       </p:ext>
     </p:extLst>
   </p:cSld>
@@ -10232,16 +10291,24 @@
           <a:bodyPr/>
           <a:lstStyle/>
           <a:p>
-            <a:endParaRPr lang="ko-KR" altLang="en-US"/>
+            <a:r>
+              <a:rPr lang="ko-KR" altLang="en-US" dirty="0" err="1" smtClean="0"/>
+              <a:t>원격저장소</a:t>
+            </a:r>
+            <a:r>
+              <a:rPr lang="ko-KR" altLang="en-US" dirty="0" smtClean="0"/>
+              <a:t> 연결</a:t>
+            </a:r>
+            <a:endParaRPr lang="ko-KR" altLang="en-US" dirty="0"/>
           </a:p>
         </p:txBody>
       </p:sp>
       <p:sp>
         <p:nvSpPr>
-          <p:cNvPr id="5" name="내용 개체 틀 4">
+          <p:cNvPr id="6" name="내용 개체 틀 2">
             <a:extLst>
               <a:ext uri="{FF2B5EF4-FFF2-40B4-BE49-F238E27FC236}">
-                <a16:creationId xmlns:a16="http://schemas.microsoft.com/office/drawing/2014/main" id="{FDF69C25-9F43-470B-8A20-AEDC0F371CCD}"/>
+                <a16:creationId xmlns:a16="http://schemas.microsoft.com/office/drawing/2014/main" id="{A44AC902-3746-40D6-9827-94B46EEDDC67}"/>
               </a:ext>
             </a:extLst>
           </p:cNvPr>
@@ -10254,126 +10321,154 @@
         </p:nvSpPr>
         <p:spPr>
           <a:xfrm>
-            <a:off x="250825" y="1000221"/>
-            <a:ext cx="8641655" cy="2996743"/>
+            <a:off x="341787" y="1120545"/>
+            <a:ext cx="8642350" cy="1655763"/>
           </a:xfrm>
         </p:spPr>
         <p:txBody>
-          <a:bodyPr tIns="0" bIns="0">
+          <a:bodyPr vert="horz" lIns="91440" tIns="45720" rIns="91440" bIns="45720" rtlCol="0">
             <a:noAutofit/>
           </a:bodyPr>
           <a:lstStyle/>
           <a:p>
             <a:pPr>
+              <a:spcBef>
+                <a:spcPct val="0"/>
+              </a:spcBef>
+            </a:pPr>
+            <a:r>
+              <a:rPr lang="ko-KR" altLang="en-US" dirty="0" err="1"/>
+              <a:t>원격저장소</a:t>
+            </a:r>
+            <a:r>
+              <a:rPr lang="en-US" altLang="ko-KR" dirty="0"/>
+              <a:t>(</a:t>
+            </a:r>
+            <a:r>
+              <a:rPr lang="en-US" altLang="ko-KR" dirty="0" err="1"/>
+              <a:t>Github</a:t>
+            </a:r>
+            <a:r>
+              <a:rPr lang="en-US" altLang="ko-KR" dirty="0"/>
+              <a:t>) </a:t>
+            </a:r>
+            <a:r>
+              <a:rPr lang="ko-KR" altLang="en-US" dirty="0"/>
+              <a:t>연결</a:t>
+            </a:r>
+            <a:endParaRPr lang="en-US" altLang="ko-KR" dirty="0"/>
+          </a:p>
+          <a:p>
+            <a:pPr lvl="1">
+              <a:spcBef>
+                <a:spcPts val="0"/>
+              </a:spcBef>
+              <a:spcAft>
+                <a:spcPts val="0"/>
+              </a:spcAft>
               <a:buClr>
                 <a:schemeClr val="tx1">
-                  <a:lumMod val="65000"/>
-                  <a:lumOff val="35000"/>
+                  <a:lumMod val="50000"/>
+                  <a:lumOff val="50000"/>
                 </a:schemeClr>
               </a:buClr>
-              <a:defRPr/>
             </a:pPr>
             <a:r>
+              <a:rPr lang="en-US" altLang="ko-KR" dirty="0" err="1"/>
+              <a:t>Git</a:t>
+            </a:r>
+            <a:r>
+              <a:rPr lang="en-US" altLang="ko-KR" dirty="0"/>
+              <a:t> remote add https://...... </a:t>
+            </a:r>
+            <a:r>
               <a:rPr lang="ko-KR" altLang="en-US" dirty="0"/>
-              <a:t>프로젝트 만들기</a:t>
-            </a:r>
-          </a:p>
-          <a:p>
-            <a:pPr marL="609600" lvl="1" indent="-342900">
+              <a:t>그림 포함</a:t>
+            </a:r>
+            <a:endParaRPr lang="en-US" altLang="ko-KR" dirty="0"/>
+          </a:p>
+          <a:p>
+            <a:pPr lvl="1">
+              <a:spcBef>
+                <a:spcPts val="0"/>
+              </a:spcBef>
+              <a:spcAft>
+                <a:spcPts val="0"/>
+              </a:spcAft>
               <a:buClr>
                 <a:schemeClr val="tx1">
-                  <a:lumMod val="65000"/>
-                  <a:lumOff val="35000"/>
+                  <a:lumMod val="50000"/>
+                  <a:lumOff val="50000"/>
                 </a:schemeClr>
               </a:buClr>
-              <a:buFont typeface="+mj-ea"/>
-              <a:buAutoNum type="circleNumDbPlain"/>
-              <a:defRPr/>
             </a:pPr>
             <a:r>
-              <a:rPr lang="en-US" altLang="ko-KR" dirty="0"/>
-              <a:t>Viewer</a:t>
-            </a:r>
-          </a:p>
-          <a:p>
-            <a:pPr marL="609600" lvl="1" indent="-342900">
+              <a:rPr lang="en-US" altLang="ko-KR" dirty="0" err="1"/>
+              <a:t>Git</a:t>
+            </a:r>
+            <a:r>
+              <a:rPr lang="en-US" altLang="ko-KR" dirty="0"/>
+              <a:t> remote add “</a:t>
+            </a:r>
+            <a:r>
+              <a:rPr lang="ko-KR" altLang="en-US" dirty="0" err="1"/>
+              <a:t>원격저장소</a:t>
+            </a:r>
+            <a:r>
+              <a:rPr lang="ko-KR" altLang="en-US" dirty="0"/>
+              <a:t> 이름</a:t>
+            </a:r>
+            <a:r>
+              <a:rPr lang="en-US" altLang="ko-KR" dirty="0"/>
+              <a:t>;</a:t>
+            </a:r>
+            <a:r>
+              <a:rPr lang="ko-KR" altLang="en-US" dirty="0"/>
+              <a:t>관습적으로 </a:t>
+            </a:r>
+            <a:r>
+              <a:rPr lang="en-US" altLang="ko-KR" dirty="0"/>
+              <a:t>origin” http</a:t>
+            </a:r>
+            <a:r>
+              <a:rPr lang="ko-KR" altLang="en-US" dirty="0"/>
+              <a:t>주소</a:t>
+            </a:r>
+            <a:endParaRPr lang="en-US" altLang="ko-KR" dirty="0"/>
+          </a:p>
+          <a:p>
+            <a:pPr lvl="1">
+              <a:spcBef>
+                <a:spcPts val="0"/>
+              </a:spcBef>
+              <a:spcAft>
+                <a:spcPts val="0"/>
+              </a:spcAft>
               <a:buClr>
                 <a:schemeClr val="tx1">
-                  <a:lumMod val="65000"/>
-                  <a:lumOff val="35000"/>
+                  <a:lumMod val="50000"/>
+                  <a:lumOff val="50000"/>
                 </a:schemeClr>
               </a:buClr>
-              <a:buFont typeface="+mj-ea"/>
-              <a:buAutoNum type="circleNumDbPlain"/>
-              <a:defRPr/>
             </a:pPr>
             <a:r>
-              <a:rPr lang="en-US" altLang="ko-KR" dirty="0"/>
-              <a:t>Palette</a:t>
-            </a:r>
-          </a:p>
-          <a:p>
-            <a:pPr marL="609600" lvl="1" indent="-342900">
-              <a:buClr>
-                <a:schemeClr val="tx1">
-                  <a:lumMod val="65000"/>
-                  <a:lumOff val="35000"/>
-                </a:schemeClr>
-              </a:buClr>
-              <a:buFont typeface="+mj-ea"/>
-              <a:buAutoNum type="circleNumDbPlain"/>
-              <a:defRPr/>
-            </a:pPr>
-            <a:r>
-              <a:rPr lang="en-US" altLang="ko-KR" dirty="0"/>
-              <a:t>Components</a:t>
-            </a:r>
-          </a:p>
-          <a:p>
-            <a:pPr marL="609600" lvl="1" indent="-342900">
-              <a:buClr>
-                <a:schemeClr val="tx1">
-                  <a:lumMod val="65000"/>
-                  <a:lumOff val="35000"/>
-                </a:schemeClr>
-              </a:buClr>
-              <a:buFont typeface="+mj-ea"/>
-              <a:buAutoNum type="circleNumDbPlain"/>
-              <a:defRPr/>
-            </a:pPr>
-            <a:r>
-              <a:rPr lang="en-US" altLang="ko-KR" dirty="0"/>
-              <a:t>Media</a:t>
-            </a:r>
-          </a:p>
-          <a:p>
-            <a:pPr marL="609600" lvl="1" indent="-342900">
-              <a:buClr>
-                <a:schemeClr val="tx1">
-                  <a:lumMod val="65000"/>
-                  <a:lumOff val="35000"/>
-                </a:schemeClr>
-              </a:buClr>
-              <a:buFont typeface="+mj-ea"/>
-              <a:buAutoNum type="circleNumDbPlain"/>
-              <a:defRPr/>
-            </a:pPr>
-            <a:r>
-              <a:rPr lang="en-US" altLang="ko-KR" dirty="0"/>
-              <a:t>Properties</a:t>
-            </a:r>
-          </a:p>
-          <a:p>
+              <a:rPr lang="en-US" altLang="ko-KR" dirty="0" err="1"/>
+              <a:t>Git</a:t>
+            </a:r>
+            <a:r>
+              <a:rPr lang="en-US" altLang="ko-KR" dirty="0"/>
+              <a:t> remote -v</a:t>
+            </a:r>
             <a:endParaRPr lang="ko-KR" altLang="en-US" dirty="0"/>
           </a:p>
         </p:txBody>
       </p:sp>
       <p:sp>
         <p:nvSpPr>
-          <p:cNvPr id="6" name="내용 개체 틀 4">
+          <p:cNvPr id="5" name="내용 개체 틀 2">
             <a:extLst>
               <a:ext uri="{FF2B5EF4-FFF2-40B4-BE49-F238E27FC236}">
-                <a16:creationId xmlns:a16="http://schemas.microsoft.com/office/drawing/2014/main" id="{59FE1F7F-BB82-4587-A86F-471C542D6EA7}"/>
+                <a16:creationId xmlns:a16="http://schemas.microsoft.com/office/drawing/2014/main" id="{A44AC902-3746-40D6-9827-94B46EEDDC67}"/>
               </a:ext>
             </a:extLst>
           </p:cNvPr>
@@ -10384,208 +10479,22 @@
         </p:nvSpPr>
         <p:spPr>
           <a:xfrm>
-            <a:off x="250825" y="4506993"/>
-            <a:ext cx="8641655" cy="1526162"/>
+            <a:off x="341787" y="3651710"/>
+            <a:ext cx="8642350" cy="2470794"/>
           </a:xfrm>
           <a:prstGeom prst="rect">
             <a:avLst/>
           </a:prstGeom>
         </p:spPr>
         <p:txBody>
-          <a:bodyPr vert="horz" lIns="91440" tIns="0" rIns="91440" bIns="0" rtlCol="0">
+          <a:bodyPr vert="horz" lIns="91440" tIns="45720" rIns="91440" bIns="45720" rtlCol="0">
             <a:noAutofit/>
           </a:bodyPr>
           <a:lstStyle>
-            <a:lvl1pPr marL="266700" indent="-266700" algn="l" defTabSz="914400" rtl="0" eaLnBrk="1" latinLnBrk="1" hangingPunct="1">
+            <a:lvl1pPr marL="266700" indent="-266700" defTabSz="914400" latinLnBrk="1">
               <a:lnSpc>
                 <a:spcPct val="150000"/>
               </a:lnSpc>
-              <a:spcBef>
-                <a:spcPts val="0"/>
-              </a:spcBef>
-              <a:buClr>
-                <a:schemeClr val="accent4"/>
-              </a:buClr>
-              <a:buFont typeface="Wingdings" pitchFamily="2" charset="2"/>
-              <a:buChar char="n"/>
-              <a:defRPr sz="2000" b="1" kern="1200">
-                <a:solidFill>
-                  <a:schemeClr val="tx1"/>
-                </a:solidFill>
-                <a:latin typeface="+mn-ea"/>
-                <a:ea typeface="+mn-ea"/>
-                <a:cs typeface="+mn-cs"/>
-              </a:defRPr>
-            </a:lvl1pPr>
-            <a:lvl2pPr marL="447675" indent="-180975" algn="l" defTabSz="914400" rtl="0" eaLnBrk="1" latinLnBrk="1" hangingPunct="1">
-              <a:lnSpc>
-                <a:spcPct val="150000"/>
-              </a:lnSpc>
-              <a:spcBef>
-                <a:spcPts val="500"/>
-              </a:spcBef>
-              <a:spcAft>
-                <a:spcPts val="400"/>
-              </a:spcAft>
-              <a:buClr>
-                <a:schemeClr val="accent4"/>
-              </a:buClr>
-              <a:buFont typeface="Wingdings" pitchFamily="2" charset="2"/>
-              <a:buChar char="§"/>
-              <a:defRPr sz="1600" kern="1200">
-                <a:solidFill>
-                  <a:schemeClr val="tx1"/>
-                </a:solidFill>
-                <a:latin typeface="+mn-lt"/>
-                <a:ea typeface="+mn-ea"/>
-                <a:cs typeface="+mn-cs"/>
-              </a:defRPr>
-            </a:lvl2pPr>
-            <a:lvl3pPr marL="628650" indent="-180975" algn="l" defTabSz="914400" rtl="0" eaLnBrk="1" latinLnBrk="1" hangingPunct="1">
-              <a:lnSpc>
-                <a:spcPct val="150000"/>
-              </a:lnSpc>
-              <a:spcBef>
-                <a:spcPts val="500"/>
-              </a:spcBef>
-              <a:spcAft>
-                <a:spcPts val="300"/>
-              </a:spcAft>
-              <a:buClr>
-                <a:schemeClr val="accent4"/>
-              </a:buClr>
-              <a:buFont typeface="Arial" panose="020B0604020202020204" pitchFamily="34" charset="0"/>
-              <a:buChar char="•"/>
-              <a:defRPr sz="1400" kern="1200">
-                <a:solidFill>
-                  <a:schemeClr val="tx1"/>
-                </a:solidFill>
-                <a:latin typeface="+mn-lt"/>
-                <a:ea typeface="+mn-ea"/>
-                <a:cs typeface="+mn-cs"/>
-              </a:defRPr>
-            </a:lvl3pPr>
-            <a:lvl4pPr marL="809625" indent="-180975" algn="l" defTabSz="914400" rtl="0" eaLnBrk="1" latinLnBrk="1" hangingPunct="1">
-              <a:lnSpc>
-                <a:spcPct val="150000"/>
-              </a:lnSpc>
-              <a:spcBef>
-                <a:spcPts val="500"/>
-              </a:spcBef>
-              <a:spcAft>
-                <a:spcPts val="300"/>
-              </a:spcAft>
-              <a:buClr>
-                <a:schemeClr val="accent4"/>
-              </a:buClr>
-              <a:buSzPct val="96000"/>
-              <a:buFont typeface="Arial" panose="020B0604020202020204" pitchFamily="34" charset="0"/>
-              <a:buChar char="•"/>
-              <a:defRPr sz="1200" kern="1200">
-                <a:solidFill>
-                  <a:schemeClr val="tx1"/>
-                </a:solidFill>
-                <a:latin typeface="+mn-lt"/>
-                <a:ea typeface="+mn-ea"/>
-                <a:cs typeface="+mn-cs"/>
-              </a:defRPr>
-            </a:lvl4pPr>
-            <a:lvl5pPr marL="990600" indent="-180975" algn="l" defTabSz="914400" rtl="0" eaLnBrk="1" latinLnBrk="1" hangingPunct="1">
-              <a:lnSpc>
-                <a:spcPct val="150000"/>
-              </a:lnSpc>
-              <a:spcBef>
-                <a:spcPts val="500"/>
-              </a:spcBef>
-              <a:buClr>
-                <a:schemeClr val="accent4"/>
-              </a:buClr>
-              <a:buFont typeface="Arial" panose="020B0604020202020204" pitchFamily="34" charset="0"/>
-              <a:buChar char="•"/>
-              <a:defRPr sz="1000" kern="1200">
-                <a:solidFill>
-                  <a:schemeClr val="tx1"/>
-                </a:solidFill>
-                <a:latin typeface="+mn-lt"/>
-                <a:ea typeface="+mn-ea"/>
-                <a:cs typeface="+mn-cs"/>
-              </a:defRPr>
-            </a:lvl5pPr>
-            <a:lvl6pPr marL="2514600" indent="-228600" algn="l" defTabSz="914400" rtl="0" eaLnBrk="1" latinLnBrk="1" hangingPunct="1">
-              <a:lnSpc>
-                <a:spcPct val="90000"/>
-              </a:lnSpc>
-              <a:spcBef>
-                <a:spcPts val="500"/>
-              </a:spcBef>
-              <a:buFont typeface="Arial" panose="020B0604020202020204" pitchFamily="34" charset="0"/>
-              <a:buChar char="•"/>
-              <a:defRPr sz="1800" kern="1200">
-                <a:solidFill>
-                  <a:schemeClr val="tx1"/>
-                </a:solidFill>
-                <a:latin typeface="+mn-lt"/>
-                <a:ea typeface="+mn-ea"/>
-                <a:cs typeface="+mn-cs"/>
-              </a:defRPr>
-            </a:lvl6pPr>
-            <a:lvl7pPr marL="2971800" indent="-228600" algn="l" defTabSz="914400" rtl="0" eaLnBrk="1" latinLnBrk="1" hangingPunct="1">
-              <a:lnSpc>
-                <a:spcPct val="90000"/>
-              </a:lnSpc>
-              <a:spcBef>
-                <a:spcPts val="500"/>
-              </a:spcBef>
-              <a:buFont typeface="Arial" panose="020B0604020202020204" pitchFamily="34" charset="0"/>
-              <a:buChar char="•"/>
-              <a:defRPr sz="1800" kern="1200">
-                <a:solidFill>
-                  <a:schemeClr val="tx1"/>
-                </a:solidFill>
-                <a:latin typeface="+mn-lt"/>
-                <a:ea typeface="+mn-ea"/>
-                <a:cs typeface="+mn-cs"/>
-              </a:defRPr>
-            </a:lvl7pPr>
-            <a:lvl8pPr marL="3429000" indent="-228600" algn="l" defTabSz="914400" rtl="0" eaLnBrk="1" latinLnBrk="1" hangingPunct="1">
-              <a:lnSpc>
-                <a:spcPct val="90000"/>
-              </a:lnSpc>
-              <a:spcBef>
-                <a:spcPts val="500"/>
-              </a:spcBef>
-              <a:buFont typeface="Arial" panose="020B0604020202020204" pitchFamily="34" charset="0"/>
-              <a:buChar char="•"/>
-              <a:defRPr sz="1800" kern="1200">
-                <a:solidFill>
-                  <a:schemeClr val="tx1"/>
-                </a:solidFill>
-                <a:latin typeface="+mn-lt"/>
-                <a:ea typeface="+mn-ea"/>
-                <a:cs typeface="+mn-cs"/>
-              </a:defRPr>
-            </a:lvl8pPr>
-            <a:lvl9pPr marL="3886200" indent="-228600" algn="l" defTabSz="914400" rtl="0" eaLnBrk="1" latinLnBrk="1" hangingPunct="1">
-              <a:lnSpc>
-                <a:spcPct val="90000"/>
-              </a:lnSpc>
-              <a:spcBef>
-                <a:spcPts val="500"/>
-              </a:spcBef>
-              <a:buFont typeface="Arial" panose="020B0604020202020204" pitchFamily="34" charset="0"/>
-              <a:buChar char="•"/>
-              <a:defRPr sz="1800" kern="1200">
-                <a:solidFill>
-                  <a:schemeClr val="tx1"/>
-                </a:solidFill>
-                <a:latin typeface="+mn-lt"/>
-                <a:ea typeface="+mn-ea"/>
-                <a:cs typeface="+mn-cs"/>
-              </a:defRPr>
-            </a:lvl9pPr>
-          </a:lstStyle>
-          <a:p>
-            <a:pPr marL="457200" indent="-457200">
               <a:spcBef>
                 <a:spcPct val="0"/>
               </a:spcBef>
@@ -10595,113 +10504,303 @@
                   <a:lumOff val="35000"/>
                 </a:schemeClr>
               </a:buClr>
-              <a:buFont typeface="+mj-lt"/>
-              <a:buAutoNum type="arabicPeriod"/>
-            </a:pPr>
-            <a:r>
-              <a:rPr lang="ko-KR" altLang="en-US" dirty="0"/>
-              <a:t>프로젝트 만들기</a:t>
-            </a:r>
-            <a:endParaRPr lang="en-US" altLang="ko-KR" dirty="0"/>
-          </a:p>
-          <a:p>
-            <a:pPr marL="609600" lvl="1" indent="-342900">
+              <a:buFont typeface="Wingdings" pitchFamily="2" charset="2"/>
+              <a:buChar char="n"/>
+              <a:defRPr sz="2000" b="1">
+                <a:latin typeface="+mn-ea"/>
+              </a:defRPr>
+            </a:lvl1pPr>
+            <a:lvl2pPr marL="447675" lvl="1" indent="-180975" defTabSz="914400" latinLnBrk="1">
+              <a:lnSpc>
+                <a:spcPct val="150000"/>
+              </a:lnSpc>
+              <a:spcBef>
+                <a:spcPts val="0"/>
+              </a:spcBef>
+              <a:spcAft>
+                <a:spcPts val="0"/>
+              </a:spcAft>
               <a:buClr>
                 <a:schemeClr val="tx1">
                   <a:lumMod val="50000"/>
                   <a:lumOff val="50000"/>
                 </a:schemeClr>
               </a:buClr>
-              <a:buFont typeface="+mj-lt"/>
-              <a:buAutoNum type="arabicPeriod"/>
-            </a:pPr>
-            <a:r>
-              <a:rPr lang="ko-KR" altLang="en-US" dirty="0"/>
-              <a:t>화면 왼쪽 상단에서 </a:t>
-            </a:r>
-            <a:r>
-              <a:rPr lang="en-US" altLang="ko-KR" dirty="0"/>
-              <a:t>[Projects] – [Start new project] </a:t>
-            </a:r>
-            <a:r>
-              <a:rPr lang="ko-KR" altLang="en-US" dirty="0"/>
-              <a:t>클릭</a:t>
-            </a:r>
-          </a:p>
-          <a:p>
-            <a:pPr marL="609600" lvl="1" indent="-342900">
+              <a:buFont typeface="Wingdings" pitchFamily="2" charset="2"/>
+              <a:buChar char="§"/>
+              <a:defRPr sz="1600"/>
+            </a:lvl2pPr>
+            <a:lvl3pPr marL="628650" indent="-180975" defTabSz="914400" latinLnBrk="1">
+              <a:lnSpc>
+                <a:spcPct val="150000"/>
+              </a:lnSpc>
+              <a:spcBef>
+                <a:spcPts val="500"/>
+              </a:spcBef>
+              <a:spcAft>
+                <a:spcPts val="300"/>
+              </a:spcAft>
               <a:buClr>
                 <a:schemeClr val="tx1">
                   <a:lumMod val="65000"/>
                   <a:lumOff val="35000"/>
                 </a:schemeClr>
               </a:buClr>
-              <a:buFont typeface="+mj-lt"/>
-              <a:buAutoNum type="arabicPeriod"/>
-            </a:pPr>
+              <a:buFont typeface="Arial" panose="020B0604020202020204" pitchFamily="34" charset="0"/>
+              <a:buChar char="•"/>
+              <a:defRPr sz="1400"/>
+            </a:lvl3pPr>
+            <a:lvl4pPr marL="809625" indent="-180975" defTabSz="914400" latinLnBrk="1">
+              <a:lnSpc>
+                <a:spcPct val="150000"/>
+              </a:lnSpc>
+              <a:spcBef>
+                <a:spcPts val="500"/>
+              </a:spcBef>
+              <a:spcAft>
+                <a:spcPts val="300"/>
+              </a:spcAft>
+              <a:buClr>
+                <a:schemeClr val="tx1">
+                  <a:lumMod val="65000"/>
+                  <a:lumOff val="35000"/>
+                </a:schemeClr>
+              </a:buClr>
+              <a:buSzPct val="96000"/>
+              <a:buFont typeface="Arial" panose="020B0604020202020204" pitchFamily="34" charset="0"/>
+              <a:buChar char="•"/>
+              <a:defRPr sz="1200"/>
+            </a:lvl4pPr>
+            <a:lvl5pPr marL="990600" indent="-180975" defTabSz="914400" latinLnBrk="1">
+              <a:lnSpc>
+                <a:spcPct val="150000"/>
+              </a:lnSpc>
+              <a:spcBef>
+                <a:spcPts val="500"/>
+              </a:spcBef>
+              <a:buClr>
+                <a:schemeClr val="tx1">
+                  <a:lumMod val="65000"/>
+                  <a:lumOff val="35000"/>
+                </a:schemeClr>
+              </a:buClr>
+              <a:buFont typeface="Arial" panose="020B0604020202020204" pitchFamily="34" charset="0"/>
+              <a:buChar char="•"/>
+              <a:defRPr sz="1000"/>
+            </a:lvl5pPr>
+            <a:lvl6pPr marL="2514600" indent="-228600" defTabSz="914400" latinLnBrk="1">
+              <a:lnSpc>
+                <a:spcPct val="90000"/>
+              </a:lnSpc>
+              <a:spcBef>
+                <a:spcPts val="500"/>
+              </a:spcBef>
+              <a:buFont typeface="Arial" panose="020B0604020202020204" pitchFamily="34" charset="0"/>
+              <a:buChar char="•"/>
+            </a:lvl6pPr>
+            <a:lvl7pPr marL="2971800" indent="-228600" defTabSz="914400" latinLnBrk="1">
+              <a:lnSpc>
+                <a:spcPct val="90000"/>
+              </a:lnSpc>
+              <a:spcBef>
+                <a:spcPts val="500"/>
+              </a:spcBef>
+              <a:buFont typeface="Arial" panose="020B0604020202020204" pitchFamily="34" charset="0"/>
+              <a:buChar char="•"/>
+            </a:lvl7pPr>
+            <a:lvl8pPr marL="3429000" indent="-228600" defTabSz="914400" latinLnBrk="1">
+              <a:lnSpc>
+                <a:spcPct val="90000"/>
+              </a:lnSpc>
+              <a:spcBef>
+                <a:spcPts val="500"/>
+              </a:spcBef>
+              <a:buFont typeface="Arial" panose="020B0604020202020204" pitchFamily="34" charset="0"/>
+              <a:buChar char="•"/>
+            </a:lvl8pPr>
+            <a:lvl9pPr marL="3886200" indent="-228600" defTabSz="914400" latinLnBrk="1">
+              <a:lnSpc>
+                <a:spcPct val="90000"/>
+              </a:lnSpc>
+              <a:spcBef>
+                <a:spcPts val="500"/>
+              </a:spcBef>
+              <a:buFont typeface="Arial" panose="020B0604020202020204" pitchFamily="34" charset="0"/>
+              <a:buChar char="•"/>
+            </a:lvl9pPr>
+          </a:lstStyle>
+          <a:p>
+            <a:r>
+              <a:rPr lang="ko-KR" altLang="en-US" dirty="0" err="1"/>
+              <a:t>원격저장소</a:t>
+            </a:r>
+            <a:r>
+              <a:rPr lang="en-US" altLang="ko-KR" dirty="0"/>
+              <a:t>(</a:t>
+            </a:r>
+            <a:r>
+              <a:rPr lang="en-US" altLang="ko-KR" dirty="0" err="1"/>
+              <a:t>Github</a:t>
+            </a:r>
+            <a:r>
+              <a:rPr lang="en-US" altLang="ko-KR" dirty="0"/>
+              <a:t>)</a:t>
+            </a:r>
+            <a:r>
+              <a:rPr lang="ko-KR" altLang="en-US" dirty="0"/>
+              <a:t>에 보내기</a:t>
+            </a:r>
+            <a:endParaRPr lang="en-US" altLang="ko-KR" dirty="0"/>
+          </a:p>
+          <a:p>
+            <a:pPr lvl="1"/>
+            <a:r>
+              <a:rPr lang="en-US" altLang="ko-KR" dirty="0" err="1"/>
+              <a:t>Git</a:t>
+            </a:r>
+            <a:r>
+              <a:rPr lang="en-US" altLang="ko-KR" dirty="0"/>
+              <a:t> enter </a:t>
+            </a:r>
+            <a:r>
+              <a:rPr lang="ko-KR" altLang="en-US" dirty="0" err="1"/>
+              <a:t>명령확인</a:t>
+            </a:r>
+            <a:r>
+              <a:rPr lang="en-US" altLang="ko-KR" dirty="0"/>
+              <a:t>. Push</a:t>
+            </a:r>
+            <a:r>
+              <a:rPr lang="ko-KR" altLang="en-US" dirty="0"/>
+              <a:t> 확인</a:t>
+            </a:r>
+            <a:endParaRPr lang="en-US" altLang="ko-KR" dirty="0"/>
+          </a:p>
+          <a:p>
+            <a:pPr lvl="1"/>
+            <a:r>
+              <a:rPr lang="en-US" altLang="ko-KR" dirty="0" err="1"/>
+              <a:t>Git</a:t>
+            </a:r>
+            <a:r>
+              <a:rPr lang="en-US" altLang="ko-KR" dirty="0"/>
+              <a:t> push </a:t>
+            </a:r>
+          </a:p>
+          <a:p>
+            <a:pPr lvl="1"/>
+            <a:r>
+              <a:rPr lang="ko-KR" altLang="en-US" dirty="0"/>
+              <a:t>명령 위에서 보고 확인</a:t>
+            </a:r>
+            <a:endParaRPr lang="en-US" altLang="ko-KR" dirty="0"/>
+          </a:p>
+          <a:p>
+            <a:pPr lvl="1"/>
+            <a:r>
+              <a:rPr lang="en-US" altLang="ko-KR" dirty="0" err="1"/>
+              <a:t>Git</a:t>
+            </a:r>
+            <a:r>
+              <a:rPr lang="en-US" altLang="ko-KR" dirty="0"/>
+              <a:t> push </a:t>
+            </a:r>
+            <a:r>
+              <a:rPr lang="en-US" altLang="ko-KR" dirty="0" smtClean="0"/>
+              <a:t>–-set-upstream </a:t>
+            </a:r>
+            <a:r>
+              <a:rPr lang="en-US" altLang="ko-KR" dirty="0"/>
+              <a:t>origin </a:t>
+            </a:r>
+            <a:r>
+              <a:rPr lang="en-US" altLang="ko-KR" dirty="0" smtClean="0"/>
+              <a:t>main. </a:t>
+            </a:r>
+            <a:r>
+              <a:rPr lang="ko-KR" altLang="en-US" dirty="0" smtClean="0"/>
+              <a:t>이후에는 </a:t>
+            </a:r>
+            <a:r>
+              <a:rPr lang="en-US" altLang="ko-KR" dirty="0" err="1" smtClean="0"/>
+              <a:t>git</a:t>
+            </a:r>
+            <a:r>
+              <a:rPr lang="en-US" altLang="ko-KR" dirty="0" smtClean="0"/>
+              <a:t> push</a:t>
+            </a:r>
+            <a:r>
+              <a:rPr lang="ko-KR" altLang="en-US" dirty="0" smtClean="0"/>
+              <a:t>만 수행</a:t>
+            </a:r>
+            <a:endParaRPr lang="en-US" altLang="ko-KR" dirty="0" smtClean="0"/>
+          </a:p>
+          <a:p>
+            <a:pPr lvl="1"/>
+            <a:r>
+              <a:rPr lang="en-US" altLang="ko-KR" dirty="0" smtClean="0"/>
+              <a:t>Username</a:t>
+            </a:r>
+            <a:r>
+              <a:rPr lang="ko-KR" altLang="en-US" dirty="0" smtClean="0"/>
+              <a:t>을 입력하라고 하면 </a:t>
+            </a:r>
+            <a:r>
+              <a:rPr lang="en-US" altLang="ko-KR" dirty="0" smtClean="0"/>
+              <a:t>: </a:t>
+            </a:r>
+            <a:r>
+              <a:rPr lang="en-US" altLang="ko-KR" dirty="0" err="1" smtClean="0">
+                <a:solidFill>
+                  <a:srgbClr val="FF0000"/>
+                </a:solidFill>
+              </a:rPr>
+              <a:t>github</a:t>
+            </a:r>
             <a:r>
               <a:rPr lang="ko-KR" altLang="en-US" dirty="0">
                 <a:solidFill>
-                  <a:srgbClr val="0000FF"/>
+                  <a:srgbClr val="FF0000"/>
                 </a:solidFill>
               </a:rPr>
-              <a:t>프로젝트</a:t>
-            </a:r>
-            <a:r>
-              <a:rPr lang="ko-KR" altLang="en-US" dirty="0"/>
-              <a:t> 이름 입력</a:t>
-            </a:r>
-            <a:r>
-              <a:rPr lang="en-US" altLang="ko-KR" dirty="0"/>
-              <a:t>: </a:t>
-            </a:r>
-            <a:r>
-              <a:rPr lang="ko-KR" altLang="en-US" dirty="0"/>
-              <a:t>여기서는 “</a:t>
-            </a:r>
-            <a:r>
-              <a:rPr lang="en-US" altLang="ko-KR" dirty="0" err="1"/>
-              <a:t>HelloPurr</a:t>
-            </a:r>
-            <a:r>
-              <a:rPr lang="en-US" altLang="ko-KR" dirty="0"/>
-              <a:t>”</a:t>
-            </a:r>
-            <a:r>
-              <a:rPr lang="ko-KR" altLang="en-US" dirty="0"/>
-              <a:t>라 입력 </a:t>
-            </a:r>
-            <a:r>
-              <a:rPr lang="en-US" altLang="ko-KR" dirty="0"/>
-              <a:t>(</a:t>
-            </a:r>
-            <a:r>
-              <a:rPr lang="ko-KR" altLang="en-US" dirty="0"/>
-              <a:t>사이에</a:t>
-            </a:r>
-            <a:r>
-              <a:rPr lang="en-US" altLang="ko-KR" dirty="0"/>
               <a:t> </a:t>
             </a:r>
             <a:r>
-              <a:rPr lang="ko-KR" altLang="en-US" dirty="0"/>
-              <a:t>공백 허용 안 됨</a:t>
-            </a:r>
-            <a:r>
-              <a:rPr lang="en-US" altLang="ko-KR" dirty="0"/>
-              <a:t>)</a:t>
-            </a:r>
-            <a:endParaRPr lang="ko-KR" altLang="en-US" dirty="0"/>
-          </a:p>
-          <a:p>
-            <a:endParaRPr lang="ko-KR" altLang="en-US" dirty="0"/>
+              <a:rPr lang="ko-KR" altLang="en-US" dirty="0" smtClean="0">
+                <a:solidFill>
+                  <a:srgbClr val="FF0000"/>
+                </a:solidFill>
+              </a:rPr>
+              <a:t>등록된 </a:t>
+            </a:r>
+            <a:r>
+              <a:rPr lang="en-US" altLang="ko-KR" dirty="0" smtClean="0">
+                <a:solidFill>
+                  <a:srgbClr val="FF0000"/>
+                </a:solidFill>
+              </a:rPr>
+              <a:t>username </a:t>
+            </a:r>
+            <a:r>
+              <a:rPr lang="ko-KR" altLang="en-US" dirty="0" smtClean="0">
+                <a:solidFill>
+                  <a:srgbClr val="FF0000"/>
+                </a:solidFill>
+              </a:rPr>
+              <a:t>입력</a:t>
+            </a:r>
+            <a:endParaRPr lang="ko-KR" altLang="en-US" dirty="0">
+              <a:solidFill>
+                <a:srgbClr val="FF0000"/>
+              </a:solidFill>
+            </a:endParaRPr>
           </a:p>
         </p:txBody>
       </p:sp>
     </p:spTree>
     <p:extLst>
       <p:ext uri="{BB962C8B-B14F-4D97-AF65-F5344CB8AC3E}">
-        <p14:creationId xmlns:p14="http://schemas.microsoft.com/office/powerpoint/2010/main" val="2239061091"/>
+        <p14:creationId xmlns:p14="http://schemas.microsoft.com/office/powerpoint/2010/main" val="538654922"/>
       </p:ext>
     </p:extLst>
   </p:cSld>
@@ -10749,143 +10848,335 @@
           <a:bodyPr/>
           <a:lstStyle/>
           <a:p>
-            <a:endParaRPr lang="ko-KR" altLang="en-US"/>
+            <a:r>
+              <a:rPr lang="ko-KR" altLang="en-US" dirty="0" err="1" smtClean="0"/>
+              <a:t>원격저장소</a:t>
+            </a:r>
+            <a:r>
+              <a:rPr lang="ko-KR" altLang="en-US" dirty="0" smtClean="0"/>
+              <a:t> 연결</a:t>
+            </a:r>
+            <a:endParaRPr lang="ko-KR" altLang="en-US" dirty="0"/>
           </a:p>
         </p:txBody>
       </p:sp>
       <p:sp>
         <p:nvSpPr>
-          <p:cNvPr id="6" name="내용 개체 틀 2">
+          <p:cNvPr id="7" name="내용 개체 틀 2">
             <a:extLst>
               <a:ext uri="{FF2B5EF4-FFF2-40B4-BE49-F238E27FC236}">
                 <a16:creationId xmlns:a16="http://schemas.microsoft.com/office/drawing/2014/main" id="{A44AC902-3746-40D6-9827-94B46EEDDC67}"/>
               </a:ext>
             </a:extLst>
           </p:cNvPr>
-          <p:cNvSpPr>
-            <a:spLocks noGrp="1"/>
+          <p:cNvSpPr txBox="1">
+            <a:spLocks/>
           </p:cNvSpPr>
-          <p:nvPr>
-            <p:ph idx="1"/>
-          </p:nvPr>
+          <p:nvPr/>
         </p:nvSpPr>
         <p:spPr>
           <a:xfrm>
             <a:off x="341787" y="1120545"/>
-            <a:ext cx="8642350" cy="1655763"/>
-          </a:xfrm>
-        </p:spPr>
-        <p:txBody>
-          <a:bodyPr/>
-          <a:lstStyle/>
-          <a:p>
-            <a:pPr>
-              <a:defRPr/>
-            </a:pPr>
-            <a:r>
-              <a:rPr lang="ko-KR" altLang="en-US" dirty="0"/>
-              <a:t>앱 </a:t>
-            </a:r>
-            <a:r>
-              <a:rPr lang="ko-KR" altLang="en-US" dirty="0" err="1"/>
-              <a:t>인벤터의</a:t>
-            </a:r>
-            <a:r>
-              <a:rPr lang="ko-KR" altLang="en-US" dirty="0"/>
-              <a:t> 세계로 들어가려면</a:t>
-            </a:r>
-            <a:r>
-              <a:rPr lang="en-US" altLang="ko-KR" dirty="0"/>
-              <a:t>, </a:t>
-            </a:r>
-            <a:r>
-              <a:rPr lang="ko-KR" altLang="en-US" dirty="0"/>
-              <a:t>절차</a:t>
-            </a:r>
-            <a:r>
-              <a:rPr lang="en-US" altLang="ko-KR" dirty="0"/>
-              <a:t>, </a:t>
-            </a:r>
-            <a:r>
-              <a:rPr lang="ko-KR" altLang="en-US" dirty="0"/>
-              <a:t>설치 방법</a:t>
-            </a:r>
-            <a:endParaRPr lang="en-US" altLang="ko-KR" dirty="0"/>
-          </a:p>
-          <a:p>
-            <a:pPr lvl="1">
-              <a:defRPr/>
-            </a:pPr>
-            <a:r>
-              <a:rPr lang="en-US" altLang="ko-KR" dirty="0">
-                <a:hlinkClick r:id="rId2"/>
-              </a:rPr>
-              <a:t> http://ai2.appinventor.mit.edu</a:t>
-            </a:r>
-            <a:r>
-              <a:rPr lang="ko-KR" altLang="en-US" dirty="0"/>
-              <a:t>에 접속</a:t>
-            </a:r>
-          </a:p>
-          <a:p>
-            <a:pPr lvl="1">
-              <a:defRPr/>
-            </a:pPr>
-            <a:r>
-              <a:rPr lang="ko-KR" altLang="en-US" dirty="0"/>
-              <a:t>구글 계정으로 로그인</a:t>
-            </a:r>
-          </a:p>
-          <a:p>
-            <a:pPr>
-              <a:defRPr/>
-            </a:pPr>
-            <a:endParaRPr lang="ko-KR" altLang="en-US" dirty="0"/>
-          </a:p>
-        </p:txBody>
-      </p:sp>
-      <p:pic>
-        <p:nvPicPr>
-          <p:cNvPr id="8" name="Picture 2">
-            <a:extLst>
-              <a:ext uri="{FF2B5EF4-FFF2-40B4-BE49-F238E27FC236}">
-                <a16:creationId xmlns:a16="http://schemas.microsoft.com/office/drawing/2014/main" id="{9F85FD99-0F2A-41C9-BC79-48BD97AABF3F}"/>
-              </a:ext>
-            </a:extLst>
-          </p:cNvPr>
-          <p:cNvPicPr>
-            <a:picLocks noChangeAspect="1" noChangeArrowheads="1"/>
-          </p:cNvPicPr>
-          <p:nvPr/>
-        </p:nvPicPr>
-        <p:blipFill>
-          <a:blip r:embed="rId3"/>
-          <a:srcRect/>
-          <a:stretch>
-            <a:fillRect/>
-          </a:stretch>
-        </p:blipFill>
-        <p:spPr bwMode="auto">
-          <a:xfrm>
-            <a:off x="2266156" y="2549492"/>
-            <a:ext cx="4611688" cy="3671888"/>
+            <a:ext cx="8642350" cy="3345438"/>
           </a:xfrm>
           <a:prstGeom prst="rect">
             <a:avLst/>
           </a:prstGeom>
-          <a:noFill/>
-          <a:ln w="9525">
-            <a:noFill/>
-            <a:miter lim="800000"/>
-            <a:headEnd/>
-            <a:tailEnd/>
-          </a:ln>
         </p:spPr>
-      </p:pic>
+        <p:txBody>
+          <a:bodyPr vert="horz" lIns="91440" tIns="45720" rIns="91440" bIns="45720" rtlCol="0">
+            <a:noAutofit/>
+          </a:bodyPr>
+          <a:lstStyle>
+            <a:lvl1pPr marL="266700" indent="-266700" defTabSz="914400" latinLnBrk="1">
+              <a:lnSpc>
+                <a:spcPct val="150000"/>
+              </a:lnSpc>
+              <a:spcBef>
+                <a:spcPct val="0"/>
+              </a:spcBef>
+              <a:buClr>
+                <a:schemeClr val="tx1">
+                  <a:lumMod val="65000"/>
+                  <a:lumOff val="35000"/>
+                </a:schemeClr>
+              </a:buClr>
+              <a:buFont typeface="Wingdings" pitchFamily="2" charset="2"/>
+              <a:buChar char="n"/>
+              <a:defRPr sz="2000" b="1">
+                <a:latin typeface="+mn-ea"/>
+              </a:defRPr>
+            </a:lvl1pPr>
+            <a:lvl2pPr marL="447675" lvl="1" indent="-180975" defTabSz="914400" latinLnBrk="1">
+              <a:lnSpc>
+                <a:spcPct val="150000"/>
+              </a:lnSpc>
+              <a:spcBef>
+                <a:spcPts val="0"/>
+              </a:spcBef>
+              <a:spcAft>
+                <a:spcPts val="0"/>
+              </a:spcAft>
+              <a:buClr>
+                <a:schemeClr val="tx1">
+                  <a:lumMod val="50000"/>
+                  <a:lumOff val="50000"/>
+                </a:schemeClr>
+              </a:buClr>
+              <a:buFont typeface="Wingdings" pitchFamily="2" charset="2"/>
+              <a:buChar char="§"/>
+              <a:defRPr sz="1600"/>
+            </a:lvl2pPr>
+            <a:lvl3pPr marL="628650" indent="-180975" defTabSz="914400" latinLnBrk="1">
+              <a:lnSpc>
+                <a:spcPct val="150000"/>
+              </a:lnSpc>
+              <a:spcBef>
+                <a:spcPts val="500"/>
+              </a:spcBef>
+              <a:spcAft>
+                <a:spcPts val="300"/>
+              </a:spcAft>
+              <a:buClr>
+                <a:schemeClr val="tx1">
+                  <a:lumMod val="65000"/>
+                  <a:lumOff val="35000"/>
+                </a:schemeClr>
+              </a:buClr>
+              <a:buFont typeface="Arial" panose="020B0604020202020204" pitchFamily="34" charset="0"/>
+              <a:buChar char="•"/>
+              <a:defRPr sz="1400"/>
+            </a:lvl3pPr>
+            <a:lvl4pPr marL="809625" indent="-180975" defTabSz="914400" latinLnBrk="1">
+              <a:lnSpc>
+                <a:spcPct val="150000"/>
+              </a:lnSpc>
+              <a:spcBef>
+                <a:spcPts val="500"/>
+              </a:spcBef>
+              <a:spcAft>
+                <a:spcPts val="300"/>
+              </a:spcAft>
+              <a:buClr>
+                <a:schemeClr val="tx1">
+                  <a:lumMod val="65000"/>
+                  <a:lumOff val="35000"/>
+                </a:schemeClr>
+              </a:buClr>
+              <a:buSzPct val="96000"/>
+              <a:buFont typeface="Arial" panose="020B0604020202020204" pitchFamily="34" charset="0"/>
+              <a:buChar char="•"/>
+              <a:defRPr sz="1200"/>
+            </a:lvl4pPr>
+            <a:lvl5pPr marL="990600" indent="-180975" defTabSz="914400" latinLnBrk="1">
+              <a:lnSpc>
+                <a:spcPct val="150000"/>
+              </a:lnSpc>
+              <a:spcBef>
+                <a:spcPts val="500"/>
+              </a:spcBef>
+              <a:buClr>
+                <a:schemeClr val="tx1">
+                  <a:lumMod val="65000"/>
+                  <a:lumOff val="35000"/>
+                </a:schemeClr>
+              </a:buClr>
+              <a:buFont typeface="Arial" panose="020B0604020202020204" pitchFamily="34" charset="0"/>
+              <a:buChar char="•"/>
+              <a:defRPr sz="1000"/>
+            </a:lvl5pPr>
+            <a:lvl6pPr marL="2514600" indent="-228600" defTabSz="914400" latinLnBrk="1">
+              <a:lnSpc>
+                <a:spcPct val="90000"/>
+              </a:lnSpc>
+              <a:spcBef>
+                <a:spcPts val="500"/>
+              </a:spcBef>
+              <a:buFont typeface="Arial" panose="020B0604020202020204" pitchFamily="34" charset="0"/>
+              <a:buChar char="•"/>
+            </a:lvl6pPr>
+            <a:lvl7pPr marL="2971800" indent="-228600" defTabSz="914400" latinLnBrk="1">
+              <a:lnSpc>
+                <a:spcPct val="90000"/>
+              </a:lnSpc>
+              <a:spcBef>
+                <a:spcPts val="500"/>
+              </a:spcBef>
+              <a:buFont typeface="Arial" panose="020B0604020202020204" pitchFamily="34" charset="0"/>
+              <a:buChar char="•"/>
+            </a:lvl7pPr>
+            <a:lvl8pPr marL="3429000" indent="-228600" defTabSz="914400" latinLnBrk="1">
+              <a:lnSpc>
+                <a:spcPct val="90000"/>
+              </a:lnSpc>
+              <a:spcBef>
+                <a:spcPts val="500"/>
+              </a:spcBef>
+              <a:buFont typeface="Arial" panose="020B0604020202020204" pitchFamily="34" charset="0"/>
+              <a:buChar char="•"/>
+            </a:lvl8pPr>
+            <a:lvl9pPr marL="3886200" indent="-228600" defTabSz="914400" latinLnBrk="1">
+              <a:lnSpc>
+                <a:spcPct val="90000"/>
+              </a:lnSpc>
+              <a:spcBef>
+                <a:spcPts val="500"/>
+              </a:spcBef>
+              <a:buFont typeface="Arial" panose="020B0604020202020204" pitchFamily="34" charset="0"/>
+              <a:buChar char="•"/>
+            </a:lvl9pPr>
+          </a:lstStyle>
+          <a:p>
+            <a:r>
+              <a:rPr lang="ko-KR" altLang="en-US" dirty="0" err="1"/>
+              <a:t>원격저장소</a:t>
+            </a:r>
+            <a:r>
+              <a:rPr lang="en-US" altLang="ko-KR" dirty="0"/>
+              <a:t>(</a:t>
+            </a:r>
+            <a:r>
+              <a:rPr lang="en-US" altLang="ko-KR" dirty="0" err="1"/>
+              <a:t>Github</a:t>
+            </a:r>
+            <a:r>
+              <a:rPr lang="en-US" altLang="ko-KR" dirty="0"/>
+              <a:t>)</a:t>
+            </a:r>
+            <a:r>
+              <a:rPr lang="ko-KR" altLang="en-US" dirty="0" smtClean="0"/>
+              <a:t>에서 확인하기</a:t>
+            </a:r>
+            <a:endParaRPr lang="en-US" altLang="ko-KR" dirty="0"/>
+          </a:p>
+          <a:p>
+            <a:pPr lvl="1"/>
+            <a:r>
+              <a:rPr lang="en-US" altLang="ko-KR" dirty="0" smtClean="0"/>
+              <a:t>reload </a:t>
+            </a:r>
+            <a:r>
+              <a:rPr lang="ko-KR" altLang="en-US" dirty="0" smtClean="0"/>
+              <a:t>버튼 </a:t>
+            </a:r>
+            <a:r>
+              <a:rPr lang="en-US" altLang="ko-KR" dirty="0" smtClean="0"/>
+              <a:t>(</a:t>
+            </a:r>
+            <a:r>
+              <a:rPr lang="en-US" altLang="ko-KR" dirty="0" err="1" smtClean="0"/>
+              <a:t>url</a:t>
+            </a:r>
+            <a:r>
+              <a:rPr lang="en-US" altLang="ko-KR" dirty="0" smtClean="0"/>
+              <a:t> </a:t>
+            </a:r>
+            <a:r>
+              <a:rPr lang="ko-KR" altLang="en-US" dirty="0" err="1" smtClean="0"/>
+              <a:t>주소칸</a:t>
+            </a:r>
+            <a:r>
+              <a:rPr lang="ko-KR" altLang="en-US" dirty="0" smtClean="0"/>
+              <a:t>  앞</a:t>
+            </a:r>
+            <a:r>
+              <a:rPr lang="en-US" altLang="ko-KR" dirty="0" smtClean="0"/>
+              <a:t>)</a:t>
+            </a:r>
+            <a:r>
+              <a:rPr lang="ko-KR" altLang="en-US" dirty="0" smtClean="0"/>
+              <a:t>확인</a:t>
+            </a:r>
+            <a:endParaRPr lang="en-US" altLang="ko-KR" dirty="0" smtClean="0"/>
+          </a:p>
+          <a:p>
+            <a:pPr lvl="1"/>
+            <a:r>
+              <a:rPr lang="ko-KR" altLang="en-US" dirty="0" smtClean="0"/>
+              <a:t>로컬에서 진행된 </a:t>
+            </a:r>
+            <a:r>
+              <a:rPr lang="en-US" altLang="ko-KR" dirty="0" smtClean="0"/>
+              <a:t>commit </a:t>
+            </a:r>
+            <a:r>
+              <a:rPr lang="ko-KR" altLang="en-US" dirty="0" err="1" smtClean="0"/>
+              <a:t>히스토리가</a:t>
+            </a:r>
+            <a:r>
+              <a:rPr lang="ko-KR" altLang="en-US" dirty="0" smtClean="0"/>
+              <a:t> 그대로 저장된 내용 확인 </a:t>
+            </a:r>
+            <a:r>
+              <a:rPr lang="en-US" altLang="ko-KR" dirty="0" smtClean="0"/>
+              <a:t>(</a:t>
+            </a:r>
+            <a:r>
+              <a:rPr lang="ko-KR" altLang="en-US" dirty="0" err="1" smtClean="0"/>
+              <a:t>로컬창을</a:t>
+            </a:r>
+            <a:r>
+              <a:rPr lang="ko-KR" altLang="en-US" dirty="0" smtClean="0"/>
+              <a:t> 띄어 놓고 확인</a:t>
+            </a:r>
+            <a:r>
+              <a:rPr lang="en-US" altLang="ko-KR" dirty="0" smtClean="0"/>
+              <a:t>)</a:t>
+            </a:r>
+          </a:p>
+          <a:p>
+            <a:pPr lvl="1"/>
+            <a:r>
+              <a:rPr lang="en-US" altLang="ko-KR" dirty="0" err="1" smtClean="0"/>
+              <a:t>Git</a:t>
+            </a:r>
+            <a:r>
+              <a:rPr lang="en-US" altLang="ko-KR" dirty="0" smtClean="0"/>
+              <a:t>  </a:t>
+            </a:r>
+          </a:p>
+          <a:p>
+            <a:pPr lvl="1"/>
+            <a:endParaRPr lang="en-US" altLang="ko-KR" dirty="0"/>
+          </a:p>
+          <a:p>
+            <a:pPr lvl="1"/>
+            <a:endParaRPr lang="en-US" altLang="ko-KR" dirty="0" smtClean="0"/>
+          </a:p>
+          <a:p>
+            <a:pPr lvl="1"/>
+            <a:r>
+              <a:rPr lang="ko-KR" altLang="en-US" dirty="0" smtClean="0"/>
+              <a:t>로컬에서 변경된 내용을 만들고 </a:t>
+            </a:r>
+            <a:r>
+              <a:rPr lang="en-US" altLang="ko-KR" dirty="0" smtClean="0"/>
+              <a:t>add commit push</a:t>
+            </a:r>
+            <a:r>
+              <a:rPr lang="ko-KR" altLang="en-US" dirty="0" smtClean="0"/>
+              <a:t>까지 진행 </a:t>
+            </a:r>
+            <a:r>
+              <a:rPr lang="en-US" altLang="ko-KR" dirty="0" smtClean="0"/>
+              <a:t>-&gt; </a:t>
+            </a:r>
+            <a:r>
+              <a:rPr lang="en-US" altLang="ko-KR" dirty="0" err="1" smtClean="0"/>
+              <a:t>github</a:t>
+            </a:r>
+            <a:r>
+              <a:rPr lang="ko-KR" altLang="en-US" dirty="0" smtClean="0"/>
+              <a:t>에서 확인 과정 진행</a:t>
+            </a:r>
+            <a:endParaRPr lang="en-US" altLang="ko-KR" dirty="0"/>
+          </a:p>
+        </p:txBody>
+      </p:sp>
     </p:spTree>
     <p:extLst>
       <p:ext uri="{BB962C8B-B14F-4D97-AF65-F5344CB8AC3E}">
-        <p14:creationId xmlns:p14="http://schemas.microsoft.com/office/powerpoint/2010/main" val="2400733370"/>
+        <p14:creationId xmlns:p14="http://schemas.microsoft.com/office/powerpoint/2010/main" val="2644409805"/>
       </p:ext>
     </p:extLst>
   </p:cSld>
@@ -10933,7 +11224,11 @@
           <a:bodyPr/>
           <a:lstStyle/>
           <a:p>
-            <a:endParaRPr lang="ko-KR" altLang="en-US"/>
+            <a:r>
+              <a:rPr lang="ko-KR" altLang="en-US" dirty="0" smtClean="0"/>
+              <a:t>원격저장소에서 복제하기</a:t>
+            </a:r>
+            <a:endParaRPr lang="ko-KR" altLang="en-US" dirty="0"/>
           </a:p>
         </p:txBody>
       </p:sp>
@@ -10942,7 +11237,3099 @@
           <p:cNvPr id="7" name="내용 개체 틀 2">
             <a:extLst>
               <a:ext uri="{FF2B5EF4-FFF2-40B4-BE49-F238E27FC236}">
-                <a16:creationId xmlns:a16="http://schemas.microsoft.com/office/drawing/2014/main" id="{35E7878A-C968-4374-9918-F88B4902B81A}"/>
+                <a16:creationId xmlns:a16="http://schemas.microsoft.com/office/drawing/2014/main" id="{A44AC902-3746-40D6-9827-94B46EEDDC67}"/>
+              </a:ext>
+            </a:extLst>
+          </p:cNvPr>
+          <p:cNvSpPr txBox="1">
+            <a:spLocks/>
+          </p:cNvSpPr>
+          <p:nvPr/>
+        </p:nvSpPr>
+        <p:spPr>
+          <a:xfrm>
+            <a:off x="341787" y="1120545"/>
+            <a:ext cx="8642350" cy="3345438"/>
+          </a:xfrm>
+          <a:prstGeom prst="rect">
+            <a:avLst/>
+          </a:prstGeom>
+        </p:spPr>
+        <p:txBody>
+          <a:bodyPr vert="horz" lIns="91440" tIns="45720" rIns="91440" bIns="45720" rtlCol="0">
+            <a:noAutofit/>
+          </a:bodyPr>
+          <a:lstStyle>
+            <a:lvl1pPr marL="266700" indent="-266700" defTabSz="914400" latinLnBrk="1">
+              <a:lnSpc>
+                <a:spcPct val="150000"/>
+              </a:lnSpc>
+              <a:spcBef>
+                <a:spcPct val="0"/>
+              </a:spcBef>
+              <a:buClr>
+                <a:schemeClr val="tx1">
+                  <a:lumMod val="65000"/>
+                  <a:lumOff val="35000"/>
+                </a:schemeClr>
+              </a:buClr>
+              <a:buFont typeface="Wingdings" pitchFamily="2" charset="2"/>
+              <a:buChar char="n"/>
+              <a:defRPr sz="2000" b="1">
+                <a:latin typeface="+mn-ea"/>
+              </a:defRPr>
+            </a:lvl1pPr>
+            <a:lvl2pPr marL="447675" lvl="1" indent="-180975" defTabSz="914400" latinLnBrk="1">
+              <a:lnSpc>
+                <a:spcPct val="150000"/>
+              </a:lnSpc>
+              <a:spcBef>
+                <a:spcPts val="0"/>
+              </a:spcBef>
+              <a:spcAft>
+                <a:spcPts val="0"/>
+              </a:spcAft>
+              <a:buClr>
+                <a:schemeClr val="tx1">
+                  <a:lumMod val="50000"/>
+                  <a:lumOff val="50000"/>
+                </a:schemeClr>
+              </a:buClr>
+              <a:buFont typeface="Wingdings" pitchFamily="2" charset="2"/>
+              <a:buChar char="§"/>
+              <a:defRPr sz="1600"/>
+            </a:lvl2pPr>
+            <a:lvl3pPr marL="628650" indent="-180975" defTabSz="914400" latinLnBrk="1">
+              <a:lnSpc>
+                <a:spcPct val="150000"/>
+              </a:lnSpc>
+              <a:spcBef>
+                <a:spcPts val="500"/>
+              </a:spcBef>
+              <a:spcAft>
+                <a:spcPts val="300"/>
+              </a:spcAft>
+              <a:buClr>
+                <a:schemeClr val="tx1">
+                  <a:lumMod val="65000"/>
+                  <a:lumOff val="35000"/>
+                </a:schemeClr>
+              </a:buClr>
+              <a:buFont typeface="Arial" panose="020B0604020202020204" pitchFamily="34" charset="0"/>
+              <a:buChar char="•"/>
+              <a:defRPr sz="1400"/>
+            </a:lvl3pPr>
+            <a:lvl4pPr marL="809625" indent="-180975" defTabSz="914400" latinLnBrk="1">
+              <a:lnSpc>
+                <a:spcPct val="150000"/>
+              </a:lnSpc>
+              <a:spcBef>
+                <a:spcPts val="500"/>
+              </a:spcBef>
+              <a:spcAft>
+                <a:spcPts val="300"/>
+              </a:spcAft>
+              <a:buClr>
+                <a:schemeClr val="tx1">
+                  <a:lumMod val="65000"/>
+                  <a:lumOff val="35000"/>
+                </a:schemeClr>
+              </a:buClr>
+              <a:buSzPct val="96000"/>
+              <a:buFont typeface="Arial" panose="020B0604020202020204" pitchFamily="34" charset="0"/>
+              <a:buChar char="•"/>
+              <a:defRPr sz="1200"/>
+            </a:lvl4pPr>
+            <a:lvl5pPr marL="990600" indent="-180975" defTabSz="914400" latinLnBrk="1">
+              <a:lnSpc>
+                <a:spcPct val="150000"/>
+              </a:lnSpc>
+              <a:spcBef>
+                <a:spcPts val="500"/>
+              </a:spcBef>
+              <a:buClr>
+                <a:schemeClr val="tx1">
+                  <a:lumMod val="65000"/>
+                  <a:lumOff val="35000"/>
+                </a:schemeClr>
+              </a:buClr>
+              <a:buFont typeface="Arial" panose="020B0604020202020204" pitchFamily="34" charset="0"/>
+              <a:buChar char="•"/>
+              <a:defRPr sz="1000"/>
+            </a:lvl5pPr>
+            <a:lvl6pPr marL="2514600" indent="-228600" defTabSz="914400" latinLnBrk="1">
+              <a:lnSpc>
+                <a:spcPct val="90000"/>
+              </a:lnSpc>
+              <a:spcBef>
+                <a:spcPts val="500"/>
+              </a:spcBef>
+              <a:buFont typeface="Arial" panose="020B0604020202020204" pitchFamily="34" charset="0"/>
+              <a:buChar char="•"/>
+            </a:lvl6pPr>
+            <a:lvl7pPr marL="2971800" indent="-228600" defTabSz="914400" latinLnBrk="1">
+              <a:lnSpc>
+                <a:spcPct val="90000"/>
+              </a:lnSpc>
+              <a:spcBef>
+                <a:spcPts val="500"/>
+              </a:spcBef>
+              <a:buFont typeface="Arial" panose="020B0604020202020204" pitchFamily="34" charset="0"/>
+              <a:buChar char="•"/>
+            </a:lvl7pPr>
+            <a:lvl8pPr marL="3429000" indent="-228600" defTabSz="914400" latinLnBrk="1">
+              <a:lnSpc>
+                <a:spcPct val="90000"/>
+              </a:lnSpc>
+              <a:spcBef>
+                <a:spcPts val="500"/>
+              </a:spcBef>
+              <a:buFont typeface="Arial" panose="020B0604020202020204" pitchFamily="34" charset="0"/>
+              <a:buChar char="•"/>
+            </a:lvl8pPr>
+            <a:lvl9pPr marL="3886200" indent="-228600" defTabSz="914400" latinLnBrk="1">
+              <a:lnSpc>
+                <a:spcPct val="90000"/>
+              </a:lnSpc>
+              <a:spcBef>
+                <a:spcPts val="500"/>
+              </a:spcBef>
+              <a:buFont typeface="Arial" panose="020B0604020202020204" pitchFamily="34" charset="0"/>
+              <a:buChar char="•"/>
+            </a:lvl9pPr>
+          </a:lstStyle>
+          <a:p>
+            <a:r>
+              <a:rPr lang="ko-KR" altLang="en-US" dirty="0" err="1"/>
+              <a:t>원격저장소</a:t>
+            </a:r>
+            <a:r>
+              <a:rPr lang="en-US" altLang="ko-KR" dirty="0"/>
+              <a:t>(</a:t>
+            </a:r>
+            <a:r>
+              <a:rPr lang="en-US" altLang="ko-KR" dirty="0" err="1"/>
+              <a:t>Github</a:t>
+            </a:r>
+            <a:r>
+              <a:rPr lang="en-US" altLang="ko-KR" dirty="0" smtClean="0"/>
+              <a:t>)</a:t>
+            </a:r>
+            <a:r>
+              <a:rPr lang="ko-KR" altLang="en-US" dirty="0" smtClean="0"/>
+              <a:t>를 복제하기</a:t>
+            </a:r>
+            <a:endParaRPr lang="en-US" altLang="ko-KR" dirty="0"/>
+          </a:p>
+          <a:p>
+            <a:pPr lvl="1"/>
+            <a:r>
+              <a:rPr lang="en-US" altLang="ko-KR" dirty="0" err="1" smtClean="0"/>
+              <a:t>Git</a:t>
+            </a:r>
+            <a:r>
+              <a:rPr lang="en-US" altLang="ko-KR" dirty="0" smtClean="0"/>
+              <a:t> clone http</a:t>
+            </a:r>
+            <a:r>
+              <a:rPr lang="ko-KR" altLang="en-US" dirty="0" smtClean="0"/>
+              <a:t>주소 </a:t>
+            </a:r>
+            <a:r>
+              <a:rPr lang="en-US" altLang="ko-KR" dirty="0" smtClean="0"/>
+              <a:t>“</a:t>
+            </a:r>
+            <a:r>
+              <a:rPr lang="ko-KR" altLang="en-US" dirty="0" smtClean="0"/>
+              <a:t>내가 원하는 </a:t>
+            </a:r>
+            <a:r>
+              <a:rPr lang="en-US" altLang="ko-KR" dirty="0" smtClean="0"/>
+              <a:t>directory </a:t>
+            </a:r>
+            <a:r>
+              <a:rPr lang="ko-KR" altLang="en-US" dirty="0" smtClean="0"/>
+              <a:t>기입</a:t>
+            </a:r>
+            <a:r>
+              <a:rPr lang="en-US" altLang="ko-KR" dirty="0" smtClean="0"/>
+              <a:t>” </a:t>
+            </a:r>
+            <a:r>
+              <a:rPr lang="ko-KR" altLang="en-US" dirty="0" smtClean="0"/>
+              <a:t>이것을 기입하지 않으면 </a:t>
+            </a:r>
+            <a:r>
+              <a:rPr lang="ko-KR" altLang="en-US" dirty="0" err="1" smtClean="0"/>
+              <a:t>원격저장소</a:t>
+            </a:r>
+            <a:r>
+              <a:rPr lang="ko-KR" altLang="en-US" dirty="0" smtClean="0"/>
+              <a:t> 명칭대로 복사됨</a:t>
+            </a:r>
+            <a:r>
+              <a:rPr lang="en-US" altLang="ko-KR" dirty="0" smtClean="0"/>
+              <a:t>.</a:t>
+            </a:r>
+          </a:p>
+          <a:p>
+            <a:pPr lvl="1"/>
+            <a:r>
+              <a:rPr lang="ko-KR" altLang="en-US" dirty="0" smtClean="0"/>
+              <a:t>생성된 디렉토리로 이동하여 복제된 파일 확인</a:t>
+            </a:r>
+            <a:endParaRPr lang="en-US" altLang="ko-KR" dirty="0" smtClean="0"/>
+          </a:p>
+          <a:p>
+            <a:pPr lvl="1"/>
+            <a:r>
+              <a:rPr lang="en-US" altLang="ko-KR" dirty="0" err="1" smtClean="0"/>
+              <a:t>Git</a:t>
+            </a:r>
+            <a:r>
+              <a:rPr lang="en-US" altLang="ko-KR" dirty="0" smtClean="0"/>
+              <a:t> </a:t>
+            </a:r>
+            <a:r>
+              <a:rPr lang="en-US" altLang="ko-KR" dirty="0" err="1" smtClean="0"/>
+              <a:t>log,status</a:t>
+            </a:r>
+            <a:r>
+              <a:rPr lang="en-US" altLang="ko-KR" dirty="0"/>
+              <a:t> </a:t>
+            </a:r>
+            <a:r>
+              <a:rPr lang="ko-KR" altLang="en-US" dirty="0" smtClean="0"/>
+              <a:t>등 내용 확인</a:t>
+            </a:r>
+            <a:endParaRPr lang="en-US" altLang="ko-KR" dirty="0"/>
+          </a:p>
+          <a:p>
+            <a:pPr lvl="1"/>
+            <a:endParaRPr lang="en-US" altLang="ko-KR" dirty="0" smtClean="0"/>
+          </a:p>
+          <a:p>
+            <a:pPr lvl="1"/>
+            <a:r>
+              <a:rPr lang="ko-KR" altLang="en-US" dirty="0" smtClean="0"/>
+              <a:t>확인 과정 진행</a:t>
+            </a:r>
+            <a:endParaRPr lang="en-US" altLang="ko-KR" dirty="0"/>
+          </a:p>
+        </p:txBody>
+      </p:sp>
+    </p:spTree>
+    <p:extLst>
+      <p:ext uri="{BB962C8B-B14F-4D97-AF65-F5344CB8AC3E}">
+        <p14:creationId xmlns:p14="http://schemas.microsoft.com/office/powerpoint/2010/main" val="3327768482"/>
+      </p:ext>
+    </p:extLst>
+  </p:cSld>
+  <p:clrMapOvr>
+    <a:masterClrMapping/>
+  </p:clrMapOvr>
+</p:sld>
+</file>
+
+<file path=ppt/slides/slide24.xml><?xml version="1.0" encoding="utf-8"?>
+<p:sld xmlns:a="http://schemas.openxmlformats.org/drawingml/2006/main" xmlns:r="http://schemas.openxmlformats.org/officeDocument/2006/relationships" xmlns:p="http://schemas.openxmlformats.org/presentationml/2006/main">
+  <p:cSld>
+    <p:spTree>
+      <p:nvGrpSpPr>
+        <p:cNvPr id="1" name=""/>
+        <p:cNvGrpSpPr/>
+        <p:nvPr/>
+      </p:nvGrpSpPr>
+      <p:grpSpPr>
+        <a:xfrm>
+          <a:off x="0" y="0"/>
+          <a:ext cx="0" cy="0"/>
+          <a:chOff x="0" y="0"/>
+          <a:chExt cx="0" cy="0"/>
+        </a:xfrm>
+      </p:grpSpPr>
+      <p:sp>
+        <p:nvSpPr>
+          <p:cNvPr id="4" name="제목 3">
+            <a:extLst>
+              <a:ext uri="{FF2B5EF4-FFF2-40B4-BE49-F238E27FC236}">
+                <a16:creationId xmlns:a16="http://schemas.microsoft.com/office/drawing/2014/main" id="{F0CEB32B-CB43-4410-BA08-A97E4BC47FCB}"/>
+              </a:ext>
+            </a:extLst>
+          </p:cNvPr>
+          <p:cNvSpPr>
+            <a:spLocks noGrp="1"/>
+          </p:cNvSpPr>
+          <p:nvPr>
+            <p:ph type="title"/>
+          </p:nvPr>
+        </p:nvSpPr>
+        <p:spPr/>
+        <p:txBody>
+          <a:bodyPr/>
+          <a:lstStyle/>
+          <a:p>
+            <a:r>
+              <a:rPr lang="ko-KR" altLang="en-US" dirty="0" smtClean="0"/>
+              <a:t>원격저장소에서 활용하기</a:t>
+            </a:r>
+            <a:endParaRPr lang="ko-KR" altLang="en-US" dirty="0"/>
+          </a:p>
+        </p:txBody>
+      </p:sp>
+      <p:sp>
+        <p:nvSpPr>
+          <p:cNvPr id="7" name="내용 개체 틀 2">
+            <a:extLst>
+              <a:ext uri="{FF2B5EF4-FFF2-40B4-BE49-F238E27FC236}">
+                <a16:creationId xmlns:a16="http://schemas.microsoft.com/office/drawing/2014/main" id="{A44AC902-3746-40D6-9827-94B46EEDDC67}"/>
+              </a:ext>
+            </a:extLst>
+          </p:cNvPr>
+          <p:cNvSpPr txBox="1">
+            <a:spLocks/>
+          </p:cNvSpPr>
+          <p:nvPr/>
+        </p:nvSpPr>
+        <p:spPr>
+          <a:xfrm>
+            <a:off x="341787" y="1120545"/>
+            <a:ext cx="8642350" cy="1550084"/>
+          </a:xfrm>
+          <a:prstGeom prst="rect">
+            <a:avLst/>
+          </a:prstGeom>
+        </p:spPr>
+        <p:txBody>
+          <a:bodyPr vert="horz" lIns="91440" tIns="45720" rIns="91440" bIns="45720" rtlCol="0">
+            <a:noAutofit/>
+          </a:bodyPr>
+          <a:lstStyle>
+            <a:lvl1pPr marL="266700" indent="-266700" defTabSz="914400" latinLnBrk="1">
+              <a:lnSpc>
+                <a:spcPct val="150000"/>
+              </a:lnSpc>
+              <a:spcBef>
+                <a:spcPct val="0"/>
+              </a:spcBef>
+              <a:buClr>
+                <a:schemeClr val="tx1">
+                  <a:lumMod val="65000"/>
+                  <a:lumOff val="35000"/>
+                </a:schemeClr>
+              </a:buClr>
+              <a:buFont typeface="Wingdings" pitchFamily="2" charset="2"/>
+              <a:buChar char="n"/>
+              <a:defRPr sz="2000" b="1">
+                <a:latin typeface="+mn-ea"/>
+              </a:defRPr>
+            </a:lvl1pPr>
+            <a:lvl2pPr marL="447675" lvl="1" indent="-180975" defTabSz="914400" latinLnBrk="1">
+              <a:lnSpc>
+                <a:spcPct val="150000"/>
+              </a:lnSpc>
+              <a:spcBef>
+                <a:spcPts val="0"/>
+              </a:spcBef>
+              <a:spcAft>
+                <a:spcPts val="0"/>
+              </a:spcAft>
+              <a:buClr>
+                <a:schemeClr val="tx1">
+                  <a:lumMod val="50000"/>
+                  <a:lumOff val="50000"/>
+                </a:schemeClr>
+              </a:buClr>
+              <a:buFont typeface="Wingdings" pitchFamily="2" charset="2"/>
+              <a:buChar char="§"/>
+              <a:defRPr sz="1600"/>
+            </a:lvl2pPr>
+            <a:lvl3pPr marL="628650" indent="-180975" defTabSz="914400" latinLnBrk="1">
+              <a:lnSpc>
+                <a:spcPct val="150000"/>
+              </a:lnSpc>
+              <a:spcBef>
+                <a:spcPts val="500"/>
+              </a:spcBef>
+              <a:spcAft>
+                <a:spcPts val="300"/>
+              </a:spcAft>
+              <a:buClr>
+                <a:schemeClr val="tx1">
+                  <a:lumMod val="65000"/>
+                  <a:lumOff val="35000"/>
+                </a:schemeClr>
+              </a:buClr>
+              <a:buFont typeface="Arial" panose="020B0604020202020204" pitchFamily="34" charset="0"/>
+              <a:buChar char="•"/>
+              <a:defRPr sz="1400"/>
+            </a:lvl3pPr>
+            <a:lvl4pPr marL="809625" indent="-180975" defTabSz="914400" latinLnBrk="1">
+              <a:lnSpc>
+                <a:spcPct val="150000"/>
+              </a:lnSpc>
+              <a:spcBef>
+                <a:spcPts val="500"/>
+              </a:spcBef>
+              <a:spcAft>
+                <a:spcPts val="300"/>
+              </a:spcAft>
+              <a:buClr>
+                <a:schemeClr val="tx1">
+                  <a:lumMod val="65000"/>
+                  <a:lumOff val="35000"/>
+                </a:schemeClr>
+              </a:buClr>
+              <a:buSzPct val="96000"/>
+              <a:buFont typeface="Arial" panose="020B0604020202020204" pitchFamily="34" charset="0"/>
+              <a:buChar char="•"/>
+              <a:defRPr sz="1200"/>
+            </a:lvl4pPr>
+            <a:lvl5pPr marL="990600" indent="-180975" defTabSz="914400" latinLnBrk="1">
+              <a:lnSpc>
+                <a:spcPct val="150000"/>
+              </a:lnSpc>
+              <a:spcBef>
+                <a:spcPts val="500"/>
+              </a:spcBef>
+              <a:buClr>
+                <a:schemeClr val="tx1">
+                  <a:lumMod val="65000"/>
+                  <a:lumOff val="35000"/>
+                </a:schemeClr>
+              </a:buClr>
+              <a:buFont typeface="Arial" panose="020B0604020202020204" pitchFamily="34" charset="0"/>
+              <a:buChar char="•"/>
+              <a:defRPr sz="1000"/>
+            </a:lvl5pPr>
+            <a:lvl6pPr marL="2514600" indent="-228600" defTabSz="914400" latinLnBrk="1">
+              <a:lnSpc>
+                <a:spcPct val="90000"/>
+              </a:lnSpc>
+              <a:spcBef>
+                <a:spcPts val="500"/>
+              </a:spcBef>
+              <a:buFont typeface="Arial" panose="020B0604020202020204" pitchFamily="34" charset="0"/>
+              <a:buChar char="•"/>
+            </a:lvl6pPr>
+            <a:lvl7pPr marL="2971800" indent="-228600" defTabSz="914400" latinLnBrk="1">
+              <a:lnSpc>
+                <a:spcPct val="90000"/>
+              </a:lnSpc>
+              <a:spcBef>
+                <a:spcPts val="500"/>
+              </a:spcBef>
+              <a:buFont typeface="Arial" panose="020B0604020202020204" pitchFamily="34" charset="0"/>
+              <a:buChar char="•"/>
+            </a:lvl7pPr>
+            <a:lvl8pPr marL="3429000" indent="-228600" defTabSz="914400" latinLnBrk="1">
+              <a:lnSpc>
+                <a:spcPct val="90000"/>
+              </a:lnSpc>
+              <a:spcBef>
+                <a:spcPts val="500"/>
+              </a:spcBef>
+              <a:buFont typeface="Arial" panose="020B0604020202020204" pitchFamily="34" charset="0"/>
+              <a:buChar char="•"/>
+            </a:lvl8pPr>
+            <a:lvl9pPr marL="3886200" indent="-228600" defTabSz="914400" latinLnBrk="1">
+              <a:lnSpc>
+                <a:spcPct val="90000"/>
+              </a:lnSpc>
+              <a:spcBef>
+                <a:spcPts val="500"/>
+              </a:spcBef>
+              <a:buFont typeface="Arial" panose="020B0604020202020204" pitchFamily="34" charset="0"/>
+              <a:buChar char="•"/>
+            </a:lvl9pPr>
+          </a:lstStyle>
+          <a:p>
+            <a:r>
+              <a:rPr lang="ko-KR" altLang="en-US" dirty="0" err="1"/>
+              <a:t>원격저장소</a:t>
+            </a:r>
+            <a:r>
+              <a:rPr lang="en-US" altLang="ko-KR" dirty="0"/>
+              <a:t>(</a:t>
+            </a:r>
+            <a:r>
+              <a:rPr lang="en-US" altLang="ko-KR" dirty="0" err="1"/>
+              <a:t>Github</a:t>
+            </a:r>
+            <a:r>
+              <a:rPr lang="en-US" altLang="ko-KR" dirty="0" smtClean="0"/>
+              <a:t>)</a:t>
+            </a:r>
+            <a:r>
+              <a:rPr lang="ko-KR" altLang="en-US" dirty="0" smtClean="0"/>
+              <a:t>를 이용하기</a:t>
+            </a:r>
+            <a:endParaRPr lang="en-US" altLang="ko-KR" dirty="0"/>
+          </a:p>
+          <a:p>
+            <a:pPr lvl="1"/>
+            <a:r>
+              <a:rPr lang="en-US" altLang="ko-KR" dirty="0" err="1" smtClean="0"/>
+              <a:t>Git</a:t>
+            </a:r>
+            <a:r>
+              <a:rPr lang="en-US" altLang="ko-KR" dirty="0" smtClean="0"/>
+              <a:t> pull -&gt; </a:t>
+            </a:r>
+            <a:r>
+              <a:rPr lang="ko-KR" altLang="en-US" dirty="0" smtClean="0"/>
+              <a:t>작업 </a:t>
+            </a:r>
+            <a:r>
+              <a:rPr lang="en-US" altLang="ko-KR" dirty="0" smtClean="0"/>
+              <a:t>-&gt; push </a:t>
+            </a:r>
+            <a:r>
+              <a:rPr lang="ko-KR" altLang="en-US" dirty="0" smtClean="0"/>
+              <a:t>반복 작업</a:t>
+            </a:r>
+            <a:endParaRPr lang="en-US" altLang="ko-KR" dirty="0" smtClean="0"/>
+          </a:p>
+          <a:p>
+            <a:pPr lvl="1"/>
+            <a:r>
+              <a:rPr lang="ko-KR" altLang="en-US" dirty="0" smtClean="0"/>
+              <a:t>생성된 디렉토리로 이동하여 복제된 파일 확인</a:t>
+            </a:r>
+            <a:endParaRPr lang="en-US" altLang="ko-KR" dirty="0" smtClean="0"/>
+          </a:p>
+          <a:p>
+            <a:pPr lvl="1"/>
+            <a:r>
+              <a:rPr lang="en-US" altLang="ko-KR" dirty="0" err="1" smtClean="0"/>
+              <a:t>Git</a:t>
+            </a:r>
+            <a:r>
+              <a:rPr lang="en-US" altLang="ko-KR" dirty="0" smtClean="0"/>
+              <a:t> </a:t>
+            </a:r>
+            <a:r>
+              <a:rPr lang="en-US" altLang="ko-KR" dirty="0" err="1" smtClean="0"/>
+              <a:t>log,status</a:t>
+            </a:r>
+            <a:r>
+              <a:rPr lang="en-US" altLang="ko-KR" dirty="0"/>
+              <a:t> </a:t>
+            </a:r>
+            <a:r>
+              <a:rPr lang="ko-KR" altLang="en-US" dirty="0" smtClean="0"/>
+              <a:t>등 내용 확인</a:t>
+            </a:r>
+            <a:endParaRPr lang="en-US" altLang="ko-KR" dirty="0"/>
+          </a:p>
+          <a:p>
+            <a:pPr lvl="1"/>
+            <a:endParaRPr lang="en-US" altLang="ko-KR" dirty="0" smtClean="0"/>
+          </a:p>
+        </p:txBody>
+      </p:sp>
+      <p:sp>
+        <p:nvSpPr>
+          <p:cNvPr id="5" name="내용 개체 틀 2">
+            <a:extLst>
+              <a:ext uri="{FF2B5EF4-FFF2-40B4-BE49-F238E27FC236}">
+                <a16:creationId xmlns:a16="http://schemas.microsoft.com/office/drawing/2014/main" id="{A44AC902-3746-40D6-9827-94B46EEDDC67}"/>
+              </a:ext>
+            </a:extLst>
+          </p:cNvPr>
+          <p:cNvSpPr txBox="1">
+            <a:spLocks/>
+          </p:cNvSpPr>
+          <p:nvPr/>
+        </p:nvSpPr>
+        <p:spPr>
+          <a:xfrm>
+            <a:off x="341787" y="3471859"/>
+            <a:ext cx="8642350" cy="2348370"/>
+          </a:xfrm>
+          <a:prstGeom prst="rect">
+            <a:avLst/>
+          </a:prstGeom>
+        </p:spPr>
+        <p:txBody>
+          <a:bodyPr vert="horz" lIns="91440" tIns="45720" rIns="91440" bIns="45720" rtlCol="0">
+            <a:noAutofit/>
+          </a:bodyPr>
+          <a:lstStyle>
+            <a:lvl1pPr marL="266700" indent="-266700" defTabSz="914400" latinLnBrk="1">
+              <a:lnSpc>
+                <a:spcPct val="150000"/>
+              </a:lnSpc>
+              <a:spcBef>
+                <a:spcPct val="0"/>
+              </a:spcBef>
+              <a:buClr>
+                <a:schemeClr val="tx1">
+                  <a:lumMod val="65000"/>
+                  <a:lumOff val="35000"/>
+                </a:schemeClr>
+              </a:buClr>
+              <a:buFont typeface="Wingdings" pitchFamily="2" charset="2"/>
+              <a:buChar char="n"/>
+              <a:defRPr sz="2000" b="1">
+                <a:latin typeface="+mn-ea"/>
+              </a:defRPr>
+            </a:lvl1pPr>
+            <a:lvl2pPr marL="447675" lvl="1" indent="-180975" defTabSz="914400" latinLnBrk="1">
+              <a:lnSpc>
+                <a:spcPct val="150000"/>
+              </a:lnSpc>
+              <a:spcBef>
+                <a:spcPts val="0"/>
+              </a:spcBef>
+              <a:spcAft>
+                <a:spcPts val="0"/>
+              </a:spcAft>
+              <a:buClr>
+                <a:schemeClr val="tx1">
+                  <a:lumMod val="50000"/>
+                  <a:lumOff val="50000"/>
+                </a:schemeClr>
+              </a:buClr>
+              <a:buFont typeface="Wingdings" pitchFamily="2" charset="2"/>
+              <a:buChar char="§"/>
+              <a:defRPr sz="1600"/>
+            </a:lvl2pPr>
+            <a:lvl3pPr marL="628650" indent="-180975" defTabSz="914400" latinLnBrk="1">
+              <a:lnSpc>
+                <a:spcPct val="150000"/>
+              </a:lnSpc>
+              <a:spcBef>
+                <a:spcPts val="500"/>
+              </a:spcBef>
+              <a:spcAft>
+                <a:spcPts val="300"/>
+              </a:spcAft>
+              <a:buClr>
+                <a:schemeClr val="tx1">
+                  <a:lumMod val="65000"/>
+                  <a:lumOff val="35000"/>
+                </a:schemeClr>
+              </a:buClr>
+              <a:buFont typeface="Arial" panose="020B0604020202020204" pitchFamily="34" charset="0"/>
+              <a:buChar char="•"/>
+              <a:defRPr sz="1400"/>
+            </a:lvl3pPr>
+            <a:lvl4pPr marL="809625" indent="-180975" defTabSz="914400" latinLnBrk="1">
+              <a:lnSpc>
+                <a:spcPct val="150000"/>
+              </a:lnSpc>
+              <a:spcBef>
+                <a:spcPts val="500"/>
+              </a:spcBef>
+              <a:spcAft>
+                <a:spcPts val="300"/>
+              </a:spcAft>
+              <a:buClr>
+                <a:schemeClr val="tx1">
+                  <a:lumMod val="65000"/>
+                  <a:lumOff val="35000"/>
+                </a:schemeClr>
+              </a:buClr>
+              <a:buSzPct val="96000"/>
+              <a:buFont typeface="Arial" panose="020B0604020202020204" pitchFamily="34" charset="0"/>
+              <a:buChar char="•"/>
+              <a:defRPr sz="1200"/>
+            </a:lvl4pPr>
+            <a:lvl5pPr marL="990600" indent="-180975" defTabSz="914400" latinLnBrk="1">
+              <a:lnSpc>
+                <a:spcPct val="150000"/>
+              </a:lnSpc>
+              <a:spcBef>
+                <a:spcPts val="500"/>
+              </a:spcBef>
+              <a:buClr>
+                <a:schemeClr val="tx1">
+                  <a:lumMod val="65000"/>
+                  <a:lumOff val="35000"/>
+                </a:schemeClr>
+              </a:buClr>
+              <a:buFont typeface="Arial" panose="020B0604020202020204" pitchFamily="34" charset="0"/>
+              <a:buChar char="•"/>
+              <a:defRPr sz="1000"/>
+            </a:lvl5pPr>
+            <a:lvl6pPr marL="2514600" indent="-228600" defTabSz="914400" latinLnBrk="1">
+              <a:lnSpc>
+                <a:spcPct val="90000"/>
+              </a:lnSpc>
+              <a:spcBef>
+                <a:spcPts val="500"/>
+              </a:spcBef>
+              <a:buFont typeface="Arial" panose="020B0604020202020204" pitchFamily="34" charset="0"/>
+              <a:buChar char="•"/>
+            </a:lvl6pPr>
+            <a:lvl7pPr marL="2971800" indent="-228600" defTabSz="914400" latinLnBrk="1">
+              <a:lnSpc>
+                <a:spcPct val="90000"/>
+              </a:lnSpc>
+              <a:spcBef>
+                <a:spcPts val="500"/>
+              </a:spcBef>
+              <a:buFont typeface="Arial" panose="020B0604020202020204" pitchFamily="34" charset="0"/>
+              <a:buChar char="•"/>
+            </a:lvl7pPr>
+            <a:lvl8pPr marL="3429000" indent="-228600" defTabSz="914400" latinLnBrk="1">
+              <a:lnSpc>
+                <a:spcPct val="90000"/>
+              </a:lnSpc>
+              <a:spcBef>
+                <a:spcPts val="500"/>
+              </a:spcBef>
+              <a:buFont typeface="Arial" panose="020B0604020202020204" pitchFamily="34" charset="0"/>
+              <a:buChar char="•"/>
+            </a:lvl8pPr>
+            <a:lvl9pPr marL="3886200" indent="-228600" defTabSz="914400" latinLnBrk="1">
+              <a:lnSpc>
+                <a:spcPct val="90000"/>
+              </a:lnSpc>
+              <a:spcBef>
+                <a:spcPts val="500"/>
+              </a:spcBef>
+              <a:buFont typeface="Arial" panose="020B0604020202020204" pitchFamily="34" charset="0"/>
+              <a:buChar char="•"/>
+            </a:lvl9pPr>
+          </a:lstStyle>
+          <a:p>
+            <a:r>
+              <a:rPr lang="ko-KR" altLang="en-US" dirty="0" smtClean="0"/>
+              <a:t>기타 </a:t>
+            </a:r>
+            <a:r>
+              <a:rPr lang="ko-KR" altLang="en-US" dirty="0" err="1" smtClean="0"/>
+              <a:t>명령확인</a:t>
+            </a:r>
+            <a:endParaRPr lang="en-US" altLang="ko-KR" dirty="0" smtClean="0"/>
+          </a:p>
+          <a:p>
+            <a:r>
+              <a:rPr lang="en-US" altLang="ko-KR" sz="1600" dirty="0" err="1">
+                <a:solidFill>
+                  <a:srgbClr val="FF0000"/>
+                </a:solidFill>
+                <a:latin typeface="+mn-lt"/>
+              </a:rPr>
+              <a:t>Git</a:t>
+            </a:r>
+            <a:r>
+              <a:rPr lang="en-US" altLang="ko-KR" sz="1600" dirty="0">
+                <a:solidFill>
+                  <a:srgbClr val="FF0000"/>
+                </a:solidFill>
+                <a:latin typeface="+mn-lt"/>
+              </a:rPr>
+              <a:t>/</a:t>
+            </a:r>
+            <a:r>
+              <a:rPr lang="en-US" altLang="ko-KR" sz="1600" dirty="0" err="1">
+                <a:solidFill>
+                  <a:srgbClr val="FF0000"/>
+                </a:solidFill>
+                <a:latin typeface="+mn-lt"/>
+              </a:rPr>
+              <a:t>git</a:t>
+            </a:r>
+            <a:r>
+              <a:rPr lang="en-US" altLang="ko-KR" sz="1600" dirty="0">
+                <a:solidFill>
+                  <a:srgbClr val="FF0000"/>
+                </a:solidFill>
+                <a:latin typeface="+mn-lt"/>
+              </a:rPr>
+              <a:t> clone</a:t>
+            </a:r>
+            <a:r>
+              <a:rPr lang="ko-KR" altLang="en-US" sz="1600" dirty="0">
+                <a:solidFill>
+                  <a:srgbClr val="FF0000"/>
+                </a:solidFill>
+                <a:latin typeface="+mn-lt"/>
+              </a:rPr>
+              <a:t>하기</a:t>
+            </a:r>
+            <a:endParaRPr lang="en-US" altLang="ko-KR" sz="1600" dirty="0">
+              <a:solidFill>
+                <a:srgbClr val="FF0000"/>
+              </a:solidFill>
+              <a:latin typeface="+mn-lt"/>
+            </a:endParaRPr>
+          </a:p>
+          <a:p>
+            <a:pPr lvl="1"/>
+            <a:r>
+              <a:rPr lang="en-US" altLang="ko-KR" dirty="0" err="1" smtClean="0">
+                <a:solidFill>
+                  <a:srgbClr val="FF0000"/>
+                </a:solidFill>
+              </a:rPr>
+              <a:t>Git</a:t>
+            </a:r>
+            <a:r>
+              <a:rPr lang="en-US" altLang="ko-KR" dirty="0" smtClean="0">
+                <a:solidFill>
+                  <a:srgbClr val="FF0000"/>
+                </a:solidFill>
+              </a:rPr>
+              <a:t>/</a:t>
+            </a:r>
+            <a:r>
+              <a:rPr lang="en-US" altLang="ko-KR" dirty="0" err="1" smtClean="0">
+                <a:solidFill>
+                  <a:srgbClr val="FF0000"/>
+                </a:solidFill>
+              </a:rPr>
+              <a:t>git</a:t>
+            </a:r>
+            <a:r>
+              <a:rPr lang="en-US" altLang="ko-KR" dirty="0" smtClean="0">
+                <a:solidFill>
+                  <a:srgbClr val="FF0000"/>
+                </a:solidFill>
+              </a:rPr>
+              <a:t> fork</a:t>
+            </a:r>
+            <a:r>
+              <a:rPr lang="ko-KR" altLang="en-US" dirty="0" smtClean="0">
+                <a:solidFill>
+                  <a:srgbClr val="FF0000"/>
+                </a:solidFill>
+              </a:rPr>
+              <a:t>하기</a:t>
+            </a:r>
+            <a:endParaRPr lang="en-US" altLang="ko-KR" dirty="0" smtClean="0">
+              <a:solidFill>
+                <a:srgbClr val="FF0000"/>
+              </a:solidFill>
+            </a:endParaRPr>
+          </a:p>
+          <a:p>
+            <a:pPr lvl="1"/>
+            <a:r>
+              <a:rPr lang="en-US" altLang="ko-KR" dirty="0" err="1" smtClean="0">
+                <a:solidFill>
+                  <a:srgbClr val="FF0000"/>
+                </a:solidFill>
+              </a:rPr>
+              <a:t>Git</a:t>
+            </a:r>
+            <a:r>
+              <a:rPr lang="en-US" altLang="ko-KR" dirty="0" smtClean="0">
+                <a:solidFill>
+                  <a:srgbClr val="FF0000"/>
+                </a:solidFill>
+              </a:rPr>
+              <a:t> pull</a:t>
+            </a:r>
+            <a:r>
+              <a:rPr lang="ko-KR" altLang="en-US" dirty="0" smtClean="0">
+                <a:solidFill>
+                  <a:srgbClr val="FF0000"/>
+                </a:solidFill>
+              </a:rPr>
+              <a:t>할 때 어디서 </a:t>
+            </a:r>
+            <a:r>
+              <a:rPr lang="en-US" altLang="ko-KR" dirty="0" smtClean="0">
+                <a:solidFill>
+                  <a:srgbClr val="FF0000"/>
+                </a:solidFill>
+              </a:rPr>
+              <a:t>pull</a:t>
+            </a:r>
+            <a:r>
+              <a:rPr lang="ko-KR" altLang="en-US" dirty="0" smtClean="0">
+                <a:solidFill>
+                  <a:srgbClr val="FF0000"/>
+                </a:solidFill>
+              </a:rPr>
+              <a:t>할지를 어디서 결정하나</a:t>
+            </a:r>
+            <a:r>
+              <a:rPr lang="en-US" altLang="ko-KR" dirty="0" smtClean="0"/>
+              <a:t>?</a:t>
+            </a:r>
+          </a:p>
+          <a:p>
+            <a:pPr lvl="1"/>
+            <a:endParaRPr lang="en-US" altLang="ko-KR" dirty="0" smtClean="0"/>
+          </a:p>
+        </p:txBody>
+      </p:sp>
+    </p:spTree>
+    <p:extLst>
+      <p:ext uri="{BB962C8B-B14F-4D97-AF65-F5344CB8AC3E}">
+        <p14:creationId xmlns:p14="http://schemas.microsoft.com/office/powerpoint/2010/main" val="549315377"/>
+      </p:ext>
+    </p:extLst>
+  </p:cSld>
+  <p:clrMapOvr>
+    <a:masterClrMapping/>
+  </p:clrMapOvr>
+</p:sld>
+</file>
+
+<file path=ppt/slides/slide25.xml><?xml version="1.0" encoding="utf-8"?>
+<p:sld xmlns:a="http://schemas.openxmlformats.org/drawingml/2006/main" xmlns:r="http://schemas.openxmlformats.org/officeDocument/2006/relationships" xmlns:p="http://schemas.openxmlformats.org/presentationml/2006/main">
+  <p:cSld>
+    <p:spTree>
+      <p:nvGrpSpPr>
+        <p:cNvPr id="1" name=""/>
+        <p:cNvGrpSpPr/>
+        <p:nvPr/>
+      </p:nvGrpSpPr>
+      <p:grpSpPr>
+        <a:xfrm>
+          <a:off x="0" y="0"/>
+          <a:ext cx="0" cy="0"/>
+          <a:chOff x="0" y="0"/>
+          <a:chExt cx="0" cy="0"/>
+        </a:xfrm>
+      </p:grpSpPr>
+      <p:sp>
+        <p:nvSpPr>
+          <p:cNvPr id="4" name="제목 3">
+            <a:extLst>
+              <a:ext uri="{FF2B5EF4-FFF2-40B4-BE49-F238E27FC236}">
+                <a16:creationId xmlns:a16="http://schemas.microsoft.com/office/drawing/2014/main" id="{F0CEB32B-CB43-4410-BA08-A97E4BC47FCB}"/>
+              </a:ext>
+            </a:extLst>
+          </p:cNvPr>
+          <p:cNvSpPr>
+            <a:spLocks noGrp="1"/>
+          </p:cNvSpPr>
+          <p:nvPr>
+            <p:ph type="title"/>
+          </p:nvPr>
+        </p:nvSpPr>
+        <p:spPr/>
+        <p:txBody>
+          <a:bodyPr/>
+          <a:lstStyle/>
+          <a:p>
+            <a:r>
+              <a:rPr lang="ko-KR" altLang="en-US" dirty="0" smtClean="0"/>
+              <a:t>협업하기</a:t>
+            </a:r>
+            <a:endParaRPr lang="ko-KR" altLang="en-US" dirty="0"/>
+          </a:p>
+        </p:txBody>
+      </p:sp>
+      <p:sp>
+        <p:nvSpPr>
+          <p:cNvPr id="7" name="내용 개체 틀 2">
+            <a:extLst>
+              <a:ext uri="{FF2B5EF4-FFF2-40B4-BE49-F238E27FC236}">
+                <a16:creationId xmlns:a16="http://schemas.microsoft.com/office/drawing/2014/main" id="{A44AC902-3746-40D6-9827-94B46EEDDC67}"/>
+              </a:ext>
+            </a:extLst>
+          </p:cNvPr>
+          <p:cNvSpPr txBox="1">
+            <a:spLocks/>
+          </p:cNvSpPr>
+          <p:nvPr/>
+        </p:nvSpPr>
+        <p:spPr>
+          <a:xfrm>
+            <a:off x="341787" y="1120545"/>
+            <a:ext cx="8642350" cy="2351314"/>
+          </a:xfrm>
+          <a:prstGeom prst="rect">
+            <a:avLst/>
+          </a:prstGeom>
+        </p:spPr>
+        <p:txBody>
+          <a:bodyPr vert="horz" lIns="91440" tIns="45720" rIns="91440" bIns="45720" rtlCol="0">
+            <a:noAutofit/>
+          </a:bodyPr>
+          <a:lstStyle>
+            <a:lvl1pPr marL="266700" indent="-266700" defTabSz="914400" latinLnBrk="1">
+              <a:lnSpc>
+                <a:spcPct val="150000"/>
+              </a:lnSpc>
+              <a:spcBef>
+                <a:spcPct val="0"/>
+              </a:spcBef>
+              <a:buClr>
+                <a:schemeClr val="tx1">
+                  <a:lumMod val="65000"/>
+                  <a:lumOff val="35000"/>
+                </a:schemeClr>
+              </a:buClr>
+              <a:buFont typeface="Wingdings" pitchFamily="2" charset="2"/>
+              <a:buChar char="n"/>
+              <a:defRPr sz="2000" b="1">
+                <a:latin typeface="+mn-ea"/>
+              </a:defRPr>
+            </a:lvl1pPr>
+            <a:lvl2pPr marL="447675" lvl="1" indent="-180975" defTabSz="914400" latinLnBrk="1">
+              <a:lnSpc>
+                <a:spcPct val="150000"/>
+              </a:lnSpc>
+              <a:spcBef>
+                <a:spcPts val="0"/>
+              </a:spcBef>
+              <a:spcAft>
+                <a:spcPts val="0"/>
+              </a:spcAft>
+              <a:buClr>
+                <a:schemeClr val="tx1">
+                  <a:lumMod val="50000"/>
+                  <a:lumOff val="50000"/>
+                </a:schemeClr>
+              </a:buClr>
+              <a:buFont typeface="Wingdings" pitchFamily="2" charset="2"/>
+              <a:buChar char="§"/>
+              <a:defRPr sz="1600"/>
+            </a:lvl2pPr>
+            <a:lvl3pPr marL="628650" indent="-180975" defTabSz="914400" latinLnBrk="1">
+              <a:lnSpc>
+                <a:spcPct val="150000"/>
+              </a:lnSpc>
+              <a:spcBef>
+                <a:spcPts val="500"/>
+              </a:spcBef>
+              <a:spcAft>
+                <a:spcPts val="300"/>
+              </a:spcAft>
+              <a:buClr>
+                <a:schemeClr val="tx1">
+                  <a:lumMod val="65000"/>
+                  <a:lumOff val="35000"/>
+                </a:schemeClr>
+              </a:buClr>
+              <a:buFont typeface="Arial" panose="020B0604020202020204" pitchFamily="34" charset="0"/>
+              <a:buChar char="•"/>
+              <a:defRPr sz="1400"/>
+            </a:lvl3pPr>
+            <a:lvl4pPr marL="809625" indent="-180975" defTabSz="914400" latinLnBrk="1">
+              <a:lnSpc>
+                <a:spcPct val="150000"/>
+              </a:lnSpc>
+              <a:spcBef>
+                <a:spcPts val="500"/>
+              </a:spcBef>
+              <a:spcAft>
+                <a:spcPts val="300"/>
+              </a:spcAft>
+              <a:buClr>
+                <a:schemeClr val="tx1">
+                  <a:lumMod val="65000"/>
+                  <a:lumOff val="35000"/>
+                </a:schemeClr>
+              </a:buClr>
+              <a:buSzPct val="96000"/>
+              <a:buFont typeface="Arial" panose="020B0604020202020204" pitchFamily="34" charset="0"/>
+              <a:buChar char="•"/>
+              <a:defRPr sz="1200"/>
+            </a:lvl4pPr>
+            <a:lvl5pPr marL="990600" indent="-180975" defTabSz="914400" latinLnBrk="1">
+              <a:lnSpc>
+                <a:spcPct val="150000"/>
+              </a:lnSpc>
+              <a:spcBef>
+                <a:spcPts val="500"/>
+              </a:spcBef>
+              <a:buClr>
+                <a:schemeClr val="tx1">
+                  <a:lumMod val="65000"/>
+                  <a:lumOff val="35000"/>
+                </a:schemeClr>
+              </a:buClr>
+              <a:buFont typeface="Arial" panose="020B0604020202020204" pitchFamily="34" charset="0"/>
+              <a:buChar char="•"/>
+              <a:defRPr sz="1000"/>
+            </a:lvl5pPr>
+            <a:lvl6pPr marL="2514600" indent="-228600" defTabSz="914400" latinLnBrk="1">
+              <a:lnSpc>
+                <a:spcPct val="90000"/>
+              </a:lnSpc>
+              <a:spcBef>
+                <a:spcPts val="500"/>
+              </a:spcBef>
+              <a:buFont typeface="Arial" panose="020B0604020202020204" pitchFamily="34" charset="0"/>
+              <a:buChar char="•"/>
+            </a:lvl6pPr>
+            <a:lvl7pPr marL="2971800" indent="-228600" defTabSz="914400" latinLnBrk="1">
+              <a:lnSpc>
+                <a:spcPct val="90000"/>
+              </a:lnSpc>
+              <a:spcBef>
+                <a:spcPts val="500"/>
+              </a:spcBef>
+              <a:buFont typeface="Arial" panose="020B0604020202020204" pitchFamily="34" charset="0"/>
+              <a:buChar char="•"/>
+            </a:lvl7pPr>
+            <a:lvl8pPr marL="3429000" indent="-228600" defTabSz="914400" latinLnBrk="1">
+              <a:lnSpc>
+                <a:spcPct val="90000"/>
+              </a:lnSpc>
+              <a:spcBef>
+                <a:spcPts val="500"/>
+              </a:spcBef>
+              <a:buFont typeface="Arial" panose="020B0604020202020204" pitchFamily="34" charset="0"/>
+              <a:buChar char="•"/>
+            </a:lvl8pPr>
+            <a:lvl9pPr marL="3886200" indent="-228600" defTabSz="914400" latinLnBrk="1">
+              <a:lnSpc>
+                <a:spcPct val="90000"/>
+              </a:lnSpc>
+              <a:spcBef>
+                <a:spcPts val="500"/>
+              </a:spcBef>
+              <a:buFont typeface="Arial" panose="020B0604020202020204" pitchFamily="34" charset="0"/>
+              <a:buChar char="•"/>
+            </a:lvl9pPr>
+          </a:lstStyle>
+          <a:p>
+            <a:r>
+              <a:rPr lang="ko-KR" altLang="en-US" dirty="0" err="1" smtClean="0"/>
+              <a:t>협업환경</a:t>
+            </a:r>
+            <a:r>
+              <a:rPr lang="ko-KR" altLang="en-US" dirty="0" smtClean="0"/>
+              <a:t> 구성하기</a:t>
+            </a:r>
+            <a:endParaRPr lang="en-US" altLang="ko-KR" dirty="0"/>
+          </a:p>
+          <a:p>
+            <a:pPr lvl="1"/>
+            <a:r>
+              <a:rPr lang="en-US" altLang="ko-KR" dirty="0" smtClean="0"/>
+              <a:t>Settings - &gt; manage Access </a:t>
+            </a:r>
+          </a:p>
+          <a:p>
+            <a:pPr lvl="1"/>
+            <a:r>
+              <a:rPr lang="en-US" altLang="ko-KR" dirty="0" err="1" smtClean="0"/>
+              <a:t>Github</a:t>
+            </a:r>
+            <a:r>
+              <a:rPr lang="ko-KR" altLang="en-US" dirty="0" smtClean="0"/>
+              <a:t>상에서 </a:t>
+            </a:r>
+            <a:r>
+              <a:rPr lang="en-US" altLang="ko-KR" dirty="0" smtClean="0"/>
+              <a:t>id</a:t>
+            </a:r>
+            <a:r>
+              <a:rPr lang="ko-KR" altLang="en-US" dirty="0" smtClean="0"/>
+              <a:t>를 기입 </a:t>
+            </a:r>
+            <a:r>
+              <a:rPr lang="en-US" altLang="ko-KR" dirty="0" smtClean="0"/>
+              <a:t>-&gt; </a:t>
+            </a:r>
+            <a:r>
+              <a:rPr lang="ko-KR" altLang="en-US" dirty="0" err="1" smtClean="0"/>
+              <a:t>메일보냄</a:t>
+            </a:r>
+            <a:r>
+              <a:rPr lang="en-US" altLang="ko-KR" dirty="0" smtClean="0"/>
+              <a:t>. -&gt; </a:t>
+            </a:r>
+            <a:r>
+              <a:rPr lang="ko-KR" altLang="en-US" dirty="0" smtClean="0"/>
+              <a:t>메일 수락</a:t>
+            </a:r>
+            <a:r>
+              <a:rPr lang="en-US" altLang="ko-KR" dirty="0" smtClean="0"/>
+              <a:t>.(accept invitation)</a:t>
+            </a:r>
+          </a:p>
+          <a:p>
+            <a:pPr lvl="1"/>
+            <a:r>
+              <a:rPr lang="ko-KR" altLang="en-US" dirty="0" err="1" smtClean="0"/>
+              <a:t>못받는</a:t>
+            </a:r>
+            <a:r>
+              <a:rPr lang="ko-KR" altLang="en-US" dirty="0" smtClean="0"/>
+              <a:t> 것을 대비하여 </a:t>
+            </a:r>
+            <a:r>
+              <a:rPr lang="en-US" altLang="ko-KR" dirty="0" smtClean="0"/>
+              <a:t>copy invite </a:t>
+            </a:r>
+            <a:r>
+              <a:rPr lang="ko-KR" altLang="en-US" dirty="0" smtClean="0"/>
+              <a:t>링크를 보낼 수 있음</a:t>
+            </a:r>
+            <a:r>
+              <a:rPr lang="en-US" altLang="ko-KR" dirty="0" smtClean="0"/>
+              <a:t>.</a:t>
+            </a:r>
+          </a:p>
+          <a:p>
+            <a:pPr lvl="1"/>
+            <a:r>
+              <a:rPr lang="ko-KR" altLang="en-US" dirty="0" err="1" smtClean="0"/>
+              <a:t>권한선택</a:t>
+            </a:r>
+            <a:r>
+              <a:rPr lang="ko-KR" altLang="en-US" dirty="0" smtClean="0"/>
+              <a:t> </a:t>
+            </a:r>
+            <a:r>
+              <a:rPr lang="en-US" altLang="ko-KR" dirty="0" smtClean="0"/>
+              <a:t>: admin, write, read</a:t>
+            </a:r>
+          </a:p>
+          <a:p>
+            <a:pPr lvl="1"/>
+            <a:r>
+              <a:rPr lang="ko-KR" altLang="en-US" dirty="0" smtClean="0"/>
+              <a:t>인증을 받지 않으면 다운로드는 할 </a:t>
+            </a:r>
+            <a:r>
+              <a:rPr lang="ko-KR" altLang="en-US" dirty="0" err="1" smtClean="0"/>
+              <a:t>수있으나</a:t>
+            </a:r>
+            <a:r>
+              <a:rPr lang="ko-KR" altLang="en-US" dirty="0" smtClean="0"/>
+              <a:t> </a:t>
+            </a:r>
+            <a:r>
+              <a:rPr lang="en-US" altLang="ko-KR" dirty="0" smtClean="0"/>
+              <a:t>push</a:t>
+            </a:r>
+            <a:r>
+              <a:rPr lang="ko-KR" altLang="en-US" dirty="0" smtClean="0"/>
+              <a:t>는 안됨</a:t>
+            </a:r>
+            <a:endParaRPr lang="en-US" altLang="ko-KR" dirty="0" smtClean="0"/>
+          </a:p>
+        </p:txBody>
+      </p:sp>
+    </p:spTree>
+    <p:extLst>
+      <p:ext uri="{BB962C8B-B14F-4D97-AF65-F5344CB8AC3E}">
+        <p14:creationId xmlns:p14="http://schemas.microsoft.com/office/powerpoint/2010/main" val="3423696766"/>
+      </p:ext>
+    </p:extLst>
+  </p:cSld>
+  <p:clrMapOvr>
+    <a:masterClrMapping/>
+  </p:clrMapOvr>
+</p:sld>
+</file>
+
+<file path=ppt/slides/slide26.xml><?xml version="1.0" encoding="utf-8"?>
+<p:sld xmlns:a="http://schemas.openxmlformats.org/drawingml/2006/main" xmlns:r="http://schemas.openxmlformats.org/officeDocument/2006/relationships" xmlns:p="http://schemas.openxmlformats.org/presentationml/2006/main">
+  <p:cSld>
+    <p:spTree>
+      <p:nvGrpSpPr>
+        <p:cNvPr id="1" name=""/>
+        <p:cNvGrpSpPr/>
+        <p:nvPr/>
+      </p:nvGrpSpPr>
+      <p:grpSpPr>
+        <a:xfrm>
+          <a:off x="0" y="0"/>
+          <a:ext cx="0" cy="0"/>
+          <a:chOff x="0" y="0"/>
+          <a:chExt cx="0" cy="0"/>
+        </a:xfrm>
+      </p:grpSpPr>
+      <p:sp>
+        <p:nvSpPr>
+          <p:cNvPr id="4" name="제목 3">
+            <a:extLst>
+              <a:ext uri="{FF2B5EF4-FFF2-40B4-BE49-F238E27FC236}">
+                <a16:creationId xmlns:a16="http://schemas.microsoft.com/office/drawing/2014/main" id="{F0CEB32B-CB43-4410-BA08-A97E4BC47FCB}"/>
+              </a:ext>
+            </a:extLst>
+          </p:cNvPr>
+          <p:cNvSpPr>
+            <a:spLocks noGrp="1"/>
+          </p:cNvSpPr>
+          <p:nvPr>
+            <p:ph type="title"/>
+          </p:nvPr>
+        </p:nvSpPr>
+        <p:spPr/>
+        <p:txBody>
+          <a:bodyPr/>
+          <a:lstStyle/>
+          <a:p>
+            <a:r>
+              <a:rPr lang="ko-KR" altLang="en-US" dirty="0" smtClean="0"/>
+              <a:t>협업하기</a:t>
+            </a:r>
+            <a:endParaRPr lang="ko-KR" altLang="en-US" dirty="0"/>
+          </a:p>
+        </p:txBody>
+      </p:sp>
+      <p:sp>
+        <p:nvSpPr>
+          <p:cNvPr id="5" name="내용 개체 틀 2">
+            <a:extLst>
+              <a:ext uri="{FF2B5EF4-FFF2-40B4-BE49-F238E27FC236}">
+                <a16:creationId xmlns:a16="http://schemas.microsoft.com/office/drawing/2014/main" id="{A44AC902-3746-40D6-9827-94B46EEDDC67}"/>
+              </a:ext>
+            </a:extLst>
+          </p:cNvPr>
+          <p:cNvSpPr txBox="1">
+            <a:spLocks/>
+          </p:cNvSpPr>
+          <p:nvPr/>
+        </p:nvSpPr>
+        <p:spPr>
+          <a:xfrm>
+            <a:off x="341786" y="1120544"/>
+            <a:ext cx="4054367" cy="2348370"/>
+          </a:xfrm>
+          <a:prstGeom prst="rect">
+            <a:avLst/>
+          </a:prstGeom>
+        </p:spPr>
+        <p:txBody>
+          <a:bodyPr vert="horz" lIns="91440" tIns="45720" rIns="91440" bIns="45720" rtlCol="0">
+            <a:noAutofit/>
+          </a:bodyPr>
+          <a:lstStyle>
+            <a:lvl1pPr marL="266700" indent="-266700" defTabSz="914400" latinLnBrk="1">
+              <a:lnSpc>
+                <a:spcPct val="150000"/>
+              </a:lnSpc>
+              <a:spcBef>
+                <a:spcPct val="0"/>
+              </a:spcBef>
+              <a:buClr>
+                <a:schemeClr val="tx1">
+                  <a:lumMod val="65000"/>
+                  <a:lumOff val="35000"/>
+                </a:schemeClr>
+              </a:buClr>
+              <a:buFont typeface="Wingdings" pitchFamily="2" charset="2"/>
+              <a:buChar char="n"/>
+              <a:defRPr sz="2000" b="1">
+                <a:latin typeface="+mn-ea"/>
+              </a:defRPr>
+            </a:lvl1pPr>
+            <a:lvl2pPr marL="447675" lvl="1" indent="-180975" defTabSz="914400" latinLnBrk="1">
+              <a:lnSpc>
+                <a:spcPct val="150000"/>
+              </a:lnSpc>
+              <a:spcBef>
+                <a:spcPts val="0"/>
+              </a:spcBef>
+              <a:spcAft>
+                <a:spcPts val="0"/>
+              </a:spcAft>
+              <a:buClr>
+                <a:schemeClr val="tx1">
+                  <a:lumMod val="50000"/>
+                  <a:lumOff val="50000"/>
+                </a:schemeClr>
+              </a:buClr>
+              <a:buFont typeface="Wingdings" pitchFamily="2" charset="2"/>
+              <a:buChar char="§"/>
+              <a:defRPr sz="1600"/>
+            </a:lvl2pPr>
+            <a:lvl3pPr marL="628650" indent="-180975" defTabSz="914400" latinLnBrk="1">
+              <a:lnSpc>
+                <a:spcPct val="150000"/>
+              </a:lnSpc>
+              <a:spcBef>
+                <a:spcPts val="500"/>
+              </a:spcBef>
+              <a:spcAft>
+                <a:spcPts val="300"/>
+              </a:spcAft>
+              <a:buClr>
+                <a:schemeClr val="tx1">
+                  <a:lumMod val="65000"/>
+                  <a:lumOff val="35000"/>
+                </a:schemeClr>
+              </a:buClr>
+              <a:buFont typeface="Arial" panose="020B0604020202020204" pitchFamily="34" charset="0"/>
+              <a:buChar char="•"/>
+              <a:defRPr sz="1400"/>
+            </a:lvl3pPr>
+            <a:lvl4pPr marL="809625" indent="-180975" defTabSz="914400" latinLnBrk="1">
+              <a:lnSpc>
+                <a:spcPct val="150000"/>
+              </a:lnSpc>
+              <a:spcBef>
+                <a:spcPts val="500"/>
+              </a:spcBef>
+              <a:spcAft>
+                <a:spcPts val="300"/>
+              </a:spcAft>
+              <a:buClr>
+                <a:schemeClr val="tx1">
+                  <a:lumMod val="65000"/>
+                  <a:lumOff val="35000"/>
+                </a:schemeClr>
+              </a:buClr>
+              <a:buSzPct val="96000"/>
+              <a:buFont typeface="Arial" panose="020B0604020202020204" pitchFamily="34" charset="0"/>
+              <a:buChar char="•"/>
+              <a:defRPr sz="1200"/>
+            </a:lvl4pPr>
+            <a:lvl5pPr marL="990600" indent="-180975" defTabSz="914400" latinLnBrk="1">
+              <a:lnSpc>
+                <a:spcPct val="150000"/>
+              </a:lnSpc>
+              <a:spcBef>
+                <a:spcPts val="500"/>
+              </a:spcBef>
+              <a:buClr>
+                <a:schemeClr val="tx1">
+                  <a:lumMod val="65000"/>
+                  <a:lumOff val="35000"/>
+                </a:schemeClr>
+              </a:buClr>
+              <a:buFont typeface="Arial" panose="020B0604020202020204" pitchFamily="34" charset="0"/>
+              <a:buChar char="•"/>
+              <a:defRPr sz="1000"/>
+            </a:lvl5pPr>
+            <a:lvl6pPr marL="2514600" indent="-228600" defTabSz="914400" latinLnBrk="1">
+              <a:lnSpc>
+                <a:spcPct val="90000"/>
+              </a:lnSpc>
+              <a:spcBef>
+                <a:spcPts val="500"/>
+              </a:spcBef>
+              <a:buFont typeface="Arial" panose="020B0604020202020204" pitchFamily="34" charset="0"/>
+              <a:buChar char="•"/>
+            </a:lvl6pPr>
+            <a:lvl7pPr marL="2971800" indent="-228600" defTabSz="914400" latinLnBrk="1">
+              <a:lnSpc>
+                <a:spcPct val="90000"/>
+              </a:lnSpc>
+              <a:spcBef>
+                <a:spcPts val="500"/>
+              </a:spcBef>
+              <a:buFont typeface="Arial" panose="020B0604020202020204" pitchFamily="34" charset="0"/>
+              <a:buChar char="•"/>
+            </a:lvl7pPr>
+            <a:lvl8pPr marL="3429000" indent="-228600" defTabSz="914400" latinLnBrk="1">
+              <a:lnSpc>
+                <a:spcPct val="90000"/>
+              </a:lnSpc>
+              <a:spcBef>
+                <a:spcPts val="500"/>
+              </a:spcBef>
+              <a:buFont typeface="Arial" panose="020B0604020202020204" pitchFamily="34" charset="0"/>
+              <a:buChar char="•"/>
+            </a:lvl8pPr>
+            <a:lvl9pPr marL="3886200" indent="-228600" defTabSz="914400" latinLnBrk="1">
+              <a:lnSpc>
+                <a:spcPct val="90000"/>
+              </a:lnSpc>
+              <a:spcBef>
+                <a:spcPts val="500"/>
+              </a:spcBef>
+              <a:buFont typeface="Arial" panose="020B0604020202020204" pitchFamily="34" charset="0"/>
+              <a:buChar char="•"/>
+            </a:lvl9pPr>
+          </a:lstStyle>
+          <a:p>
+            <a:r>
+              <a:rPr lang="en-US" altLang="ko-KR" dirty="0" smtClean="0"/>
+              <a:t>Leader</a:t>
+            </a:r>
+            <a:endParaRPr lang="en-US" altLang="ko-KR" dirty="0"/>
+          </a:p>
+          <a:p>
+            <a:pPr marL="441325" lvl="1" indent="-174625">
+              <a:buAutoNum type="arabicPeriod"/>
+            </a:pPr>
+            <a:r>
+              <a:rPr lang="en-US" altLang="ko-KR" dirty="0" smtClean="0"/>
+              <a:t>File </a:t>
+            </a:r>
+            <a:r>
+              <a:rPr lang="ko-KR" altLang="en-US" dirty="0" smtClean="0"/>
+              <a:t>만들고 </a:t>
+            </a:r>
+            <a:r>
+              <a:rPr lang="en-US" altLang="ko-KR" dirty="0" err="1" smtClean="0"/>
+              <a:t>add.remote</a:t>
+            </a:r>
+            <a:r>
+              <a:rPr lang="en-US" altLang="ko-KR" dirty="0" smtClean="0"/>
+              <a:t>, push “work1”</a:t>
+            </a:r>
+          </a:p>
+          <a:p>
+            <a:pPr marL="441325" lvl="1" indent="-174625">
+              <a:buAutoNum type="arabicPeriod"/>
+            </a:pPr>
+            <a:endParaRPr lang="en-US" altLang="ko-KR" dirty="0"/>
+          </a:p>
+          <a:p>
+            <a:pPr marL="441325" lvl="1" indent="-174625">
+              <a:buAutoNum type="arabicPeriod"/>
+            </a:pPr>
+            <a:endParaRPr lang="en-US" altLang="ko-KR" dirty="0" smtClean="0"/>
+          </a:p>
+          <a:p>
+            <a:pPr marL="441325" lvl="1" indent="-174625">
+              <a:buAutoNum type="arabicPeriod"/>
+            </a:pPr>
+            <a:endParaRPr lang="en-US" altLang="ko-KR" dirty="0"/>
+          </a:p>
+          <a:p>
+            <a:pPr marL="441325" lvl="1" indent="-174625">
+              <a:buAutoNum type="arabicPeriod"/>
+            </a:pPr>
+            <a:endParaRPr lang="en-US" altLang="ko-KR" dirty="0" smtClean="0"/>
+          </a:p>
+          <a:p>
+            <a:pPr marL="441325" lvl="1" indent="-174625">
+              <a:buAutoNum type="arabicPeriod"/>
+            </a:pPr>
+            <a:endParaRPr lang="en-US" altLang="ko-KR" dirty="0" smtClean="0"/>
+          </a:p>
+          <a:p>
+            <a:pPr marL="266700" lvl="1" indent="0">
+              <a:buNone/>
+            </a:pPr>
+            <a:r>
+              <a:rPr lang="en-US" altLang="ko-KR" dirty="0" smtClean="0"/>
+              <a:t>5.Git pull</a:t>
+            </a:r>
+            <a:r>
+              <a:rPr lang="ko-KR" altLang="en-US" dirty="0" smtClean="0"/>
+              <a:t>을</a:t>
+            </a:r>
+            <a:r>
+              <a:rPr lang="en-US" altLang="ko-KR" dirty="0" smtClean="0"/>
+              <a:t> </a:t>
+            </a:r>
+            <a:r>
+              <a:rPr lang="ko-KR" altLang="en-US" dirty="0" smtClean="0"/>
+              <a:t>하고 작업</a:t>
+            </a:r>
+            <a:endParaRPr lang="en-US" altLang="ko-KR" dirty="0" smtClean="0"/>
+          </a:p>
+          <a:p>
+            <a:pPr marL="266700" lvl="1" indent="0">
+              <a:buNone/>
+            </a:pPr>
+            <a:r>
+              <a:rPr lang="ko-KR" altLang="en-US" dirty="0" smtClean="0"/>
+              <a:t>좌우 </a:t>
+            </a:r>
+            <a:r>
+              <a:rPr lang="en-US" altLang="ko-KR" dirty="0" smtClean="0"/>
+              <a:t>version</a:t>
+            </a:r>
+            <a:r>
+              <a:rPr lang="ko-KR" altLang="en-US" dirty="0" smtClean="0"/>
+              <a:t>이</a:t>
+            </a:r>
+            <a:r>
+              <a:rPr lang="en-US" altLang="ko-KR" dirty="0" smtClean="0"/>
+              <a:t> </a:t>
+            </a:r>
+            <a:r>
+              <a:rPr lang="ko-KR" altLang="en-US" dirty="0" smtClean="0"/>
+              <a:t>같음 </a:t>
+            </a:r>
+            <a:r>
+              <a:rPr lang="en-US" altLang="ko-KR" dirty="0" smtClean="0"/>
+              <a:t>(</a:t>
+            </a:r>
+            <a:r>
+              <a:rPr lang="ko-KR" altLang="en-US" dirty="0" smtClean="0"/>
+              <a:t>여기서 </a:t>
+            </a:r>
+            <a:r>
+              <a:rPr lang="en-US" altLang="ko-KR" dirty="0" err="1" smtClean="0"/>
+              <a:t>leade</a:t>
+            </a:r>
+            <a:r>
+              <a:rPr lang="ko-KR" altLang="en-US" dirty="0" smtClean="0"/>
+              <a:t>화면과 </a:t>
+            </a:r>
+            <a:r>
+              <a:rPr lang="en-US" altLang="ko-KR" dirty="0" smtClean="0"/>
+              <a:t>collaborator </a:t>
+            </a:r>
+            <a:r>
+              <a:rPr lang="ko-KR" altLang="en-US" dirty="0" smtClean="0"/>
+              <a:t>화면 </a:t>
+            </a:r>
+            <a:r>
+              <a:rPr lang="en-US" altLang="ko-KR" dirty="0" err="1" smtClean="0"/>
+              <a:t>git</a:t>
+            </a:r>
+            <a:r>
+              <a:rPr lang="en-US" altLang="ko-KR" dirty="0" smtClean="0"/>
+              <a:t> log</a:t>
+            </a:r>
+            <a:r>
+              <a:rPr lang="ko-KR" altLang="en-US" dirty="0" smtClean="0"/>
+              <a:t>화면 비교</a:t>
+            </a:r>
+            <a:r>
+              <a:rPr lang="en-US" altLang="ko-KR" dirty="0" smtClean="0"/>
+              <a:t>)</a:t>
+            </a:r>
+          </a:p>
+          <a:p>
+            <a:pPr marL="266700" lvl="1" indent="0">
+              <a:buNone/>
+            </a:pPr>
+            <a:r>
+              <a:rPr lang="en-US" altLang="ko-KR" dirty="0"/>
+              <a:t> </a:t>
+            </a:r>
+            <a:r>
+              <a:rPr lang="en-US" altLang="ko-KR" dirty="0" smtClean="0"/>
+              <a:t> - </a:t>
+            </a:r>
+            <a:r>
+              <a:rPr lang="ko-KR" altLang="en-US" dirty="0" smtClean="0"/>
+              <a:t>가능하면 </a:t>
+            </a:r>
+            <a:r>
+              <a:rPr lang="ko-KR" altLang="en-US" dirty="0" err="1" smtClean="0"/>
+              <a:t>작업전</a:t>
+            </a:r>
+            <a:r>
+              <a:rPr lang="ko-KR" altLang="en-US" dirty="0" smtClean="0"/>
+              <a:t> </a:t>
+            </a:r>
+            <a:r>
+              <a:rPr lang="en-US" altLang="ko-KR" dirty="0" smtClean="0"/>
+              <a:t>pull </a:t>
+            </a:r>
+            <a:r>
+              <a:rPr lang="ko-KR" altLang="en-US" dirty="0" smtClean="0"/>
+              <a:t>비교 작업하고 </a:t>
+            </a:r>
+            <a:r>
+              <a:rPr lang="en-US" altLang="ko-KR" dirty="0" smtClean="0"/>
+              <a:t>push </a:t>
+            </a:r>
+            <a:r>
+              <a:rPr lang="ko-KR" altLang="en-US" dirty="0" smtClean="0"/>
+              <a:t>자주 하도록</a:t>
+            </a:r>
+            <a:endParaRPr lang="en-US" altLang="ko-KR" dirty="0" smtClean="0"/>
+          </a:p>
+          <a:p>
+            <a:pPr lvl="1"/>
+            <a:endParaRPr lang="en-US" altLang="ko-KR" dirty="0" smtClean="0"/>
+          </a:p>
+        </p:txBody>
+      </p:sp>
+      <p:sp>
+        <p:nvSpPr>
+          <p:cNvPr id="6" name="내용 개체 틀 2">
+            <a:extLst>
+              <a:ext uri="{FF2B5EF4-FFF2-40B4-BE49-F238E27FC236}">
+                <a16:creationId xmlns:a16="http://schemas.microsoft.com/office/drawing/2014/main" id="{A44AC902-3746-40D6-9827-94B46EEDDC67}"/>
+              </a:ext>
+            </a:extLst>
+          </p:cNvPr>
+          <p:cNvSpPr txBox="1">
+            <a:spLocks/>
+          </p:cNvSpPr>
+          <p:nvPr/>
+        </p:nvSpPr>
+        <p:spPr>
+          <a:xfrm>
+            <a:off x="4681557" y="1120543"/>
+            <a:ext cx="4274873" cy="3967271"/>
+          </a:xfrm>
+          <a:prstGeom prst="rect">
+            <a:avLst/>
+          </a:prstGeom>
+        </p:spPr>
+        <p:txBody>
+          <a:bodyPr vert="horz" lIns="91440" tIns="45720" rIns="91440" bIns="45720" rtlCol="0">
+            <a:noAutofit/>
+          </a:bodyPr>
+          <a:lstStyle>
+            <a:lvl1pPr marL="266700" indent="-266700" defTabSz="914400" latinLnBrk="1">
+              <a:lnSpc>
+                <a:spcPct val="150000"/>
+              </a:lnSpc>
+              <a:spcBef>
+                <a:spcPct val="0"/>
+              </a:spcBef>
+              <a:buClr>
+                <a:schemeClr val="tx1">
+                  <a:lumMod val="65000"/>
+                  <a:lumOff val="35000"/>
+                </a:schemeClr>
+              </a:buClr>
+              <a:buFont typeface="Wingdings" pitchFamily="2" charset="2"/>
+              <a:buChar char="n"/>
+              <a:defRPr sz="2000" b="1">
+                <a:latin typeface="+mn-ea"/>
+              </a:defRPr>
+            </a:lvl1pPr>
+            <a:lvl2pPr marL="447675" lvl="1" indent="-180975" defTabSz="914400" latinLnBrk="1">
+              <a:lnSpc>
+                <a:spcPct val="150000"/>
+              </a:lnSpc>
+              <a:spcBef>
+                <a:spcPts val="0"/>
+              </a:spcBef>
+              <a:spcAft>
+                <a:spcPts val="0"/>
+              </a:spcAft>
+              <a:buClr>
+                <a:schemeClr val="tx1">
+                  <a:lumMod val="50000"/>
+                  <a:lumOff val="50000"/>
+                </a:schemeClr>
+              </a:buClr>
+              <a:buFont typeface="Wingdings" pitchFamily="2" charset="2"/>
+              <a:buChar char="§"/>
+              <a:defRPr sz="1600"/>
+            </a:lvl2pPr>
+            <a:lvl3pPr marL="628650" indent="-180975" defTabSz="914400" latinLnBrk="1">
+              <a:lnSpc>
+                <a:spcPct val="150000"/>
+              </a:lnSpc>
+              <a:spcBef>
+                <a:spcPts val="500"/>
+              </a:spcBef>
+              <a:spcAft>
+                <a:spcPts val="300"/>
+              </a:spcAft>
+              <a:buClr>
+                <a:schemeClr val="tx1">
+                  <a:lumMod val="65000"/>
+                  <a:lumOff val="35000"/>
+                </a:schemeClr>
+              </a:buClr>
+              <a:buFont typeface="Arial" panose="020B0604020202020204" pitchFamily="34" charset="0"/>
+              <a:buChar char="•"/>
+              <a:defRPr sz="1400"/>
+            </a:lvl3pPr>
+            <a:lvl4pPr marL="809625" indent="-180975" defTabSz="914400" latinLnBrk="1">
+              <a:lnSpc>
+                <a:spcPct val="150000"/>
+              </a:lnSpc>
+              <a:spcBef>
+                <a:spcPts val="500"/>
+              </a:spcBef>
+              <a:spcAft>
+                <a:spcPts val="300"/>
+              </a:spcAft>
+              <a:buClr>
+                <a:schemeClr val="tx1">
+                  <a:lumMod val="65000"/>
+                  <a:lumOff val="35000"/>
+                </a:schemeClr>
+              </a:buClr>
+              <a:buSzPct val="96000"/>
+              <a:buFont typeface="Arial" panose="020B0604020202020204" pitchFamily="34" charset="0"/>
+              <a:buChar char="•"/>
+              <a:defRPr sz="1200"/>
+            </a:lvl4pPr>
+            <a:lvl5pPr marL="990600" indent="-180975" defTabSz="914400" latinLnBrk="1">
+              <a:lnSpc>
+                <a:spcPct val="150000"/>
+              </a:lnSpc>
+              <a:spcBef>
+                <a:spcPts val="500"/>
+              </a:spcBef>
+              <a:buClr>
+                <a:schemeClr val="tx1">
+                  <a:lumMod val="65000"/>
+                  <a:lumOff val="35000"/>
+                </a:schemeClr>
+              </a:buClr>
+              <a:buFont typeface="Arial" panose="020B0604020202020204" pitchFamily="34" charset="0"/>
+              <a:buChar char="•"/>
+              <a:defRPr sz="1000"/>
+            </a:lvl5pPr>
+            <a:lvl6pPr marL="2514600" indent="-228600" defTabSz="914400" latinLnBrk="1">
+              <a:lnSpc>
+                <a:spcPct val="90000"/>
+              </a:lnSpc>
+              <a:spcBef>
+                <a:spcPts val="500"/>
+              </a:spcBef>
+              <a:buFont typeface="Arial" panose="020B0604020202020204" pitchFamily="34" charset="0"/>
+              <a:buChar char="•"/>
+            </a:lvl6pPr>
+            <a:lvl7pPr marL="2971800" indent="-228600" defTabSz="914400" latinLnBrk="1">
+              <a:lnSpc>
+                <a:spcPct val="90000"/>
+              </a:lnSpc>
+              <a:spcBef>
+                <a:spcPts val="500"/>
+              </a:spcBef>
+              <a:buFont typeface="Arial" panose="020B0604020202020204" pitchFamily="34" charset="0"/>
+              <a:buChar char="•"/>
+            </a:lvl7pPr>
+            <a:lvl8pPr marL="3429000" indent="-228600" defTabSz="914400" latinLnBrk="1">
+              <a:lnSpc>
+                <a:spcPct val="90000"/>
+              </a:lnSpc>
+              <a:spcBef>
+                <a:spcPts val="500"/>
+              </a:spcBef>
+              <a:buFont typeface="Arial" panose="020B0604020202020204" pitchFamily="34" charset="0"/>
+              <a:buChar char="•"/>
+            </a:lvl8pPr>
+            <a:lvl9pPr marL="3886200" indent="-228600" defTabSz="914400" latinLnBrk="1">
+              <a:lnSpc>
+                <a:spcPct val="90000"/>
+              </a:lnSpc>
+              <a:spcBef>
+                <a:spcPts val="500"/>
+              </a:spcBef>
+              <a:buFont typeface="Arial" panose="020B0604020202020204" pitchFamily="34" charset="0"/>
+              <a:buChar char="•"/>
+            </a:lvl9pPr>
+          </a:lstStyle>
+          <a:p>
+            <a:r>
+              <a:rPr lang="en-US" altLang="ko-KR" dirty="0" smtClean="0"/>
+              <a:t>Collaborator</a:t>
+            </a:r>
+            <a:endParaRPr lang="en-US" altLang="ko-KR" dirty="0"/>
+          </a:p>
+          <a:p>
+            <a:pPr marL="266700" lvl="1" indent="0">
+              <a:buNone/>
+            </a:pPr>
+            <a:r>
+              <a:rPr lang="en-US" altLang="ko-KR" dirty="0" smtClean="0"/>
+              <a:t>2. </a:t>
+            </a:r>
+            <a:r>
+              <a:rPr lang="en-US" altLang="ko-KR" dirty="0" err="1" smtClean="0"/>
+              <a:t>Git</a:t>
+            </a:r>
+            <a:r>
+              <a:rPr lang="en-US" altLang="ko-KR" dirty="0" smtClean="0"/>
+              <a:t> pull </a:t>
+            </a:r>
+            <a:r>
+              <a:rPr lang="en-US" altLang="ko-KR" dirty="0" err="1" smtClean="0"/>
+              <a:t>veriosn</a:t>
+            </a:r>
+            <a:r>
+              <a:rPr lang="en-US" altLang="ko-KR" dirty="0" smtClean="0"/>
+              <a:t> </a:t>
+            </a:r>
+            <a:r>
+              <a:rPr lang="ko-KR" altLang="en-US" dirty="0" smtClean="0"/>
+              <a:t>관리해야 하는데</a:t>
+            </a:r>
+            <a:r>
+              <a:rPr lang="en-US" altLang="ko-KR" dirty="0" smtClean="0"/>
+              <a:t>,</a:t>
+            </a:r>
+          </a:p>
+          <a:p>
+            <a:pPr marL="266700" lvl="1" indent="0">
+              <a:buNone/>
+            </a:pPr>
+            <a:r>
+              <a:rPr lang="en-US" altLang="ko-KR" dirty="0" smtClean="0"/>
+              <a:t>     </a:t>
+            </a:r>
+            <a:r>
+              <a:rPr lang="ko-KR" altLang="en-US" dirty="0" smtClean="0"/>
+              <a:t>리더와 동시에 같은 파일 수정하고</a:t>
+            </a:r>
+            <a:endParaRPr lang="en-US" altLang="ko-KR" dirty="0" smtClean="0"/>
+          </a:p>
+          <a:p>
+            <a:pPr marL="266700" lvl="1" indent="0">
+              <a:buNone/>
+            </a:pPr>
+            <a:r>
+              <a:rPr lang="en-US" altLang="ko-KR" dirty="0"/>
+              <a:t> </a:t>
+            </a:r>
+            <a:r>
+              <a:rPr lang="en-US" altLang="ko-KR" dirty="0" smtClean="0"/>
+              <a:t>    push (-m ‘work2”)</a:t>
+            </a:r>
+            <a:r>
+              <a:rPr lang="ko-KR" altLang="en-US" dirty="0" smtClean="0"/>
+              <a:t>하면</a:t>
+            </a:r>
+            <a:r>
+              <a:rPr lang="en-US" altLang="ko-KR" dirty="0" smtClean="0"/>
+              <a:t>, </a:t>
+            </a:r>
+            <a:r>
+              <a:rPr lang="en-US" altLang="ko-KR" dirty="0" err="1" smtClean="0"/>
+              <a:t>github</a:t>
+            </a:r>
+            <a:r>
+              <a:rPr lang="ko-KR" altLang="en-US" dirty="0" smtClean="0"/>
+              <a:t>가</a:t>
+            </a:r>
+            <a:r>
+              <a:rPr lang="en-US" altLang="ko-KR" dirty="0" smtClean="0"/>
+              <a:t> reject </a:t>
+            </a:r>
+            <a:r>
+              <a:rPr lang="ko-KR" altLang="en-US" dirty="0" smtClean="0"/>
+              <a:t>메시지보내옴</a:t>
+            </a:r>
+            <a:r>
+              <a:rPr lang="en-US" altLang="ko-KR" dirty="0" smtClean="0"/>
+              <a:t>.</a:t>
+            </a:r>
+          </a:p>
+          <a:p>
+            <a:pPr marL="266700" lvl="1" indent="0">
+              <a:buNone/>
+            </a:pPr>
+            <a:r>
+              <a:rPr lang="en-US" altLang="ko-KR" dirty="0" smtClean="0"/>
+              <a:t>3. </a:t>
+            </a:r>
+            <a:r>
+              <a:rPr lang="ko-KR" altLang="en-US" dirty="0" smtClean="0"/>
+              <a:t>파일 확인하고 수정</a:t>
+            </a:r>
+            <a:endParaRPr lang="en-US" altLang="ko-KR" dirty="0" smtClean="0"/>
+          </a:p>
+          <a:p>
+            <a:pPr marL="266700" lvl="1" indent="0">
+              <a:buNone/>
+            </a:pPr>
+            <a:r>
+              <a:rPr lang="en-US" altLang="ko-KR" dirty="0" smtClean="0"/>
+              <a:t>4. Add commit –m </a:t>
+            </a:r>
+            <a:r>
+              <a:rPr lang="ko-KR" altLang="en-US" dirty="0" smtClean="0"/>
+              <a:t>없이 하면 자동으로 메시지를 만들어 줌 </a:t>
+            </a:r>
+            <a:r>
+              <a:rPr lang="en-US" altLang="ko-KR" dirty="0" smtClean="0"/>
+              <a:t>-&gt; status, log</a:t>
+            </a:r>
+            <a:r>
+              <a:rPr lang="ko-KR" altLang="en-US" dirty="0" smtClean="0"/>
+              <a:t>확인후 </a:t>
+            </a:r>
+            <a:r>
+              <a:rPr lang="en-US" altLang="ko-KR" dirty="0" smtClean="0"/>
+              <a:t>push</a:t>
+            </a:r>
+          </a:p>
+          <a:p>
+            <a:pPr marL="266700" lvl="1" indent="0">
+              <a:buNone/>
+            </a:pPr>
+            <a:r>
+              <a:rPr lang="en-US" altLang="ko-KR" dirty="0" err="1" smtClean="0">
+                <a:solidFill>
+                  <a:srgbClr val="FF0000"/>
+                </a:solidFill>
+              </a:rPr>
+              <a:t>Git</a:t>
+            </a:r>
+            <a:r>
+              <a:rPr lang="en-US" altLang="ko-KR" dirty="0">
+                <a:solidFill>
+                  <a:srgbClr val="FF0000"/>
+                </a:solidFill>
+              </a:rPr>
+              <a:t> </a:t>
+            </a:r>
+            <a:r>
+              <a:rPr lang="en-US" altLang="ko-KR" dirty="0" smtClean="0">
+                <a:solidFill>
+                  <a:srgbClr val="FF0000"/>
+                </a:solidFill>
+              </a:rPr>
+              <a:t>l?</a:t>
+            </a:r>
+          </a:p>
+          <a:p>
+            <a:pPr lvl="1"/>
+            <a:endParaRPr lang="en-US" altLang="ko-KR" dirty="0" smtClean="0"/>
+          </a:p>
+        </p:txBody>
+      </p:sp>
+    </p:spTree>
+    <p:extLst>
+      <p:ext uri="{BB962C8B-B14F-4D97-AF65-F5344CB8AC3E}">
+        <p14:creationId xmlns:p14="http://schemas.microsoft.com/office/powerpoint/2010/main" val="627789346"/>
+      </p:ext>
+    </p:extLst>
+  </p:cSld>
+  <p:clrMapOvr>
+    <a:masterClrMapping/>
+  </p:clrMapOvr>
+</p:sld>
+</file>
+
+<file path=ppt/slides/slide27.xml><?xml version="1.0" encoding="utf-8"?>
+<p:sld xmlns:a="http://schemas.openxmlformats.org/drawingml/2006/main" xmlns:r="http://schemas.openxmlformats.org/officeDocument/2006/relationships" xmlns:p="http://schemas.openxmlformats.org/presentationml/2006/main">
+  <p:cSld>
+    <p:spTree>
+      <p:nvGrpSpPr>
+        <p:cNvPr id="1" name=""/>
+        <p:cNvGrpSpPr/>
+        <p:nvPr/>
+      </p:nvGrpSpPr>
+      <p:grpSpPr>
+        <a:xfrm>
+          <a:off x="0" y="0"/>
+          <a:ext cx="0" cy="0"/>
+          <a:chOff x="0" y="0"/>
+          <a:chExt cx="0" cy="0"/>
+        </a:xfrm>
+      </p:grpSpPr>
+      <p:sp>
+        <p:nvSpPr>
+          <p:cNvPr id="4" name="제목 3">
+            <a:extLst>
+              <a:ext uri="{FF2B5EF4-FFF2-40B4-BE49-F238E27FC236}">
+                <a16:creationId xmlns:a16="http://schemas.microsoft.com/office/drawing/2014/main" id="{F0CEB32B-CB43-4410-BA08-A97E4BC47FCB}"/>
+              </a:ext>
+            </a:extLst>
+          </p:cNvPr>
+          <p:cNvSpPr>
+            <a:spLocks noGrp="1"/>
+          </p:cNvSpPr>
+          <p:nvPr>
+            <p:ph type="title"/>
+          </p:nvPr>
+        </p:nvSpPr>
+        <p:spPr/>
+        <p:txBody>
+          <a:bodyPr/>
+          <a:lstStyle/>
+          <a:p>
+            <a:r>
+              <a:rPr lang="ko-KR" altLang="en-US" dirty="0" smtClean="0"/>
+              <a:t>협업하기</a:t>
+            </a:r>
+            <a:endParaRPr lang="ko-KR" altLang="en-US" dirty="0"/>
+          </a:p>
+        </p:txBody>
+      </p:sp>
+      <p:sp>
+        <p:nvSpPr>
+          <p:cNvPr id="7" name="내용 개체 틀 2">
+            <a:extLst>
+              <a:ext uri="{FF2B5EF4-FFF2-40B4-BE49-F238E27FC236}">
+                <a16:creationId xmlns:a16="http://schemas.microsoft.com/office/drawing/2014/main" id="{A44AC902-3746-40D6-9827-94B46EEDDC67}"/>
+              </a:ext>
+            </a:extLst>
+          </p:cNvPr>
+          <p:cNvSpPr txBox="1">
+            <a:spLocks/>
+          </p:cNvSpPr>
+          <p:nvPr/>
+        </p:nvSpPr>
+        <p:spPr>
+          <a:xfrm>
+            <a:off x="341787" y="1120545"/>
+            <a:ext cx="8642350" cy="2351314"/>
+          </a:xfrm>
+          <a:prstGeom prst="rect">
+            <a:avLst/>
+          </a:prstGeom>
+        </p:spPr>
+        <p:txBody>
+          <a:bodyPr vert="horz" lIns="91440" tIns="45720" rIns="91440" bIns="45720" rtlCol="0">
+            <a:noAutofit/>
+          </a:bodyPr>
+          <a:lstStyle>
+            <a:lvl1pPr marL="266700" indent="-266700" defTabSz="914400" latinLnBrk="1">
+              <a:lnSpc>
+                <a:spcPct val="150000"/>
+              </a:lnSpc>
+              <a:spcBef>
+                <a:spcPct val="0"/>
+              </a:spcBef>
+              <a:buClr>
+                <a:schemeClr val="tx1">
+                  <a:lumMod val="65000"/>
+                  <a:lumOff val="35000"/>
+                </a:schemeClr>
+              </a:buClr>
+              <a:buFont typeface="Wingdings" pitchFamily="2" charset="2"/>
+              <a:buChar char="n"/>
+              <a:defRPr sz="2000" b="1">
+                <a:latin typeface="+mn-ea"/>
+              </a:defRPr>
+            </a:lvl1pPr>
+            <a:lvl2pPr marL="447675" lvl="1" indent="-180975" defTabSz="914400" latinLnBrk="1">
+              <a:lnSpc>
+                <a:spcPct val="150000"/>
+              </a:lnSpc>
+              <a:spcBef>
+                <a:spcPts val="0"/>
+              </a:spcBef>
+              <a:spcAft>
+                <a:spcPts val="0"/>
+              </a:spcAft>
+              <a:buClr>
+                <a:schemeClr val="tx1">
+                  <a:lumMod val="50000"/>
+                  <a:lumOff val="50000"/>
+                </a:schemeClr>
+              </a:buClr>
+              <a:buFont typeface="Wingdings" pitchFamily="2" charset="2"/>
+              <a:buChar char="§"/>
+              <a:defRPr sz="1600"/>
+            </a:lvl2pPr>
+            <a:lvl3pPr marL="628650" indent="-180975" defTabSz="914400" latinLnBrk="1">
+              <a:lnSpc>
+                <a:spcPct val="150000"/>
+              </a:lnSpc>
+              <a:spcBef>
+                <a:spcPts val="500"/>
+              </a:spcBef>
+              <a:spcAft>
+                <a:spcPts val="300"/>
+              </a:spcAft>
+              <a:buClr>
+                <a:schemeClr val="tx1">
+                  <a:lumMod val="65000"/>
+                  <a:lumOff val="35000"/>
+                </a:schemeClr>
+              </a:buClr>
+              <a:buFont typeface="Arial" panose="020B0604020202020204" pitchFamily="34" charset="0"/>
+              <a:buChar char="•"/>
+              <a:defRPr sz="1400"/>
+            </a:lvl3pPr>
+            <a:lvl4pPr marL="809625" indent="-180975" defTabSz="914400" latinLnBrk="1">
+              <a:lnSpc>
+                <a:spcPct val="150000"/>
+              </a:lnSpc>
+              <a:spcBef>
+                <a:spcPts val="500"/>
+              </a:spcBef>
+              <a:spcAft>
+                <a:spcPts val="300"/>
+              </a:spcAft>
+              <a:buClr>
+                <a:schemeClr val="tx1">
+                  <a:lumMod val="65000"/>
+                  <a:lumOff val="35000"/>
+                </a:schemeClr>
+              </a:buClr>
+              <a:buSzPct val="96000"/>
+              <a:buFont typeface="Arial" panose="020B0604020202020204" pitchFamily="34" charset="0"/>
+              <a:buChar char="•"/>
+              <a:defRPr sz="1200"/>
+            </a:lvl4pPr>
+            <a:lvl5pPr marL="990600" indent="-180975" defTabSz="914400" latinLnBrk="1">
+              <a:lnSpc>
+                <a:spcPct val="150000"/>
+              </a:lnSpc>
+              <a:spcBef>
+                <a:spcPts val="500"/>
+              </a:spcBef>
+              <a:buClr>
+                <a:schemeClr val="tx1">
+                  <a:lumMod val="65000"/>
+                  <a:lumOff val="35000"/>
+                </a:schemeClr>
+              </a:buClr>
+              <a:buFont typeface="Arial" panose="020B0604020202020204" pitchFamily="34" charset="0"/>
+              <a:buChar char="•"/>
+              <a:defRPr sz="1000"/>
+            </a:lvl5pPr>
+            <a:lvl6pPr marL="2514600" indent="-228600" defTabSz="914400" latinLnBrk="1">
+              <a:lnSpc>
+                <a:spcPct val="90000"/>
+              </a:lnSpc>
+              <a:spcBef>
+                <a:spcPts val="500"/>
+              </a:spcBef>
+              <a:buFont typeface="Arial" panose="020B0604020202020204" pitchFamily="34" charset="0"/>
+              <a:buChar char="•"/>
+            </a:lvl6pPr>
+            <a:lvl7pPr marL="2971800" indent="-228600" defTabSz="914400" latinLnBrk="1">
+              <a:lnSpc>
+                <a:spcPct val="90000"/>
+              </a:lnSpc>
+              <a:spcBef>
+                <a:spcPts val="500"/>
+              </a:spcBef>
+              <a:buFont typeface="Arial" panose="020B0604020202020204" pitchFamily="34" charset="0"/>
+              <a:buChar char="•"/>
+            </a:lvl7pPr>
+            <a:lvl8pPr marL="3429000" indent="-228600" defTabSz="914400" latinLnBrk="1">
+              <a:lnSpc>
+                <a:spcPct val="90000"/>
+              </a:lnSpc>
+              <a:spcBef>
+                <a:spcPts val="500"/>
+              </a:spcBef>
+              <a:buFont typeface="Arial" panose="020B0604020202020204" pitchFamily="34" charset="0"/>
+              <a:buChar char="•"/>
+            </a:lvl8pPr>
+            <a:lvl9pPr marL="3886200" indent="-228600" defTabSz="914400" latinLnBrk="1">
+              <a:lnSpc>
+                <a:spcPct val="90000"/>
+              </a:lnSpc>
+              <a:spcBef>
+                <a:spcPts val="500"/>
+              </a:spcBef>
+              <a:buFont typeface="Arial" panose="020B0604020202020204" pitchFamily="34" charset="0"/>
+              <a:buChar char="•"/>
+            </a:lvl9pPr>
+          </a:lstStyle>
+          <a:p>
+            <a:r>
+              <a:rPr lang="en-US" altLang="ko-KR" dirty="0" smtClean="0"/>
+              <a:t>Fetch </a:t>
+            </a:r>
+            <a:r>
+              <a:rPr lang="ko-KR" altLang="en-US" dirty="0" smtClean="0"/>
+              <a:t>이용하기</a:t>
+            </a:r>
+            <a:endParaRPr lang="en-US" altLang="ko-KR" dirty="0"/>
+          </a:p>
+          <a:p>
+            <a:pPr lvl="1"/>
+            <a:r>
+              <a:rPr lang="en-US" altLang="ko-KR" dirty="0" err="1" smtClean="0"/>
+              <a:t>Git</a:t>
+            </a:r>
+            <a:r>
+              <a:rPr lang="en-US" altLang="ko-KR" dirty="0" smtClean="0"/>
+              <a:t> fetch – </a:t>
+            </a:r>
+            <a:r>
+              <a:rPr lang="en-US" altLang="ko-KR" dirty="0" err="1" smtClean="0"/>
+              <a:t>git</a:t>
+            </a:r>
+            <a:r>
+              <a:rPr lang="en-US" altLang="ko-KR" dirty="0" smtClean="0"/>
+              <a:t> merge FETCH_HEAD == </a:t>
+            </a:r>
+            <a:r>
+              <a:rPr lang="en-US" altLang="ko-KR" dirty="0" err="1" smtClean="0"/>
+              <a:t>git</a:t>
+            </a:r>
+            <a:r>
+              <a:rPr lang="en-US" altLang="ko-KR" dirty="0" smtClean="0"/>
+              <a:t> pull </a:t>
+            </a:r>
+          </a:p>
+          <a:p>
+            <a:pPr lvl="1"/>
+            <a:r>
+              <a:rPr lang="en-US" altLang="ko-KR" dirty="0" err="1" smtClean="0"/>
+              <a:t>Github</a:t>
+            </a:r>
+            <a:r>
+              <a:rPr lang="ko-KR" altLang="en-US" dirty="0" smtClean="0"/>
+              <a:t>상에서 </a:t>
+            </a:r>
+            <a:r>
+              <a:rPr lang="en-US" altLang="ko-KR" dirty="0" smtClean="0"/>
+              <a:t>id</a:t>
+            </a:r>
+            <a:r>
+              <a:rPr lang="ko-KR" altLang="en-US" dirty="0" smtClean="0"/>
+              <a:t>를 기입 </a:t>
+            </a:r>
+            <a:r>
+              <a:rPr lang="en-US" altLang="ko-KR" dirty="0" smtClean="0"/>
+              <a:t>-&gt; </a:t>
+            </a:r>
+            <a:r>
+              <a:rPr lang="ko-KR" altLang="en-US" dirty="0" err="1" smtClean="0"/>
+              <a:t>메일보냄</a:t>
+            </a:r>
+            <a:r>
+              <a:rPr lang="en-US" altLang="ko-KR" dirty="0" smtClean="0"/>
+              <a:t>. -&gt; </a:t>
+            </a:r>
+            <a:r>
+              <a:rPr lang="ko-KR" altLang="en-US" dirty="0" smtClean="0"/>
+              <a:t>메일 수락</a:t>
+            </a:r>
+            <a:r>
+              <a:rPr lang="en-US" altLang="ko-KR" dirty="0" smtClean="0"/>
+              <a:t>.(accept invitation)</a:t>
+            </a:r>
+          </a:p>
+          <a:p>
+            <a:pPr lvl="1"/>
+            <a:r>
+              <a:rPr lang="ko-KR" altLang="en-US" dirty="0" err="1" smtClean="0"/>
+              <a:t>못받는</a:t>
+            </a:r>
+            <a:r>
+              <a:rPr lang="ko-KR" altLang="en-US" dirty="0" smtClean="0"/>
+              <a:t> 것을 대비하여 </a:t>
+            </a:r>
+            <a:r>
+              <a:rPr lang="en-US" altLang="ko-KR" dirty="0" smtClean="0"/>
+              <a:t>copy invite </a:t>
+            </a:r>
+            <a:r>
+              <a:rPr lang="ko-KR" altLang="en-US" dirty="0" smtClean="0"/>
+              <a:t>링크를 보낼 수 있음</a:t>
+            </a:r>
+            <a:r>
+              <a:rPr lang="en-US" altLang="ko-KR" dirty="0" smtClean="0"/>
+              <a:t>.</a:t>
+            </a:r>
+          </a:p>
+          <a:p>
+            <a:pPr lvl="1"/>
+            <a:r>
+              <a:rPr lang="ko-KR" altLang="en-US" dirty="0" err="1" smtClean="0"/>
+              <a:t>권한선택</a:t>
+            </a:r>
+            <a:r>
+              <a:rPr lang="ko-KR" altLang="en-US" dirty="0" smtClean="0"/>
+              <a:t> </a:t>
+            </a:r>
+            <a:r>
+              <a:rPr lang="en-US" altLang="ko-KR" dirty="0" smtClean="0"/>
+              <a:t>: admin, write, read</a:t>
+            </a:r>
+          </a:p>
+          <a:p>
+            <a:pPr lvl="1"/>
+            <a:r>
+              <a:rPr lang="en-US" altLang="ko-KR" dirty="0" smtClean="0"/>
+              <a:t>Remote branch</a:t>
+            </a:r>
+          </a:p>
+        </p:txBody>
+      </p:sp>
+    </p:spTree>
+    <p:extLst>
+      <p:ext uri="{BB962C8B-B14F-4D97-AF65-F5344CB8AC3E}">
+        <p14:creationId xmlns:p14="http://schemas.microsoft.com/office/powerpoint/2010/main" val="767811426"/>
+      </p:ext>
+    </p:extLst>
+  </p:cSld>
+  <p:clrMapOvr>
+    <a:masterClrMapping/>
+  </p:clrMapOvr>
+</p:sld>
+</file>
+
+<file path=ppt/slides/slide28.xml><?xml version="1.0" encoding="utf-8"?>
+<p:sld xmlns:a="http://schemas.openxmlformats.org/drawingml/2006/main" xmlns:r="http://schemas.openxmlformats.org/officeDocument/2006/relationships" xmlns:p="http://schemas.openxmlformats.org/presentationml/2006/main">
+  <p:cSld>
+    <p:spTree>
+      <p:nvGrpSpPr>
+        <p:cNvPr id="1" name=""/>
+        <p:cNvGrpSpPr/>
+        <p:nvPr/>
+      </p:nvGrpSpPr>
+      <p:grpSpPr>
+        <a:xfrm>
+          <a:off x="0" y="0"/>
+          <a:ext cx="0" cy="0"/>
+          <a:chOff x="0" y="0"/>
+          <a:chExt cx="0" cy="0"/>
+        </a:xfrm>
+      </p:grpSpPr>
+      <p:sp>
+        <p:nvSpPr>
+          <p:cNvPr id="4" name="제목 3">
+            <a:extLst>
+              <a:ext uri="{FF2B5EF4-FFF2-40B4-BE49-F238E27FC236}">
+                <a16:creationId xmlns:a16="http://schemas.microsoft.com/office/drawing/2014/main" id="{F0CEB32B-CB43-4410-BA08-A97E4BC47FCB}"/>
+              </a:ext>
+            </a:extLst>
+          </p:cNvPr>
+          <p:cNvSpPr>
+            <a:spLocks noGrp="1"/>
+          </p:cNvSpPr>
+          <p:nvPr>
+            <p:ph type="title"/>
+          </p:nvPr>
+        </p:nvSpPr>
+        <p:spPr/>
+        <p:txBody>
+          <a:bodyPr/>
+          <a:lstStyle/>
+          <a:p>
+            <a:r>
+              <a:rPr lang="ko-KR" altLang="en-US" dirty="0" smtClean="0"/>
+              <a:t>협업하기</a:t>
+            </a:r>
+            <a:endParaRPr lang="ko-KR" altLang="en-US" dirty="0"/>
+          </a:p>
+        </p:txBody>
+      </p:sp>
+      <p:sp>
+        <p:nvSpPr>
+          <p:cNvPr id="5" name="내용 개체 틀 2">
+            <a:extLst>
+              <a:ext uri="{FF2B5EF4-FFF2-40B4-BE49-F238E27FC236}">
+                <a16:creationId xmlns:a16="http://schemas.microsoft.com/office/drawing/2014/main" id="{A44AC902-3746-40D6-9827-94B46EEDDC67}"/>
+              </a:ext>
+            </a:extLst>
+          </p:cNvPr>
+          <p:cNvSpPr txBox="1">
+            <a:spLocks/>
+          </p:cNvSpPr>
+          <p:nvPr/>
+        </p:nvSpPr>
+        <p:spPr>
+          <a:xfrm>
+            <a:off x="341786" y="1120544"/>
+            <a:ext cx="4054367" cy="2348370"/>
+          </a:xfrm>
+          <a:prstGeom prst="rect">
+            <a:avLst/>
+          </a:prstGeom>
+        </p:spPr>
+        <p:txBody>
+          <a:bodyPr vert="horz" lIns="91440" tIns="45720" rIns="91440" bIns="45720" rtlCol="0">
+            <a:noAutofit/>
+          </a:bodyPr>
+          <a:lstStyle>
+            <a:lvl1pPr marL="266700" indent="-266700" defTabSz="914400" latinLnBrk="1">
+              <a:lnSpc>
+                <a:spcPct val="150000"/>
+              </a:lnSpc>
+              <a:spcBef>
+                <a:spcPct val="0"/>
+              </a:spcBef>
+              <a:buClr>
+                <a:schemeClr val="tx1">
+                  <a:lumMod val="65000"/>
+                  <a:lumOff val="35000"/>
+                </a:schemeClr>
+              </a:buClr>
+              <a:buFont typeface="Wingdings" pitchFamily="2" charset="2"/>
+              <a:buChar char="n"/>
+              <a:defRPr sz="2000" b="1">
+                <a:latin typeface="+mn-ea"/>
+              </a:defRPr>
+            </a:lvl1pPr>
+            <a:lvl2pPr marL="447675" lvl="1" indent="-180975" defTabSz="914400" latinLnBrk="1">
+              <a:lnSpc>
+                <a:spcPct val="150000"/>
+              </a:lnSpc>
+              <a:spcBef>
+                <a:spcPts val="0"/>
+              </a:spcBef>
+              <a:spcAft>
+                <a:spcPts val="0"/>
+              </a:spcAft>
+              <a:buClr>
+                <a:schemeClr val="tx1">
+                  <a:lumMod val="50000"/>
+                  <a:lumOff val="50000"/>
+                </a:schemeClr>
+              </a:buClr>
+              <a:buFont typeface="Wingdings" pitchFamily="2" charset="2"/>
+              <a:buChar char="§"/>
+              <a:defRPr sz="1600"/>
+            </a:lvl2pPr>
+            <a:lvl3pPr marL="628650" indent="-180975" defTabSz="914400" latinLnBrk="1">
+              <a:lnSpc>
+                <a:spcPct val="150000"/>
+              </a:lnSpc>
+              <a:spcBef>
+                <a:spcPts val="500"/>
+              </a:spcBef>
+              <a:spcAft>
+                <a:spcPts val="300"/>
+              </a:spcAft>
+              <a:buClr>
+                <a:schemeClr val="tx1">
+                  <a:lumMod val="65000"/>
+                  <a:lumOff val="35000"/>
+                </a:schemeClr>
+              </a:buClr>
+              <a:buFont typeface="Arial" panose="020B0604020202020204" pitchFamily="34" charset="0"/>
+              <a:buChar char="•"/>
+              <a:defRPr sz="1400"/>
+            </a:lvl3pPr>
+            <a:lvl4pPr marL="809625" indent="-180975" defTabSz="914400" latinLnBrk="1">
+              <a:lnSpc>
+                <a:spcPct val="150000"/>
+              </a:lnSpc>
+              <a:spcBef>
+                <a:spcPts val="500"/>
+              </a:spcBef>
+              <a:spcAft>
+                <a:spcPts val="300"/>
+              </a:spcAft>
+              <a:buClr>
+                <a:schemeClr val="tx1">
+                  <a:lumMod val="65000"/>
+                  <a:lumOff val="35000"/>
+                </a:schemeClr>
+              </a:buClr>
+              <a:buSzPct val="96000"/>
+              <a:buFont typeface="Arial" panose="020B0604020202020204" pitchFamily="34" charset="0"/>
+              <a:buChar char="•"/>
+              <a:defRPr sz="1200"/>
+            </a:lvl4pPr>
+            <a:lvl5pPr marL="990600" indent="-180975" defTabSz="914400" latinLnBrk="1">
+              <a:lnSpc>
+                <a:spcPct val="150000"/>
+              </a:lnSpc>
+              <a:spcBef>
+                <a:spcPts val="500"/>
+              </a:spcBef>
+              <a:buClr>
+                <a:schemeClr val="tx1">
+                  <a:lumMod val="65000"/>
+                  <a:lumOff val="35000"/>
+                </a:schemeClr>
+              </a:buClr>
+              <a:buFont typeface="Arial" panose="020B0604020202020204" pitchFamily="34" charset="0"/>
+              <a:buChar char="•"/>
+              <a:defRPr sz="1000"/>
+            </a:lvl5pPr>
+            <a:lvl6pPr marL="2514600" indent="-228600" defTabSz="914400" latinLnBrk="1">
+              <a:lnSpc>
+                <a:spcPct val="90000"/>
+              </a:lnSpc>
+              <a:spcBef>
+                <a:spcPts val="500"/>
+              </a:spcBef>
+              <a:buFont typeface="Arial" panose="020B0604020202020204" pitchFamily="34" charset="0"/>
+              <a:buChar char="•"/>
+            </a:lvl6pPr>
+            <a:lvl7pPr marL="2971800" indent="-228600" defTabSz="914400" latinLnBrk="1">
+              <a:lnSpc>
+                <a:spcPct val="90000"/>
+              </a:lnSpc>
+              <a:spcBef>
+                <a:spcPts val="500"/>
+              </a:spcBef>
+              <a:buFont typeface="Arial" panose="020B0604020202020204" pitchFamily="34" charset="0"/>
+              <a:buChar char="•"/>
+            </a:lvl7pPr>
+            <a:lvl8pPr marL="3429000" indent="-228600" defTabSz="914400" latinLnBrk="1">
+              <a:lnSpc>
+                <a:spcPct val="90000"/>
+              </a:lnSpc>
+              <a:spcBef>
+                <a:spcPts val="500"/>
+              </a:spcBef>
+              <a:buFont typeface="Arial" panose="020B0604020202020204" pitchFamily="34" charset="0"/>
+              <a:buChar char="•"/>
+            </a:lvl8pPr>
+            <a:lvl9pPr marL="3886200" indent="-228600" defTabSz="914400" latinLnBrk="1">
+              <a:lnSpc>
+                <a:spcPct val="90000"/>
+              </a:lnSpc>
+              <a:spcBef>
+                <a:spcPts val="500"/>
+              </a:spcBef>
+              <a:buFont typeface="Arial" panose="020B0604020202020204" pitchFamily="34" charset="0"/>
+              <a:buChar char="•"/>
+            </a:lvl9pPr>
+          </a:lstStyle>
+          <a:p>
+            <a:r>
+              <a:rPr lang="en-US" altLang="ko-KR" dirty="0" smtClean="0"/>
+              <a:t>Leader</a:t>
+            </a:r>
+            <a:endParaRPr lang="en-US" altLang="ko-KR" dirty="0"/>
+          </a:p>
+          <a:p>
+            <a:pPr marL="441325" lvl="1" indent="-174625">
+              <a:buAutoNum type="arabicPeriod"/>
+            </a:pPr>
+            <a:r>
+              <a:rPr lang="en-US" altLang="ko-KR" dirty="0" smtClean="0"/>
+              <a:t>File </a:t>
+            </a:r>
+            <a:r>
+              <a:rPr lang="ko-KR" altLang="en-US" dirty="0" smtClean="0"/>
+              <a:t>만들고 </a:t>
+            </a:r>
+            <a:r>
+              <a:rPr lang="en-US" altLang="ko-KR" dirty="0" err="1" smtClean="0"/>
+              <a:t>add.remote</a:t>
+            </a:r>
+            <a:r>
+              <a:rPr lang="en-US" altLang="ko-KR" dirty="0" smtClean="0"/>
+              <a:t>, push “work3”</a:t>
+            </a:r>
+          </a:p>
+          <a:p>
+            <a:pPr marL="441325" lvl="1" indent="-174625">
+              <a:buAutoNum type="arabicPeriod"/>
+            </a:pPr>
+            <a:r>
+              <a:rPr lang="en-US" altLang="ko-KR" dirty="0" smtClean="0"/>
+              <a:t>Add commit</a:t>
+            </a:r>
+          </a:p>
+          <a:p>
+            <a:pPr marL="441325" lvl="1" indent="-174625">
+              <a:buAutoNum type="arabicPeriod"/>
+            </a:pPr>
+            <a:r>
+              <a:rPr lang="en-US" altLang="ko-KR" dirty="0" smtClean="0"/>
+              <a:t>Log, status </a:t>
+            </a:r>
+            <a:r>
+              <a:rPr lang="ko-KR" altLang="en-US" dirty="0" err="1" smtClean="0"/>
+              <a:t>꼭확인</a:t>
+            </a:r>
+            <a:endParaRPr lang="en-US" altLang="ko-KR" dirty="0" smtClean="0"/>
+          </a:p>
+          <a:p>
+            <a:pPr marL="266700" lvl="1" indent="0">
+              <a:buNone/>
+            </a:pPr>
+            <a:r>
+              <a:rPr lang="en-US" altLang="ko-KR" dirty="0"/>
+              <a:t> </a:t>
+            </a:r>
+            <a:r>
+              <a:rPr lang="en-US" altLang="ko-KR" dirty="0" smtClean="0"/>
+              <a:t>  </a:t>
+            </a:r>
+            <a:r>
+              <a:rPr lang="ko-KR" altLang="en-US" dirty="0" err="1" smtClean="0"/>
+              <a:t>리모트보다</a:t>
+            </a:r>
+            <a:r>
+              <a:rPr lang="ko-KR" altLang="en-US" dirty="0" smtClean="0"/>
+              <a:t> 하나 앞서 있다</a:t>
+            </a:r>
+            <a:r>
+              <a:rPr lang="en-US" altLang="ko-KR" dirty="0" smtClean="0"/>
+              <a:t>.</a:t>
+            </a:r>
+          </a:p>
+          <a:p>
+            <a:pPr marL="266700" lvl="1" indent="0">
+              <a:buNone/>
+            </a:pPr>
+            <a:r>
+              <a:rPr lang="en-US" altLang="ko-KR" dirty="0" smtClean="0"/>
+              <a:t>4. push</a:t>
+            </a:r>
+          </a:p>
+          <a:p>
+            <a:pPr marL="441325" lvl="1" indent="-174625">
+              <a:buAutoNum type="arabicPeriod"/>
+            </a:pPr>
+            <a:endParaRPr lang="en-US" altLang="ko-KR" dirty="0"/>
+          </a:p>
+          <a:p>
+            <a:pPr marL="441325" lvl="1" indent="-174625">
+              <a:buAutoNum type="arabicPeriod"/>
+            </a:pPr>
+            <a:endParaRPr lang="en-US" altLang="ko-KR" dirty="0" smtClean="0"/>
+          </a:p>
+          <a:p>
+            <a:pPr marL="441325" lvl="1" indent="-174625">
+              <a:buAutoNum type="arabicPeriod"/>
+            </a:pPr>
+            <a:endParaRPr lang="en-US" altLang="ko-KR" dirty="0"/>
+          </a:p>
+          <a:p>
+            <a:pPr marL="441325" lvl="1" indent="-174625">
+              <a:buAutoNum type="arabicPeriod"/>
+            </a:pPr>
+            <a:endParaRPr lang="en-US" altLang="ko-KR" dirty="0" smtClean="0"/>
+          </a:p>
+          <a:p>
+            <a:pPr marL="441325" lvl="1" indent="-174625">
+              <a:buAutoNum type="arabicPeriod"/>
+            </a:pPr>
+            <a:endParaRPr lang="en-US" altLang="ko-KR" dirty="0" smtClean="0"/>
+          </a:p>
+        </p:txBody>
+      </p:sp>
+      <p:sp>
+        <p:nvSpPr>
+          <p:cNvPr id="6" name="내용 개체 틀 2">
+            <a:extLst>
+              <a:ext uri="{FF2B5EF4-FFF2-40B4-BE49-F238E27FC236}">
+                <a16:creationId xmlns:a16="http://schemas.microsoft.com/office/drawing/2014/main" id="{A44AC902-3746-40D6-9827-94B46EEDDC67}"/>
+              </a:ext>
+            </a:extLst>
+          </p:cNvPr>
+          <p:cNvSpPr txBox="1">
+            <a:spLocks/>
+          </p:cNvSpPr>
+          <p:nvPr/>
+        </p:nvSpPr>
+        <p:spPr>
+          <a:xfrm>
+            <a:off x="4681557" y="1120543"/>
+            <a:ext cx="4274873" cy="3967271"/>
+          </a:xfrm>
+          <a:prstGeom prst="rect">
+            <a:avLst/>
+          </a:prstGeom>
+        </p:spPr>
+        <p:txBody>
+          <a:bodyPr vert="horz" lIns="91440" tIns="45720" rIns="91440" bIns="45720" rtlCol="0">
+            <a:noAutofit/>
+          </a:bodyPr>
+          <a:lstStyle>
+            <a:lvl1pPr marL="266700" indent="-266700" defTabSz="914400" latinLnBrk="1">
+              <a:lnSpc>
+                <a:spcPct val="150000"/>
+              </a:lnSpc>
+              <a:spcBef>
+                <a:spcPct val="0"/>
+              </a:spcBef>
+              <a:buClr>
+                <a:schemeClr val="tx1">
+                  <a:lumMod val="65000"/>
+                  <a:lumOff val="35000"/>
+                </a:schemeClr>
+              </a:buClr>
+              <a:buFont typeface="Wingdings" pitchFamily="2" charset="2"/>
+              <a:buChar char="n"/>
+              <a:defRPr sz="2000" b="1">
+                <a:latin typeface="+mn-ea"/>
+              </a:defRPr>
+            </a:lvl1pPr>
+            <a:lvl2pPr marL="447675" lvl="1" indent="-180975" defTabSz="914400" latinLnBrk="1">
+              <a:lnSpc>
+                <a:spcPct val="150000"/>
+              </a:lnSpc>
+              <a:spcBef>
+                <a:spcPts val="0"/>
+              </a:spcBef>
+              <a:spcAft>
+                <a:spcPts val="0"/>
+              </a:spcAft>
+              <a:buClr>
+                <a:schemeClr val="tx1">
+                  <a:lumMod val="50000"/>
+                  <a:lumOff val="50000"/>
+                </a:schemeClr>
+              </a:buClr>
+              <a:buFont typeface="Wingdings" pitchFamily="2" charset="2"/>
+              <a:buChar char="§"/>
+              <a:defRPr sz="1600"/>
+            </a:lvl2pPr>
+            <a:lvl3pPr marL="628650" indent="-180975" defTabSz="914400" latinLnBrk="1">
+              <a:lnSpc>
+                <a:spcPct val="150000"/>
+              </a:lnSpc>
+              <a:spcBef>
+                <a:spcPts val="500"/>
+              </a:spcBef>
+              <a:spcAft>
+                <a:spcPts val="300"/>
+              </a:spcAft>
+              <a:buClr>
+                <a:schemeClr val="tx1">
+                  <a:lumMod val="65000"/>
+                  <a:lumOff val="35000"/>
+                </a:schemeClr>
+              </a:buClr>
+              <a:buFont typeface="Arial" panose="020B0604020202020204" pitchFamily="34" charset="0"/>
+              <a:buChar char="•"/>
+              <a:defRPr sz="1400"/>
+            </a:lvl3pPr>
+            <a:lvl4pPr marL="809625" indent="-180975" defTabSz="914400" latinLnBrk="1">
+              <a:lnSpc>
+                <a:spcPct val="150000"/>
+              </a:lnSpc>
+              <a:spcBef>
+                <a:spcPts val="500"/>
+              </a:spcBef>
+              <a:spcAft>
+                <a:spcPts val="300"/>
+              </a:spcAft>
+              <a:buClr>
+                <a:schemeClr val="tx1">
+                  <a:lumMod val="65000"/>
+                  <a:lumOff val="35000"/>
+                </a:schemeClr>
+              </a:buClr>
+              <a:buSzPct val="96000"/>
+              <a:buFont typeface="Arial" panose="020B0604020202020204" pitchFamily="34" charset="0"/>
+              <a:buChar char="•"/>
+              <a:defRPr sz="1200"/>
+            </a:lvl4pPr>
+            <a:lvl5pPr marL="990600" indent="-180975" defTabSz="914400" latinLnBrk="1">
+              <a:lnSpc>
+                <a:spcPct val="150000"/>
+              </a:lnSpc>
+              <a:spcBef>
+                <a:spcPts val="500"/>
+              </a:spcBef>
+              <a:buClr>
+                <a:schemeClr val="tx1">
+                  <a:lumMod val="65000"/>
+                  <a:lumOff val="35000"/>
+                </a:schemeClr>
+              </a:buClr>
+              <a:buFont typeface="Arial" panose="020B0604020202020204" pitchFamily="34" charset="0"/>
+              <a:buChar char="•"/>
+              <a:defRPr sz="1000"/>
+            </a:lvl5pPr>
+            <a:lvl6pPr marL="2514600" indent="-228600" defTabSz="914400" latinLnBrk="1">
+              <a:lnSpc>
+                <a:spcPct val="90000"/>
+              </a:lnSpc>
+              <a:spcBef>
+                <a:spcPts val="500"/>
+              </a:spcBef>
+              <a:buFont typeface="Arial" panose="020B0604020202020204" pitchFamily="34" charset="0"/>
+              <a:buChar char="•"/>
+            </a:lvl6pPr>
+            <a:lvl7pPr marL="2971800" indent="-228600" defTabSz="914400" latinLnBrk="1">
+              <a:lnSpc>
+                <a:spcPct val="90000"/>
+              </a:lnSpc>
+              <a:spcBef>
+                <a:spcPts val="500"/>
+              </a:spcBef>
+              <a:buFont typeface="Arial" panose="020B0604020202020204" pitchFamily="34" charset="0"/>
+              <a:buChar char="•"/>
+            </a:lvl7pPr>
+            <a:lvl8pPr marL="3429000" indent="-228600" defTabSz="914400" latinLnBrk="1">
+              <a:lnSpc>
+                <a:spcPct val="90000"/>
+              </a:lnSpc>
+              <a:spcBef>
+                <a:spcPts val="500"/>
+              </a:spcBef>
+              <a:buFont typeface="Arial" panose="020B0604020202020204" pitchFamily="34" charset="0"/>
+              <a:buChar char="•"/>
+            </a:lvl8pPr>
+            <a:lvl9pPr marL="3886200" indent="-228600" defTabSz="914400" latinLnBrk="1">
+              <a:lnSpc>
+                <a:spcPct val="90000"/>
+              </a:lnSpc>
+              <a:spcBef>
+                <a:spcPts val="500"/>
+              </a:spcBef>
+              <a:buFont typeface="Arial" panose="020B0604020202020204" pitchFamily="34" charset="0"/>
+              <a:buChar char="•"/>
+            </a:lvl9pPr>
+          </a:lstStyle>
+          <a:p>
+            <a:r>
+              <a:rPr lang="en-US" altLang="ko-KR" dirty="0" smtClean="0"/>
+              <a:t>Collaborator</a:t>
+            </a:r>
+            <a:endParaRPr lang="en-US" altLang="ko-KR" dirty="0"/>
+          </a:p>
+          <a:p>
+            <a:pPr marL="266700" lvl="1" indent="0">
+              <a:buNone/>
+            </a:pPr>
+            <a:r>
+              <a:rPr lang="en-US" altLang="ko-KR" dirty="0"/>
+              <a:t>5</a:t>
+            </a:r>
+            <a:r>
+              <a:rPr lang="en-US" altLang="ko-KR" dirty="0" smtClean="0"/>
+              <a:t>. </a:t>
+            </a:r>
+            <a:r>
+              <a:rPr lang="en-US" altLang="ko-KR" dirty="0" err="1" smtClean="0"/>
+              <a:t>Git</a:t>
+            </a:r>
+            <a:r>
+              <a:rPr lang="en-US" altLang="ko-KR" dirty="0" smtClean="0"/>
+              <a:t> fetch</a:t>
+            </a:r>
+          </a:p>
+          <a:p>
+            <a:pPr marL="266700" lvl="1" indent="0">
+              <a:buNone/>
+            </a:pPr>
+            <a:r>
+              <a:rPr lang="en-US" altLang="ko-KR" dirty="0" smtClean="0"/>
+              <a:t>6. log. Status</a:t>
+            </a:r>
+          </a:p>
+          <a:p>
+            <a:pPr marL="266700" lvl="1" indent="0">
+              <a:buNone/>
+            </a:pPr>
+            <a:r>
+              <a:rPr lang="en-US" altLang="ko-KR" dirty="0"/>
+              <a:t> </a:t>
+            </a:r>
+            <a:r>
+              <a:rPr lang="en-US" altLang="ko-KR" dirty="0" smtClean="0"/>
+              <a:t>  </a:t>
+            </a:r>
+            <a:r>
+              <a:rPr lang="ko-KR" altLang="en-US" dirty="0" err="1" smtClean="0"/>
+              <a:t>리모트</a:t>
+            </a:r>
+            <a:r>
+              <a:rPr lang="ko-KR" altLang="en-US" dirty="0" smtClean="0"/>
+              <a:t> 보다 하나 뒤에 있는 것 확인</a:t>
+            </a:r>
+            <a:r>
+              <a:rPr lang="en-US" altLang="ko-KR" dirty="0" smtClean="0"/>
+              <a:t>.</a:t>
+            </a:r>
+          </a:p>
+          <a:p>
+            <a:pPr marL="266700" lvl="1" indent="0">
+              <a:buNone/>
+            </a:pPr>
+            <a:r>
+              <a:rPr lang="en-US" altLang="ko-KR" dirty="0"/>
+              <a:t> </a:t>
+            </a:r>
+            <a:r>
+              <a:rPr lang="en-US" altLang="ko-KR" dirty="0" smtClean="0"/>
+              <a:t> </a:t>
+            </a:r>
+            <a:r>
+              <a:rPr lang="ko-KR" altLang="en-US" dirty="0" smtClean="0"/>
+              <a:t>그러니까 </a:t>
+            </a:r>
+            <a:r>
+              <a:rPr lang="en-US" altLang="ko-KR" dirty="0" err="1" smtClean="0"/>
+              <a:t>git</a:t>
+            </a:r>
+            <a:r>
+              <a:rPr lang="en-US" altLang="ko-KR" dirty="0" smtClean="0"/>
+              <a:t> pull</a:t>
+            </a:r>
+            <a:r>
+              <a:rPr lang="ko-KR" altLang="en-US" dirty="0" smtClean="0"/>
+              <a:t>을 해라 혹은 </a:t>
+            </a:r>
+            <a:r>
+              <a:rPr lang="ko-KR" altLang="en-US" dirty="0" err="1" smtClean="0"/>
+              <a:t>리모트</a:t>
+            </a:r>
+            <a:r>
+              <a:rPr lang="ko-KR" altLang="en-US" dirty="0" smtClean="0"/>
+              <a:t> 헤드를 </a:t>
+            </a:r>
+            <a:r>
+              <a:rPr lang="ko-KR" altLang="en-US" dirty="0" err="1" smtClean="0"/>
+              <a:t>머지하면</a:t>
+            </a:r>
+            <a:r>
+              <a:rPr lang="ko-KR" altLang="en-US" dirty="0" smtClean="0"/>
+              <a:t> 됨</a:t>
+            </a:r>
+            <a:r>
+              <a:rPr lang="en-US" altLang="ko-KR" dirty="0" smtClean="0"/>
+              <a:t>.</a:t>
+            </a:r>
+          </a:p>
+          <a:p>
+            <a:pPr marL="266700" lvl="1" indent="0">
+              <a:buNone/>
+            </a:pPr>
+            <a:r>
+              <a:rPr lang="en-US" altLang="ko-KR" dirty="0" smtClean="0"/>
+              <a:t>7. log, status </a:t>
+            </a:r>
+            <a:r>
+              <a:rPr lang="ko-KR" altLang="en-US" dirty="0" smtClean="0"/>
+              <a:t>확인</a:t>
+            </a:r>
+            <a:r>
+              <a:rPr lang="en-US" altLang="ko-KR" dirty="0"/>
+              <a:t> </a:t>
+            </a:r>
+            <a:r>
+              <a:rPr lang="en-US" altLang="ko-KR" dirty="0" smtClean="0"/>
+              <a:t>== pull</a:t>
+            </a:r>
+            <a:r>
+              <a:rPr lang="ko-KR" altLang="en-US" dirty="0" smtClean="0"/>
+              <a:t>과 같은 </a:t>
+            </a:r>
+            <a:r>
+              <a:rPr lang="ko-KR" altLang="en-US" dirty="0" err="1" smtClean="0"/>
+              <a:t>명령임</a:t>
+            </a:r>
+            <a:r>
+              <a:rPr lang="en-US" altLang="ko-KR" dirty="0" smtClean="0"/>
+              <a:t>.</a:t>
+            </a:r>
+          </a:p>
+          <a:p>
+            <a:pPr lvl="1"/>
+            <a:endParaRPr lang="en-US" altLang="ko-KR" dirty="0" smtClean="0"/>
+          </a:p>
+        </p:txBody>
+      </p:sp>
+    </p:spTree>
+    <p:extLst>
+      <p:ext uri="{BB962C8B-B14F-4D97-AF65-F5344CB8AC3E}">
+        <p14:creationId xmlns:p14="http://schemas.microsoft.com/office/powerpoint/2010/main" val="1739576219"/>
+      </p:ext>
+    </p:extLst>
+  </p:cSld>
+  <p:clrMapOvr>
+    <a:masterClrMapping/>
+  </p:clrMapOvr>
+</p:sld>
+</file>
+
+<file path=ppt/slides/slide29.xml><?xml version="1.0" encoding="utf-8"?>
+<p:sld xmlns:a="http://schemas.openxmlformats.org/drawingml/2006/main" xmlns:r="http://schemas.openxmlformats.org/officeDocument/2006/relationships" xmlns:p="http://schemas.openxmlformats.org/presentationml/2006/main">
+  <p:cSld>
+    <p:spTree>
+      <p:nvGrpSpPr>
+        <p:cNvPr id="1" name=""/>
+        <p:cNvGrpSpPr/>
+        <p:nvPr/>
+      </p:nvGrpSpPr>
+      <p:grpSpPr>
+        <a:xfrm>
+          <a:off x="0" y="0"/>
+          <a:ext cx="0" cy="0"/>
+          <a:chOff x="0" y="0"/>
+          <a:chExt cx="0" cy="0"/>
+        </a:xfrm>
+      </p:grpSpPr>
+      <p:sp>
+        <p:nvSpPr>
+          <p:cNvPr id="4" name="제목 3">
+            <a:extLst>
+              <a:ext uri="{FF2B5EF4-FFF2-40B4-BE49-F238E27FC236}">
+                <a16:creationId xmlns:a16="http://schemas.microsoft.com/office/drawing/2014/main" id="{F0CEB32B-CB43-4410-BA08-A97E4BC47FCB}"/>
+              </a:ext>
+            </a:extLst>
+          </p:cNvPr>
+          <p:cNvSpPr>
+            <a:spLocks noGrp="1"/>
+          </p:cNvSpPr>
+          <p:nvPr>
+            <p:ph type="title"/>
+          </p:nvPr>
+        </p:nvSpPr>
+        <p:spPr/>
+        <p:txBody>
+          <a:bodyPr/>
+          <a:lstStyle/>
+          <a:p>
+            <a:r>
+              <a:rPr lang="ko-KR" altLang="en-US" dirty="0" smtClean="0"/>
+              <a:t>협업시작하기</a:t>
+            </a:r>
+            <a:endParaRPr lang="ko-KR" altLang="en-US" dirty="0"/>
+          </a:p>
+        </p:txBody>
+      </p:sp>
+      <p:sp>
+        <p:nvSpPr>
+          <p:cNvPr id="5" name="내용 개체 틀 4">
+            <a:extLst>
+              <a:ext uri="{FF2B5EF4-FFF2-40B4-BE49-F238E27FC236}">
+                <a16:creationId xmlns:a16="http://schemas.microsoft.com/office/drawing/2014/main" id="{FDF69C25-9F43-470B-8A20-AEDC0F371CCD}"/>
               </a:ext>
             </a:extLst>
           </p:cNvPr>
@@ -10955,108 +14342,514 @@
         </p:nvSpPr>
         <p:spPr>
           <a:xfrm>
-            <a:off x="250825" y="1027293"/>
-            <a:ext cx="8642350" cy="1998711"/>
+            <a:off x="250825" y="1000221"/>
+            <a:ext cx="8641655" cy="2996743"/>
           </a:xfrm>
         </p:spPr>
         <p:txBody>
-          <a:bodyPr/>
+          <a:bodyPr tIns="0" bIns="0">
+            <a:noAutofit/>
+          </a:bodyPr>
           <a:lstStyle/>
           <a:p>
             <a:pPr>
+              <a:buClr>
+                <a:schemeClr val="tx1">
+                  <a:lumMod val="65000"/>
+                  <a:lumOff val="35000"/>
+                </a:schemeClr>
+              </a:buClr>
               <a:defRPr/>
             </a:pPr>
             <a:r>
-              <a:rPr lang="en-US" altLang="ko-KR" dirty="0"/>
-              <a:t>Button </a:t>
-            </a:r>
-            <a:r>
               <a:rPr lang="ko-KR" altLang="en-US" dirty="0"/>
-              <a:t>컴포넌트 추가 과정</a:t>
+              <a:t>프로젝트 만들기</a:t>
             </a:r>
           </a:p>
           <a:p>
             <a:pPr marL="609600" lvl="1" indent="-342900">
+              <a:buClr>
+                <a:schemeClr val="tx1">
+                  <a:lumMod val="65000"/>
+                  <a:lumOff val="35000"/>
+                </a:schemeClr>
+              </a:buClr>
+              <a:buFont typeface="+mj-ea"/>
+              <a:buAutoNum type="circleNumDbPlain"/>
+              <a:defRPr/>
+            </a:pPr>
+            <a:r>
+              <a:rPr lang="en-US" altLang="ko-KR" dirty="0" err="1" smtClean="0"/>
+              <a:t>Github</a:t>
+            </a:r>
+            <a:r>
+              <a:rPr lang="en-US" altLang="ko-KR" dirty="0" smtClean="0"/>
+              <a:t> </a:t>
+            </a:r>
+            <a:r>
+              <a:rPr lang="ko-KR" altLang="en-US" dirty="0" smtClean="0"/>
+              <a:t>등록</a:t>
+            </a:r>
+            <a:endParaRPr lang="en-US" altLang="ko-KR" dirty="0"/>
+          </a:p>
+          <a:p>
+            <a:pPr marL="609600" lvl="1" indent="-342900">
+              <a:buClr>
+                <a:schemeClr val="tx1">
+                  <a:lumMod val="65000"/>
+                  <a:lumOff val="35000"/>
+                </a:schemeClr>
+              </a:buClr>
+              <a:buFont typeface="+mj-ea"/>
+              <a:buAutoNum type="circleNumDbPlain"/>
+              <a:defRPr/>
+            </a:pPr>
+            <a:r>
+              <a:rPr lang="en-US" altLang="ko-KR" dirty="0" smtClean="0"/>
+              <a:t>P</a:t>
+            </a:r>
+            <a:endParaRPr lang="en-US" altLang="ko-KR" dirty="0"/>
+          </a:p>
+          <a:p>
+            <a:pPr marL="609600" lvl="1" indent="-342900">
+              <a:buClr>
+                <a:schemeClr val="tx1">
+                  <a:lumMod val="65000"/>
+                  <a:lumOff val="35000"/>
+                </a:schemeClr>
+              </a:buClr>
+              <a:buFont typeface="+mj-ea"/>
+              <a:buAutoNum type="circleNumDbPlain"/>
+              <a:defRPr/>
+            </a:pPr>
+            <a:r>
+              <a:rPr lang="en-US" altLang="ko-KR" dirty="0"/>
+              <a:t> </a:t>
+            </a:r>
+            <a:endParaRPr lang="en-US" altLang="ko-KR" dirty="0"/>
+          </a:p>
+          <a:p>
+            <a:pPr marL="609600" lvl="1" indent="-342900">
+              <a:buClr>
+                <a:schemeClr val="tx1">
+                  <a:lumMod val="65000"/>
+                  <a:lumOff val="35000"/>
+                </a:schemeClr>
+              </a:buClr>
+              <a:buFont typeface="+mj-ea"/>
+              <a:buAutoNum type="circleNumDbPlain"/>
+              <a:defRPr/>
+            </a:pPr>
+            <a:r>
+              <a:rPr lang="en-US" altLang="ko-KR" dirty="0"/>
+              <a:t> </a:t>
+            </a:r>
+            <a:endParaRPr lang="en-US" altLang="ko-KR" dirty="0"/>
+          </a:p>
+          <a:p>
+            <a:pPr marL="609600" lvl="1" indent="-342900">
+              <a:buClr>
+                <a:schemeClr val="tx1">
+                  <a:lumMod val="65000"/>
+                  <a:lumOff val="35000"/>
+                </a:schemeClr>
+              </a:buClr>
+              <a:buFont typeface="+mj-ea"/>
+              <a:buAutoNum type="circleNumDbPlain"/>
+              <a:defRPr/>
+            </a:pPr>
+            <a:r>
+              <a:rPr lang="en-US" altLang="ko-KR" dirty="0"/>
+              <a:t> </a:t>
+            </a:r>
+            <a:endParaRPr lang="en-US" altLang="ko-KR" dirty="0" smtClean="0"/>
+          </a:p>
+          <a:p>
+            <a:pPr marL="609600" lvl="1" indent="-342900">
+              <a:buClr>
+                <a:schemeClr val="tx1">
+                  <a:lumMod val="65000"/>
+                  <a:lumOff val="35000"/>
+                </a:schemeClr>
+              </a:buClr>
+              <a:buFont typeface="+mj-ea"/>
+              <a:buAutoNum type="circleNumDbPlain"/>
+              <a:defRPr/>
+            </a:pPr>
+            <a:r>
+              <a:rPr lang="en-US" altLang="ko-KR" dirty="0" smtClean="0">
+                <a:solidFill>
+                  <a:srgbClr val="FF0000"/>
+                </a:solidFill>
+              </a:rPr>
+              <a:t>Clone</a:t>
+            </a:r>
+            <a:r>
+              <a:rPr lang="ko-KR" altLang="en-US" dirty="0" smtClean="0">
+                <a:solidFill>
+                  <a:srgbClr val="FF0000"/>
+                </a:solidFill>
+              </a:rPr>
+              <a:t>과 </a:t>
+            </a:r>
+            <a:r>
+              <a:rPr lang="en-US" altLang="ko-KR" dirty="0" smtClean="0">
+                <a:solidFill>
+                  <a:srgbClr val="FF0000"/>
+                </a:solidFill>
+              </a:rPr>
+              <a:t>pull</a:t>
+            </a:r>
+            <a:r>
+              <a:rPr lang="ko-KR" altLang="en-US" dirty="0" smtClean="0">
+                <a:solidFill>
+                  <a:srgbClr val="FF0000"/>
+                </a:solidFill>
+              </a:rPr>
+              <a:t>이</a:t>
+            </a:r>
+            <a:r>
+              <a:rPr lang="en-US" altLang="ko-KR" dirty="0" smtClean="0">
+                <a:solidFill>
+                  <a:srgbClr val="FF0000"/>
+                </a:solidFill>
+              </a:rPr>
+              <a:t> </a:t>
+            </a:r>
+            <a:r>
+              <a:rPr lang="ko-KR" altLang="en-US" dirty="0" smtClean="0">
+                <a:solidFill>
+                  <a:srgbClr val="FF0000"/>
+                </a:solidFill>
+              </a:rPr>
+              <a:t>차이</a:t>
+            </a:r>
+            <a:r>
+              <a:rPr lang="en-US" altLang="ko-KR" dirty="0" smtClean="0">
+                <a:solidFill>
+                  <a:srgbClr val="FF0000"/>
+                </a:solidFill>
+              </a:rPr>
+              <a:t>, </a:t>
+            </a:r>
+            <a:r>
+              <a:rPr lang="ko-KR" altLang="en-US" dirty="0" smtClean="0">
+                <a:solidFill>
+                  <a:srgbClr val="FF0000"/>
+                </a:solidFill>
+              </a:rPr>
+              <a:t>로컬에서 자동 </a:t>
+            </a:r>
+            <a:r>
+              <a:rPr lang="ko-KR" altLang="en-US" dirty="0" smtClean="0">
+                <a:solidFill>
+                  <a:srgbClr val="FF0000"/>
+                </a:solidFill>
+              </a:rPr>
+              <a:t>연결 삭제 방법 확인</a:t>
+            </a:r>
+            <a:endParaRPr lang="en-US" altLang="ko-KR" dirty="0">
+              <a:solidFill>
+                <a:srgbClr val="FF0000"/>
+              </a:solidFill>
+            </a:endParaRPr>
+          </a:p>
+          <a:p>
+            <a:endParaRPr lang="ko-KR" altLang="en-US" dirty="0">
+              <a:solidFill>
+                <a:srgbClr val="FF0000"/>
+              </a:solidFill>
+            </a:endParaRPr>
+          </a:p>
+        </p:txBody>
+      </p:sp>
+      <p:sp>
+        <p:nvSpPr>
+          <p:cNvPr id="6" name="내용 개체 틀 4">
+            <a:extLst>
+              <a:ext uri="{FF2B5EF4-FFF2-40B4-BE49-F238E27FC236}">
+                <a16:creationId xmlns:a16="http://schemas.microsoft.com/office/drawing/2014/main" id="{59FE1F7F-BB82-4587-A86F-471C542D6EA7}"/>
+              </a:ext>
+            </a:extLst>
+          </p:cNvPr>
+          <p:cNvSpPr txBox="1">
+            <a:spLocks/>
+          </p:cNvSpPr>
+          <p:nvPr/>
+        </p:nvSpPr>
+        <p:spPr>
+          <a:xfrm>
+            <a:off x="250825" y="4506993"/>
+            <a:ext cx="8641655" cy="1526162"/>
+          </a:xfrm>
+          <a:prstGeom prst="rect">
+            <a:avLst/>
+          </a:prstGeom>
+        </p:spPr>
+        <p:txBody>
+          <a:bodyPr vert="horz" lIns="91440" tIns="0" rIns="91440" bIns="0" rtlCol="0">
+            <a:noAutofit/>
+          </a:bodyPr>
+          <a:lstStyle>
+            <a:lvl1pPr marL="266700" indent="-266700" algn="l" defTabSz="914400" rtl="0" eaLnBrk="1" latinLnBrk="1" hangingPunct="1">
+              <a:lnSpc>
+                <a:spcPct val="150000"/>
+              </a:lnSpc>
+              <a:spcBef>
+                <a:spcPts val="0"/>
+              </a:spcBef>
+              <a:buClr>
+                <a:schemeClr val="accent4"/>
+              </a:buClr>
+              <a:buFont typeface="Wingdings" pitchFamily="2" charset="2"/>
+              <a:buChar char="n"/>
+              <a:defRPr sz="2000" b="1" kern="1200">
+                <a:solidFill>
+                  <a:schemeClr val="tx1"/>
+                </a:solidFill>
+                <a:latin typeface="+mn-ea"/>
+                <a:ea typeface="+mn-ea"/>
+                <a:cs typeface="+mn-cs"/>
+              </a:defRPr>
+            </a:lvl1pPr>
+            <a:lvl2pPr marL="447675" indent="-180975" algn="l" defTabSz="914400" rtl="0" eaLnBrk="1" latinLnBrk="1" hangingPunct="1">
+              <a:lnSpc>
+                <a:spcPct val="150000"/>
+              </a:lnSpc>
+              <a:spcBef>
+                <a:spcPts val="500"/>
+              </a:spcBef>
+              <a:spcAft>
+                <a:spcPts val="400"/>
+              </a:spcAft>
+              <a:buClr>
+                <a:schemeClr val="accent4"/>
+              </a:buClr>
+              <a:buFont typeface="Wingdings" pitchFamily="2" charset="2"/>
+              <a:buChar char="§"/>
+              <a:defRPr sz="1600" kern="1200">
+                <a:solidFill>
+                  <a:schemeClr val="tx1"/>
+                </a:solidFill>
+                <a:latin typeface="+mn-lt"/>
+                <a:ea typeface="+mn-ea"/>
+                <a:cs typeface="+mn-cs"/>
+              </a:defRPr>
+            </a:lvl2pPr>
+            <a:lvl3pPr marL="628650" indent="-180975" algn="l" defTabSz="914400" rtl="0" eaLnBrk="1" latinLnBrk="1" hangingPunct="1">
+              <a:lnSpc>
+                <a:spcPct val="150000"/>
+              </a:lnSpc>
+              <a:spcBef>
+                <a:spcPts val="500"/>
+              </a:spcBef>
+              <a:spcAft>
+                <a:spcPts val="300"/>
+              </a:spcAft>
+              <a:buClr>
+                <a:schemeClr val="accent4"/>
+              </a:buClr>
+              <a:buFont typeface="Arial" panose="020B0604020202020204" pitchFamily="34" charset="0"/>
+              <a:buChar char="•"/>
+              <a:defRPr sz="1400" kern="1200">
+                <a:solidFill>
+                  <a:schemeClr val="tx1"/>
+                </a:solidFill>
+                <a:latin typeface="+mn-lt"/>
+                <a:ea typeface="+mn-ea"/>
+                <a:cs typeface="+mn-cs"/>
+              </a:defRPr>
+            </a:lvl3pPr>
+            <a:lvl4pPr marL="809625" indent="-180975" algn="l" defTabSz="914400" rtl="0" eaLnBrk="1" latinLnBrk="1" hangingPunct="1">
+              <a:lnSpc>
+                <a:spcPct val="150000"/>
+              </a:lnSpc>
+              <a:spcBef>
+                <a:spcPts val="500"/>
+              </a:spcBef>
+              <a:spcAft>
+                <a:spcPts val="300"/>
+              </a:spcAft>
+              <a:buClr>
+                <a:schemeClr val="accent4"/>
+              </a:buClr>
+              <a:buSzPct val="96000"/>
+              <a:buFont typeface="Arial" panose="020B0604020202020204" pitchFamily="34" charset="0"/>
+              <a:buChar char="•"/>
+              <a:defRPr sz="1200" kern="1200">
+                <a:solidFill>
+                  <a:schemeClr val="tx1"/>
+                </a:solidFill>
+                <a:latin typeface="+mn-lt"/>
+                <a:ea typeface="+mn-ea"/>
+                <a:cs typeface="+mn-cs"/>
+              </a:defRPr>
+            </a:lvl4pPr>
+            <a:lvl5pPr marL="990600" indent="-180975" algn="l" defTabSz="914400" rtl="0" eaLnBrk="1" latinLnBrk="1" hangingPunct="1">
+              <a:lnSpc>
+                <a:spcPct val="150000"/>
+              </a:lnSpc>
+              <a:spcBef>
+                <a:spcPts val="500"/>
+              </a:spcBef>
+              <a:buClr>
+                <a:schemeClr val="accent4"/>
+              </a:buClr>
+              <a:buFont typeface="Arial" panose="020B0604020202020204" pitchFamily="34" charset="0"/>
+              <a:buChar char="•"/>
+              <a:defRPr sz="1000" kern="1200">
+                <a:solidFill>
+                  <a:schemeClr val="tx1"/>
+                </a:solidFill>
+                <a:latin typeface="+mn-lt"/>
+                <a:ea typeface="+mn-ea"/>
+                <a:cs typeface="+mn-cs"/>
+              </a:defRPr>
+            </a:lvl5pPr>
+            <a:lvl6pPr marL="2514600" indent="-228600" algn="l" defTabSz="914400" rtl="0" eaLnBrk="1" latinLnBrk="1" hangingPunct="1">
+              <a:lnSpc>
+                <a:spcPct val="90000"/>
+              </a:lnSpc>
+              <a:spcBef>
+                <a:spcPts val="500"/>
+              </a:spcBef>
+              <a:buFont typeface="Arial" panose="020B0604020202020204" pitchFamily="34" charset="0"/>
+              <a:buChar char="•"/>
+              <a:defRPr sz="1800" kern="1200">
+                <a:solidFill>
+                  <a:schemeClr val="tx1"/>
+                </a:solidFill>
+                <a:latin typeface="+mn-lt"/>
+                <a:ea typeface="+mn-ea"/>
+                <a:cs typeface="+mn-cs"/>
+              </a:defRPr>
+            </a:lvl6pPr>
+            <a:lvl7pPr marL="2971800" indent="-228600" algn="l" defTabSz="914400" rtl="0" eaLnBrk="1" latinLnBrk="1" hangingPunct="1">
+              <a:lnSpc>
+                <a:spcPct val="90000"/>
+              </a:lnSpc>
+              <a:spcBef>
+                <a:spcPts val="500"/>
+              </a:spcBef>
+              <a:buFont typeface="Arial" panose="020B0604020202020204" pitchFamily="34" charset="0"/>
+              <a:buChar char="•"/>
+              <a:defRPr sz="1800" kern="1200">
+                <a:solidFill>
+                  <a:schemeClr val="tx1"/>
+                </a:solidFill>
+                <a:latin typeface="+mn-lt"/>
+                <a:ea typeface="+mn-ea"/>
+                <a:cs typeface="+mn-cs"/>
+              </a:defRPr>
+            </a:lvl7pPr>
+            <a:lvl8pPr marL="3429000" indent="-228600" algn="l" defTabSz="914400" rtl="0" eaLnBrk="1" latinLnBrk="1" hangingPunct="1">
+              <a:lnSpc>
+                <a:spcPct val="90000"/>
+              </a:lnSpc>
+              <a:spcBef>
+                <a:spcPts val="500"/>
+              </a:spcBef>
+              <a:buFont typeface="Arial" panose="020B0604020202020204" pitchFamily="34" charset="0"/>
+              <a:buChar char="•"/>
+              <a:defRPr sz="1800" kern="1200">
+                <a:solidFill>
+                  <a:schemeClr val="tx1"/>
+                </a:solidFill>
+                <a:latin typeface="+mn-lt"/>
+                <a:ea typeface="+mn-ea"/>
+                <a:cs typeface="+mn-cs"/>
+              </a:defRPr>
+            </a:lvl8pPr>
+            <a:lvl9pPr marL="3886200" indent="-228600" algn="l" defTabSz="914400" rtl="0" eaLnBrk="1" latinLnBrk="1" hangingPunct="1">
+              <a:lnSpc>
+                <a:spcPct val="90000"/>
+              </a:lnSpc>
+              <a:spcBef>
+                <a:spcPts val="500"/>
+              </a:spcBef>
+              <a:buFont typeface="Arial" panose="020B0604020202020204" pitchFamily="34" charset="0"/>
+              <a:buChar char="•"/>
+              <a:defRPr sz="1800" kern="1200">
+                <a:solidFill>
+                  <a:schemeClr val="tx1"/>
+                </a:solidFill>
+                <a:latin typeface="+mn-lt"/>
+                <a:ea typeface="+mn-ea"/>
+                <a:cs typeface="+mn-cs"/>
+              </a:defRPr>
+            </a:lvl9pPr>
+          </a:lstStyle>
+          <a:p>
+            <a:pPr marL="457200" indent="-457200">
+              <a:spcBef>
+                <a:spcPct val="0"/>
+              </a:spcBef>
+              <a:buClr>
+                <a:schemeClr val="tx1">
+                  <a:lumMod val="65000"/>
+                  <a:lumOff val="35000"/>
+                </a:schemeClr>
+              </a:buClr>
               <a:buFont typeface="+mj-lt"/>
               <a:buAutoNum type="arabicPeriod"/>
-              <a:defRPr/>
             </a:pPr>
             <a:r>
               <a:rPr lang="ko-KR" altLang="en-US" dirty="0"/>
-              <a:t>소리 파일 다운로드 </a:t>
-            </a:r>
-            <a:r>
-              <a:rPr lang="en-US" altLang="ko-KR" dirty="0"/>
-              <a:t>(</a:t>
-            </a:r>
-            <a:r>
-              <a:rPr lang="en-US" altLang="ko-KR" dirty="0">
-                <a:hlinkClick r:id="rId2"/>
-              </a:rPr>
-              <a:t>http://appinventor.org/bookFiles/HelloPurr/meow.mp3</a:t>
-            </a:r>
-            <a:r>
-              <a:rPr lang="en-US" altLang="ko-KR" dirty="0"/>
-              <a:t>)</a:t>
-            </a:r>
-            <a:endParaRPr lang="ko-KR" altLang="en-US" dirty="0"/>
+              <a:t>프로젝트 만들기</a:t>
+            </a:r>
+            <a:endParaRPr lang="en-US" altLang="ko-KR" dirty="0"/>
           </a:p>
           <a:p>
             <a:pPr marL="609600" lvl="1" indent="-342900">
+              <a:buClr>
+                <a:schemeClr val="tx1">
+                  <a:lumMod val="50000"/>
+                  <a:lumOff val="50000"/>
+                </a:schemeClr>
+              </a:buClr>
               <a:buFont typeface="+mj-lt"/>
               <a:buAutoNum type="arabicPeriod"/>
-              <a:defRPr/>
             </a:pPr>
             <a:r>
-              <a:rPr lang="en-US" altLang="ko-KR" dirty="0"/>
-              <a:t>Sound </a:t>
-            </a:r>
-            <a:r>
               <a:rPr lang="ko-KR" altLang="en-US" dirty="0"/>
-              <a:t>컴포넌트 끌어오기</a:t>
-            </a:r>
-            <a:r>
-              <a:rPr lang="en-US" altLang="ko-KR" dirty="0"/>
-              <a:t>: Non-visible components </a:t>
-            </a:r>
-            <a:r>
-              <a:rPr lang="ko-KR" altLang="en-US" dirty="0"/>
-              <a:t>영역에 나타남</a:t>
-            </a:r>
+              <a:t>화면 </a:t>
+            </a:r>
+            <a:endParaRPr lang="en-US" altLang="ko-KR" dirty="0" smtClean="0"/>
           </a:p>
           <a:p>
             <a:pPr marL="609600" lvl="1" indent="-342900">
+              <a:buClr>
+                <a:schemeClr val="tx1">
+                  <a:lumMod val="50000"/>
+                  <a:lumOff val="50000"/>
+                </a:schemeClr>
+              </a:buClr>
               <a:buFont typeface="+mj-lt"/>
               <a:buAutoNum type="arabicPeriod"/>
-              <a:defRPr/>
             </a:pPr>
             <a:r>
-              <a:rPr lang="en-US" altLang="ko-KR" dirty="0"/>
-              <a:t>Sound </a:t>
+              <a:rPr lang="ko-KR" altLang="en-US" dirty="0" smtClean="0">
+                <a:solidFill>
+                  <a:srgbClr val="0000FF"/>
+                </a:solidFill>
+              </a:rPr>
+              <a:t>프로젝트</a:t>
+            </a:r>
+            <a:r>
+              <a:rPr lang="ko-KR" altLang="en-US" dirty="0" smtClean="0"/>
+              <a:t> </a:t>
             </a:r>
             <a:r>
               <a:rPr lang="ko-KR" altLang="en-US" dirty="0"/>
-              <a:t>컴포넌트의 </a:t>
-            </a:r>
-            <a:r>
-              <a:rPr lang="en-US" altLang="ko-KR" dirty="0"/>
-              <a:t>Source </a:t>
-            </a:r>
-            <a:r>
-              <a:rPr lang="ko-KR" altLang="en-US" dirty="0"/>
-              <a:t>속성을 소리 파일로 설정</a:t>
-            </a:r>
-          </a:p>
-          <a:p>
-            <a:pPr>
-              <a:defRPr/>
-            </a:pPr>
-            <a:endParaRPr lang="ko-KR" altLang="en-US" dirty="0"/>
-          </a:p>
-          <a:p>
-            <a:pPr>
-              <a:defRPr/>
-            </a:pPr>
+              <a:t>이름 입력</a:t>
+            </a:r>
+            <a:r>
+              <a:rPr lang="en-US" altLang="ko-KR" dirty="0"/>
+              <a:t>: </a:t>
+            </a:r>
+            <a:endParaRPr lang="en-US" altLang="ko-KR" dirty="0" smtClean="0"/>
+          </a:p>
+          <a:p>
             <a:endParaRPr lang="ko-KR" altLang="en-US" dirty="0"/>
           </a:p>
         </p:txBody>
@@ -11064,7 +14857,7 @@
     </p:spTree>
     <p:extLst>
       <p:ext uri="{BB962C8B-B14F-4D97-AF65-F5344CB8AC3E}">
-        <p14:creationId xmlns:p14="http://schemas.microsoft.com/office/powerpoint/2010/main" val="1443926335"/>
+        <p14:creationId xmlns:p14="http://schemas.microsoft.com/office/powerpoint/2010/main" val="2239061091"/>
       </p:ext>
     </p:extLst>
   </p:cSld>
@@ -11218,8 +15011,12 @@
               </a:buClr>
             </a:pPr>
             <a:r>
-              <a:rPr lang="ko-KR" altLang="en-US" dirty="0"/>
-              <a:t>로컬저장소 </a:t>
+              <a:rPr lang="ko-KR" altLang="en-US" dirty="0" err="1" smtClean="0"/>
+              <a:t>지역저장소</a:t>
+            </a:r>
+            <a:r>
+              <a:rPr lang="ko-KR" altLang="en-US" dirty="0" smtClean="0"/>
+              <a:t> </a:t>
             </a:r>
             <a:r>
               <a:rPr lang="en-US" altLang="ko-KR" dirty="0"/>
@@ -11419,12 +15216,20 @@
           <a:lstStyle/>
           <a:p>
             <a:r>
-              <a:rPr lang="ko-KR" altLang="en-US" sz="1600" dirty="0">
+              <a:rPr lang="ko-KR" altLang="en-US" sz="1600" dirty="0" err="1" smtClean="0">
                 <a:solidFill>
                   <a:srgbClr val="0000FF"/>
                 </a:solidFill>
               </a:rPr>
-              <a:t>로컬저장소 </a:t>
+              <a:t>지역저장소</a:t>
+            </a:r>
+            <a:r>
+              <a:rPr lang="ko-KR" altLang="en-US" sz="1600" dirty="0" smtClean="0">
+                <a:solidFill>
+                  <a:srgbClr val="0000FF"/>
+                </a:solidFill>
+              </a:rPr>
+              <a:t> </a:t>
             </a:r>
             <a:r>
               <a:rPr lang="en-US" altLang="ko-KR" sz="1600" dirty="0">
@@ -13515,7 +17320,9 @@
           </a:xfrm>
         </p:spPr>
         <p:txBody>
-          <a:bodyPr/>
+          <a:bodyPr>
+            <a:normAutofit fontScale="92500" lnSpcReduction="10000"/>
+          </a:bodyPr>
           <a:lstStyle/>
           <a:p>
             <a:pPr>

--- a/git및github첫걸음.pptx
+++ b/git및github첫걸음.pptx
@@ -5,7 +5,7 @@
     <p:sldMasterId id="2147483660" r:id="rId1"/>
   </p:sldMasterIdLst>
   <p:notesMasterIdLst>
-    <p:notesMasterId r:id="rId31"/>
+    <p:notesMasterId r:id="rId33"/>
   </p:notesMasterIdLst>
   <p:sldIdLst>
     <p:sldId id="256" r:id="rId2"/>
@@ -36,7 +36,9 @@
     <p:sldId id="288" r:id="rId27"/>
     <p:sldId id="289" r:id="rId28"/>
     <p:sldId id="290" r:id="rId29"/>
-    <p:sldId id="259" r:id="rId30"/>
+    <p:sldId id="291" r:id="rId30"/>
+    <p:sldId id="292" r:id="rId31"/>
+    <p:sldId id="259" r:id="rId32"/>
   </p:sldIdLst>
   <p:sldSz cx="9144000" cy="6858000" type="screen4x3"/>
   <p:notesSz cx="6858000" cy="9144000"/>
@@ -2149,15 +2151,7 @@
             </a:r>
             <a:r>
               <a:rPr lang="ko-KR" altLang="en-US" baseline="0" dirty="0" smtClean="0"/>
-              <a:t>먼저 확인 </a:t>
-            </a:r>
-            <a:r>
-              <a:rPr lang="ko-KR" altLang="en-US" baseline="0" smtClean="0"/>
-              <a:t>검토과정을 거치게 되므로 </a:t>
-            </a:r>
-            <a:r>
-              <a:rPr lang="ko-KR" altLang="en-US" baseline="0" dirty="0" smtClean="0"/>
-              <a:t>신중하게 할 </a:t>
+              <a:t>먼저 확인 검토과정을 거치게 되므로 신중하게 할 </a:t>
             </a:r>
             <a:r>
               <a:rPr lang="ko-KR" altLang="en-US" baseline="0" dirty="0" err="1" smtClean="0"/>
@@ -2198,6 +2192,174 @@
     <p:extLst>
       <p:ext uri="{BB962C8B-B14F-4D97-AF65-F5344CB8AC3E}">
         <p14:creationId xmlns:p14="http://schemas.microsoft.com/office/powerpoint/2010/main" val="1354663592"/>
+      </p:ext>
+    </p:extLst>
+  </p:cSld>
+  <p:clrMapOvr>
+    <a:masterClrMapping/>
+  </p:clrMapOvr>
+</p:notes>
+</file>
+
+<file path=ppt/notesSlides/notesSlide24.xml><?xml version="1.0" encoding="utf-8"?>
+<p:notes xmlns:a="http://schemas.openxmlformats.org/drawingml/2006/main" xmlns:r="http://schemas.openxmlformats.org/officeDocument/2006/relationships" xmlns:p="http://schemas.openxmlformats.org/presentationml/2006/main">
+  <p:cSld>
+    <p:spTree>
+      <p:nvGrpSpPr>
+        <p:cNvPr id="1" name=""/>
+        <p:cNvGrpSpPr/>
+        <p:nvPr/>
+      </p:nvGrpSpPr>
+      <p:grpSpPr>
+        <a:xfrm>
+          <a:off x="0" y="0"/>
+          <a:ext cx="0" cy="0"/>
+          <a:chOff x="0" y="0"/>
+          <a:chExt cx="0" cy="0"/>
+        </a:xfrm>
+      </p:grpSpPr>
+      <p:sp>
+        <p:nvSpPr>
+          <p:cNvPr id="2" name="슬라이드 이미지 개체 틀 1"/>
+          <p:cNvSpPr>
+            <a:spLocks noGrp="1" noRot="1" noChangeAspect="1"/>
+          </p:cNvSpPr>
+          <p:nvPr>
+            <p:ph type="sldImg"/>
+          </p:nvPr>
+        </p:nvSpPr>
+        <p:spPr/>
+      </p:sp>
+      <p:sp>
+        <p:nvSpPr>
+          <p:cNvPr id="3" name="슬라이드 노트 개체 틀 2"/>
+          <p:cNvSpPr>
+            <a:spLocks noGrp="1"/>
+          </p:cNvSpPr>
+          <p:nvPr>
+            <p:ph type="body" idx="1"/>
+          </p:nvPr>
+        </p:nvSpPr>
+        <p:spPr/>
+        <p:txBody>
+          <a:bodyPr/>
+          <a:lstStyle/>
+          <a:p>
+            <a:endParaRPr lang="ko-KR" altLang="en-US" dirty="0"/>
+          </a:p>
+        </p:txBody>
+      </p:sp>
+      <p:sp>
+        <p:nvSpPr>
+          <p:cNvPr id="4" name="슬라이드 번호 개체 틀 3"/>
+          <p:cNvSpPr>
+            <a:spLocks noGrp="1"/>
+          </p:cNvSpPr>
+          <p:nvPr>
+            <p:ph type="sldNum" sz="quarter" idx="10"/>
+          </p:nvPr>
+        </p:nvSpPr>
+        <p:spPr/>
+        <p:txBody>
+          <a:bodyPr/>
+          <a:lstStyle/>
+          <a:p>
+            <a:fld id="{625D4AC4-540A-4436-887D-BF6A8FCF1275}" type="slidenum">
+              <a:rPr lang="ko-KR" altLang="en-US" smtClean="0"/>
+              <a:t>29</a:t>
+            </a:fld>
+            <a:endParaRPr lang="ko-KR" altLang="en-US"/>
+          </a:p>
+        </p:txBody>
+      </p:sp>
+    </p:spTree>
+    <p:extLst>
+      <p:ext uri="{BB962C8B-B14F-4D97-AF65-F5344CB8AC3E}">
+        <p14:creationId xmlns:p14="http://schemas.microsoft.com/office/powerpoint/2010/main" val="2656794270"/>
+      </p:ext>
+    </p:extLst>
+  </p:cSld>
+  <p:clrMapOvr>
+    <a:masterClrMapping/>
+  </p:clrMapOvr>
+</p:notes>
+</file>
+
+<file path=ppt/notesSlides/notesSlide25.xml><?xml version="1.0" encoding="utf-8"?>
+<p:notes xmlns:a="http://schemas.openxmlformats.org/drawingml/2006/main" xmlns:r="http://schemas.openxmlformats.org/officeDocument/2006/relationships" xmlns:p="http://schemas.openxmlformats.org/presentationml/2006/main">
+  <p:cSld>
+    <p:spTree>
+      <p:nvGrpSpPr>
+        <p:cNvPr id="1" name=""/>
+        <p:cNvGrpSpPr/>
+        <p:nvPr/>
+      </p:nvGrpSpPr>
+      <p:grpSpPr>
+        <a:xfrm>
+          <a:off x="0" y="0"/>
+          <a:ext cx="0" cy="0"/>
+          <a:chOff x="0" y="0"/>
+          <a:chExt cx="0" cy="0"/>
+        </a:xfrm>
+      </p:grpSpPr>
+      <p:sp>
+        <p:nvSpPr>
+          <p:cNvPr id="2" name="슬라이드 이미지 개체 틀 1"/>
+          <p:cNvSpPr>
+            <a:spLocks noGrp="1" noRot="1" noChangeAspect="1"/>
+          </p:cNvSpPr>
+          <p:nvPr>
+            <p:ph type="sldImg"/>
+          </p:nvPr>
+        </p:nvSpPr>
+        <p:spPr/>
+      </p:sp>
+      <p:sp>
+        <p:nvSpPr>
+          <p:cNvPr id="3" name="슬라이드 노트 개체 틀 2"/>
+          <p:cNvSpPr>
+            <a:spLocks noGrp="1"/>
+          </p:cNvSpPr>
+          <p:nvPr>
+            <p:ph type="body" idx="1"/>
+          </p:nvPr>
+        </p:nvSpPr>
+        <p:spPr/>
+        <p:txBody>
+          <a:bodyPr/>
+          <a:lstStyle/>
+          <a:p>
+            <a:endParaRPr lang="ko-KR" altLang="en-US" dirty="0"/>
+          </a:p>
+        </p:txBody>
+      </p:sp>
+      <p:sp>
+        <p:nvSpPr>
+          <p:cNvPr id="4" name="슬라이드 번호 개체 틀 3"/>
+          <p:cNvSpPr>
+            <a:spLocks noGrp="1"/>
+          </p:cNvSpPr>
+          <p:nvPr>
+            <p:ph type="sldNum" sz="quarter" idx="10"/>
+          </p:nvPr>
+        </p:nvSpPr>
+        <p:spPr/>
+        <p:txBody>
+          <a:bodyPr/>
+          <a:lstStyle/>
+          <a:p>
+            <a:fld id="{625D4AC4-540A-4436-887D-BF6A8FCF1275}" type="slidenum">
+              <a:rPr lang="ko-KR" altLang="en-US" smtClean="0"/>
+              <a:t>30</a:t>
+            </a:fld>
+            <a:endParaRPr lang="ko-KR" altLang="en-US"/>
+          </a:p>
+        </p:txBody>
+      </p:sp>
+    </p:spTree>
+    <p:extLst>
+      <p:ext uri="{BB962C8B-B14F-4D97-AF65-F5344CB8AC3E}">
+        <p14:creationId xmlns:p14="http://schemas.microsoft.com/office/powerpoint/2010/main" val="2930983645"/>
       </p:ext>
     </p:extLst>
   </p:cSld>
@@ -14317,8 +14479,8 @@
           <a:lstStyle/>
           <a:p>
             <a:r>
-              <a:rPr lang="ko-KR" altLang="en-US" dirty="0" smtClean="0"/>
-              <a:t>협업시작하기</a:t>
+              <a:rPr lang="en-US" altLang="ko-KR" dirty="0" smtClean="0"/>
+              <a:t>Pull Request</a:t>
             </a:r>
             <a:endParaRPr lang="ko-KR" altLang="en-US" dirty="0"/>
           </a:p>
@@ -14326,249 +14488,10 @@
       </p:sp>
       <p:sp>
         <p:nvSpPr>
-          <p:cNvPr id="5" name="내용 개체 틀 4">
+          <p:cNvPr id="7" name="내용 개체 틀 2">
             <a:extLst>
               <a:ext uri="{FF2B5EF4-FFF2-40B4-BE49-F238E27FC236}">
-                <a16:creationId xmlns:a16="http://schemas.microsoft.com/office/drawing/2014/main" id="{FDF69C25-9F43-470B-8A20-AEDC0F371CCD}"/>
-              </a:ext>
-            </a:extLst>
-          </p:cNvPr>
-          <p:cNvSpPr>
-            <a:spLocks noGrp="1"/>
-          </p:cNvSpPr>
-          <p:nvPr>
-            <p:ph idx="1"/>
-          </p:nvPr>
-        </p:nvSpPr>
-        <p:spPr>
-          <a:xfrm>
-            <a:off x="250825" y="1000221"/>
-            <a:ext cx="8641655" cy="2996743"/>
-          </a:xfrm>
-        </p:spPr>
-        <p:txBody>
-          <a:bodyPr tIns="0" bIns="0">
-            <a:noAutofit/>
-          </a:bodyPr>
-          <a:lstStyle/>
-          <a:p>
-            <a:pPr>
-              <a:buClr>
-                <a:schemeClr val="tx1">
-                  <a:lumMod val="65000"/>
-                  <a:lumOff val="35000"/>
-                </a:schemeClr>
-              </a:buClr>
-              <a:defRPr/>
-            </a:pPr>
-            <a:r>
-              <a:rPr lang="ko-KR" altLang="en-US" dirty="0"/>
-              <a:t>프로젝트 만들기</a:t>
-            </a:r>
-          </a:p>
-          <a:p>
-            <a:pPr marL="609600" lvl="1" indent="-342900">
-              <a:buClr>
-                <a:schemeClr val="tx1">
-                  <a:lumMod val="65000"/>
-                  <a:lumOff val="35000"/>
-                </a:schemeClr>
-              </a:buClr>
-              <a:buFont typeface="+mj-ea"/>
-              <a:buAutoNum type="circleNumDbPlain"/>
-              <a:defRPr/>
-            </a:pPr>
-            <a:r>
-              <a:rPr lang="en-US" altLang="ko-KR" dirty="0" err="1" smtClean="0"/>
-              <a:t>Github</a:t>
-            </a:r>
-            <a:r>
-              <a:rPr lang="en-US" altLang="ko-KR" dirty="0" smtClean="0"/>
-              <a:t> </a:t>
-            </a:r>
-            <a:r>
-              <a:rPr lang="ko-KR" altLang="en-US" dirty="0" smtClean="0"/>
-              <a:t>등록</a:t>
-            </a:r>
-            <a:endParaRPr lang="en-US" altLang="ko-KR" dirty="0"/>
-          </a:p>
-          <a:p>
-            <a:pPr marL="609600" lvl="1" indent="-342900">
-              <a:buClr>
-                <a:schemeClr val="tx1">
-                  <a:lumMod val="65000"/>
-                  <a:lumOff val="35000"/>
-                </a:schemeClr>
-              </a:buClr>
-              <a:buFont typeface="+mj-ea"/>
-              <a:buAutoNum type="circleNumDbPlain"/>
-              <a:defRPr/>
-            </a:pPr>
-            <a:r>
-              <a:rPr lang="en-US" altLang="ko-KR" dirty="0" smtClean="0"/>
-              <a:t>P</a:t>
-            </a:r>
-            <a:endParaRPr lang="en-US" altLang="ko-KR" dirty="0"/>
-          </a:p>
-          <a:p>
-            <a:pPr marL="609600" lvl="1" indent="-342900">
-              <a:buClr>
-                <a:schemeClr val="tx1">
-                  <a:lumMod val="65000"/>
-                  <a:lumOff val="35000"/>
-                </a:schemeClr>
-              </a:buClr>
-              <a:buFont typeface="+mj-ea"/>
-              <a:buAutoNum type="circleNumDbPlain"/>
-              <a:defRPr/>
-            </a:pPr>
-            <a:r>
-              <a:rPr lang="en-US" altLang="ko-KR" dirty="0"/>
-              <a:t> </a:t>
-            </a:r>
-            <a:endParaRPr lang="en-US" altLang="ko-KR" dirty="0"/>
-          </a:p>
-          <a:p>
-            <a:pPr marL="609600" lvl="1" indent="-342900">
-              <a:buClr>
-                <a:schemeClr val="tx1">
-                  <a:lumMod val="65000"/>
-                  <a:lumOff val="35000"/>
-                </a:schemeClr>
-              </a:buClr>
-              <a:buFont typeface="+mj-ea"/>
-              <a:buAutoNum type="circleNumDbPlain"/>
-              <a:defRPr/>
-            </a:pPr>
-            <a:r>
-              <a:rPr lang="en-US" altLang="ko-KR" dirty="0"/>
-              <a:t> </a:t>
-            </a:r>
-            <a:endParaRPr lang="en-US" altLang="ko-KR" dirty="0"/>
-          </a:p>
-          <a:p>
-            <a:pPr marL="609600" lvl="1" indent="-342900">
-              <a:buClr>
-                <a:schemeClr val="tx1">
-                  <a:lumMod val="65000"/>
-                  <a:lumOff val="35000"/>
-                </a:schemeClr>
-              </a:buClr>
-              <a:buFont typeface="+mj-ea"/>
-              <a:buAutoNum type="circleNumDbPlain"/>
-              <a:defRPr/>
-            </a:pPr>
-            <a:r>
-              <a:rPr lang="en-US" altLang="ko-KR" dirty="0"/>
-              <a:t> </a:t>
-            </a:r>
-            <a:endParaRPr lang="en-US" altLang="ko-KR" dirty="0" smtClean="0"/>
-          </a:p>
-          <a:p>
-            <a:pPr marL="609600" lvl="1" indent="-342900">
-              <a:buClr>
-                <a:schemeClr val="tx1">
-                  <a:lumMod val="65000"/>
-                  <a:lumOff val="35000"/>
-                </a:schemeClr>
-              </a:buClr>
-              <a:buFont typeface="+mj-ea"/>
-              <a:buAutoNum type="circleNumDbPlain"/>
-              <a:defRPr/>
-            </a:pPr>
-            <a:r>
-              <a:rPr lang="en-US" altLang="ko-KR" dirty="0" smtClean="0">
-                <a:solidFill>
-                  <a:srgbClr val="FF0000"/>
-                </a:solidFill>
-              </a:rPr>
-              <a:t>Clone</a:t>
-            </a:r>
-            <a:r>
-              <a:rPr lang="ko-KR" altLang="en-US" dirty="0" smtClean="0">
-                <a:solidFill>
-                  <a:srgbClr val="FF0000"/>
-                </a:solidFill>
-              </a:rPr>
-              <a:t>과 </a:t>
-            </a:r>
-            <a:r>
-              <a:rPr lang="en-US" altLang="ko-KR" dirty="0" smtClean="0">
-                <a:solidFill>
-                  <a:srgbClr val="FF0000"/>
-                </a:solidFill>
-              </a:rPr>
-              <a:t>pull</a:t>
-            </a:r>
-            <a:r>
-              <a:rPr lang="ko-KR" altLang="en-US" dirty="0" smtClean="0">
-                <a:solidFill>
-                  <a:srgbClr val="FF0000"/>
-                </a:solidFill>
-              </a:rPr>
-              <a:t>이</a:t>
-            </a:r>
-            <a:r>
-              <a:rPr lang="en-US" altLang="ko-KR" dirty="0" smtClean="0">
-                <a:solidFill>
-                  <a:srgbClr val="FF0000"/>
-                </a:solidFill>
-              </a:rPr>
-              <a:t> </a:t>
-            </a:r>
-            <a:r>
-              <a:rPr lang="ko-KR" altLang="en-US" dirty="0" smtClean="0">
-                <a:solidFill>
-                  <a:srgbClr val="FF0000"/>
-                </a:solidFill>
-              </a:rPr>
-              <a:t>차이</a:t>
-            </a:r>
-            <a:r>
-              <a:rPr lang="en-US" altLang="ko-KR" dirty="0" smtClean="0">
-                <a:solidFill>
-                  <a:srgbClr val="FF0000"/>
-                </a:solidFill>
-              </a:rPr>
-              <a:t>, </a:t>
-            </a:r>
-            <a:r>
-              <a:rPr lang="ko-KR" altLang="en-US" dirty="0" smtClean="0">
-                <a:solidFill>
-                  <a:srgbClr val="FF0000"/>
-                </a:solidFill>
-              </a:rPr>
-              <a:t>로컬에서 자동 </a:t>
-            </a:r>
-            <a:r>
-              <a:rPr lang="ko-KR" altLang="en-US" dirty="0" smtClean="0">
-                <a:solidFill>
-                  <a:srgbClr val="FF0000"/>
-                </a:solidFill>
-              </a:rPr>
-              <a:t>연결 삭제 방법 확인</a:t>
-            </a:r>
-            <a:endParaRPr lang="en-US" altLang="ko-KR" dirty="0">
-              <a:solidFill>
-                <a:srgbClr val="FF0000"/>
-              </a:solidFill>
-            </a:endParaRPr>
-          </a:p>
-          <a:p>
-            <a:endParaRPr lang="ko-KR" altLang="en-US" dirty="0">
-              <a:solidFill>
-                <a:srgbClr val="FF0000"/>
-              </a:solidFill>
-            </a:endParaRPr>
-          </a:p>
-        </p:txBody>
-      </p:sp>
-      <p:sp>
-        <p:nvSpPr>
-          <p:cNvPr id="6" name="내용 개체 틀 4">
-            <a:extLst>
-              <a:ext uri="{FF2B5EF4-FFF2-40B4-BE49-F238E27FC236}">
-                <a16:creationId xmlns:a16="http://schemas.microsoft.com/office/drawing/2014/main" id="{59FE1F7F-BB82-4587-A86F-471C542D6EA7}"/>
+                <a16:creationId xmlns:a16="http://schemas.microsoft.com/office/drawing/2014/main" id="{A44AC902-3746-40D6-9827-94B46EEDDC67}"/>
               </a:ext>
             </a:extLst>
           </p:cNvPr>
@@ -14579,208 +14502,22 @@
         </p:nvSpPr>
         <p:spPr>
           <a:xfrm>
-            <a:off x="250825" y="4506993"/>
-            <a:ext cx="8641655" cy="1526162"/>
+            <a:off x="341787" y="1120544"/>
+            <a:ext cx="8642350" cy="4779215"/>
           </a:xfrm>
           <a:prstGeom prst="rect">
             <a:avLst/>
           </a:prstGeom>
         </p:spPr>
         <p:txBody>
-          <a:bodyPr vert="horz" lIns="91440" tIns="0" rIns="91440" bIns="0" rtlCol="0">
+          <a:bodyPr vert="horz" lIns="91440" tIns="45720" rIns="91440" bIns="45720" rtlCol="0">
             <a:noAutofit/>
           </a:bodyPr>
           <a:lstStyle>
-            <a:lvl1pPr marL="266700" indent="-266700" algn="l" defTabSz="914400" rtl="0" eaLnBrk="1" latinLnBrk="1" hangingPunct="1">
+            <a:lvl1pPr marL="266700" indent="-266700" defTabSz="914400" latinLnBrk="1">
               <a:lnSpc>
                 <a:spcPct val="150000"/>
               </a:lnSpc>
-              <a:spcBef>
-                <a:spcPts val="0"/>
-              </a:spcBef>
-              <a:buClr>
-                <a:schemeClr val="accent4"/>
-              </a:buClr>
-              <a:buFont typeface="Wingdings" pitchFamily="2" charset="2"/>
-              <a:buChar char="n"/>
-              <a:defRPr sz="2000" b="1" kern="1200">
-                <a:solidFill>
-                  <a:schemeClr val="tx1"/>
-                </a:solidFill>
-                <a:latin typeface="+mn-ea"/>
-                <a:ea typeface="+mn-ea"/>
-                <a:cs typeface="+mn-cs"/>
-              </a:defRPr>
-            </a:lvl1pPr>
-            <a:lvl2pPr marL="447675" indent="-180975" algn="l" defTabSz="914400" rtl="0" eaLnBrk="1" latinLnBrk="1" hangingPunct="1">
-              <a:lnSpc>
-                <a:spcPct val="150000"/>
-              </a:lnSpc>
-              <a:spcBef>
-                <a:spcPts val="500"/>
-              </a:spcBef>
-              <a:spcAft>
-                <a:spcPts val="400"/>
-              </a:spcAft>
-              <a:buClr>
-                <a:schemeClr val="accent4"/>
-              </a:buClr>
-              <a:buFont typeface="Wingdings" pitchFamily="2" charset="2"/>
-              <a:buChar char="§"/>
-              <a:defRPr sz="1600" kern="1200">
-                <a:solidFill>
-                  <a:schemeClr val="tx1"/>
-                </a:solidFill>
-                <a:latin typeface="+mn-lt"/>
-                <a:ea typeface="+mn-ea"/>
-                <a:cs typeface="+mn-cs"/>
-              </a:defRPr>
-            </a:lvl2pPr>
-            <a:lvl3pPr marL="628650" indent="-180975" algn="l" defTabSz="914400" rtl="0" eaLnBrk="1" latinLnBrk="1" hangingPunct="1">
-              <a:lnSpc>
-                <a:spcPct val="150000"/>
-              </a:lnSpc>
-              <a:spcBef>
-                <a:spcPts val="500"/>
-              </a:spcBef>
-              <a:spcAft>
-                <a:spcPts val="300"/>
-              </a:spcAft>
-              <a:buClr>
-                <a:schemeClr val="accent4"/>
-              </a:buClr>
-              <a:buFont typeface="Arial" panose="020B0604020202020204" pitchFamily="34" charset="0"/>
-              <a:buChar char="•"/>
-              <a:defRPr sz="1400" kern="1200">
-                <a:solidFill>
-                  <a:schemeClr val="tx1"/>
-                </a:solidFill>
-                <a:latin typeface="+mn-lt"/>
-                <a:ea typeface="+mn-ea"/>
-                <a:cs typeface="+mn-cs"/>
-              </a:defRPr>
-            </a:lvl3pPr>
-            <a:lvl4pPr marL="809625" indent="-180975" algn="l" defTabSz="914400" rtl="0" eaLnBrk="1" latinLnBrk="1" hangingPunct="1">
-              <a:lnSpc>
-                <a:spcPct val="150000"/>
-              </a:lnSpc>
-              <a:spcBef>
-                <a:spcPts val="500"/>
-              </a:spcBef>
-              <a:spcAft>
-                <a:spcPts val="300"/>
-              </a:spcAft>
-              <a:buClr>
-                <a:schemeClr val="accent4"/>
-              </a:buClr>
-              <a:buSzPct val="96000"/>
-              <a:buFont typeface="Arial" panose="020B0604020202020204" pitchFamily="34" charset="0"/>
-              <a:buChar char="•"/>
-              <a:defRPr sz="1200" kern="1200">
-                <a:solidFill>
-                  <a:schemeClr val="tx1"/>
-                </a:solidFill>
-                <a:latin typeface="+mn-lt"/>
-                <a:ea typeface="+mn-ea"/>
-                <a:cs typeface="+mn-cs"/>
-              </a:defRPr>
-            </a:lvl4pPr>
-            <a:lvl5pPr marL="990600" indent="-180975" algn="l" defTabSz="914400" rtl="0" eaLnBrk="1" latinLnBrk="1" hangingPunct="1">
-              <a:lnSpc>
-                <a:spcPct val="150000"/>
-              </a:lnSpc>
-              <a:spcBef>
-                <a:spcPts val="500"/>
-              </a:spcBef>
-              <a:buClr>
-                <a:schemeClr val="accent4"/>
-              </a:buClr>
-              <a:buFont typeface="Arial" panose="020B0604020202020204" pitchFamily="34" charset="0"/>
-              <a:buChar char="•"/>
-              <a:defRPr sz="1000" kern="1200">
-                <a:solidFill>
-                  <a:schemeClr val="tx1"/>
-                </a:solidFill>
-                <a:latin typeface="+mn-lt"/>
-                <a:ea typeface="+mn-ea"/>
-                <a:cs typeface="+mn-cs"/>
-              </a:defRPr>
-            </a:lvl5pPr>
-            <a:lvl6pPr marL="2514600" indent="-228600" algn="l" defTabSz="914400" rtl="0" eaLnBrk="1" latinLnBrk="1" hangingPunct="1">
-              <a:lnSpc>
-                <a:spcPct val="90000"/>
-              </a:lnSpc>
-              <a:spcBef>
-                <a:spcPts val="500"/>
-              </a:spcBef>
-              <a:buFont typeface="Arial" panose="020B0604020202020204" pitchFamily="34" charset="0"/>
-              <a:buChar char="•"/>
-              <a:defRPr sz="1800" kern="1200">
-                <a:solidFill>
-                  <a:schemeClr val="tx1"/>
-                </a:solidFill>
-                <a:latin typeface="+mn-lt"/>
-                <a:ea typeface="+mn-ea"/>
-                <a:cs typeface="+mn-cs"/>
-              </a:defRPr>
-            </a:lvl6pPr>
-            <a:lvl7pPr marL="2971800" indent="-228600" algn="l" defTabSz="914400" rtl="0" eaLnBrk="1" latinLnBrk="1" hangingPunct="1">
-              <a:lnSpc>
-                <a:spcPct val="90000"/>
-              </a:lnSpc>
-              <a:spcBef>
-                <a:spcPts val="500"/>
-              </a:spcBef>
-              <a:buFont typeface="Arial" panose="020B0604020202020204" pitchFamily="34" charset="0"/>
-              <a:buChar char="•"/>
-              <a:defRPr sz="1800" kern="1200">
-                <a:solidFill>
-                  <a:schemeClr val="tx1"/>
-                </a:solidFill>
-                <a:latin typeface="+mn-lt"/>
-                <a:ea typeface="+mn-ea"/>
-                <a:cs typeface="+mn-cs"/>
-              </a:defRPr>
-            </a:lvl7pPr>
-            <a:lvl8pPr marL="3429000" indent="-228600" algn="l" defTabSz="914400" rtl="0" eaLnBrk="1" latinLnBrk="1" hangingPunct="1">
-              <a:lnSpc>
-                <a:spcPct val="90000"/>
-              </a:lnSpc>
-              <a:spcBef>
-                <a:spcPts val="500"/>
-              </a:spcBef>
-              <a:buFont typeface="Arial" panose="020B0604020202020204" pitchFamily="34" charset="0"/>
-              <a:buChar char="•"/>
-              <a:defRPr sz="1800" kern="1200">
-                <a:solidFill>
-                  <a:schemeClr val="tx1"/>
-                </a:solidFill>
-                <a:latin typeface="+mn-lt"/>
-                <a:ea typeface="+mn-ea"/>
-                <a:cs typeface="+mn-cs"/>
-              </a:defRPr>
-            </a:lvl8pPr>
-            <a:lvl9pPr marL="3886200" indent="-228600" algn="l" defTabSz="914400" rtl="0" eaLnBrk="1" latinLnBrk="1" hangingPunct="1">
-              <a:lnSpc>
-                <a:spcPct val="90000"/>
-              </a:lnSpc>
-              <a:spcBef>
-                <a:spcPts val="500"/>
-              </a:spcBef>
-              <a:buFont typeface="Arial" panose="020B0604020202020204" pitchFamily="34" charset="0"/>
-              <a:buChar char="•"/>
-              <a:defRPr sz="1800" kern="1200">
-                <a:solidFill>
-                  <a:schemeClr val="tx1"/>
-                </a:solidFill>
-                <a:latin typeface="+mn-lt"/>
-                <a:ea typeface="+mn-ea"/>
-                <a:cs typeface="+mn-cs"/>
-              </a:defRPr>
-            </a:lvl9pPr>
-          </a:lstStyle>
-          <a:p>
-            <a:pPr marL="457200" indent="-457200">
               <a:spcBef>
                 <a:spcPct val="0"/>
               </a:spcBef>
@@ -14790,74 +14527,385 @@
                   <a:lumOff val="35000"/>
                 </a:schemeClr>
               </a:buClr>
-              <a:buFont typeface="+mj-lt"/>
-              <a:buAutoNum type="arabicPeriod"/>
-            </a:pPr>
-            <a:r>
-              <a:rPr lang="ko-KR" altLang="en-US" dirty="0"/>
-              <a:t>프로젝트 만들기</a:t>
-            </a:r>
-            <a:endParaRPr lang="en-US" altLang="ko-KR" dirty="0"/>
-          </a:p>
-          <a:p>
-            <a:pPr marL="609600" lvl="1" indent="-342900">
+              <a:buFont typeface="Wingdings" pitchFamily="2" charset="2"/>
+              <a:buChar char="n"/>
+              <a:defRPr sz="2000" b="1">
+                <a:latin typeface="+mn-ea"/>
+              </a:defRPr>
+            </a:lvl1pPr>
+            <a:lvl2pPr marL="447675" lvl="1" indent="-180975" defTabSz="914400" latinLnBrk="1">
+              <a:lnSpc>
+                <a:spcPct val="150000"/>
+              </a:lnSpc>
+              <a:spcBef>
+                <a:spcPts val="0"/>
+              </a:spcBef>
+              <a:spcAft>
+                <a:spcPts val="0"/>
+              </a:spcAft>
               <a:buClr>
                 <a:schemeClr val="tx1">
                   <a:lumMod val="50000"/>
                   <a:lumOff val="50000"/>
                 </a:schemeClr>
               </a:buClr>
-              <a:buFont typeface="+mj-lt"/>
-              <a:buAutoNum type="arabicPeriod"/>
+              <a:buFont typeface="Wingdings" pitchFamily="2" charset="2"/>
+              <a:buChar char="§"/>
+              <a:defRPr sz="1600"/>
+            </a:lvl2pPr>
+            <a:lvl3pPr marL="628650" indent="-180975" defTabSz="914400" latinLnBrk="1">
+              <a:lnSpc>
+                <a:spcPct val="150000"/>
+              </a:lnSpc>
+              <a:spcBef>
+                <a:spcPts val="500"/>
+              </a:spcBef>
+              <a:spcAft>
+                <a:spcPts val="300"/>
+              </a:spcAft>
+              <a:buClr>
+                <a:schemeClr val="tx1">
+                  <a:lumMod val="65000"/>
+                  <a:lumOff val="35000"/>
+                </a:schemeClr>
+              </a:buClr>
+              <a:buFont typeface="Arial" panose="020B0604020202020204" pitchFamily="34" charset="0"/>
+              <a:buChar char="•"/>
+              <a:defRPr sz="1400"/>
+            </a:lvl3pPr>
+            <a:lvl4pPr marL="809625" indent="-180975" defTabSz="914400" latinLnBrk="1">
+              <a:lnSpc>
+                <a:spcPct val="150000"/>
+              </a:lnSpc>
+              <a:spcBef>
+                <a:spcPts val="500"/>
+              </a:spcBef>
+              <a:spcAft>
+                <a:spcPts val="300"/>
+              </a:spcAft>
+              <a:buClr>
+                <a:schemeClr val="tx1">
+                  <a:lumMod val="65000"/>
+                  <a:lumOff val="35000"/>
+                </a:schemeClr>
+              </a:buClr>
+              <a:buSzPct val="96000"/>
+              <a:buFont typeface="Arial" panose="020B0604020202020204" pitchFamily="34" charset="0"/>
+              <a:buChar char="•"/>
+              <a:defRPr sz="1200"/>
+            </a:lvl4pPr>
+            <a:lvl5pPr marL="990600" indent="-180975" defTabSz="914400" latinLnBrk="1">
+              <a:lnSpc>
+                <a:spcPct val="150000"/>
+              </a:lnSpc>
+              <a:spcBef>
+                <a:spcPts val="500"/>
+              </a:spcBef>
+              <a:buClr>
+                <a:schemeClr val="tx1">
+                  <a:lumMod val="65000"/>
+                  <a:lumOff val="35000"/>
+                </a:schemeClr>
+              </a:buClr>
+              <a:buFont typeface="Arial" panose="020B0604020202020204" pitchFamily="34" charset="0"/>
+              <a:buChar char="•"/>
+              <a:defRPr sz="1000"/>
+            </a:lvl5pPr>
+            <a:lvl6pPr marL="2514600" indent="-228600" defTabSz="914400" latinLnBrk="1">
+              <a:lnSpc>
+                <a:spcPct val="90000"/>
+              </a:lnSpc>
+              <a:spcBef>
+                <a:spcPts val="500"/>
+              </a:spcBef>
+              <a:buFont typeface="Arial" panose="020B0604020202020204" pitchFamily="34" charset="0"/>
+              <a:buChar char="•"/>
+            </a:lvl6pPr>
+            <a:lvl7pPr marL="2971800" indent="-228600" defTabSz="914400" latinLnBrk="1">
+              <a:lnSpc>
+                <a:spcPct val="90000"/>
+              </a:lnSpc>
+              <a:spcBef>
+                <a:spcPts val="500"/>
+              </a:spcBef>
+              <a:buFont typeface="Arial" panose="020B0604020202020204" pitchFamily="34" charset="0"/>
+              <a:buChar char="•"/>
+            </a:lvl7pPr>
+            <a:lvl8pPr marL="3429000" indent="-228600" defTabSz="914400" latinLnBrk="1">
+              <a:lnSpc>
+                <a:spcPct val="90000"/>
+              </a:lnSpc>
+              <a:spcBef>
+                <a:spcPts val="500"/>
+              </a:spcBef>
+              <a:buFont typeface="Arial" panose="020B0604020202020204" pitchFamily="34" charset="0"/>
+              <a:buChar char="•"/>
+            </a:lvl8pPr>
+            <a:lvl9pPr marL="3886200" indent="-228600" defTabSz="914400" latinLnBrk="1">
+              <a:lnSpc>
+                <a:spcPct val="90000"/>
+              </a:lnSpc>
+              <a:spcBef>
+                <a:spcPts val="500"/>
+              </a:spcBef>
+              <a:buFont typeface="Arial" panose="020B0604020202020204" pitchFamily="34" charset="0"/>
+              <a:buChar char="•"/>
+            </a:lvl9pPr>
+          </a:lstStyle>
+          <a:p>
+            <a:r>
+              <a:rPr lang="en-US" altLang="ko-KR" dirty="0" smtClean="0"/>
+              <a:t>Pull Request</a:t>
+            </a:r>
+            <a:r>
+              <a:rPr lang="ko-KR" altLang="en-US" dirty="0" smtClean="0"/>
+              <a:t>란</a:t>
+            </a:r>
+            <a:r>
+              <a:rPr lang="en-US" altLang="ko-KR" dirty="0" smtClean="0"/>
+              <a:t>? (</a:t>
+            </a:r>
+            <a:r>
+              <a:rPr lang="ko-KR" altLang="en-US" dirty="0" smtClean="0"/>
+              <a:t>내 것을 </a:t>
+            </a:r>
+            <a:r>
+              <a:rPr lang="en-US" altLang="ko-KR" dirty="0" smtClean="0"/>
+              <a:t>pull</a:t>
+            </a:r>
+            <a:r>
+              <a:rPr lang="ko-KR" altLang="en-US" dirty="0" smtClean="0"/>
+              <a:t>해서 </a:t>
+            </a:r>
+            <a:r>
+              <a:rPr lang="en-US" altLang="ko-KR" dirty="0" smtClean="0"/>
+              <a:t>merge</a:t>
+            </a:r>
+            <a:r>
+              <a:rPr lang="ko-KR" altLang="en-US" dirty="0" smtClean="0"/>
+              <a:t>해 주세요</a:t>
+            </a:r>
+            <a:r>
+              <a:rPr lang="en-US" altLang="ko-KR" dirty="0" smtClean="0"/>
+              <a:t>!)</a:t>
+            </a:r>
+            <a:endParaRPr lang="en-US" altLang="ko-KR" dirty="0"/>
+          </a:p>
+          <a:p>
+            <a:pPr lvl="1"/>
+            <a:r>
+              <a:rPr lang="en-US" altLang="ko-KR" dirty="0" smtClean="0"/>
+              <a:t>Main</a:t>
+            </a:r>
+            <a:r>
+              <a:rPr lang="ko-KR" altLang="en-US" dirty="0" smtClean="0"/>
+              <a:t>에</a:t>
+            </a:r>
+            <a:r>
+              <a:rPr lang="en-US" altLang="ko-KR" dirty="0" smtClean="0"/>
+              <a:t> </a:t>
+            </a:r>
+            <a:r>
+              <a:rPr lang="ko-KR" altLang="en-US" dirty="0" smtClean="0"/>
+              <a:t>내가 만든 내용을 </a:t>
+            </a:r>
+            <a:r>
+              <a:rPr lang="en-US" altLang="ko-KR" dirty="0" smtClean="0"/>
+              <a:t>merge</a:t>
+            </a:r>
+            <a:r>
+              <a:rPr lang="ko-KR" altLang="en-US" dirty="0" smtClean="0"/>
+              <a:t>시켜달라는 요구</a:t>
+            </a:r>
+            <a:endParaRPr lang="en-US" altLang="ko-KR" dirty="0" smtClean="0"/>
+          </a:p>
+          <a:p>
+            <a:pPr lvl="1"/>
+            <a:r>
+              <a:rPr lang="ko-KR" altLang="en-US" dirty="0" smtClean="0"/>
+              <a:t>올리면 많은 </a:t>
+            </a:r>
+            <a:r>
+              <a:rPr lang="ko-KR" altLang="en-US" dirty="0"/>
+              <a:t> </a:t>
+            </a:r>
+            <a:r>
+              <a:rPr lang="ko-KR" altLang="en-US" dirty="0" smtClean="0"/>
+              <a:t>사람들이 </a:t>
+            </a:r>
+            <a:r>
+              <a:rPr lang="ko-KR" altLang="en-US" dirty="0" err="1" smtClean="0"/>
+              <a:t>코드리뷰를</a:t>
+            </a:r>
+            <a:r>
+              <a:rPr lang="ko-KR" altLang="en-US" dirty="0" smtClean="0"/>
+              <a:t> 통해서 통과가 되면 통합브랜치인 </a:t>
+            </a:r>
+            <a:r>
+              <a:rPr lang="en-US" altLang="ko-KR" dirty="0" smtClean="0"/>
+              <a:t>main</a:t>
+            </a:r>
+            <a:r>
+              <a:rPr lang="ko-KR" altLang="en-US" dirty="0" smtClean="0"/>
+              <a:t>에 </a:t>
+            </a:r>
+            <a:r>
+              <a:rPr lang="en-US" altLang="ko-KR" dirty="0" smtClean="0"/>
+              <a:t>merge</a:t>
+            </a:r>
+            <a:r>
+              <a:rPr lang="ko-KR" altLang="en-US" dirty="0" smtClean="0"/>
+              <a:t>를 하게 되고 이제부터는 다른 </a:t>
+            </a:r>
+            <a:r>
+              <a:rPr lang="ko-KR" altLang="en-US" dirty="0" err="1" smtClean="0"/>
+              <a:t>접속자는</a:t>
+            </a:r>
+            <a:endParaRPr lang="en-US" altLang="ko-KR" dirty="0" smtClean="0"/>
+          </a:p>
+          <a:p>
+            <a:pPr lvl="1"/>
+            <a:r>
+              <a:rPr lang="ko-KR" altLang="en-US" dirty="0" smtClean="0"/>
+              <a:t>이것을 받아서 사용함</a:t>
+            </a:r>
+            <a:endParaRPr lang="en-US" altLang="ko-KR" dirty="0" smtClean="0"/>
+          </a:p>
+          <a:p>
+            <a:pPr lvl="1"/>
+            <a:r>
+              <a:rPr lang="en-US" altLang="ko-KR" dirty="0" smtClean="0"/>
+              <a:t> </a:t>
+            </a:r>
+            <a:r>
+              <a:rPr lang="ko-KR" altLang="en-US" dirty="0" smtClean="0"/>
+              <a:t>두가지가 있음</a:t>
+            </a:r>
+            <a:endParaRPr lang="en-US" altLang="ko-KR" dirty="0" smtClean="0"/>
+          </a:p>
+          <a:p>
+            <a:pPr marL="266700" lvl="1" indent="0">
+              <a:buNone/>
             </a:pPr>
             <a:r>
-              <a:rPr lang="ko-KR" altLang="en-US" dirty="0"/>
-              <a:t>화면 </a:t>
+              <a:rPr lang="en-US" altLang="ko-KR" dirty="0"/>
+              <a:t> </a:t>
+            </a:r>
+            <a:r>
+              <a:rPr lang="en-US" altLang="ko-KR" dirty="0" smtClean="0"/>
+              <a:t>  1. </a:t>
+            </a:r>
+            <a:r>
+              <a:rPr lang="ko-KR" altLang="en-US" dirty="0" smtClean="0"/>
+              <a:t>원격저장소는 내가 권한인 있은 경우 </a:t>
+            </a:r>
+            <a:r>
+              <a:rPr lang="en-US" altLang="ko-KR" dirty="0" smtClean="0"/>
+              <a:t>: </a:t>
+            </a:r>
+            <a:r>
+              <a:rPr lang="ko-KR" altLang="en-US" dirty="0" smtClean="0"/>
+              <a:t>실습 대상</a:t>
             </a:r>
             <a:endParaRPr lang="en-US" altLang="ko-KR" dirty="0" smtClean="0"/>
           </a:p>
           <a:p>
-            <a:pPr marL="609600" lvl="1" indent="-342900">
-              <a:buClr>
-                <a:schemeClr val="tx1">
-                  <a:lumMod val="50000"/>
-                  <a:lumOff val="50000"/>
-                </a:schemeClr>
-              </a:buClr>
-              <a:buFont typeface="+mj-lt"/>
-              <a:buAutoNum type="arabicPeriod"/>
+            <a:pPr marL="266700" lvl="1" indent="0">
+              <a:buNone/>
             </a:pPr>
-            <a:r>
-              <a:rPr lang="ko-KR" altLang="en-US" dirty="0" smtClean="0">
-                <a:solidFill>
-                  <a:srgbClr val="0000FF"/>
-                </a:solidFill>
-              </a:rPr>
-              <a:t>프로젝트</a:t>
+            <a:endParaRPr lang="en-US" altLang="ko-KR" dirty="0"/>
+          </a:p>
+          <a:p>
+            <a:pPr marL="266700" lvl="1" indent="0">
+              <a:buNone/>
+            </a:pPr>
+            <a:r>
+              <a:rPr lang="en-US" altLang="ko-KR" dirty="0" smtClean="0"/>
+              <a:t>  </a:t>
+            </a:r>
+          </a:p>
+          <a:p>
+            <a:pPr marL="266700" lvl="1" indent="0">
+              <a:buNone/>
+            </a:pPr>
+            <a:r>
+              <a:rPr lang="en-US" altLang="ko-KR" dirty="0"/>
+              <a:t> </a:t>
+            </a:r>
+            <a:r>
+              <a:rPr lang="en-US" altLang="ko-KR" dirty="0" smtClean="0"/>
+              <a:t>  2. </a:t>
             </a:r>
             <a:r>
               <a:rPr lang="ko-KR" altLang="en-US" dirty="0" smtClean="0"/>
+              <a:t>오픈소스 방식</a:t>
+            </a:r>
+            <a:endParaRPr lang="en-US" altLang="ko-KR" dirty="0" smtClean="0"/>
+          </a:p>
+          <a:p>
+            <a:pPr marL="266700" lvl="1" indent="0">
+              <a:buNone/>
+            </a:pPr>
+            <a:r>
+              <a:rPr lang="en-US" altLang="ko-KR" dirty="0"/>
               <a:t> </a:t>
             </a:r>
             <a:r>
-              <a:rPr lang="ko-KR" altLang="en-US" dirty="0"/>
-              <a:t>이름 입력</a:t>
-            </a:r>
-            <a:r>
-              <a:rPr lang="en-US" altLang="ko-KR" dirty="0"/>
-              <a:t>: </a:t>
+              <a:rPr lang="en-US" altLang="ko-KR" dirty="0" smtClean="0"/>
+              <a:t>     </a:t>
+            </a:r>
+            <a:r>
+              <a:rPr lang="ko-KR" altLang="en-US" dirty="0" smtClean="0"/>
+              <a:t>남의 </a:t>
+            </a:r>
+            <a:r>
+              <a:rPr lang="ko-KR" altLang="en-US" dirty="0" err="1" smtClean="0"/>
+              <a:t>원격저장소</a:t>
+            </a:r>
+            <a:r>
+              <a:rPr lang="ko-KR" altLang="en-US" dirty="0" smtClean="0"/>
+              <a:t> 권한이 없음</a:t>
+            </a:r>
+            <a:r>
+              <a:rPr lang="en-US" altLang="ko-KR" dirty="0" smtClean="0"/>
+              <a:t>. </a:t>
+            </a:r>
+            <a:r>
+              <a:rPr lang="ko-KR" altLang="en-US" dirty="0" smtClean="0"/>
+              <a:t>남의 저장소 내용을 </a:t>
+            </a:r>
+            <a:r>
+              <a:rPr lang="en-US" altLang="ko-KR" dirty="0" smtClean="0"/>
+              <a:t>Fork</a:t>
+            </a:r>
+            <a:r>
+              <a:rPr lang="ko-KR" altLang="en-US" dirty="0" smtClean="0"/>
+              <a:t>해서 내 </a:t>
+            </a:r>
+            <a:r>
+              <a:rPr lang="en-US" altLang="ko-KR" dirty="0" smtClean="0"/>
+              <a:t>pc</a:t>
+            </a:r>
+            <a:r>
+              <a:rPr lang="ko-KR" altLang="en-US" dirty="0" smtClean="0"/>
+              <a:t>에서 작업하고 내 원격저장소에 보내서 그곳에서 남의 저장소에 </a:t>
+            </a:r>
+            <a:r>
+              <a:rPr lang="en-US" altLang="ko-KR" dirty="0" smtClean="0"/>
+              <a:t>pull request</a:t>
+            </a:r>
+            <a:r>
+              <a:rPr lang="ko-KR" altLang="en-US" dirty="0" smtClean="0"/>
+              <a:t>하게 됨</a:t>
             </a:r>
             <a:endParaRPr lang="en-US" altLang="ko-KR" dirty="0" smtClean="0"/>
-          </a:p>
-          <a:p>
-            <a:endParaRPr lang="ko-KR" altLang="en-US" dirty="0"/>
           </a:p>
         </p:txBody>
       </p:sp>
     </p:spTree>
     <p:extLst>
       <p:ext uri="{BB962C8B-B14F-4D97-AF65-F5344CB8AC3E}">
-        <p14:creationId xmlns:p14="http://schemas.microsoft.com/office/powerpoint/2010/main" val="2239061091"/>
+        <p14:creationId xmlns:p14="http://schemas.microsoft.com/office/powerpoint/2010/main" val="2382322175"/>
       </p:ext>
     </p:extLst>
   </p:cSld>
@@ -15341,6 +15389,878 @@
     <p:extLst>
       <p:ext uri="{BB962C8B-B14F-4D97-AF65-F5344CB8AC3E}">
         <p14:creationId xmlns:p14="http://schemas.microsoft.com/office/powerpoint/2010/main" val="64994849"/>
+      </p:ext>
+    </p:extLst>
+  </p:cSld>
+  <p:clrMapOvr>
+    <a:masterClrMapping/>
+  </p:clrMapOvr>
+</p:sld>
+</file>
+
+<file path=ppt/slides/slide30.xml><?xml version="1.0" encoding="utf-8"?>
+<p:sld xmlns:a="http://schemas.openxmlformats.org/drawingml/2006/main" xmlns:r="http://schemas.openxmlformats.org/officeDocument/2006/relationships" xmlns:p="http://schemas.openxmlformats.org/presentationml/2006/main">
+  <p:cSld>
+    <p:spTree>
+      <p:nvGrpSpPr>
+        <p:cNvPr id="1" name=""/>
+        <p:cNvGrpSpPr/>
+        <p:nvPr/>
+      </p:nvGrpSpPr>
+      <p:grpSpPr>
+        <a:xfrm>
+          <a:off x="0" y="0"/>
+          <a:ext cx="0" cy="0"/>
+          <a:chOff x="0" y="0"/>
+          <a:chExt cx="0" cy="0"/>
+        </a:xfrm>
+      </p:grpSpPr>
+      <p:sp>
+        <p:nvSpPr>
+          <p:cNvPr id="4" name="제목 3">
+            <a:extLst>
+              <a:ext uri="{FF2B5EF4-FFF2-40B4-BE49-F238E27FC236}">
+                <a16:creationId xmlns:a16="http://schemas.microsoft.com/office/drawing/2014/main" id="{F0CEB32B-CB43-4410-BA08-A97E4BC47FCB}"/>
+              </a:ext>
+            </a:extLst>
+          </p:cNvPr>
+          <p:cNvSpPr>
+            <a:spLocks noGrp="1"/>
+          </p:cNvSpPr>
+          <p:nvPr>
+            <p:ph type="title"/>
+          </p:nvPr>
+        </p:nvSpPr>
+        <p:spPr/>
+        <p:txBody>
+          <a:bodyPr/>
+          <a:lstStyle/>
+          <a:p>
+            <a:r>
+              <a:rPr lang="en-US" altLang="ko-KR" dirty="0" smtClean="0"/>
+              <a:t>Pull Request</a:t>
+            </a:r>
+            <a:endParaRPr lang="ko-KR" altLang="en-US" dirty="0"/>
+          </a:p>
+        </p:txBody>
+      </p:sp>
+      <p:sp>
+        <p:nvSpPr>
+          <p:cNvPr id="7" name="내용 개체 틀 2">
+            <a:extLst>
+              <a:ext uri="{FF2B5EF4-FFF2-40B4-BE49-F238E27FC236}">
+                <a16:creationId xmlns:a16="http://schemas.microsoft.com/office/drawing/2014/main" id="{A44AC902-3746-40D6-9827-94B46EEDDC67}"/>
+              </a:ext>
+            </a:extLst>
+          </p:cNvPr>
+          <p:cNvSpPr txBox="1">
+            <a:spLocks/>
+          </p:cNvSpPr>
+          <p:nvPr/>
+        </p:nvSpPr>
+        <p:spPr>
+          <a:xfrm>
+            <a:off x="341787" y="1120544"/>
+            <a:ext cx="8642350" cy="4779215"/>
+          </a:xfrm>
+          <a:prstGeom prst="rect">
+            <a:avLst/>
+          </a:prstGeom>
+        </p:spPr>
+        <p:txBody>
+          <a:bodyPr vert="horz" lIns="91440" tIns="45720" rIns="91440" bIns="45720" rtlCol="0">
+            <a:noAutofit/>
+          </a:bodyPr>
+          <a:lstStyle>
+            <a:lvl1pPr marL="266700" indent="-266700" defTabSz="914400" latinLnBrk="1">
+              <a:lnSpc>
+                <a:spcPct val="150000"/>
+              </a:lnSpc>
+              <a:spcBef>
+                <a:spcPct val="0"/>
+              </a:spcBef>
+              <a:buClr>
+                <a:schemeClr val="tx1">
+                  <a:lumMod val="65000"/>
+                  <a:lumOff val="35000"/>
+                </a:schemeClr>
+              </a:buClr>
+              <a:buFont typeface="Wingdings" pitchFamily="2" charset="2"/>
+              <a:buChar char="n"/>
+              <a:defRPr sz="2000" b="1">
+                <a:latin typeface="+mn-ea"/>
+              </a:defRPr>
+            </a:lvl1pPr>
+            <a:lvl2pPr marL="447675" lvl="1" indent="-180975" defTabSz="914400" latinLnBrk="1">
+              <a:lnSpc>
+                <a:spcPct val="150000"/>
+              </a:lnSpc>
+              <a:spcBef>
+                <a:spcPts val="0"/>
+              </a:spcBef>
+              <a:spcAft>
+                <a:spcPts val="0"/>
+              </a:spcAft>
+              <a:buClr>
+                <a:schemeClr val="tx1">
+                  <a:lumMod val="50000"/>
+                  <a:lumOff val="50000"/>
+                </a:schemeClr>
+              </a:buClr>
+              <a:buFont typeface="Wingdings" pitchFamily="2" charset="2"/>
+              <a:buChar char="§"/>
+              <a:defRPr sz="1600"/>
+            </a:lvl2pPr>
+            <a:lvl3pPr marL="628650" indent="-180975" defTabSz="914400" latinLnBrk="1">
+              <a:lnSpc>
+                <a:spcPct val="150000"/>
+              </a:lnSpc>
+              <a:spcBef>
+                <a:spcPts val="500"/>
+              </a:spcBef>
+              <a:spcAft>
+                <a:spcPts val="300"/>
+              </a:spcAft>
+              <a:buClr>
+                <a:schemeClr val="tx1">
+                  <a:lumMod val="65000"/>
+                  <a:lumOff val="35000"/>
+                </a:schemeClr>
+              </a:buClr>
+              <a:buFont typeface="Arial" panose="020B0604020202020204" pitchFamily="34" charset="0"/>
+              <a:buChar char="•"/>
+              <a:defRPr sz="1400"/>
+            </a:lvl3pPr>
+            <a:lvl4pPr marL="809625" indent="-180975" defTabSz="914400" latinLnBrk="1">
+              <a:lnSpc>
+                <a:spcPct val="150000"/>
+              </a:lnSpc>
+              <a:spcBef>
+                <a:spcPts val="500"/>
+              </a:spcBef>
+              <a:spcAft>
+                <a:spcPts val="300"/>
+              </a:spcAft>
+              <a:buClr>
+                <a:schemeClr val="tx1">
+                  <a:lumMod val="65000"/>
+                  <a:lumOff val="35000"/>
+                </a:schemeClr>
+              </a:buClr>
+              <a:buSzPct val="96000"/>
+              <a:buFont typeface="Arial" panose="020B0604020202020204" pitchFamily="34" charset="0"/>
+              <a:buChar char="•"/>
+              <a:defRPr sz="1200"/>
+            </a:lvl4pPr>
+            <a:lvl5pPr marL="990600" indent="-180975" defTabSz="914400" latinLnBrk="1">
+              <a:lnSpc>
+                <a:spcPct val="150000"/>
+              </a:lnSpc>
+              <a:spcBef>
+                <a:spcPts val="500"/>
+              </a:spcBef>
+              <a:buClr>
+                <a:schemeClr val="tx1">
+                  <a:lumMod val="65000"/>
+                  <a:lumOff val="35000"/>
+                </a:schemeClr>
+              </a:buClr>
+              <a:buFont typeface="Arial" panose="020B0604020202020204" pitchFamily="34" charset="0"/>
+              <a:buChar char="•"/>
+              <a:defRPr sz="1000"/>
+            </a:lvl5pPr>
+            <a:lvl6pPr marL="2514600" indent="-228600" defTabSz="914400" latinLnBrk="1">
+              <a:lnSpc>
+                <a:spcPct val="90000"/>
+              </a:lnSpc>
+              <a:spcBef>
+                <a:spcPts val="500"/>
+              </a:spcBef>
+              <a:buFont typeface="Arial" panose="020B0604020202020204" pitchFamily="34" charset="0"/>
+              <a:buChar char="•"/>
+            </a:lvl6pPr>
+            <a:lvl7pPr marL="2971800" indent="-228600" defTabSz="914400" latinLnBrk="1">
+              <a:lnSpc>
+                <a:spcPct val="90000"/>
+              </a:lnSpc>
+              <a:spcBef>
+                <a:spcPts val="500"/>
+              </a:spcBef>
+              <a:buFont typeface="Arial" panose="020B0604020202020204" pitchFamily="34" charset="0"/>
+              <a:buChar char="•"/>
+            </a:lvl7pPr>
+            <a:lvl8pPr marL="3429000" indent="-228600" defTabSz="914400" latinLnBrk="1">
+              <a:lnSpc>
+                <a:spcPct val="90000"/>
+              </a:lnSpc>
+              <a:spcBef>
+                <a:spcPts val="500"/>
+              </a:spcBef>
+              <a:buFont typeface="Arial" panose="020B0604020202020204" pitchFamily="34" charset="0"/>
+              <a:buChar char="•"/>
+            </a:lvl8pPr>
+            <a:lvl9pPr marL="3886200" indent="-228600" defTabSz="914400" latinLnBrk="1">
+              <a:lnSpc>
+                <a:spcPct val="90000"/>
+              </a:lnSpc>
+              <a:spcBef>
+                <a:spcPts val="500"/>
+              </a:spcBef>
+              <a:buFont typeface="Arial" panose="020B0604020202020204" pitchFamily="34" charset="0"/>
+              <a:buChar char="•"/>
+            </a:lvl9pPr>
+          </a:lstStyle>
+          <a:p>
+            <a:r>
+              <a:rPr lang="en-US" altLang="ko-KR" dirty="0" smtClean="0"/>
+              <a:t>Pull Request </a:t>
+            </a:r>
+            <a:r>
+              <a:rPr lang="ko-KR" altLang="en-US" dirty="0" smtClean="0"/>
+              <a:t>동작 순서</a:t>
+            </a:r>
+            <a:endParaRPr lang="en-US" altLang="ko-KR" dirty="0"/>
+          </a:p>
+          <a:p>
+            <a:pPr lvl="1"/>
+            <a:r>
+              <a:rPr lang="en-US" altLang="ko-KR" dirty="0" err="1" smtClean="0"/>
+              <a:t>Github</a:t>
+            </a:r>
+            <a:r>
+              <a:rPr lang="en-US" altLang="ko-KR" dirty="0" smtClean="0"/>
+              <a:t> </a:t>
+            </a:r>
+            <a:r>
+              <a:rPr lang="ko-KR" altLang="en-US" dirty="0" smtClean="0"/>
+              <a:t>그림으로 순서도 삽입</a:t>
+            </a:r>
+            <a:endParaRPr lang="en-US" altLang="ko-KR" dirty="0" smtClean="0"/>
+          </a:p>
+          <a:p>
+            <a:pPr lvl="1"/>
+            <a:r>
+              <a:rPr lang="ko-KR" altLang="en-US" dirty="0" smtClean="0"/>
+              <a:t> 마지막에 로컬저장소에서 </a:t>
+            </a:r>
+            <a:r>
+              <a:rPr lang="en-US" altLang="ko-KR" dirty="0" err="1" smtClean="0"/>
+              <a:t>git</a:t>
+            </a:r>
+            <a:r>
+              <a:rPr lang="en-US" altLang="ko-KR" dirty="0" smtClean="0"/>
+              <a:t> pull</a:t>
+            </a:r>
+            <a:r>
+              <a:rPr lang="ko-KR" altLang="en-US" dirty="0" smtClean="0"/>
+              <a:t>을 하면 보이는 모양을 확인</a:t>
+            </a:r>
+            <a:endParaRPr lang="en-US" altLang="ko-KR" dirty="0"/>
+          </a:p>
+          <a:p>
+            <a:pPr marL="266700" lvl="1" indent="0">
+              <a:buNone/>
+            </a:pPr>
+            <a:r>
+              <a:rPr lang="en-US" altLang="ko-KR" dirty="0" smtClean="0"/>
+              <a:t>  </a:t>
+            </a:r>
+          </a:p>
+        </p:txBody>
+      </p:sp>
+    </p:spTree>
+    <p:extLst>
+      <p:ext uri="{BB962C8B-B14F-4D97-AF65-F5344CB8AC3E}">
+        <p14:creationId xmlns:p14="http://schemas.microsoft.com/office/powerpoint/2010/main" val="3768842790"/>
+      </p:ext>
+    </p:extLst>
+  </p:cSld>
+  <p:clrMapOvr>
+    <a:masterClrMapping/>
+  </p:clrMapOvr>
+</p:sld>
+</file>
+
+<file path=ppt/slides/slide31.xml><?xml version="1.0" encoding="utf-8"?>
+<p:sld xmlns:a="http://schemas.openxmlformats.org/drawingml/2006/main" xmlns:r="http://schemas.openxmlformats.org/officeDocument/2006/relationships" xmlns:p="http://schemas.openxmlformats.org/presentationml/2006/main">
+  <p:cSld>
+    <p:spTree>
+      <p:nvGrpSpPr>
+        <p:cNvPr id="1" name=""/>
+        <p:cNvGrpSpPr/>
+        <p:nvPr/>
+      </p:nvGrpSpPr>
+      <p:grpSpPr>
+        <a:xfrm>
+          <a:off x="0" y="0"/>
+          <a:ext cx="0" cy="0"/>
+          <a:chOff x="0" y="0"/>
+          <a:chExt cx="0" cy="0"/>
+        </a:xfrm>
+      </p:grpSpPr>
+      <p:sp>
+        <p:nvSpPr>
+          <p:cNvPr id="4" name="제목 3">
+            <a:extLst>
+              <a:ext uri="{FF2B5EF4-FFF2-40B4-BE49-F238E27FC236}">
+                <a16:creationId xmlns:a16="http://schemas.microsoft.com/office/drawing/2014/main" id="{F0CEB32B-CB43-4410-BA08-A97E4BC47FCB}"/>
+              </a:ext>
+            </a:extLst>
+          </p:cNvPr>
+          <p:cNvSpPr>
+            <a:spLocks noGrp="1"/>
+          </p:cNvSpPr>
+          <p:nvPr>
+            <p:ph type="title"/>
+          </p:nvPr>
+        </p:nvSpPr>
+        <p:spPr/>
+        <p:txBody>
+          <a:bodyPr/>
+          <a:lstStyle/>
+          <a:p>
+            <a:r>
+              <a:rPr lang="ko-KR" altLang="en-US" dirty="0" smtClean="0"/>
+              <a:t>협업시작하기</a:t>
+            </a:r>
+            <a:endParaRPr lang="ko-KR" altLang="en-US" dirty="0"/>
+          </a:p>
+        </p:txBody>
+      </p:sp>
+      <p:sp>
+        <p:nvSpPr>
+          <p:cNvPr id="5" name="내용 개체 틀 4">
+            <a:extLst>
+              <a:ext uri="{FF2B5EF4-FFF2-40B4-BE49-F238E27FC236}">
+                <a16:creationId xmlns:a16="http://schemas.microsoft.com/office/drawing/2014/main" id="{FDF69C25-9F43-470B-8A20-AEDC0F371CCD}"/>
+              </a:ext>
+            </a:extLst>
+          </p:cNvPr>
+          <p:cNvSpPr>
+            <a:spLocks noGrp="1"/>
+          </p:cNvSpPr>
+          <p:nvPr>
+            <p:ph idx="1"/>
+          </p:nvPr>
+        </p:nvSpPr>
+        <p:spPr>
+          <a:xfrm>
+            <a:off x="250825" y="1000221"/>
+            <a:ext cx="8641655" cy="2996743"/>
+          </a:xfrm>
+        </p:spPr>
+        <p:txBody>
+          <a:bodyPr tIns="0" bIns="0">
+            <a:noAutofit/>
+          </a:bodyPr>
+          <a:lstStyle/>
+          <a:p>
+            <a:pPr>
+              <a:buClr>
+                <a:schemeClr val="tx1">
+                  <a:lumMod val="65000"/>
+                  <a:lumOff val="35000"/>
+                </a:schemeClr>
+              </a:buClr>
+              <a:defRPr/>
+            </a:pPr>
+            <a:r>
+              <a:rPr lang="ko-KR" altLang="en-US" dirty="0"/>
+              <a:t>프로젝트 만들기</a:t>
+            </a:r>
+          </a:p>
+          <a:p>
+            <a:pPr marL="609600" lvl="1" indent="-342900">
+              <a:buClr>
+                <a:schemeClr val="tx1">
+                  <a:lumMod val="65000"/>
+                  <a:lumOff val="35000"/>
+                </a:schemeClr>
+              </a:buClr>
+              <a:buFont typeface="+mj-ea"/>
+              <a:buAutoNum type="circleNumDbPlain"/>
+              <a:defRPr/>
+            </a:pPr>
+            <a:r>
+              <a:rPr lang="en-US" altLang="ko-KR" dirty="0" err="1" smtClean="0"/>
+              <a:t>Github</a:t>
+            </a:r>
+            <a:r>
+              <a:rPr lang="en-US" altLang="ko-KR" dirty="0" smtClean="0"/>
+              <a:t> </a:t>
+            </a:r>
+            <a:r>
+              <a:rPr lang="ko-KR" altLang="en-US" dirty="0" smtClean="0"/>
+              <a:t>등록</a:t>
+            </a:r>
+            <a:endParaRPr lang="en-US" altLang="ko-KR" dirty="0"/>
+          </a:p>
+          <a:p>
+            <a:pPr marL="609600" lvl="1" indent="-342900">
+              <a:buClr>
+                <a:schemeClr val="tx1">
+                  <a:lumMod val="65000"/>
+                  <a:lumOff val="35000"/>
+                </a:schemeClr>
+              </a:buClr>
+              <a:buFont typeface="+mj-ea"/>
+              <a:buAutoNum type="circleNumDbPlain"/>
+              <a:defRPr/>
+            </a:pPr>
+            <a:r>
+              <a:rPr lang="en-US" altLang="ko-KR" dirty="0" smtClean="0"/>
+              <a:t>P</a:t>
+            </a:r>
+            <a:endParaRPr lang="en-US" altLang="ko-KR" dirty="0"/>
+          </a:p>
+          <a:p>
+            <a:pPr marL="609600" lvl="1" indent="-342900">
+              <a:buClr>
+                <a:schemeClr val="tx1">
+                  <a:lumMod val="65000"/>
+                  <a:lumOff val="35000"/>
+                </a:schemeClr>
+              </a:buClr>
+              <a:buFont typeface="+mj-ea"/>
+              <a:buAutoNum type="circleNumDbPlain"/>
+              <a:defRPr/>
+            </a:pPr>
+            <a:r>
+              <a:rPr lang="en-US" altLang="ko-KR" dirty="0"/>
+              <a:t> </a:t>
+            </a:r>
+            <a:endParaRPr lang="en-US" altLang="ko-KR" dirty="0"/>
+          </a:p>
+          <a:p>
+            <a:pPr marL="609600" lvl="1" indent="-342900">
+              <a:buClr>
+                <a:schemeClr val="tx1">
+                  <a:lumMod val="65000"/>
+                  <a:lumOff val="35000"/>
+                </a:schemeClr>
+              </a:buClr>
+              <a:buFont typeface="+mj-ea"/>
+              <a:buAutoNum type="circleNumDbPlain"/>
+              <a:defRPr/>
+            </a:pPr>
+            <a:r>
+              <a:rPr lang="en-US" altLang="ko-KR" dirty="0"/>
+              <a:t> </a:t>
+            </a:r>
+            <a:endParaRPr lang="en-US" altLang="ko-KR" dirty="0"/>
+          </a:p>
+          <a:p>
+            <a:pPr marL="609600" lvl="1" indent="-342900">
+              <a:buClr>
+                <a:schemeClr val="tx1">
+                  <a:lumMod val="65000"/>
+                  <a:lumOff val="35000"/>
+                </a:schemeClr>
+              </a:buClr>
+              <a:buFont typeface="+mj-ea"/>
+              <a:buAutoNum type="circleNumDbPlain"/>
+              <a:defRPr/>
+            </a:pPr>
+            <a:r>
+              <a:rPr lang="en-US" altLang="ko-KR" dirty="0"/>
+              <a:t> </a:t>
+            </a:r>
+            <a:endParaRPr lang="en-US" altLang="ko-KR" dirty="0" smtClean="0"/>
+          </a:p>
+          <a:p>
+            <a:pPr marL="609600" lvl="1" indent="-342900">
+              <a:buClr>
+                <a:schemeClr val="tx1">
+                  <a:lumMod val="65000"/>
+                  <a:lumOff val="35000"/>
+                </a:schemeClr>
+              </a:buClr>
+              <a:buFont typeface="+mj-ea"/>
+              <a:buAutoNum type="circleNumDbPlain"/>
+              <a:defRPr/>
+            </a:pPr>
+            <a:r>
+              <a:rPr lang="en-US" altLang="ko-KR" dirty="0" smtClean="0">
+                <a:solidFill>
+                  <a:srgbClr val="FF0000"/>
+                </a:solidFill>
+              </a:rPr>
+              <a:t>Clone</a:t>
+            </a:r>
+            <a:r>
+              <a:rPr lang="ko-KR" altLang="en-US" dirty="0" smtClean="0">
+                <a:solidFill>
+                  <a:srgbClr val="FF0000"/>
+                </a:solidFill>
+              </a:rPr>
+              <a:t>과 </a:t>
+            </a:r>
+            <a:r>
+              <a:rPr lang="en-US" altLang="ko-KR" dirty="0" smtClean="0">
+                <a:solidFill>
+                  <a:srgbClr val="FF0000"/>
+                </a:solidFill>
+              </a:rPr>
+              <a:t>pull</a:t>
+            </a:r>
+            <a:r>
+              <a:rPr lang="ko-KR" altLang="en-US" dirty="0" smtClean="0">
+                <a:solidFill>
+                  <a:srgbClr val="FF0000"/>
+                </a:solidFill>
+              </a:rPr>
+              <a:t>이</a:t>
+            </a:r>
+            <a:r>
+              <a:rPr lang="en-US" altLang="ko-KR" dirty="0" smtClean="0">
+                <a:solidFill>
+                  <a:srgbClr val="FF0000"/>
+                </a:solidFill>
+              </a:rPr>
+              <a:t> </a:t>
+            </a:r>
+            <a:r>
+              <a:rPr lang="ko-KR" altLang="en-US" dirty="0" smtClean="0">
+                <a:solidFill>
+                  <a:srgbClr val="FF0000"/>
+                </a:solidFill>
+              </a:rPr>
+              <a:t>차이</a:t>
+            </a:r>
+            <a:r>
+              <a:rPr lang="en-US" altLang="ko-KR" dirty="0" smtClean="0">
+                <a:solidFill>
+                  <a:srgbClr val="FF0000"/>
+                </a:solidFill>
+              </a:rPr>
+              <a:t>, </a:t>
+            </a:r>
+            <a:r>
+              <a:rPr lang="ko-KR" altLang="en-US" dirty="0" smtClean="0">
+                <a:solidFill>
+                  <a:srgbClr val="FF0000"/>
+                </a:solidFill>
+              </a:rPr>
+              <a:t>로컬에서 자동 </a:t>
+            </a:r>
+            <a:r>
+              <a:rPr lang="ko-KR" altLang="en-US" dirty="0" smtClean="0">
+                <a:solidFill>
+                  <a:srgbClr val="FF0000"/>
+                </a:solidFill>
+              </a:rPr>
+              <a:t>연결 삭제 방법 확인</a:t>
+            </a:r>
+            <a:endParaRPr lang="en-US" altLang="ko-KR" dirty="0">
+              <a:solidFill>
+                <a:srgbClr val="FF0000"/>
+              </a:solidFill>
+            </a:endParaRPr>
+          </a:p>
+          <a:p>
+            <a:endParaRPr lang="ko-KR" altLang="en-US" dirty="0">
+              <a:solidFill>
+                <a:srgbClr val="FF0000"/>
+              </a:solidFill>
+            </a:endParaRPr>
+          </a:p>
+        </p:txBody>
+      </p:sp>
+      <p:sp>
+        <p:nvSpPr>
+          <p:cNvPr id="6" name="내용 개체 틀 4">
+            <a:extLst>
+              <a:ext uri="{FF2B5EF4-FFF2-40B4-BE49-F238E27FC236}">
+                <a16:creationId xmlns:a16="http://schemas.microsoft.com/office/drawing/2014/main" id="{59FE1F7F-BB82-4587-A86F-471C542D6EA7}"/>
+              </a:ext>
+            </a:extLst>
+          </p:cNvPr>
+          <p:cNvSpPr txBox="1">
+            <a:spLocks/>
+          </p:cNvSpPr>
+          <p:nvPr/>
+        </p:nvSpPr>
+        <p:spPr>
+          <a:xfrm>
+            <a:off x="250825" y="4506993"/>
+            <a:ext cx="8641655" cy="1526162"/>
+          </a:xfrm>
+          <a:prstGeom prst="rect">
+            <a:avLst/>
+          </a:prstGeom>
+        </p:spPr>
+        <p:txBody>
+          <a:bodyPr vert="horz" lIns="91440" tIns="0" rIns="91440" bIns="0" rtlCol="0">
+            <a:noAutofit/>
+          </a:bodyPr>
+          <a:lstStyle>
+            <a:lvl1pPr marL="266700" indent="-266700" algn="l" defTabSz="914400" rtl="0" eaLnBrk="1" latinLnBrk="1" hangingPunct="1">
+              <a:lnSpc>
+                <a:spcPct val="150000"/>
+              </a:lnSpc>
+              <a:spcBef>
+                <a:spcPts val="0"/>
+              </a:spcBef>
+              <a:buClr>
+                <a:schemeClr val="accent4"/>
+              </a:buClr>
+              <a:buFont typeface="Wingdings" pitchFamily="2" charset="2"/>
+              <a:buChar char="n"/>
+              <a:defRPr sz="2000" b="1" kern="1200">
+                <a:solidFill>
+                  <a:schemeClr val="tx1"/>
+                </a:solidFill>
+                <a:latin typeface="+mn-ea"/>
+                <a:ea typeface="+mn-ea"/>
+                <a:cs typeface="+mn-cs"/>
+              </a:defRPr>
+            </a:lvl1pPr>
+            <a:lvl2pPr marL="447675" indent="-180975" algn="l" defTabSz="914400" rtl="0" eaLnBrk="1" latinLnBrk="1" hangingPunct="1">
+              <a:lnSpc>
+                <a:spcPct val="150000"/>
+              </a:lnSpc>
+              <a:spcBef>
+                <a:spcPts val="500"/>
+              </a:spcBef>
+              <a:spcAft>
+                <a:spcPts val="400"/>
+              </a:spcAft>
+              <a:buClr>
+                <a:schemeClr val="accent4"/>
+              </a:buClr>
+              <a:buFont typeface="Wingdings" pitchFamily="2" charset="2"/>
+              <a:buChar char="§"/>
+              <a:defRPr sz="1600" kern="1200">
+                <a:solidFill>
+                  <a:schemeClr val="tx1"/>
+                </a:solidFill>
+                <a:latin typeface="+mn-lt"/>
+                <a:ea typeface="+mn-ea"/>
+                <a:cs typeface="+mn-cs"/>
+              </a:defRPr>
+            </a:lvl2pPr>
+            <a:lvl3pPr marL="628650" indent="-180975" algn="l" defTabSz="914400" rtl="0" eaLnBrk="1" latinLnBrk="1" hangingPunct="1">
+              <a:lnSpc>
+                <a:spcPct val="150000"/>
+              </a:lnSpc>
+              <a:spcBef>
+                <a:spcPts val="500"/>
+              </a:spcBef>
+              <a:spcAft>
+                <a:spcPts val="300"/>
+              </a:spcAft>
+              <a:buClr>
+                <a:schemeClr val="accent4"/>
+              </a:buClr>
+              <a:buFont typeface="Arial" panose="020B0604020202020204" pitchFamily="34" charset="0"/>
+              <a:buChar char="•"/>
+              <a:defRPr sz="1400" kern="1200">
+                <a:solidFill>
+                  <a:schemeClr val="tx1"/>
+                </a:solidFill>
+                <a:latin typeface="+mn-lt"/>
+                <a:ea typeface="+mn-ea"/>
+                <a:cs typeface="+mn-cs"/>
+              </a:defRPr>
+            </a:lvl3pPr>
+            <a:lvl4pPr marL="809625" indent="-180975" algn="l" defTabSz="914400" rtl="0" eaLnBrk="1" latinLnBrk="1" hangingPunct="1">
+              <a:lnSpc>
+                <a:spcPct val="150000"/>
+              </a:lnSpc>
+              <a:spcBef>
+                <a:spcPts val="500"/>
+              </a:spcBef>
+              <a:spcAft>
+                <a:spcPts val="300"/>
+              </a:spcAft>
+              <a:buClr>
+                <a:schemeClr val="accent4"/>
+              </a:buClr>
+              <a:buSzPct val="96000"/>
+              <a:buFont typeface="Arial" panose="020B0604020202020204" pitchFamily="34" charset="0"/>
+              <a:buChar char="•"/>
+              <a:defRPr sz="1200" kern="1200">
+                <a:solidFill>
+                  <a:schemeClr val="tx1"/>
+                </a:solidFill>
+                <a:latin typeface="+mn-lt"/>
+                <a:ea typeface="+mn-ea"/>
+                <a:cs typeface="+mn-cs"/>
+              </a:defRPr>
+            </a:lvl4pPr>
+            <a:lvl5pPr marL="990600" indent="-180975" algn="l" defTabSz="914400" rtl="0" eaLnBrk="1" latinLnBrk="1" hangingPunct="1">
+              <a:lnSpc>
+                <a:spcPct val="150000"/>
+              </a:lnSpc>
+              <a:spcBef>
+                <a:spcPts val="500"/>
+              </a:spcBef>
+              <a:buClr>
+                <a:schemeClr val="accent4"/>
+              </a:buClr>
+              <a:buFont typeface="Arial" panose="020B0604020202020204" pitchFamily="34" charset="0"/>
+              <a:buChar char="•"/>
+              <a:defRPr sz="1000" kern="1200">
+                <a:solidFill>
+                  <a:schemeClr val="tx1"/>
+                </a:solidFill>
+                <a:latin typeface="+mn-lt"/>
+                <a:ea typeface="+mn-ea"/>
+                <a:cs typeface="+mn-cs"/>
+              </a:defRPr>
+            </a:lvl5pPr>
+            <a:lvl6pPr marL="2514600" indent="-228600" algn="l" defTabSz="914400" rtl="0" eaLnBrk="1" latinLnBrk="1" hangingPunct="1">
+              <a:lnSpc>
+                <a:spcPct val="90000"/>
+              </a:lnSpc>
+              <a:spcBef>
+                <a:spcPts val="500"/>
+              </a:spcBef>
+              <a:buFont typeface="Arial" panose="020B0604020202020204" pitchFamily="34" charset="0"/>
+              <a:buChar char="•"/>
+              <a:defRPr sz="1800" kern="1200">
+                <a:solidFill>
+                  <a:schemeClr val="tx1"/>
+                </a:solidFill>
+                <a:latin typeface="+mn-lt"/>
+                <a:ea typeface="+mn-ea"/>
+                <a:cs typeface="+mn-cs"/>
+              </a:defRPr>
+            </a:lvl6pPr>
+            <a:lvl7pPr marL="2971800" indent="-228600" algn="l" defTabSz="914400" rtl="0" eaLnBrk="1" latinLnBrk="1" hangingPunct="1">
+              <a:lnSpc>
+                <a:spcPct val="90000"/>
+              </a:lnSpc>
+              <a:spcBef>
+                <a:spcPts val="500"/>
+              </a:spcBef>
+              <a:buFont typeface="Arial" panose="020B0604020202020204" pitchFamily="34" charset="0"/>
+              <a:buChar char="•"/>
+              <a:defRPr sz="1800" kern="1200">
+                <a:solidFill>
+                  <a:schemeClr val="tx1"/>
+                </a:solidFill>
+                <a:latin typeface="+mn-lt"/>
+                <a:ea typeface="+mn-ea"/>
+                <a:cs typeface="+mn-cs"/>
+              </a:defRPr>
+            </a:lvl7pPr>
+            <a:lvl8pPr marL="3429000" indent="-228600" algn="l" defTabSz="914400" rtl="0" eaLnBrk="1" latinLnBrk="1" hangingPunct="1">
+              <a:lnSpc>
+                <a:spcPct val="90000"/>
+              </a:lnSpc>
+              <a:spcBef>
+                <a:spcPts val="500"/>
+              </a:spcBef>
+              <a:buFont typeface="Arial" panose="020B0604020202020204" pitchFamily="34" charset="0"/>
+              <a:buChar char="•"/>
+              <a:defRPr sz="1800" kern="1200">
+                <a:solidFill>
+                  <a:schemeClr val="tx1"/>
+                </a:solidFill>
+                <a:latin typeface="+mn-lt"/>
+                <a:ea typeface="+mn-ea"/>
+                <a:cs typeface="+mn-cs"/>
+              </a:defRPr>
+            </a:lvl8pPr>
+            <a:lvl9pPr marL="3886200" indent="-228600" algn="l" defTabSz="914400" rtl="0" eaLnBrk="1" latinLnBrk="1" hangingPunct="1">
+              <a:lnSpc>
+                <a:spcPct val="90000"/>
+              </a:lnSpc>
+              <a:spcBef>
+                <a:spcPts val="500"/>
+              </a:spcBef>
+              <a:buFont typeface="Arial" panose="020B0604020202020204" pitchFamily="34" charset="0"/>
+              <a:buChar char="•"/>
+              <a:defRPr sz="1800" kern="1200">
+                <a:solidFill>
+                  <a:schemeClr val="tx1"/>
+                </a:solidFill>
+                <a:latin typeface="+mn-lt"/>
+                <a:ea typeface="+mn-ea"/>
+                <a:cs typeface="+mn-cs"/>
+              </a:defRPr>
+            </a:lvl9pPr>
+          </a:lstStyle>
+          <a:p>
+            <a:pPr marL="457200" indent="-457200">
+              <a:spcBef>
+                <a:spcPct val="0"/>
+              </a:spcBef>
+              <a:buClr>
+                <a:schemeClr val="tx1">
+                  <a:lumMod val="65000"/>
+                  <a:lumOff val="35000"/>
+                </a:schemeClr>
+              </a:buClr>
+              <a:buFont typeface="+mj-lt"/>
+              <a:buAutoNum type="arabicPeriod"/>
+            </a:pPr>
+            <a:r>
+              <a:rPr lang="ko-KR" altLang="en-US" dirty="0"/>
+              <a:t>프로젝트 만들기</a:t>
+            </a:r>
+            <a:endParaRPr lang="en-US" altLang="ko-KR" dirty="0"/>
+          </a:p>
+          <a:p>
+            <a:pPr marL="609600" lvl="1" indent="-342900">
+              <a:buClr>
+                <a:schemeClr val="tx1">
+                  <a:lumMod val="50000"/>
+                  <a:lumOff val="50000"/>
+                </a:schemeClr>
+              </a:buClr>
+              <a:buFont typeface="+mj-lt"/>
+              <a:buAutoNum type="arabicPeriod"/>
+            </a:pPr>
+            <a:r>
+              <a:rPr lang="ko-KR" altLang="en-US" dirty="0"/>
+              <a:t>화면 </a:t>
+            </a:r>
+            <a:endParaRPr lang="en-US" altLang="ko-KR" dirty="0" smtClean="0"/>
+          </a:p>
+          <a:p>
+            <a:pPr marL="609600" lvl="1" indent="-342900">
+              <a:buClr>
+                <a:schemeClr val="tx1">
+                  <a:lumMod val="50000"/>
+                  <a:lumOff val="50000"/>
+                </a:schemeClr>
+              </a:buClr>
+              <a:buFont typeface="+mj-lt"/>
+              <a:buAutoNum type="arabicPeriod"/>
+            </a:pPr>
+            <a:r>
+              <a:rPr lang="ko-KR" altLang="en-US" dirty="0" smtClean="0">
+                <a:solidFill>
+                  <a:srgbClr val="0000FF"/>
+                </a:solidFill>
+              </a:rPr>
+              <a:t>프로젝트</a:t>
+            </a:r>
+            <a:r>
+              <a:rPr lang="ko-KR" altLang="en-US" dirty="0" smtClean="0"/>
+              <a:t> </a:t>
+            </a:r>
+            <a:r>
+              <a:rPr lang="ko-KR" altLang="en-US" dirty="0"/>
+              <a:t>이름 입력</a:t>
+            </a:r>
+            <a:r>
+              <a:rPr lang="en-US" altLang="ko-KR" dirty="0"/>
+              <a:t>: </a:t>
+            </a:r>
+            <a:endParaRPr lang="en-US" altLang="ko-KR" dirty="0" smtClean="0"/>
+          </a:p>
+          <a:p>
+            <a:endParaRPr lang="ko-KR" altLang="en-US" dirty="0"/>
+          </a:p>
+        </p:txBody>
+      </p:sp>
+    </p:spTree>
+    <p:extLst>
+      <p:ext uri="{BB962C8B-B14F-4D97-AF65-F5344CB8AC3E}">
+        <p14:creationId xmlns:p14="http://schemas.microsoft.com/office/powerpoint/2010/main" val="2239061091"/>
       </p:ext>
     </p:extLst>
   </p:cSld>

--- a/git및github첫걸음.pptx
+++ b/git및github첫걸음.pptx
@@ -252,7 +252,7 @@
           <a:p>
             <a:fld id="{A17B9194-BDE3-40E3-983E-94CE6FA773AF}" type="datetimeFigureOut">
               <a:rPr lang="ko-KR" altLang="en-US" smtClean="0"/>
-              <a:t>2021-03-26</a:t>
+              <a:t>2021-03-27</a:t>
             </a:fld>
             <a:endParaRPr lang="ko-KR" altLang="en-US"/>
           </a:p>
@@ -5006,7 +5006,7 @@
           <a:p>
             <a:fld id="{30E72A5D-AC2D-4154-80BD-D3C3745E4EB5}" type="datetimeFigureOut">
               <a:rPr lang="ko-KR" altLang="en-US" smtClean="0"/>
-              <a:t>2021-03-26</a:t>
+              <a:t>2021-03-27</a:t>
             </a:fld>
             <a:endParaRPr lang="ko-KR" altLang="en-US"/>
           </a:p>
@@ -5219,7 +5219,7 @@
           <a:p>
             <a:fld id="{30E72A5D-AC2D-4154-80BD-D3C3745E4EB5}" type="datetimeFigureOut">
               <a:rPr lang="ko-KR" altLang="en-US" smtClean="0"/>
-              <a:t>2021-03-26</a:t>
+              <a:t>2021-03-27</a:t>
             </a:fld>
             <a:endParaRPr lang="ko-KR" altLang="en-US"/>
           </a:p>
@@ -7513,11 +7513,7 @@
             </a:r>
             <a:r>
               <a:rPr lang="ko-KR" altLang="en-US" dirty="0" smtClean="0"/>
-              <a:t>텍스트 파일</a:t>
-            </a:r>
-            <a:r>
-              <a:rPr lang="ko-KR" altLang="en-US" dirty="0" smtClean="0"/>
-              <a:t> 작성</a:t>
+              <a:t>텍스트 파일 작성</a:t>
             </a:r>
             <a:endParaRPr lang="en-US" altLang="ko-KR" dirty="0"/>
           </a:p>
@@ -7784,13 +7780,7 @@
               <a:rPr lang="en-US" altLang="ko-KR" dirty="0" smtClean="0">
                 <a:latin typeface="+mn-ea"/>
               </a:rPr>
-              <a:t>new </a:t>
-            </a:r>
-            <a:r>
-              <a:rPr lang="en-US" altLang="ko-KR" dirty="0" smtClean="0">
-                <a:latin typeface="+mn-ea"/>
-              </a:rPr>
-              <a:t>file</a:t>
+              <a:t>new file</a:t>
             </a:r>
             <a:r>
               <a:rPr lang="ko-KR" altLang="en-US" dirty="0" smtClean="0">
@@ -8054,13 +8044,7 @@
               <a:rPr lang="ko-KR" altLang="en-US" dirty="0" smtClean="0">
                 <a:latin typeface="+mn-ea"/>
               </a:rPr>
-              <a:t>입력</a:t>
-            </a:r>
-            <a:r>
-              <a:rPr lang="ko-KR" altLang="en-US" dirty="0" smtClean="0">
-                <a:latin typeface="+mn-ea"/>
-              </a:rPr>
-              <a:t> </a:t>
+              <a:t>입력 </a:t>
             </a:r>
             <a:r>
               <a:rPr lang="ko-KR" altLang="en-US" dirty="0">
@@ -10619,7 +10603,6 @@
               <a:rPr lang="en-US" altLang="ko-KR" dirty="0" smtClean="0"/>
               <a:t>p1.txt</a:t>
             </a:r>
-            <a:endParaRPr lang="en-US" altLang="ko-KR" dirty="0" smtClean="0"/>
           </a:p>
           <a:p>
             <a:pPr marL="357188" lvl="1" indent="0">
@@ -10807,13 +10790,7 @@
               <a:rPr lang="en-US" altLang="ko-KR" dirty="0" err="1" smtClean="0">
                 <a:latin typeface="+mn-ea"/>
               </a:rPr>
-              <a:t>c</a:t>
-            </a:r>
-            <a:r>
-              <a:rPr lang="en-US" altLang="ko-KR" dirty="0" err="1" smtClean="0">
-                <a:latin typeface="+mn-ea"/>
-              </a:rPr>
-              <a:t>rlf</a:t>
+              <a:t>crlf</a:t>
             </a:r>
             <a:r>
               <a:rPr lang="en-US" altLang="ko-KR" dirty="0" smtClean="0">
@@ -10851,13 +10828,7 @@
               <a:rPr lang="en-US" altLang="ko-KR" dirty="0">
                 <a:latin typeface="+mn-ea"/>
               </a:rPr>
-              <a:t>   ☞ git status </a:t>
-            </a:r>
-            <a:r>
-              <a:rPr lang="en-US" altLang="ko-KR" dirty="0">
-                <a:latin typeface="+mn-ea"/>
-              </a:rPr>
-              <a:t>: </a:t>
+              <a:t>   ☞ git status : </a:t>
             </a:r>
             <a:r>
               <a:rPr lang="ko-KR" altLang="en-US" dirty="0">
@@ -14539,6 +14510,44 @@
           </a:p>
         </p:txBody>
       </p:sp>
+      <p:sp>
+        <p:nvSpPr>
+          <p:cNvPr id="6" name="TextBox 5"/>
+          <p:cNvSpPr txBox="1"/>
+          <p:nvPr/>
+        </p:nvSpPr>
+        <p:spPr>
+          <a:xfrm>
+            <a:off x="5266028" y="1117600"/>
+            <a:ext cx="646331" cy="369332"/>
+          </a:xfrm>
+          <a:prstGeom prst="rect">
+            <a:avLst/>
+          </a:prstGeom>
+          <a:noFill/>
+        </p:spPr>
+        <p:txBody>
+          <a:bodyPr wrap="none" rtlCol="0">
+            <a:spAutoFit/>
+          </a:bodyPr>
+          <a:lstStyle/>
+          <a:p>
+            <a:r>
+              <a:rPr lang="ko-KR" altLang="en-US" b="1" dirty="0" smtClean="0">
+                <a:solidFill>
+                  <a:srgbClr val="FF0000"/>
+                </a:solidFill>
+              </a:rPr>
+              <a:t>완료</a:t>
+            </a:r>
+            <a:endParaRPr lang="ko-KR" altLang="en-US" b="1" dirty="0">
+              <a:solidFill>
+                <a:srgbClr val="FF0000"/>
+              </a:solidFill>
+            </a:endParaRPr>
+          </a:p>
+        </p:txBody>
+      </p:sp>
     </p:spTree>
     <p:extLst>
       <p:ext uri="{BB962C8B-B14F-4D97-AF65-F5344CB8AC3E}">
@@ -14841,13 +14850,13 @@
               <a:t> </a:t>
             </a:r>
             <a:r>
-              <a:rPr lang="ko-KR" altLang="en-US" dirty="0" smtClean="0">
+              <a:rPr lang="ko-KR" altLang="en-US" b="1" dirty="0" smtClean="0">
                 <a:latin typeface="+mn-ea"/>
               </a:rPr>
               <a:t>방법 </a:t>
             </a:r>
             <a:r>
-              <a:rPr lang="en-US" altLang="ko-KR" dirty="0" smtClean="0">
+              <a:rPr lang="en-US" altLang="ko-KR" b="1" dirty="0" smtClean="0">
                 <a:latin typeface="+mn-ea"/>
               </a:rPr>
               <a:t>1 : </a:t>
@@ -15104,13 +15113,7 @@
               <a:rPr lang="ko-KR" altLang="en-US" dirty="0">
                 <a:latin typeface="+mn-ea"/>
               </a:rPr>
-              <a:t>어딘 가에 </a:t>
-            </a:r>
-            <a:r>
-              <a:rPr lang="ko-KR" altLang="en-US" dirty="0">
-                <a:latin typeface="+mn-ea"/>
-              </a:rPr>
-              <a:t>저장되어 있으나 </a:t>
+              <a:t>어딘 가에 저장되어 있으나 </a:t>
             </a:r>
             <a:r>
               <a:rPr lang="en-US" altLang="ko-KR" dirty="0">
@@ -15232,6 +15235,104 @@
               </a:buClr>
               <a:buNone/>
             </a:pPr>
+            <a:r>
+              <a:rPr lang="en-US" altLang="ko-KR" dirty="0" smtClean="0">
+                <a:latin typeface="+mn-ea"/>
+              </a:rPr>
+              <a:t>  </a:t>
+            </a:r>
+            <a:r>
+              <a:rPr lang="ko-KR" altLang="en-US" b="1" dirty="0">
+                <a:latin typeface="+mn-ea"/>
+              </a:rPr>
+              <a:t>방법 </a:t>
+            </a:r>
+            <a:r>
+              <a:rPr lang="en-US" altLang="ko-KR" b="1" dirty="0" smtClean="0">
+                <a:latin typeface="+mn-ea"/>
+              </a:rPr>
+              <a:t>2 </a:t>
+            </a:r>
+            <a:r>
+              <a:rPr lang="en-US" altLang="ko-KR" b="1" dirty="0">
+                <a:latin typeface="+mn-ea"/>
+              </a:rPr>
+              <a:t>: </a:t>
+            </a:r>
+            <a:endParaRPr lang="en-US" altLang="ko-KR" b="1" dirty="0" smtClean="0">
+              <a:latin typeface="+mn-ea"/>
+            </a:endParaRPr>
+          </a:p>
+          <a:p>
+            <a:pPr marL="355600" lvl="1" indent="0">
+              <a:spcBef>
+                <a:spcPts val="0"/>
+              </a:spcBef>
+              <a:spcAft>
+                <a:spcPts val="0"/>
+              </a:spcAft>
+              <a:buClr>
+                <a:schemeClr val="tx1">
+                  <a:lumMod val="50000"/>
+                  <a:lumOff val="50000"/>
+                </a:schemeClr>
+              </a:buClr>
+              <a:buNone/>
+            </a:pPr>
+            <a:r>
+              <a:rPr lang="en-US" altLang="ko-KR" dirty="0" smtClean="0">
+                <a:latin typeface="+mn-ea"/>
+              </a:rPr>
+              <a:t>    </a:t>
+            </a:r>
+            <a:r>
+              <a:rPr lang="en-US" altLang="ko-KR" dirty="0">
+                <a:latin typeface="+mn-ea"/>
+              </a:rPr>
+              <a:t>☞ </a:t>
+            </a:r>
+            <a:r>
+              <a:rPr lang="en-US" altLang="ko-KR" dirty="0" smtClean="0">
+                <a:latin typeface="+mn-ea"/>
+              </a:rPr>
+              <a:t> </a:t>
+            </a:r>
+            <a:r>
+              <a:rPr lang="en-US" altLang="ko-KR" dirty="0" err="1" smtClean="0">
+                <a:latin typeface="+mn-ea"/>
+              </a:rPr>
+              <a:t>git</a:t>
+            </a:r>
+            <a:r>
+              <a:rPr lang="en-US" altLang="ko-KR" dirty="0" smtClean="0">
+                <a:latin typeface="+mn-ea"/>
+              </a:rPr>
+              <a:t> checkout </a:t>
+            </a:r>
+            <a:r>
+              <a:rPr lang="en-US" altLang="ko-KR" dirty="0">
+                <a:latin typeface="+mn-ea"/>
+              </a:rPr>
+              <a:t>&lt;commit ID1</a:t>
+            </a:r>
+            <a:r>
+              <a:rPr lang="en-US" altLang="ko-KR" dirty="0" smtClean="0">
+                <a:latin typeface="+mn-ea"/>
+              </a:rPr>
+              <a:t>&gt; : checkout </a:t>
+            </a:r>
+            <a:r>
+              <a:rPr lang="ko-KR" altLang="en-US" dirty="0" smtClean="0">
+                <a:latin typeface="+mn-ea"/>
+              </a:rPr>
+              <a:t>명령어 습득 후 </a:t>
+            </a:r>
+            <a:r>
+              <a:rPr lang="ko-KR" altLang="en-US" dirty="0" smtClean="0">
+                <a:latin typeface="+mn-ea"/>
+              </a:rPr>
+              <a:t>실습</a:t>
+            </a:r>
             <a:endParaRPr lang="en-US" altLang="ko-KR" dirty="0" smtClean="0">
               <a:latin typeface="+mn-ea"/>
             </a:endParaRPr>
@@ -15253,28 +15354,64 @@
               <a:buNone/>
             </a:pPr>
             <a:r>
+              <a:rPr lang="en-US" altLang="ko-KR" dirty="0">
+                <a:latin typeface="+mn-ea"/>
+              </a:rPr>
+              <a:t> </a:t>
+            </a:r>
+            <a:r>
               <a:rPr lang="en-US" altLang="ko-KR" dirty="0" smtClean="0">
                 <a:latin typeface="+mn-ea"/>
               </a:rPr>
-              <a:t>  </a:t>
+              <a:t>      </a:t>
+            </a:r>
+            <a:r>
+              <a:rPr lang="en-US" altLang="ko-KR" dirty="0">
+                <a:latin typeface="+mn-ea"/>
+              </a:rPr>
+              <a:t>※  </a:t>
+            </a:r>
+            <a:r>
+              <a:rPr lang="en-US" altLang="ko-KR" dirty="0" smtClean="0">
+                <a:latin typeface="+mn-ea"/>
+              </a:rPr>
+              <a:t>detached HEAD</a:t>
             </a:r>
             <a:r>
               <a:rPr lang="ko-KR" altLang="en-US" dirty="0">
                 <a:latin typeface="+mn-ea"/>
               </a:rPr>
-              <a:t>방법 </a:t>
+              <a:t> </a:t>
+            </a:r>
+            <a:r>
+              <a:rPr lang="ko-KR" altLang="en-US" dirty="0" smtClean="0">
+                <a:latin typeface="+mn-ea"/>
+              </a:rPr>
+              <a:t>발생</a:t>
             </a:r>
             <a:r>
               <a:rPr lang="en-US" altLang="ko-KR" dirty="0" smtClean="0">
                 <a:latin typeface="+mn-ea"/>
               </a:rPr>
-              <a:t>2 </a:t>
-            </a:r>
-            <a:r>
-              <a:rPr lang="en-US" altLang="ko-KR" dirty="0">
-                <a:latin typeface="+mn-ea"/>
-              </a:rPr>
-              <a:t>: </a:t>
+              <a:t>. </a:t>
+            </a:r>
+            <a:r>
+              <a:rPr lang="ko-KR" altLang="en-US" dirty="0" smtClean="0">
+                <a:latin typeface="+mn-ea"/>
+              </a:rPr>
+              <a:t>살려서 계속 작업을 해야 한다면 신규 </a:t>
+            </a:r>
+            <a:r>
+              <a:rPr lang="ko-KR" altLang="en-US" dirty="0" err="1" smtClean="0">
+                <a:latin typeface="+mn-ea"/>
+              </a:rPr>
+              <a:t>브랜치</a:t>
+            </a:r>
+            <a:r>
+              <a:rPr lang="ko-KR" altLang="en-US" dirty="0" smtClean="0">
+                <a:latin typeface="+mn-ea"/>
+              </a:rPr>
+              <a:t> 생성</a:t>
             </a:r>
             <a:endParaRPr lang="en-US" altLang="ko-KR" dirty="0" smtClean="0">
               <a:latin typeface="+mn-ea"/>
@@ -15297,52 +15434,58 @@
               <a:buNone/>
             </a:pPr>
             <a:r>
+              <a:rPr lang="en-US" altLang="ko-KR" dirty="0">
+                <a:latin typeface="+mn-ea"/>
+              </a:rPr>
+              <a:t> </a:t>
+            </a:r>
+            <a:r>
               <a:rPr lang="en-US" altLang="ko-KR" dirty="0" smtClean="0">
                 <a:latin typeface="+mn-ea"/>
               </a:rPr>
-              <a:t>    </a:t>
+              <a:t>          </a:t>
+            </a:r>
+            <a:r>
+              <a:rPr lang="ko-KR" altLang="en-US" dirty="0" smtClean="0">
+                <a:latin typeface="+mn-ea"/>
+              </a:rPr>
+              <a:t>→ </a:t>
+            </a:r>
+            <a:r>
+              <a:rPr lang="en-US" altLang="ko-KR" dirty="0" err="1" smtClean="0">
+                <a:latin typeface="+mn-ea"/>
+              </a:rPr>
+              <a:t>git</a:t>
+            </a:r>
+            <a:r>
+              <a:rPr lang="en-US" altLang="ko-KR" dirty="0" smtClean="0">
+                <a:latin typeface="+mn-ea"/>
+              </a:rPr>
+              <a:t> </a:t>
             </a:r>
             <a:r>
               <a:rPr lang="en-US" altLang="ko-KR" dirty="0">
                 <a:latin typeface="+mn-ea"/>
               </a:rPr>
-              <a:t>☞ </a:t>
+              <a:t>checkout -b </a:t>
             </a:r>
             <a:r>
               <a:rPr lang="en-US" altLang="ko-KR" dirty="0" smtClean="0">
                 <a:latin typeface="+mn-ea"/>
               </a:rPr>
-              <a:t> </a:t>
-            </a:r>
-            <a:r>
-              <a:rPr lang="en-US" altLang="ko-KR" dirty="0" err="1" smtClean="0">
-                <a:latin typeface="+mn-ea"/>
-              </a:rPr>
-              <a:t>git</a:t>
+              <a:t>‘</a:t>
+            </a:r>
+            <a:r>
+              <a:rPr lang="ko-KR" altLang="en-US" dirty="0" smtClean="0">
+                <a:latin typeface="+mn-ea"/>
+              </a:rPr>
+              <a:t>신규브랜치명</a:t>
             </a:r>
             <a:r>
               <a:rPr lang="en-US" altLang="ko-KR" dirty="0" smtClean="0">
                 <a:latin typeface="+mn-ea"/>
               </a:rPr>
-              <a:t> checkout </a:t>
-            </a:r>
-            <a:r>
-              <a:rPr lang="en-US" altLang="ko-KR" dirty="0">
-                <a:latin typeface="+mn-ea"/>
-              </a:rPr>
-              <a:t>&lt;commit ID1</a:t>
-            </a:r>
-            <a:r>
-              <a:rPr lang="en-US" altLang="ko-KR" dirty="0" smtClean="0">
-                <a:latin typeface="+mn-ea"/>
-              </a:rPr>
-              <a:t>&gt; : checkout </a:t>
-            </a:r>
-            <a:r>
-              <a:rPr lang="ko-KR" altLang="en-US" dirty="0" smtClean="0">
-                <a:latin typeface="+mn-ea"/>
-              </a:rPr>
-              <a:t>명령어 습득 후 실습</a:t>
+              <a:t>’ &lt;commit ID1&gt;</a:t>
             </a:r>
             <a:endParaRPr lang="en-US" altLang="ko-KR" dirty="0">
               <a:latin typeface="+mn-ea"/>
@@ -15413,6 +15556,44 @@
             </a:pPr>
             <a:endParaRPr lang="ko-KR" altLang="en-US" dirty="0">
               <a:latin typeface="+mn-ea"/>
+            </a:endParaRPr>
+          </a:p>
+        </p:txBody>
+      </p:sp>
+      <p:sp>
+        <p:nvSpPr>
+          <p:cNvPr id="6" name="TextBox 5"/>
+          <p:cNvSpPr txBox="1"/>
+          <p:nvPr/>
+        </p:nvSpPr>
+        <p:spPr>
+          <a:xfrm>
+            <a:off x="3945228" y="1092200"/>
+            <a:ext cx="646331" cy="369332"/>
+          </a:xfrm>
+          <a:prstGeom prst="rect">
+            <a:avLst/>
+          </a:prstGeom>
+          <a:noFill/>
+        </p:spPr>
+        <p:txBody>
+          <a:bodyPr wrap="none" rtlCol="0">
+            <a:spAutoFit/>
+          </a:bodyPr>
+          <a:lstStyle/>
+          <a:p>
+            <a:r>
+              <a:rPr lang="ko-KR" altLang="en-US" b="1" dirty="0" smtClean="0">
+                <a:solidFill>
+                  <a:srgbClr val="FF0000"/>
+                </a:solidFill>
+              </a:rPr>
+              <a:t>완료</a:t>
+            </a:r>
+            <a:endParaRPr lang="ko-KR" altLang="en-US" b="1" dirty="0">
+              <a:solidFill>
+                <a:srgbClr val="FF0000"/>
+              </a:solidFill>
             </a:endParaRPr>
           </a:p>
         </p:txBody>
@@ -15700,11 +15881,7 @@
             </a:r>
             <a:r>
               <a:rPr lang="en-US" altLang="ko-KR" dirty="0" smtClean="0"/>
-              <a:t>-v </a:t>
-            </a:r>
-            <a:r>
-              <a:rPr lang="en-US" altLang="ko-KR" dirty="0" smtClean="0"/>
-              <a:t>: </a:t>
+              <a:t>-v : </a:t>
             </a:r>
             <a:r>
               <a:rPr lang="ko-KR" altLang="en-US" dirty="0" smtClean="0"/>
@@ -16048,9 +16225,6 @@
               </a:rPr>
               <a:t>  </a:t>
             </a:r>
-            <a:endParaRPr lang="en-US" altLang="ko-KR" dirty="0" smtClean="0">
-              <a:latin typeface="+mn-ea"/>
-            </a:endParaRPr>
           </a:p>
           <a:p>
             <a:pPr marL="357188" lvl="1" indent="0">
@@ -16102,13 +16276,7 @@
               <a:rPr lang="ko-KR" altLang="en-US" dirty="0" smtClean="0">
                 <a:latin typeface="+mn-ea"/>
               </a:rPr>
-              <a:t>으로 </a:t>
-            </a:r>
-            <a:r>
-              <a:rPr lang="ko-KR" altLang="en-US" dirty="0" smtClean="0">
-                <a:latin typeface="+mn-ea"/>
-              </a:rPr>
-              <a:t>변경되어 가리키는 것을 확인</a:t>
+              <a:t>으로 변경되어 가리키는 것을 확인</a:t>
             </a:r>
             <a:endParaRPr lang="en-US" altLang="ko-KR" dirty="0" smtClean="0">
               <a:latin typeface="+mn-ea"/>
@@ -16408,13 +16576,7 @@
               <a:rPr lang="en-US" altLang="ko-KR" dirty="0">
                 <a:latin typeface="+mn-ea"/>
               </a:rPr>
-              <a:t> </a:t>
-            </a:r>
-            <a:r>
-              <a:rPr lang="en-US" altLang="ko-KR" dirty="0">
-                <a:latin typeface="+mn-ea"/>
-              </a:rPr>
-              <a:t>  ☞ </a:t>
+              <a:t>   ☞ </a:t>
             </a:r>
             <a:r>
               <a:rPr lang="en-US" altLang="ko-KR" dirty="0" err="1" smtClean="0">
@@ -17373,13 +17535,7 @@
               <a:rPr lang="en-US" altLang="ko-KR" dirty="0">
                 <a:latin typeface="+mn-ea"/>
               </a:rPr>
-              <a:t> </a:t>
-            </a:r>
-            <a:r>
-              <a:rPr lang="en-US" altLang="ko-KR" dirty="0">
-                <a:latin typeface="+mn-ea"/>
-              </a:rPr>
-              <a:t>    </a:t>
+              <a:t>     </a:t>
             </a:r>
             <a:r>
               <a:rPr lang="en-US" altLang="ko-KR" dirty="0" smtClean="0">
@@ -17474,13 +17630,7 @@
               <a:rPr lang="en-US" altLang="ko-KR" dirty="0">
                 <a:latin typeface="+mn-ea"/>
               </a:rPr>
-              <a:t> </a:t>
-            </a:r>
-            <a:r>
-              <a:rPr lang="en-US" altLang="ko-KR" dirty="0">
-                <a:latin typeface="+mn-ea"/>
-              </a:rPr>
-              <a:t>  </a:t>
+              <a:t>   </a:t>
             </a:r>
             <a:r>
               <a:rPr lang="en-US" altLang="ko-KR" dirty="0" smtClean="0">
@@ -17669,9 +17819,6 @@
               </a:rPr>
               <a:t> status </a:t>
             </a:r>
-            <a:endParaRPr lang="en-US" altLang="ko-KR" dirty="0">
-              <a:latin typeface="+mn-ea"/>
-            </a:endParaRPr>
           </a:p>
           <a:p>
             <a:pPr marL="357188" lvl="1" indent="0">
@@ -17997,19 +18144,7 @@
               <a:rPr lang="en-US" altLang="ko-KR" dirty="0" smtClean="0">
                 <a:latin typeface="+mn-ea"/>
               </a:rPr>
-              <a:t>main</a:t>
-            </a:r>
-            <a:r>
-              <a:rPr lang="en-US" altLang="ko-KR" dirty="0" smtClean="0">
-                <a:latin typeface="+mn-ea"/>
-              </a:rPr>
-              <a:t> </a:t>
-            </a:r>
-            <a:r>
-              <a:rPr lang="en-US" altLang="ko-KR" dirty="0" smtClean="0">
-                <a:latin typeface="+mn-ea"/>
-              </a:rPr>
-              <a:t>br1</a:t>
+              <a:t>main br1</a:t>
             </a:r>
             <a:r>
               <a:rPr lang="ko-KR" altLang="en-US" dirty="0" smtClean="0">
@@ -18169,44 +18304,6 @@
               <a:t>            </a:t>
             </a:r>
             <a:endParaRPr lang="en-US" altLang="ko-KR" sz="1600" b="0" dirty="0"/>
-          </a:p>
-        </p:txBody>
-      </p:sp>
-      <p:sp>
-        <p:nvSpPr>
-          <p:cNvPr id="2" name="TextBox 1"/>
-          <p:cNvSpPr txBox="1"/>
-          <p:nvPr/>
-        </p:nvSpPr>
-        <p:spPr>
-          <a:xfrm>
-            <a:off x="2984500" y="5524500"/>
-            <a:ext cx="1781257" cy="400110"/>
-          </a:xfrm>
-          <a:prstGeom prst="rect">
-            <a:avLst/>
-          </a:prstGeom>
-          <a:noFill/>
-        </p:spPr>
-        <p:txBody>
-          <a:bodyPr wrap="none" rtlCol="0">
-            <a:spAutoFit/>
-          </a:bodyPr>
-          <a:lstStyle/>
-          <a:p>
-            <a:r>
-              <a:rPr lang="ko-KR" altLang="en-US" sz="2000" b="1" dirty="0" smtClean="0">
-                <a:solidFill>
-                  <a:srgbClr val="FF0000"/>
-                </a:solidFill>
-              </a:rPr>
-              <a:t>여기까지 정리</a:t>
-            </a:r>
-            <a:endParaRPr lang="ko-KR" altLang="en-US" sz="2000" b="1" dirty="0">
-              <a:solidFill>
-                <a:srgbClr val="FF0000"/>
-              </a:solidFill>
-            </a:endParaRPr>
           </a:p>
         </p:txBody>
       </p:sp>
